--- a/CPlusPlus/Tbb/tbb.pptx
+++ b/CPlusPlus/Tbb/tbb.pptx
@@ -5,11 +5,22 @@
     <p:sldMasterId id="2147483648" r:id="rId1"/>
     <p:sldMasterId id="2147483660" r:id="rId2"/>
   </p:sldMasterIdLst>
+  <p:notesMasterIdLst>
+    <p:notesMasterId r:id="rId15"/>
+  </p:notesMasterIdLst>
   <p:sldIdLst>
     <p:sldId id="259" r:id="rId3"/>
     <p:sldId id="257" r:id="rId4"/>
     <p:sldId id="258" r:id="rId5"/>
     <p:sldId id="260" r:id="rId6"/>
+    <p:sldId id="261" r:id="rId7"/>
+    <p:sldId id="264" r:id="rId8"/>
+    <p:sldId id="265" r:id="rId9"/>
+    <p:sldId id="266" r:id="rId10"/>
+    <p:sldId id="267" r:id="rId11"/>
+    <p:sldId id="268" r:id="rId12"/>
+    <p:sldId id="262" r:id="rId13"/>
+    <p:sldId id="263" r:id="rId14"/>
   </p:sldIdLst>
   <p:sldSz cx="12192000" cy="6858000"/>
   <p:notesSz cx="6858000" cy="9144000"/>
@@ -108,7 +119,362 @@
       </a:defRPr>
     </a:lvl9pPr>
   </p:defaultTextStyle>
+  <p:extLst>
+    <p:ext uri="{EFAFB233-063F-42B5-8137-9DF3F51BA10A}">
+      <p15:sldGuideLst xmlns:p15="http://schemas.microsoft.com/office/powerpoint/2012/main"/>
+    </p:ext>
+  </p:extLst>
 </p:presentation>
+</file>
+
+<file path=ppt/notesMasters/notesMaster1.xml><?xml version="1.0" encoding="utf-8"?>
+<p:notesMaster xmlns:a="http://schemas.openxmlformats.org/drawingml/2006/main" xmlns:r="http://schemas.openxmlformats.org/officeDocument/2006/relationships" xmlns:p="http://schemas.openxmlformats.org/presentationml/2006/main">
+  <p:cSld>
+    <p:bg>
+      <p:bgRef idx="1001">
+        <a:schemeClr val="bg1"/>
+      </p:bgRef>
+    </p:bg>
+    <p:spTree>
+      <p:nvGrpSpPr>
+        <p:cNvPr id="1" name=""/>
+        <p:cNvGrpSpPr/>
+        <p:nvPr/>
+      </p:nvGrpSpPr>
+      <p:grpSpPr>
+        <a:xfrm>
+          <a:off x="0" y="0"/>
+          <a:ext cx="0" cy="0"/>
+          <a:chOff x="0" y="0"/>
+          <a:chExt cx="0" cy="0"/>
+        </a:xfrm>
+      </p:grpSpPr>
+      <p:sp>
+        <p:nvSpPr>
+          <p:cNvPr id="2" name="Header Placeholder 1"/>
+          <p:cNvSpPr>
+            <a:spLocks noGrp="1"/>
+          </p:cNvSpPr>
+          <p:nvPr>
+            <p:ph type="hdr" sz="quarter"/>
+          </p:nvPr>
+        </p:nvSpPr>
+        <p:spPr>
+          <a:xfrm>
+            <a:off x="0" y="0"/>
+            <a:ext cx="2971800" cy="458788"/>
+          </a:xfrm>
+          <a:prstGeom prst="rect">
+            <a:avLst/>
+          </a:prstGeom>
+        </p:spPr>
+        <p:txBody>
+          <a:bodyPr vert="horz" lIns="91440" tIns="45720" rIns="91440" bIns="45720" rtlCol="0"/>
+          <a:lstStyle>
+            <a:lvl1pPr algn="l">
+              <a:defRPr sz="1200"/>
+            </a:lvl1pPr>
+          </a:lstStyle>
+          <a:p>
+            <a:endParaRPr lang="en-US"/>
+          </a:p>
+        </p:txBody>
+      </p:sp>
+      <p:sp>
+        <p:nvSpPr>
+          <p:cNvPr id="3" name="Date Placeholder 2"/>
+          <p:cNvSpPr>
+            <a:spLocks noGrp="1"/>
+          </p:cNvSpPr>
+          <p:nvPr>
+            <p:ph type="dt" idx="1"/>
+          </p:nvPr>
+        </p:nvSpPr>
+        <p:spPr>
+          <a:xfrm>
+            <a:off x="3884613" y="0"/>
+            <a:ext cx="2971800" cy="458788"/>
+          </a:xfrm>
+          <a:prstGeom prst="rect">
+            <a:avLst/>
+          </a:prstGeom>
+        </p:spPr>
+        <p:txBody>
+          <a:bodyPr vert="horz" lIns="91440" tIns="45720" rIns="91440" bIns="45720" rtlCol="0"/>
+          <a:lstStyle>
+            <a:lvl1pPr algn="r">
+              <a:defRPr sz="1200"/>
+            </a:lvl1pPr>
+          </a:lstStyle>
+          <a:p>
+            <a:fld id="{72A559F6-5B7D-4313-A416-AF59A4E68915}" type="datetimeFigureOut">
+              <a:rPr lang="en-US" smtClean="0"/>
+              <a:t>5/27/2019</a:t>
+            </a:fld>
+            <a:endParaRPr lang="en-US"/>
+          </a:p>
+        </p:txBody>
+      </p:sp>
+      <p:sp>
+        <p:nvSpPr>
+          <p:cNvPr id="4" name="Slide Image Placeholder 3"/>
+          <p:cNvSpPr>
+            <a:spLocks noGrp="1" noRot="1" noChangeAspect="1"/>
+          </p:cNvSpPr>
+          <p:nvPr>
+            <p:ph type="sldImg" idx="2"/>
+          </p:nvPr>
+        </p:nvSpPr>
+        <p:spPr>
+          <a:xfrm>
+            <a:off x="685800" y="1143000"/>
+            <a:ext cx="5486400" cy="3086100"/>
+          </a:xfrm>
+          <a:prstGeom prst="rect">
+            <a:avLst/>
+          </a:prstGeom>
+          <a:noFill/>
+          <a:ln w="12700">
+            <a:solidFill>
+              <a:prstClr val="black"/>
+            </a:solidFill>
+          </a:ln>
+        </p:spPr>
+        <p:txBody>
+          <a:bodyPr vert="horz" lIns="91440" tIns="45720" rIns="91440" bIns="45720" rtlCol="0" anchor="ctr"/>
+          <a:lstStyle/>
+          <a:p>
+            <a:endParaRPr lang="en-US"/>
+          </a:p>
+        </p:txBody>
+      </p:sp>
+      <p:sp>
+        <p:nvSpPr>
+          <p:cNvPr id="5" name="Notes Placeholder 4"/>
+          <p:cNvSpPr>
+            <a:spLocks noGrp="1"/>
+          </p:cNvSpPr>
+          <p:nvPr>
+            <p:ph type="body" sz="quarter" idx="3"/>
+          </p:nvPr>
+        </p:nvSpPr>
+        <p:spPr>
+          <a:xfrm>
+            <a:off x="685800" y="4400550"/>
+            <a:ext cx="5486400" cy="3600450"/>
+          </a:xfrm>
+          <a:prstGeom prst="rect">
+            <a:avLst/>
+          </a:prstGeom>
+        </p:spPr>
+        <p:txBody>
+          <a:bodyPr vert="horz" lIns="91440" tIns="45720" rIns="91440" bIns="45720" rtlCol="0"/>
+          <a:lstStyle/>
+          <a:p>
+            <a:pPr lvl="0"/>
+            <a:r>
+              <a:rPr lang="en-US" smtClean="0"/>
+              <a:t>Edit Master text styles</a:t>
+            </a:r>
+          </a:p>
+          <a:p>
+            <a:pPr lvl="1"/>
+            <a:r>
+              <a:rPr lang="en-US" smtClean="0"/>
+              <a:t>Second level</a:t>
+            </a:r>
+          </a:p>
+          <a:p>
+            <a:pPr lvl="2"/>
+            <a:r>
+              <a:rPr lang="en-US" smtClean="0"/>
+              <a:t>Third level</a:t>
+            </a:r>
+          </a:p>
+          <a:p>
+            <a:pPr lvl="3"/>
+            <a:r>
+              <a:rPr lang="en-US" smtClean="0"/>
+              <a:t>Fourth level</a:t>
+            </a:r>
+          </a:p>
+          <a:p>
+            <a:pPr lvl="4"/>
+            <a:r>
+              <a:rPr lang="en-US" smtClean="0"/>
+              <a:t>Fifth level</a:t>
+            </a:r>
+            <a:endParaRPr lang="en-US"/>
+          </a:p>
+        </p:txBody>
+      </p:sp>
+      <p:sp>
+        <p:nvSpPr>
+          <p:cNvPr id="6" name="Footer Placeholder 5"/>
+          <p:cNvSpPr>
+            <a:spLocks noGrp="1"/>
+          </p:cNvSpPr>
+          <p:nvPr>
+            <p:ph type="ftr" sz="quarter" idx="4"/>
+          </p:nvPr>
+        </p:nvSpPr>
+        <p:spPr>
+          <a:xfrm>
+            <a:off x="0" y="8685213"/>
+            <a:ext cx="2971800" cy="458787"/>
+          </a:xfrm>
+          <a:prstGeom prst="rect">
+            <a:avLst/>
+          </a:prstGeom>
+        </p:spPr>
+        <p:txBody>
+          <a:bodyPr vert="horz" lIns="91440" tIns="45720" rIns="91440" bIns="45720" rtlCol="0" anchor="b"/>
+          <a:lstStyle>
+            <a:lvl1pPr algn="l">
+              <a:defRPr sz="1200"/>
+            </a:lvl1pPr>
+          </a:lstStyle>
+          <a:p>
+            <a:endParaRPr lang="en-US"/>
+          </a:p>
+        </p:txBody>
+      </p:sp>
+      <p:sp>
+        <p:nvSpPr>
+          <p:cNvPr id="7" name="Slide Number Placeholder 6"/>
+          <p:cNvSpPr>
+            <a:spLocks noGrp="1"/>
+          </p:cNvSpPr>
+          <p:nvPr>
+            <p:ph type="sldNum" sz="quarter" idx="5"/>
+          </p:nvPr>
+        </p:nvSpPr>
+        <p:spPr>
+          <a:xfrm>
+            <a:off x="3884613" y="8685213"/>
+            <a:ext cx="2971800" cy="458787"/>
+          </a:xfrm>
+          <a:prstGeom prst="rect">
+            <a:avLst/>
+          </a:prstGeom>
+        </p:spPr>
+        <p:txBody>
+          <a:bodyPr vert="horz" lIns="91440" tIns="45720" rIns="91440" bIns="45720" rtlCol="0" anchor="b"/>
+          <a:lstStyle>
+            <a:lvl1pPr algn="r">
+              <a:defRPr sz="1200"/>
+            </a:lvl1pPr>
+          </a:lstStyle>
+          <a:p>
+            <a:fld id="{4B5BBC49-73FB-490E-90F7-6ADF8B612C5B}" type="slidenum">
+              <a:rPr lang="en-US" smtClean="0"/>
+              <a:t>‹#›</a:t>
+            </a:fld>
+            <a:endParaRPr lang="en-US"/>
+          </a:p>
+        </p:txBody>
+      </p:sp>
+    </p:spTree>
+    <p:extLst>
+      <p:ext uri="{BB962C8B-B14F-4D97-AF65-F5344CB8AC3E}">
+        <p14:creationId xmlns:p14="http://schemas.microsoft.com/office/powerpoint/2010/main" val="1703657719"/>
+      </p:ext>
+    </p:extLst>
+  </p:cSld>
+  <p:clrMap bg1="lt1" tx1="dk1" bg2="lt2" tx2="dk2" accent1="accent1" accent2="accent2" accent3="accent3" accent4="accent4" accent5="accent5" accent6="accent6" hlink="hlink" folHlink="folHlink"/>
+  <p:notesStyle>
+    <a:lvl1pPr marL="0" algn="l" defTabSz="914400" rtl="0" eaLnBrk="1" latinLnBrk="0" hangingPunct="1">
+      <a:defRPr sz="1200" kern="1200">
+        <a:solidFill>
+          <a:schemeClr val="tx1"/>
+        </a:solidFill>
+        <a:latin typeface="+mn-lt"/>
+        <a:ea typeface="+mn-ea"/>
+        <a:cs typeface="+mn-cs"/>
+      </a:defRPr>
+    </a:lvl1pPr>
+    <a:lvl2pPr marL="457200" algn="l" defTabSz="914400" rtl="0" eaLnBrk="1" latinLnBrk="0" hangingPunct="1">
+      <a:defRPr sz="1200" kern="1200">
+        <a:solidFill>
+          <a:schemeClr val="tx1"/>
+        </a:solidFill>
+        <a:latin typeface="+mn-lt"/>
+        <a:ea typeface="+mn-ea"/>
+        <a:cs typeface="+mn-cs"/>
+      </a:defRPr>
+    </a:lvl2pPr>
+    <a:lvl3pPr marL="914400" algn="l" defTabSz="914400" rtl="0" eaLnBrk="1" latinLnBrk="0" hangingPunct="1">
+      <a:defRPr sz="1200" kern="1200">
+        <a:solidFill>
+          <a:schemeClr val="tx1"/>
+        </a:solidFill>
+        <a:latin typeface="+mn-lt"/>
+        <a:ea typeface="+mn-ea"/>
+        <a:cs typeface="+mn-cs"/>
+      </a:defRPr>
+    </a:lvl3pPr>
+    <a:lvl4pPr marL="1371600" algn="l" defTabSz="914400" rtl="0" eaLnBrk="1" latinLnBrk="0" hangingPunct="1">
+      <a:defRPr sz="1200" kern="1200">
+        <a:solidFill>
+          <a:schemeClr val="tx1"/>
+        </a:solidFill>
+        <a:latin typeface="+mn-lt"/>
+        <a:ea typeface="+mn-ea"/>
+        <a:cs typeface="+mn-cs"/>
+      </a:defRPr>
+    </a:lvl4pPr>
+    <a:lvl5pPr marL="1828800" algn="l" defTabSz="914400" rtl="0" eaLnBrk="1" latinLnBrk="0" hangingPunct="1">
+      <a:defRPr sz="1200" kern="1200">
+        <a:solidFill>
+          <a:schemeClr val="tx1"/>
+        </a:solidFill>
+        <a:latin typeface="+mn-lt"/>
+        <a:ea typeface="+mn-ea"/>
+        <a:cs typeface="+mn-cs"/>
+      </a:defRPr>
+    </a:lvl5pPr>
+    <a:lvl6pPr marL="2286000" algn="l" defTabSz="914400" rtl="0" eaLnBrk="1" latinLnBrk="0" hangingPunct="1">
+      <a:defRPr sz="1200" kern="1200">
+        <a:solidFill>
+          <a:schemeClr val="tx1"/>
+        </a:solidFill>
+        <a:latin typeface="+mn-lt"/>
+        <a:ea typeface="+mn-ea"/>
+        <a:cs typeface="+mn-cs"/>
+      </a:defRPr>
+    </a:lvl6pPr>
+    <a:lvl7pPr marL="2743200" algn="l" defTabSz="914400" rtl="0" eaLnBrk="1" latinLnBrk="0" hangingPunct="1">
+      <a:defRPr sz="1200" kern="1200">
+        <a:solidFill>
+          <a:schemeClr val="tx1"/>
+        </a:solidFill>
+        <a:latin typeface="+mn-lt"/>
+        <a:ea typeface="+mn-ea"/>
+        <a:cs typeface="+mn-cs"/>
+      </a:defRPr>
+    </a:lvl7pPr>
+    <a:lvl8pPr marL="3200400" algn="l" defTabSz="914400" rtl="0" eaLnBrk="1" latinLnBrk="0" hangingPunct="1">
+      <a:defRPr sz="1200" kern="1200">
+        <a:solidFill>
+          <a:schemeClr val="tx1"/>
+        </a:solidFill>
+        <a:latin typeface="+mn-lt"/>
+        <a:ea typeface="+mn-ea"/>
+        <a:cs typeface="+mn-cs"/>
+      </a:defRPr>
+    </a:lvl8pPr>
+    <a:lvl9pPr marL="3657600" algn="l" defTabSz="914400" rtl="0" eaLnBrk="1" latinLnBrk="0" hangingPunct="1">
+      <a:defRPr sz="1200" kern="1200">
+        <a:solidFill>
+          <a:schemeClr val="tx1"/>
+        </a:solidFill>
+        <a:latin typeface="+mn-lt"/>
+        <a:ea typeface="+mn-ea"/>
+        <a:cs typeface="+mn-cs"/>
+      </a:defRPr>
+    </a:lvl9pPr>
+  </p:notesStyle>
+</p:notesMaster>
 </file>
 
 <file path=ppt/slideLayouts/slideLayout1.xml><?xml version="1.0" encoding="utf-8"?>
@@ -240,9 +606,9 @@
           <a:bodyPr/>
           <a:lstStyle/>
           <a:p>
-            <a:fld id="{2B2CA1FC-CEDF-4916-92BE-EEA26108C0B3}" type="datetimeFigureOut">
-              <a:rPr lang="en-US" smtClean="0"/>
-              <a:t>5/21/2019</a:t>
+            <a:fld id="{10BAA852-CFF9-48BA-A628-AE9DB7CB9A88}" type="datetime1">
+              <a:rPr lang="en-US" smtClean="0"/>
+              <a:t>5/27/2019</a:t>
             </a:fld>
             <a:endParaRPr lang="en-US"/>
           </a:p>
@@ -410,9 +776,9 @@
           <a:bodyPr/>
           <a:lstStyle/>
           <a:p>
-            <a:fld id="{2B2CA1FC-CEDF-4916-92BE-EEA26108C0B3}" type="datetimeFigureOut">
-              <a:rPr lang="en-US" smtClean="0"/>
-              <a:t>5/21/2019</a:t>
+            <a:fld id="{6AE9B819-3E52-43A1-8A40-2B7C4C434AEB}" type="datetime1">
+              <a:rPr lang="en-US" smtClean="0"/>
+              <a:t>5/27/2019</a:t>
             </a:fld>
             <a:endParaRPr lang="en-US"/>
           </a:p>
@@ -590,9 +956,9 @@
           <a:bodyPr/>
           <a:lstStyle/>
           <a:p>
-            <a:fld id="{2B2CA1FC-CEDF-4916-92BE-EEA26108C0B3}" type="datetimeFigureOut">
-              <a:rPr lang="en-US" smtClean="0"/>
-              <a:t>5/21/2019</a:t>
+            <a:fld id="{8E838FA6-5F9F-4ECF-8918-25AD07791A8E}" type="datetime1">
+              <a:rPr lang="en-US" smtClean="0"/>
+              <a:t>5/27/2019</a:t>
             </a:fld>
             <a:endParaRPr lang="en-US"/>
           </a:p>
@@ -850,9 +1216,9 @@
           <a:bodyPr/>
           <a:lstStyle/>
           <a:p>
-            <a:fld id="{12D417FB-DB75-4510-8AD7-5416595AADD8}" type="datetime1">
-              <a:rPr lang="en-US" smtClean="0"/>
-              <a:t>5/21/2019</a:t>
+            <a:fld id="{E8BA1A0E-364C-4183-A995-0F7F3E7596BF}" type="datetime1">
+              <a:rPr lang="en-US" smtClean="0"/>
+              <a:t>5/27/2019</a:t>
             </a:fld>
             <a:endParaRPr lang="en-US"/>
           </a:p>
@@ -881,10 +1247,6 @@
           <a:bodyPr/>
           <a:lstStyle/>
           <a:p>
-            <a:r>
-              <a:rPr lang="en-US" smtClean="0"/>
-              <a:t>vscentrum.be</a:t>
-            </a:r>
             <a:endParaRPr lang="en-US"/>
           </a:p>
         </p:txBody>
@@ -1223,7 +1585,7 @@
       </p:par>
     </p:tnLst>
   </p:timing>
-  <p:extLst>
+  <p:extLst mod="1">
     <p:ext uri="{DCECCB84-F9BA-43D5-87BE-67443E8EF086}">
       <p15:sldGuideLst xmlns:p15="http://schemas.microsoft.com/office/powerpoint/2012/main">
         <p15:guide id="1" orient="horz" pos="2160">
@@ -1855,10 +2217,6 @@
           <a:bodyPr/>
           <a:lstStyle/>
           <a:p>
-            <a:r>
-              <a:rPr lang="en-US" dirty="0" smtClean="0"/>
-              <a:t>vscentrum.be</a:t>
-            </a:r>
             <a:endParaRPr lang="en-US" dirty="0"/>
           </a:p>
         </p:txBody>
@@ -1975,10 +2333,6 @@
           <a:bodyPr/>
           <a:lstStyle/>
           <a:p>
-            <a:r>
-              <a:rPr lang="en-US" smtClean="0"/>
-              <a:t>vscentrum.be</a:t>
-            </a:r>
             <a:endParaRPr lang="en-US"/>
           </a:p>
         </p:txBody>
@@ -2095,10 +2449,6 @@
           <a:bodyPr/>
           <a:lstStyle/>
           <a:p>
-            <a:r>
-              <a:rPr lang="en-US" smtClean="0"/>
-              <a:t>vscentrum.be</a:t>
-            </a:r>
             <a:endParaRPr lang="en-US"/>
           </a:p>
         </p:txBody>
@@ -2217,10 +2567,6 @@
           <a:bodyPr/>
           <a:lstStyle/>
           <a:p>
-            <a:r>
-              <a:rPr lang="en-US" smtClean="0"/>
-              <a:t>vscentrum.be</a:t>
-            </a:r>
             <a:endParaRPr lang="en-US"/>
           </a:p>
         </p:txBody>
@@ -2375,9 +2721,9 @@
           <a:bodyPr/>
           <a:lstStyle/>
           <a:p>
-            <a:fld id="{2B2CA1FC-CEDF-4916-92BE-EEA26108C0B3}" type="datetimeFigureOut">
-              <a:rPr lang="en-US" smtClean="0"/>
-              <a:t>5/21/2019</a:t>
+            <a:fld id="{4940FBB2-602E-4B42-A747-9CF7EF118304}" type="datetime1">
+              <a:rPr lang="en-US" smtClean="0"/>
+              <a:t>5/27/2019</a:t>
             </a:fld>
             <a:endParaRPr lang="en-US"/>
           </a:p>
@@ -2470,10 +2816,6 @@
           <a:bodyPr/>
           <a:lstStyle/>
           <a:p>
-            <a:r>
-              <a:rPr lang="en-US" smtClean="0"/>
-              <a:t>vscentrum.be</a:t>
-            </a:r>
             <a:endParaRPr lang="en-US"/>
           </a:p>
         </p:txBody>
@@ -2738,10 +3080,6 @@
           <a:bodyPr/>
           <a:lstStyle/>
           <a:p>
-            <a:r>
-              <a:rPr lang="en-US" smtClean="0"/>
-              <a:t>vscentrum.be</a:t>
-            </a:r>
             <a:endParaRPr lang="en-US"/>
           </a:p>
         </p:txBody>
@@ -3161,10 +3499,6 @@
           <a:bodyPr/>
           <a:lstStyle/>
           <a:p>
-            <a:r>
-              <a:rPr lang="en-US" smtClean="0"/>
-              <a:t>vscentrum.be</a:t>
-            </a:r>
             <a:endParaRPr lang="en-US"/>
           </a:p>
         </p:txBody>
@@ -3385,10 +3719,6 @@
           <a:bodyPr/>
           <a:lstStyle/>
           <a:p>
-            <a:r>
-              <a:rPr lang="en-US" smtClean="0"/>
-              <a:t>vscentrum.be</a:t>
-            </a:r>
             <a:endParaRPr lang="en-US"/>
           </a:p>
         </p:txBody>
@@ -3535,10 +3865,6 @@
           <a:bodyPr/>
           <a:lstStyle/>
           <a:p>
-            <a:r>
-              <a:rPr lang="en-US" smtClean="0"/>
-              <a:t>vscentrum.be</a:t>
-            </a:r>
             <a:endParaRPr lang="en-US"/>
           </a:p>
         </p:txBody>
@@ -3689,10 +4015,6 @@
           <a:bodyPr/>
           <a:lstStyle/>
           <a:p>
-            <a:r>
-              <a:rPr lang="en-US" smtClean="0"/>
-              <a:t>vscentrum.be</a:t>
-            </a:r>
             <a:endParaRPr lang="en-US"/>
           </a:p>
         </p:txBody>
@@ -3913,10 +4235,6 @@
           <a:bodyPr/>
           <a:lstStyle/>
           <a:p>
-            <a:r>
-              <a:rPr lang="en-US" smtClean="0"/>
-              <a:t>vscentrum.be</a:t>
-            </a:r>
             <a:endParaRPr lang="en-US"/>
           </a:p>
         </p:txBody>
@@ -4026,10 +4344,6 @@
           <a:bodyPr/>
           <a:lstStyle/>
           <a:p>
-            <a:r>
-              <a:rPr lang="en-US" smtClean="0"/>
-              <a:t>vscentrum.be</a:t>
-            </a:r>
             <a:endParaRPr lang="en-US"/>
           </a:p>
         </p:txBody>
@@ -4139,10 +4453,6 @@
           <a:bodyPr/>
           <a:lstStyle/>
           <a:p>
-            <a:r>
-              <a:rPr lang="en-US" smtClean="0"/>
-              <a:t>vscentrum.be</a:t>
-            </a:r>
             <a:endParaRPr lang="en-US"/>
           </a:p>
         </p:txBody>
@@ -4252,10 +4562,6 @@
           <a:bodyPr/>
           <a:lstStyle/>
           <a:p>
-            <a:r>
-              <a:rPr lang="en-US" smtClean="0"/>
-              <a:t>vscentrum.be</a:t>
-            </a:r>
             <a:endParaRPr lang="en-US"/>
           </a:p>
         </p:txBody>
@@ -4516,9 +4822,9 @@
           <a:bodyPr/>
           <a:lstStyle/>
           <a:p>
-            <a:fld id="{2B2CA1FC-CEDF-4916-92BE-EEA26108C0B3}" type="datetimeFigureOut">
-              <a:rPr lang="en-US" smtClean="0"/>
-              <a:t>5/21/2019</a:t>
+            <a:fld id="{4AB9213C-A76D-4936-9EE8-1986AC361683}" type="datetime1">
+              <a:rPr lang="en-US" smtClean="0"/>
+              <a:t>5/27/2019</a:t>
             </a:fld>
             <a:endParaRPr lang="en-US"/>
           </a:p>
@@ -4786,9 +5092,9 @@
           <a:bodyPr/>
           <a:lstStyle/>
           <a:p>
-            <a:fld id="{2B2CA1FC-CEDF-4916-92BE-EEA26108C0B3}" type="datetimeFigureOut">
-              <a:rPr lang="en-US" smtClean="0"/>
-              <a:t>5/21/2019</a:t>
+            <a:fld id="{14EFB339-1FD7-4DAE-BB11-806F6BD9CFA9}" type="datetime1">
+              <a:rPr lang="en-US" smtClean="0"/>
+              <a:t>5/27/2019</a:t>
             </a:fld>
             <a:endParaRPr lang="en-US"/>
           </a:p>
@@ -5153,9 +5459,9 @@
           <a:bodyPr/>
           <a:lstStyle/>
           <a:p>
-            <a:fld id="{2B2CA1FC-CEDF-4916-92BE-EEA26108C0B3}" type="datetimeFigureOut">
-              <a:rPr lang="en-US" smtClean="0"/>
-              <a:t>5/21/2019</a:t>
+            <a:fld id="{0E1F55F6-D9C4-4241-908D-398DED6EBAB1}" type="datetime1">
+              <a:rPr lang="en-US" smtClean="0"/>
+              <a:t>5/27/2019</a:t>
             </a:fld>
             <a:endParaRPr lang="en-US"/>
           </a:p>
@@ -5271,9 +5577,9 @@
           <a:bodyPr/>
           <a:lstStyle/>
           <a:p>
-            <a:fld id="{2B2CA1FC-CEDF-4916-92BE-EEA26108C0B3}" type="datetimeFigureOut">
-              <a:rPr lang="en-US" smtClean="0"/>
-              <a:t>5/21/2019</a:t>
+            <a:fld id="{92FB5E62-F774-4F65-B3A2-2213C25A5AEA}" type="datetime1">
+              <a:rPr lang="en-US" smtClean="0"/>
+              <a:t>5/27/2019</a:t>
             </a:fld>
             <a:endParaRPr lang="en-US"/>
           </a:p>
@@ -5366,9 +5672,9 @@
           <a:bodyPr/>
           <a:lstStyle/>
           <a:p>
-            <a:fld id="{2B2CA1FC-CEDF-4916-92BE-EEA26108C0B3}" type="datetimeFigureOut">
-              <a:rPr lang="en-US" smtClean="0"/>
-              <a:t>5/21/2019</a:t>
+            <a:fld id="{4CED0878-CF1B-49ED-AD4E-5ED3D953F768}" type="datetime1">
+              <a:rPr lang="en-US" smtClean="0"/>
+              <a:t>5/27/2019</a:t>
             </a:fld>
             <a:endParaRPr lang="en-US"/>
           </a:p>
@@ -5643,9 +5949,9 @@
           <a:bodyPr/>
           <a:lstStyle/>
           <a:p>
-            <a:fld id="{2B2CA1FC-CEDF-4916-92BE-EEA26108C0B3}" type="datetimeFigureOut">
-              <a:rPr lang="en-US" smtClean="0"/>
-              <a:t>5/21/2019</a:t>
+            <a:fld id="{B3D32334-80A3-4CEF-85FC-5DDF56E1E7C0}" type="datetime1">
+              <a:rPr lang="en-US" smtClean="0"/>
+              <a:t>5/27/2019</a:t>
             </a:fld>
             <a:endParaRPr lang="en-US"/>
           </a:p>
@@ -5896,9 +6202,9 @@
           <a:bodyPr/>
           <a:lstStyle/>
           <a:p>
-            <a:fld id="{2B2CA1FC-CEDF-4916-92BE-EEA26108C0B3}" type="datetimeFigureOut">
-              <a:rPr lang="en-US" smtClean="0"/>
-              <a:t>5/21/2019</a:t>
+            <a:fld id="{CA404258-DD8C-4FD4-A6A9-83DE392C6C3F}" type="datetime1">
+              <a:rPr lang="en-US" smtClean="0"/>
+              <a:t>5/27/2019</a:t>
             </a:fld>
             <a:endParaRPr lang="en-US"/>
           </a:p>
@@ -6109,9 +6415,9 @@
             </a:lvl1pPr>
           </a:lstStyle>
           <a:p>
-            <a:fld id="{2B2CA1FC-CEDF-4916-92BE-EEA26108C0B3}" type="datetimeFigureOut">
-              <a:rPr lang="en-US" smtClean="0"/>
-              <a:t>5/21/2019</a:t>
+            <a:fld id="{80333226-38AF-4D55-9F51-5A04A4858D36}" type="datetime1">
+              <a:rPr lang="en-US" smtClean="0"/>
+              <a:t>5/27/2019</a:t>
             </a:fld>
             <a:endParaRPr lang="en-US"/>
           </a:p>
@@ -6216,6 +6522,7 @@
     <p:sldLayoutId id="2147483658" r:id="rId10"/>
     <p:sldLayoutId id="2147483659" r:id="rId11"/>
   </p:sldLayoutIdLst>
+  <p:hf hdr="0" ftr="0" dt="0"/>
   <p:txStyles>
     <p:titleStyle>
       <a:lvl1pPr algn="l" defTabSz="914400" rtl="0" eaLnBrk="1" latinLnBrk="0" hangingPunct="1">
@@ -7227,6 +7534,29 @@
           </a:p>
         </p:txBody>
       </p:sp>
+      <p:sp>
+        <p:nvSpPr>
+          <p:cNvPr id="4" name="Slide Number Placeholder 3"/>
+          <p:cNvSpPr>
+            <a:spLocks noGrp="1"/>
+          </p:cNvSpPr>
+          <p:nvPr>
+            <p:ph type="sldNum" sz="quarter" idx="12"/>
+          </p:nvPr>
+        </p:nvSpPr>
+        <p:spPr/>
+        <p:txBody>
+          <a:bodyPr/>
+          <a:lstStyle/>
+          <a:p>
+            <a:fld id="{CF5A1C33-475D-474A-A037-DDAF3DC7AF09}" type="slidenum">
+              <a:rPr lang="en-US" smtClean="0"/>
+              <a:t>1</a:t>
+            </a:fld>
+            <a:endParaRPr lang="en-US"/>
+          </a:p>
+        </p:txBody>
+      </p:sp>
     </p:spTree>
     <p:extLst>
       <p:ext uri="{BB962C8B-B14F-4D97-AF65-F5344CB8AC3E}">
@@ -7431,6 +7761,973 @@
 </p:sld>
 </file>
 
+<file path=ppt/slides/slide10.xml><?xml version="1.0" encoding="utf-8"?>
+<p:sld xmlns:a="http://schemas.openxmlformats.org/drawingml/2006/main" xmlns:r="http://schemas.openxmlformats.org/officeDocument/2006/relationships" xmlns:p="http://schemas.openxmlformats.org/presentationml/2006/main">
+  <p:cSld>
+    <p:spTree>
+      <p:nvGrpSpPr>
+        <p:cNvPr id="1" name=""/>
+        <p:cNvGrpSpPr/>
+        <p:nvPr/>
+      </p:nvGrpSpPr>
+      <p:grpSpPr>
+        <a:xfrm>
+          <a:off x="0" y="0"/>
+          <a:ext cx="0" cy="0"/>
+          <a:chOff x="0" y="0"/>
+          <a:chExt cx="0" cy="0"/>
+        </a:xfrm>
+      </p:grpSpPr>
+      <p:sp>
+        <p:nvSpPr>
+          <p:cNvPr id="2" name="Title 1"/>
+          <p:cNvSpPr>
+            <a:spLocks noGrp="1"/>
+          </p:cNvSpPr>
+          <p:nvPr>
+            <p:ph type="title"/>
+          </p:nvPr>
+        </p:nvSpPr>
+        <p:spPr/>
+        <p:txBody>
+          <a:bodyPr/>
+          <a:lstStyle/>
+          <a:p>
+            <a:r>
+              <a:rPr lang="en-US" dirty="0" smtClean="0"/>
+              <a:t>Lambda functions &amp; context</a:t>
+            </a:r>
+            <a:endParaRPr lang="en-US" dirty="0"/>
+          </a:p>
+        </p:txBody>
+      </p:sp>
+      <p:sp>
+        <p:nvSpPr>
+          <p:cNvPr id="3" name="Content Placeholder 2"/>
+          <p:cNvSpPr>
+            <a:spLocks noGrp="1"/>
+          </p:cNvSpPr>
+          <p:nvPr>
+            <p:ph idx="1"/>
+          </p:nvPr>
+        </p:nvSpPr>
+        <p:spPr/>
+        <p:txBody>
+          <a:bodyPr>
+            <a:normAutofit lnSpcReduction="10000"/>
+          </a:bodyPr>
+          <a:lstStyle/>
+          <a:p>
+            <a:r>
+              <a:rPr lang="en-US" dirty="0" smtClean="0"/>
+              <a:t>[]: nothing</a:t>
+            </a:r>
+          </a:p>
+          <a:p>
+            <a:r>
+              <a:rPr lang="en-US" dirty="0" smtClean="0"/>
+              <a:t>[=]: everything in</a:t>
+            </a:r>
+            <a:br>
+              <a:rPr lang="en-US" dirty="0" smtClean="0"/>
+            </a:br>
+            <a:r>
+              <a:rPr lang="en-US" dirty="0" smtClean="0"/>
+              <a:t>scope by value</a:t>
+            </a:r>
+            <a:br>
+              <a:rPr lang="en-US" dirty="0" smtClean="0"/>
+            </a:br>
+            <a:r>
+              <a:rPr lang="en-US" dirty="0" smtClean="0"/>
+              <a:t>(copy)</a:t>
+            </a:r>
+          </a:p>
+          <a:p>
+            <a:r>
+              <a:rPr lang="en-US" dirty="0" smtClean="0"/>
+              <a:t>[&amp;]: everything in</a:t>
+            </a:r>
+            <a:br>
+              <a:rPr lang="en-US" dirty="0" smtClean="0"/>
+            </a:br>
+            <a:r>
+              <a:rPr lang="en-US" dirty="0" smtClean="0"/>
+              <a:t>scope by reference</a:t>
+            </a:r>
+          </a:p>
+          <a:p>
+            <a:r>
+              <a:rPr lang="en-US" dirty="0" smtClean="0"/>
+              <a:t>[=</a:t>
+            </a:r>
+            <a:r>
+              <a:rPr lang="en-US" dirty="0" err="1" smtClean="0"/>
+              <a:t>var</a:t>
+            </a:r>
+            <a:r>
+              <a:rPr lang="en-US" dirty="0" smtClean="0"/>
+              <a:t>]: variable </a:t>
+            </a:r>
+            <a:r>
+              <a:rPr lang="en-US" dirty="0" err="1" smtClean="0"/>
+              <a:t>var</a:t>
+            </a:r>
+            <a:r>
+              <a:rPr lang="en-US" dirty="0" smtClean="0"/>
+              <a:t/>
+            </a:r>
+            <a:br>
+              <a:rPr lang="en-US" dirty="0" smtClean="0"/>
+            </a:br>
+            <a:r>
+              <a:rPr lang="en-US" dirty="0" smtClean="0"/>
+              <a:t>by  value (copy)</a:t>
+            </a:r>
+          </a:p>
+          <a:p>
+            <a:r>
+              <a:rPr lang="en-US" dirty="0" smtClean="0"/>
+              <a:t>[&amp;</a:t>
+            </a:r>
+            <a:r>
+              <a:rPr lang="en-US" dirty="0" err="1" smtClean="0"/>
+              <a:t>val</a:t>
+            </a:r>
+            <a:r>
+              <a:rPr lang="en-US" dirty="0" smtClean="0"/>
+              <a:t>]: variable </a:t>
+            </a:r>
+            <a:r>
+              <a:rPr lang="en-US" dirty="0" err="1" smtClean="0"/>
+              <a:t>var</a:t>
+            </a:r>
+            <a:r>
+              <a:rPr lang="en-US" dirty="0" smtClean="0"/>
+              <a:t/>
+            </a:r>
+            <a:br>
+              <a:rPr lang="en-US" dirty="0" smtClean="0"/>
+            </a:br>
+            <a:r>
+              <a:rPr lang="en-US" dirty="0" smtClean="0"/>
+              <a:t>by reference</a:t>
+            </a:r>
+          </a:p>
+        </p:txBody>
+      </p:sp>
+      <p:sp>
+        <p:nvSpPr>
+          <p:cNvPr id="4" name="Slide Number Placeholder 3"/>
+          <p:cNvSpPr>
+            <a:spLocks noGrp="1"/>
+          </p:cNvSpPr>
+          <p:nvPr>
+            <p:ph type="sldNum" sz="quarter" idx="12"/>
+          </p:nvPr>
+        </p:nvSpPr>
+        <p:spPr/>
+        <p:txBody>
+          <a:bodyPr/>
+          <a:lstStyle/>
+          <a:p>
+            <a:fld id="{8A5772FA-F273-424C-AEFD-E3BF6973D60A}" type="slidenum">
+              <a:rPr lang="en-US" smtClean="0"/>
+              <a:t>10</a:t>
+            </a:fld>
+            <a:endParaRPr lang="en-US"/>
+          </a:p>
+        </p:txBody>
+      </p:sp>
+      <p:sp>
+        <p:nvSpPr>
+          <p:cNvPr id="5" name="TextBox 4"/>
+          <p:cNvSpPr txBox="1"/>
+          <p:nvPr/>
+        </p:nvSpPr>
+        <p:spPr>
+          <a:xfrm>
+            <a:off x="4187399" y="1335175"/>
+            <a:ext cx="6805068" cy="5262979"/>
+          </a:xfrm>
+          <a:prstGeom prst="rect">
+            <a:avLst/>
+          </a:prstGeom>
+          <a:solidFill>
+            <a:schemeClr val="bg1">
+              <a:lumMod val="85000"/>
+            </a:schemeClr>
+          </a:solidFill>
+        </p:spPr>
+        <p:txBody>
+          <a:bodyPr wrap="none" rtlCol="0">
+            <a:spAutoFit/>
+          </a:bodyPr>
+          <a:lstStyle/>
+          <a:p>
+            <a:r>
+              <a:rPr lang="en-US" sz="1600" dirty="0">
+                <a:latin typeface="Consolas" panose="020B0609020204030204" pitchFamily="49" charset="0"/>
+              </a:rPr>
+              <a:t>#include &lt;algorithm&gt;</a:t>
+            </a:r>
+          </a:p>
+          <a:p>
+            <a:r>
+              <a:rPr lang="en-US" sz="1600" dirty="0">
+                <a:latin typeface="Consolas" panose="020B0609020204030204" pitchFamily="49" charset="0"/>
+              </a:rPr>
+              <a:t>#include &lt;</a:t>
+            </a:r>
+            <a:r>
+              <a:rPr lang="en-US" sz="1600" dirty="0" err="1">
+                <a:latin typeface="Consolas" panose="020B0609020204030204" pitchFamily="49" charset="0"/>
+              </a:rPr>
+              <a:t>iostream</a:t>
+            </a:r>
+            <a:r>
+              <a:rPr lang="en-US" sz="1600" dirty="0">
+                <a:latin typeface="Consolas" panose="020B0609020204030204" pitchFamily="49" charset="0"/>
+              </a:rPr>
+              <a:t>&gt;</a:t>
+            </a:r>
+          </a:p>
+          <a:p>
+            <a:r>
+              <a:rPr lang="en-US" sz="1600" dirty="0">
+                <a:latin typeface="Consolas" panose="020B0609020204030204" pitchFamily="49" charset="0"/>
+              </a:rPr>
+              <a:t>#include &lt;vector&gt;</a:t>
+            </a:r>
+          </a:p>
+          <a:p>
+            <a:endParaRPr lang="en-US" sz="1600" dirty="0">
+              <a:latin typeface="Consolas" panose="020B0609020204030204" pitchFamily="49" charset="0"/>
+            </a:endParaRPr>
+          </a:p>
+          <a:p>
+            <a:r>
+              <a:rPr lang="en-US" sz="1600" dirty="0" err="1">
+                <a:latin typeface="Consolas" panose="020B0609020204030204" pitchFamily="49" charset="0"/>
+              </a:rPr>
+              <a:t>int</a:t>
+            </a:r>
+            <a:r>
+              <a:rPr lang="en-US" sz="1600" dirty="0">
+                <a:latin typeface="Consolas" panose="020B0609020204030204" pitchFamily="49" charset="0"/>
+              </a:rPr>
+              <a:t> main() {</a:t>
+            </a:r>
+          </a:p>
+          <a:p>
+            <a:r>
+              <a:rPr lang="en-US" sz="1600" dirty="0">
+                <a:latin typeface="Consolas" panose="020B0609020204030204" pitchFamily="49" charset="0"/>
+              </a:rPr>
+              <a:t>    </a:t>
+            </a:r>
+            <a:r>
+              <a:rPr lang="en-US" sz="1600" dirty="0" err="1">
+                <a:latin typeface="Consolas" panose="020B0609020204030204" pitchFamily="49" charset="0"/>
+              </a:rPr>
+              <a:t>std</a:t>
+            </a:r>
+            <a:r>
+              <a:rPr lang="en-US" sz="1600" dirty="0">
+                <a:latin typeface="Consolas" panose="020B0609020204030204" pitchFamily="49" charset="0"/>
+              </a:rPr>
+              <a:t>::vector&lt;double&gt; </a:t>
+            </a:r>
+            <a:r>
+              <a:rPr lang="en-US" sz="1600" dirty="0" err="1">
+                <a:latin typeface="Consolas" panose="020B0609020204030204" pitchFamily="49" charset="0"/>
+              </a:rPr>
+              <a:t>x_vals</a:t>
+            </a:r>
+            <a:r>
+              <a:rPr lang="en-US" sz="1600" dirty="0">
+                <a:latin typeface="Consolas" panose="020B0609020204030204" pitchFamily="49" charset="0"/>
+              </a:rPr>
+              <a:t>;</a:t>
+            </a:r>
+          </a:p>
+          <a:p>
+            <a:r>
+              <a:rPr lang="en-US" sz="1600" dirty="0">
+                <a:latin typeface="Consolas" panose="020B0609020204030204" pitchFamily="49" charset="0"/>
+              </a:rPr>
+              <a:t>    for (double x = -3.0; x &lt;= 3.0; x += 0.2)</a:t>
+            </a:r>
+          </a:p>
+          <a:p>
+            <a:r>
+              <a:rPr lang="en-US" sz="1600" dirty="0">
+                <a:latin typeface="Consolas" panose="020B0609020204030204" pitchFamily="49" charset="0"/>
+              </a:rPr>
+              <a:t>        </a:t>
+            </a:r>
+            <a:r>
+              <a:rPr lang="en-US" sz="1600" dirty="0" err="1">
+                <a:latin typeface="Consolas" panose="020B0609020204030204" pitchFamily="49" charset="0"/>
+              </a:rPr>
+              <a:t>x_vals.push_back</a:t>
+            </a:r>
+            <a:r>
+              <a:rPr lang="en-US" sz="1600" dirty="0">
+                <a:latin typeface="Consolas" panose="020B0609020204030204" pitchFamily="49" charset="0"/>
+              </a:rPr>
+              <a:t>(x);</a:t>
+            </a:r>
+          </a:p>
+          <a:p>
+            <a:r>
+              <a:rPr lang="en-US" sz="1600" dirty="0">
+                <a:latin typeface="Consolas" panose="020B0609020204030204" pitchFamily="49" charset="0"/>
+              </a:rPr>
+              <a:t>    double a {-11.0};</a:t>
+            </a:r>
+          </a:p>
+          <a:p>
+            <a:r>
+              <a:rPr lang="en-US" sz="1600" dirty="0">
+                <a:latin typeface="Consolas" panose="020B0609020204030204" pitchFamily="49" charset="0"/>
+              </a:rPr>
+              <a:t>    double b {3.0};</a:t>
+            </a:r>
+          </a:p>
+          <a:p>
+            <a:r>
+              <a:rPr lang="en-US" sz="1600" dirty="0">
+                <a:latin typeface="Consolas" panose="020B0609020204030204" pitchFamily="49" charset="0"/>
+              </a:rPr>
+              <a:t>    double c {1.5};</a:t>
+            </a:r>
+          </a:p>
+          <a:p>
+            <a:r>
+              <a:rPr lang="en-US" sz="1600" dirty="0">
+                <a:latin typeface="Consolas" panose="020B0609020204030204" pitchFamily="49" charset="0"/>
+              </a:rPr>
+              <a:t>    </a:t>
+            </a:r>
+            <a:r>
+              <a:rPr lang="en-US" sz="1600" dirty="0" err="1">
+                <a:latin typeface="Consolas" panose="020B0609020204030204" pitchFamily="49" charset="0"/>
+              </a:rPr>
+              <a:t>std</a:t>
+            </a:r>
+            <a:r>
+              <a:rPr lang="en-US" sz="1600" dirty="0">
+                <a:latin typeface="Consolas" panose="020B0609020204030204" pitchFamily="49" charset="0"/>
+              </a:rPr>
+              <a:t>::vector&lt;double&gt; </a:t>
+            </a:r>
+            <a:r>
+              <a:rPr lang="en-US" sz="1600" dirty="0" err="1">
+                <a:latin typeface="Consolas" panose="020B0609020204030204" pitchFamily="49" charset="0"/>
+              </a:rPr>
+              <a:t>y_vals</a:t>
+            </a:r>
+            <a:r>
+              <a:rPr lang="en-US" sz="1600" dirty="0">
+                <a:latin typeface="Consolas" panose="020B0609020204030204" pitchFamily="49" charset="0"/>
+              </a:rPr>
+              <a:t>;</a:t>
+            </a:r>
+          </a:p>
+          <a:p>
+            <a:r>
+              <a:rPr lang="en-US" sz="1600" dirty="0">
+                <a:latin typeface="Consolas" panose="020B0609020204030204" pitchFamily="49" charset="0"/>
+              </a:rPr>
+              <a:t>    </a:t>
+            </a:r>
+            <a:r>
+              <a:rPr lang="en-US" sz="1600" dirty="0" err="1">
+                <a:latin typeface="Consolas" panose="020B0609020204030204" pitchFamily="49" charset="0"/>
+              </a:rPr>
+              <a:t>std</a:t>
+            </a:r>
+            <a:r>
+              <a:rPr lang="en-US" sz="1600" dirty="0">
+                <a:latin typeface="Consolas" panose="020B0609020204030204" pitchFamily="49" charset="0"/>
+              </a:rPr>
+              <a:t>::transform(</a:t>
+            </a:r>
+            <a:r>
+              <a:rPr lang="en-US" sz="1600" dirty="0" err="1">
+                <a:latin typeface="Consolas" panose="020B0609020204030204" pitchFamily="49" charset="0"/>
+              </a:rPr>
+              <a:t>x_vals.begin</a:t>
+            </a:r>
+            <a:r>
+              <a:rPr lang="en-US" sz="1600" dirty="0">
+                <a:latin typeface="Consolas" panose="020B0609020204030204" pitchFamily="49" charset="0"/>
+              </a:rPr>
+              <a:t>(), </a:t>
+            </a:r>
+            <a:r>
+              <a:rPr lang="en-US" sz="1600" dirty="0" err="1">
+                <a:latin typeface="Consolas" panose="020B0609020204030204" pitchFamily="49" charset="0"/>
+              </a:rPr>
+              <a:t>x_vals.end</a:t>
+            </a:r>
+            <a:r>
+              <a:rPr lang="en-US" sz="1600" dirty="0" smtClean="0">
+                <a:latin typeface="Consolas" panose="020B0609020204030204" pitchFamily="49" charset="0"/>
+              </a:rPr>
+              <a:t>(),</a:t>
+            </a:r>
+          </a:p>
+          <a:p>
+            <a:r>
+              <a:rPr lang="en-US" sz="1600" dirty="0">
+                <a:latin typeface="Consolas" panose="020B0609020204030204" pitchFamily="49" charset="0"/>
+              </a:rPr>
+              <a:t> </a:t>
+            </a:r>
+            <a:r>
+              <a:rPr lang="en-US" sz="1600" dirty="0" smtClean="0">
+                <a:latin typeface="Consolas" panose="020B0609020204030204" pitchFamily="49" charset="0"/>
+              </a:rPr>
+              <a:t>                  </a:t>
+            </a:r>
+            <a:r>
+              <a:rPr lang="en-US" sz="1600" dirty="0" err="1" smtClean="0">
+                <a:latin typeface="Consolas" panose="020B0609020204030204" pitchFamily="49" charset="0"/>
+              </a:rPr>
+              <a:t>std</a:t>
+            </a:r>
+            <a:r>
+              <a:rPr lang="en-US" sz="1600" dirty="0">
+                <a:latin typeface="Consolas" panose="020B0609020204030204" pitchFamily="49" charset="0"/>
+              </a:rPr>
+              <a:t>::</a:t>
+            </a:r>
+            <a:r>
+              <a:rPr lang="en-US" sz="1600" dirty="0" err="1">
+                <a:latin typeface="Consolas" panose="020B0609020204030204" pitchFamily="49" charset="0"/>
+              </a:rPr>
+              <a:t>back_inserter</a:t>
+            </a:r>
+            <a:r>
+              <a:rPr lang="en-US" sz="1600" dirty="0">
+                <a:latin typeface="Consolas" panose="020B0609020204030204" pitchFamily="49" charset="0"/>
+              </a:rPr>
+              <a:t>(</a:t>
+            </a:r>
+            <a:r>
+              <a:rPr lang="en-US" sz="1600" dirty="0" err="1">
+                <a:latin typeface="Consolas" panose="020B0609020204030204" pitchFamily="49" charset="0"/>
+              </a:rPr>
+              <a:t>y_vals</a:t>
+            </a:r>
+            <a:r>
+              <a:rPr lang="en-US" sz="1600" dirty="0">
+                <a:latin typeface="Consolas" panose="020B0609020204030204" pitchFamily="49" charset="0"/>
+              </a:rPr>
+              <a:t>),</a:t>
+            </a:r>
+          </a:p>
+          <a:p>
+            <a:r>
+              <a:rPr lang="en-US" sz="1600" dirty="0">
+                <a:latin typeface="Consolas" panose="020B0609020204030204" pitchFamily="49" charset="0"/>
+              </a:rPr>
+              <a:t>                   </a:t>
+            </a:r>
+            <a:r>
+              <a:rPr lang="en-US" sz="1600" dirty="0" smtClean="0">
+                <a:latin typeface="Consolas" panose="020B0609020204030204" pitchFamily="49" charset="0"/>
+              </a:rPr>
+              <a:t>[&amp;a</a:t>
+            </a:r>
+            <a:r>
+              <a:rPr lang="en-US" sz="1600" dirty="0">
+                <a:latin typeface="Consolas" panose="020B0609020204030204" pitchFamily="49" charset="0"/>
+              </a:rPr>
+              <a:t>, </a:t>
+            </a:r>
+            <a:r>
+              <a:rPr lang="en-US" sz="1600" dirty="0" smtClean="0">
+                <a:latin typeface="Consolas" panose="020B0609020204030204" pitchFamily="49" charset="0"/>
+              </a:rPr>
+              <a:t>&amp;b</a:t>
+            </a:r>
+            <a:r>
+              <a:rPr lang="en-US" sz="1600" dirty="0">
+                <a:latin typeface="Consolas" panose="020B0609020204030204" pitchFamily="49" charset="0"/>
+              </a:rPr>
+              <a:t>, </a:t>
+            </a:r>
+            <a:r>
+              <a:rPr lang="en-US" sz="1600" dirty="0" smtClean="0">
+                <a:latin typeface="Consolas" panose="020B0609020204030204" pitchFamily="49" charset="0"/>
+              </a:rPr>
+              <a:t>&amp;c</a:t>
+            </a:r>
+            <a:r>
+              <a:rPr lang="en-US" sz="1600" dirty="0">
+                <a:latin typeface="Consolas" panose="020B0609020204030204" pitchFamily="49" charset="0"/>
+              </a:rPr>
+              <a:t>] (double&amp; x</a:t>
+            </a:r>
+            <a:r>
+              <a:rPr lang="en-US" sz="1600" dirty="0" smtClean="0">
+                <a:latin typeface="Consolas" panose="020B0609020204030204" pitchFamily="49" charset="0"/>
+              </a:rPr>
+              <a:t>) {</a:t>
+            </a:r>
+          </a:p>
+          <a:p>
+            <a:r>
+              <a:rPr lang="en-US" sz="1600" dirty="0">
+                <a:latin typeface="Consolas" panose="020B0609020204030204" pitchFamily="49" charset="0"/>
+              </a:rPr>
+              <a:t> </a:t>
+            </a:r>
+            <a:r>
+              <a:rPr lang="en-US" sz="1600" dirty="0" smtClean="0">
+                <a:latin typeface="Consolas" panose="020B0609020204030204" pitchFamily="49" charset="0"/>
+              </a:rPr>
+              <a:t>                      return </a:t>
+            </a:r>
+            <a:r>
+              <a:rPr lang="en-US" sz="1600" dirty="0">
+                <a:latin typeface="Consolas" panose="020B0609020204030204" pitchFamily="49" charset="0"/>
+              </a:rPr>
+              <a:t>(a*x + b)*x + c</a:t>
+            </a:r>
+            <a:r>
+              <a:rPr lang="en-US" sz="1600" dirty="0" smtClean="0">
+                <a:latin typeface="Consolas" panose="020B0609020204030204" pitchFamily="49" charset="0"/>
+              </a:rPr>
+              <a:t>;</a:t>
+            </a:r>
+          </a:p>
+          <a:p>
+            <a:r>
+              <a:rPr lang="en-US" sz="1600" dirty="0">
+                <a:latin typeface="Consolas" panose="020B0609020204030204" pitchFamily="49" charset="0"/>
+              </a:rPr>
+              <a:t> </a:t>
+            </a:r>
+            <a:r>
+              <a:rPr lang="en-US" sz="1600" dirty="0" smtClean="0">
+                <a:latin typeface="Consolas" panose="020B0609020204030204" pitchFamily="49" charset="0"/>
+              </a:rPr>
+              <a:t>                  });</a:t>
+            </a:r>
+            <a:endParaRPr lang="en-US" sz="1600" dirty="0">
+              <a:latin typeface="Consolas" panose="020B0609020204030204" pitchFamily="49" charset="0"/>
+            </a:endParaRPr>
+          </a:p>
+          <a:p>
+            <a:r>
+              <a:rPr lang="en-US" sz="1600" dirty="0">
+                <a:latin typeface="Consolas" panose="020B0609020204030204" pitchFamily="49" charset="0"/>
+              </a:rPr>
+              <a:t>    for (</a:t>
+            </a:r>
+            <a:r>
+              <a:rPr lang="en-US" sz="1600" dirty="0" err="1">
+                <a:latin typeface="Consolas" panose="020B0609020204030204" pitchFamily="49" charset="0"/>
+              </a:rPr>
+              <a:t>std</a:t>
+            </a:r>
+            <a:r>
+              <a:rPr lang="en-US" sz="1600" dirty="0">
+                <a:latin typeface="Consolas" panose="020B0609020204030204" pitchFamily="49" charset="0"/>
+              </a:rPr>
+              <a:t>::</a:t>
+            </a:r>
+            <a:r>
+              <a:rPr lang="en-US" sz="1600" dirty="0" err="1">
+                <a:latin typeface="Consolas" panose="020B0609020204030204" pitchFamily="49" charset="0"/>
+              </a:rPr>
+              <a:t>size_t</a:t>
+            </a:r>
+            <a:r>
+              <a:rPr lang="en-US" sz="1600" dirty="0">
+                <a:latin typeface="Consolas" panose="020B0609020204030204" pitchFamily="49" charset="0"/>
+              </a:rPr>
+              <a:t> </a:t>
+            </a:r>
+            <a:r>
+              <a:rPr lang="en-US" sz="1600" dirty="0" err="1">
+                <a:latin typeface="Consolas" panose="020B0609020204030204" pitchFamily="49" charset="0"/>
+              </a:rPr>
+              <a:t>i</a:t>
+            </a:r>
+            <a:r>
+              <a:rPr lang="en-US" sz="1600" dirty="0">
+                <a:latin typeface="Consolas" panose="020B0609020204030204" pitchFamily="49" charset="0"/>
+              </a:rPr>
+              <a:t> = 0; </a:t>
+            </a:r>
+            <a:r>
+              <a:rPr lang="en-US" sz="1600" dirty="0" err="1">
+                <a:latin typeface="Consolas" panose="020B0609020204030204" pitchFamily="49" charset="0"/>
+              </a:rPr>
+              <a:t>i</a:t>
+            </a:r>
+            <a:r>
+              <a:rPr lang="en-US" sz="1600" dirty="0">
+                <a:latin typeface="Consolas" panose="020B0609020204030204" pitchFamily="49" charset="0"/>
+              </a:rPr>
+              <a:t> &lt; </a:t>
+            </a:r>
+            <a:r>
+              <a:rPr lang="en-US" sz="1600" dirty="0" err="1">
+                <a:latin typeface="Consolas" panose="020B0609020204030204" pitchFamily="49" charset="0"/>
+              </a:rPr>
+              <a:t>x_vals.size</a:t>
+            </a:r>
+            <a:r>
+              <a:rPr lang="en-US" sz="1600" dirty="0">
+                <a:latin typeface="Consolas" panose="020B0609020204030204" pitchFamily="49" charset="0"/>
+              </a:rPr>
+              <a:t>(); ++</a:t>
+            </a:r>
+            <a:r>
+              <a:rPr lang="en-US" sz="1600" dirty="0" err="1">
+                <a:latin typeface="Consolas" panose="020B0609020204030204" pitchFamily="49" charset="0"/>
+              </a:rPr>
+              <a:t>i</a:t>
+            </a:r>
+            <a:r>
+              <a:rPr lang="en-US" sz="1600" dirty="0">
+                <a:latin typeface="Consolas" panose="020B0609020204030204" pitchFamily="49" charset="0"/>
+              </a:rPr>
+              <a:t>)</a:t>
+            </a:r>
+          </a:p>
+          <a:p>
+            <a:r>
+              <a:rPr lang="en-US" sz="1600" dirty="0">
+                <a:latin typeface="Consolas" panose="020B0609020204030204" pitchFamily="49" charset="0"/>
+              </a:rPr>
+              <a:t>        </a:t>
+            </a:r>
+            <a:r>
+              <a:rPr lang="en-US" sz="1600" dirty="0" err="1">
+                <a:latin typeface="Consolas" panose="020B0609020204030204" pitchFamily="49" charset="0"/>
+              </a:rPr>
+              <a:t>std</a:t>
+            </a:r>
+            <a:r>
+              <a:rPr lang="en-US" sz="1600" dirty="0">
+                <a:latin typeface="Consolas" panose="020B0609020204030204" pitchFamily="49" charset="0"/>
+              </a:rPr>
+              <a:t>::</a:t>
+            </a:r>
+            <a:r>
+              <a:rPr lang="en-US" sz="1600" dirty="0" err="1">
+                <a:latin typeface="Consolas" panose="020B0609020204030204" pitchFamily="49" charset="0"/>
+              </a:rPr>
+              <a:t>cout</a:t>
+            </a:r>
+            <a:r>
+              <a:rPr lang="en-US" sz="1600" dirty="0">
+                <a:latin typeface="Consolas" panose="020B0609020204030204" pitchFamily="49" charset="0"/>
+              </a:rPr>
+              <a:t> &lt;&lt; </a:t>
+            </a:r>
+            <a:r>
+              <a:rPr lang="en-US" sz="1600" dirty="0" err="1">
+                <a:latin typeface="Consolas" panose="020B0609020204030204" pitchFamily="49" charset="0"/>
+              </a:rPr>
+              <a:t>x_vals</a:t>
+            </a:r>
+            <a:r>
+              <a:rPr lang="en-US" sz="1600" dirty="0">
+                <a:latin typeface="Consolas" panose="020B0609020204030204" pitchFamily="49" charset="0"/>
+              </a:rPr>
+              <a:t>[</a:t>
+            </a:r>
+            <a:r>
+              <a:rPr lang="en-US" sz="1600" dirty="0" err="1">
+                <a:latin typeface="Consolas" panose="020B0609020204030204" pitchFamily="49" charset="0"/>
+              </a:rPr>
+              <a:t>i</a:t>
+            </a:r>
+            <a:r>
+              <a:rPr lang="en-US" sz="1600" dirty="0">
+                <a:latin typeface="Consolas" panose="020B0609020204030204" pitchFamily="49" charset="0"/>
+              </a:rPr>
+              <a:t>] &lt;&lt; " " &lt;&lt; </a:t>
+            </a:r>
+            <a:r>
+              <a:rPr lang="en-US" sz="1600" dirty="0" err="1">
+                <a:latin typeface="Consolas" panose="020B0609020204030204" pitchFamily="49" charset="0"/>
+              </a:rPr>
+              <a:t>y_vals</a:t>
+            </a:r>
+            <a:r>
+              <a:rPr lang="en-US" sz="1600" dirty="0">
+                <a:latin typeface="Consolas" panose="020B0609020204030204" pitchFamily="49" charset="0"/>
+              </a:rPr>
+              <a:t>[</a:t>
+            </a:r>
+            <a:r>
+              <a:rPr lang="en-US" sz="1600" dirty="0" err="1">
+                <a:latin typeface="Consolas" panose="020B0609020204030204" pitchFamily="49" charset="0"/>
+              </a:rPr>
+              <a:t>i</a:t>
+            </a:r>
+            <a:r>
+              <a:rPr lang="en-US" sz="1600" dirty="0">
+                <a:latin typeface="Consolas" panose="020B0609020204030204" pitchFamily="49" charset="0"/>
+              </a:rPr>
+              <a:t>] &lt;&lt; "\n";</a:t>
+            </a:r>
+          </a:p>
+          <a:p>
+            <a:r>
+              <a:rPr lang="en-US" sz="1600" dirty="0">
+                <a:latin typeface="Consolas" panose="020B0609020204030204" pitchFamily="49" charset="0"/>
+              </a:rPr>
+              <a:t>    return 0;</a:t>
+            </a:r>
+          </a:p>
+          <a:p>
+            <a:r>
+              <a:rPr lang="en-US" sz="1600" dirty="0">
+                <a:latin typeface="Consolas" panose="020B0609020204030204" pitchFamily="49" charset="0"/>
+              </a:rPr>
+              <a:t>}</a:t>
+            </a:r>
+          </a:p>
+        </p:txBody>
+      </p:sp>
+    </p:spTree>
+    <p:extLst>
+      <p:ext uri="{BB962C8B-B14F-4D97-AF65-F5344CB8AC3E}">
+        <p14:creationId xmlns:p14="http://schemas.microsoft.com/office/powerpoint/2010/main" val="218753327"/>
+      </p:ext>
+    </p:extLst>
+  </p:cSld>
+  <p:clrMapOvr>
+    <a:masterClrMapping/>
+  </p:clrMapOvr>
+  <p:timing>
+    <p:tnLst>
+      <p:par>
+        <p:cTn id="1" dur="indefinite" restart="never" nodeType="tmRoot"/>
+      </p:par>
+    </p:tnLst>
+  </p:timing>
+</p:sld>
+</file>
+
+<file path=ppt/slides/slide11.xml><?xml version="1.0" encoding="utf-8"?>
+<p:sld xmlns:a="http://schemas.openxmlformats.org/drawingml/2006/main" xmlns:r="http://schemas.openxmlformats.org/officeDocument/2006/relationships" xmlns:p="http://schemas.openxmlformats.org/presentationml/2006/main">
+  <p:cSld>
+    <p:spTree>
+      <p:nvGrpSpPr>
+        <p:cNvPr id="1" name=""/>
+        <p:cNvGrpSpPr/>
+        <p:nvPr/>
+      </p:nvGrpSpPr>
+      <p:grpSpPr>
+        <a:xfrm>
+          <a:off x="0" y="0"/>
+          <a:ext cx="0" cy="0"/>
+          <a:chOff x="0" y="0"/>
+          <a:chExt cx="0" cy="0"/>
+        </a:xfrm>
+      </p:grpSpPr>
+      <p:sp>
+        <p:nvSpPr>
+          <p:cNvPr id="2" name="Title 1"/>
+          <p:cNvSpPr>
+            <a:spLocks noGrp="1"/>
+          </p:cNvSpPr>
+          <p:nvPr>
+            <p:ph type="title"/>
+          </p:nvPr>
+        </p:nvSpPr>
+        <p:spPr/>
+        <p:txBody>
+          <a:bodyPr/>
+          <a:lstStyle/>
+          <a:p>
+            <a:r>
+              <a:rPr lang="en-US" dirty="0" smtClean="0"/>
+              <a:t>Algorithms</a:t>
+            </a:r>
+            <a:endParaRPr lang="en-US" dirty="0"/>
+          </a:p>
+        </p:txBody>
+      </p:sp>
+      <p:sp>
+        <p:nvSpPr>
+          <p:cNvPr id="3" name="Text Placeholder 2"/>
+          <p:cNvSpPr>
+            <a:spLocks noGrp="1"/>
+          </p:cNvSpPr>
+          <p:nvPr>
+            <p:ph type="body" idx="1"/>
+          </p:nvPr>
+        </p:nvSpPr>
+        <p:spPr/>
+        <p:txBody>
+          <a:bodyPr/>
+          <a:lstStyle/>
+          <a:p>
+            <a:endParaRPr lang="en-US"/>
+          </a:p>
+        </p:txBody>
+      </p:sp>
+      <p:sp>
+        <p:nvSpPr>
+          <p:cNvPr id="4" name="Slide Number Placeholder 3"/>
+          <p:cNvSpPr>
+            <a:spLocks noGrp="1"/>
+          </p:cNvSpPr>
+          <p:nvPr>
+            <p:ph type="sldNum" sz="quarter" idx="12"/>
+          </p:nvPr>
+        </p:nvSpPr>
+        <p:spPr/>
+        <p:txBody>
+          <a:bodyPr/>
+          <a:lstStyle/>
+          <a:p>
+            <a:fld id="{8A5772FA-F273-424C-AEFD-E3BF6973D60A}" type="slidenum">
+              <a:rPr lang="en-US" smtClean="0"/>
+              <a:t>11</a:t>
+            </a:fld>
+            <a:endParaRPr lang="en-US"/>
+          </a:p>
+        </p:txBody>
+      </p:sp>
+    </p:spTree>
+    <p:extLst>
+      <p:ext uri="{BB962C8B-B14F-4D97-AF65-F5344CB8AC3E}">
+        <p14:creationId xmlns:p14="http://schemas.microsoft.com/office/powerpoint/2010/main" val="551112386"/>
+      </p:ext>
+    </p:extLst>
+  </p:cSld>
+  <p:clrMapOvr>
+    <a:masterClrMapping/>
+  </p:clrMapOvr>
+  <p:timing>
+    <p:tnLst>
+      <p:par>
+        <p:cTn id="1" dur="indefinite" restart="never" nodeType="tmRoot"/>
+      </p:par>
+    </p:tnLst>
+  </p:timing>
+</p:sld>
+</file>
+
+<file path=ppt/slides/slide12.xml><?xml version="1.0" encoding="utf-8"?>
+<p:sld xmlns:a="http://schemas.openxmlformats.org/drawingml/2006/main" xmlns:r="http://schemas.openxmlformats.org/officeDocument/2006/relationships" xmlns:p="http://schemas.openxmlformats.org/presentationml/2006/main">
+  <p:cSld>
+    <p:spTree>
+      <p:nvGrpSpPr>
+        <p:cNvPr id="1" name=""/>
+        <p:cNvGrpSpPr/>
+        <p:nvPr/>
+      </p:nvGrpSpPr>
+      <p:grpSpPr>
+        <a:xfrm>
+          <a:off x="0" y="0"/>
+          <a:ext cx="0" cy="0"/>
+          <a:chOff x="0" y="0"/>
+          <a:chExt cx="0" cy="0"/>
+        </a:xfrm>
+      </p:grpSpPr>
+      <p:sp>
+        <p:nvSpPr>
+          <p:cNvPr id="2" name="Title 1"/>
+          <p:cNvSpPr>
+            <a:spLocks noGrp="1"/>
+          </p:cNvSpPr>
+          <p:nvPr>
+            <p:ph type="title"/>
+          </p:nvPr>
+        </p:nvSpPr>
+        <p:spPr/>
+        <p:txBody>
+          <a:bodyPr/>
+          <a:lstStyle/>
+          <a:p>
+            <a:r>
+              <a:rPr lang="en-US" dirty="0" err="1" smtClean="0"/>
+              <a:t>parallel_for</a:t>
+            </a:r>
+            <a:endParaRPr lang="en-US" dirty="0"/>
+          </a:p>
+        </p:txBody>
+      </p:sp>
+      <p:sp>
+        <p:nvSpPr>
+          <p:cNvPr id="3" name="Content Placeholder 2"/>
+          <p:cNvSpPr>
+            <a:spLocks noGrp="1"/>
+          </p:cNvSpPr>
+          <p:nvPr>
+            <p:ph idx="1"/>
+          </p:nvPr>
+        </p:nvSpPr>
+        <p:spPr/>
+        <p:txBody>
+          <a:bodyPr/>
+          <a:lstStyle/>
+          <a:p>
+            <a:r>
+              <a:rPr lang="en-US" dirty="0" smtClean="0"/>
+              <a:t>Simplest form</a:t>
+            </a:r>
+            <a:endParaRPr lang="en-US" dirty="0"/>
+          </a:p>
+        </p:txBody>
+      </p:sp>
+      <p:sp>
+        <p:nvSpPr>
+          <p:cNvPr id="4" name="Slide Number Placeholder 3"/>
+          <p:cNvSpPr>
+            <a:spLocks noGrp="1"/>
+          </p:cNvSpPr>
+          <p:nvPr>
+            <p:ph type="sldNum" sz="quarter" idx="12"/>
+          </p:nvPr>
+        </p:nvSpPr>
+        <p:spPr/>
+        <p:txBody>
+          <a:bodyPr/>
+          <a:lstStyle/>
+          <a:p>
+            <a:fld id="{8A5772FA-F273-424C-AEFD-E3BF6973D60A}" type="slidenum">
+              <a:rPr lang="en-US" smtClean="0"/>
+              <a:t>12</a:t>
+            </a:fld>
+            <a:endParaRPr lang="en-US"/>
+          </a:p>
+        </p:txBody>
+      </p:sp>
+    </p:spTree>
+    <p:extLst>
+      <p:ext uri="{BB962C8B-B14F-4D97-AF65-F5344CB8AC3E}">
+        <p14:creationId xmlns:p14="http://schemas.microsoft.com/office/powerpoint/2010/main" val="390435657"/>
+      </p:ext>
+    </p:extLst>
+  </p:cSld>
+  <p:clrMapOvr>
+    <a:masterClrMapping/>
+  </p:clrMapOvr>
+  <p:timing>
+    <p:tnLst>
+      <p:par>
+        <p:cTn id="1" dur="indefinite" restart="never" nodeType="tmRoot"/>
+      </p:par>
+    </p:tnLst>
+  </p:timing>
+</p:sld>
+</file>
+
 <file path=ppt/slides/slide2.xml><?xml version="1.0" encoding="utf-8"?>
 <p:sld xmlns:a="http://schemas.openxmlformats.org/drawingml/2006/main" xmlns:r="http://schemas.openxmlformats.org/officeDocument/2006/relationships" xmlns:p="http://schemas.openxmlformats.org/presentationml/2006/main">
   <p:cSld>
@@ -7636,6 +8933,29 @@
           </p:txBody>
         </p:sp>
       </p:grpSp>
+      <p:sp>
+        <p:nvSpPr>
+          <p:cNvPr id="6" name="Slide Number Placeholder 5"/>
+          <p:cNvSpPr>
+            <a:spLocks noGrp="1"/>
+          </p:cNvSpPr>
+          <p:nvPr>
+            <p:ph type="sldNum" sz="quarter" idx="12"/>
+          </p:nvPr>
+        </p:nvSpPr>
+        <p:spPr/>
+        <p:txBody>
+          <a:bodyPr/>
+          <a:lstStyle/>
+          <a:p>
+            <a:fld id="{8A5772FA-F273-424C-AEFD-E3BF6973D60A}" type="slidenum">
+              <a:rPr lang="en-US" smtClean="0"/>
+              <a:t>2</a:t>
+            </a:fld>
+            <a:endParaRPr lang="en-US"/>
+          </a:p>
+        </p:txBody>
+      </p:sp>
     </p:spTree>
     <p:extLst>
       <p:ext uri="{BB962C8B-B14F-4D97-AF65-F5344CB8AC3E}">
@@ -7731,7 +9051,6 @@
               <a:rPr lang="en-BE" dirty="0" smtClean="0"/>
               <a:t>C++ threads</a:t>
             </a:r>
-            <a:endParaRPr lang="en-BE" dirty="0" smtClean="0"/>
           </a:p>
           <a:p>
             <a:pPr lvl="1"/>
@@ -7744,11 +9063,7 @@
             <a:pPr lvl="1"/>
             <a:r>
               <a:rPr lang="en-BE" dirty="0" smtClean="0"/>
-              <a:t>disadvantages: </a:t>
-            </a:r>
-            <a:r>
-              <a:rPr lang="en-BE" dirty="0" smtClean="0"/>
-              <a:t>programming model not really suited for scientic programming</a:t>
+              <a:t>disadvantages: programming model not really suited for scientic programming</a:t>
             </a:r>
             <a:endParaRPr lang="en-BE" dirty="0"/>
           </a:p>
@@ -7793,6 +9108,29 @@
               <a:t>disadvantages: no standard, C++ only</a:t>
             </a:r>
             <a:endParaRPr lang="en-US" dirty="0"/>
+          </a:p>
+        </p:txBody>
+      </p:sp>
+      <p:sp>
+        <p:nvSpPr>
+          <p:cNvPr id="4" name="Slide Number Placeholder 3"/>
+          <p:cNvSpPr>
+            <a:spLocks noGrp="1"/>
+          </p:cNvSpPr>
+          <p:nvPr>
+            <p:ph type="sldNum" sz="quarter" idx="12"/>
+          </p:nvPr>
+        </p:nvSpPr>
+        <p:spPr/>
+        <p:txBody>
+          <a:bodyPr/>
+          <a:lstStyle/>
+          <a:p>
+            <a:fld id="{8A5772FA-F273-424C-AEFD-E3BF6973D60A}" type="slidenum">
+              <a:rPr lang="en-US" smtClean="0"/>
+              <a:t>3</a:t>
+            </a:fld>
+            <a:endParaRPr lang="en-US"/>
           </a:p>
         </p:txBody>
       </p:sp>
@@ -7880,7 +9218,19 @@
             <a:pPr lvl="1"/>
             <a:r>
               <a:rPr lang="en-BE" dirty="0" smtClean="0"/>
-              <a:t>1990s-2006: MIT Cilk</a:t>
+              <a:t>199</a:t>
+            </a:r>
+            <a:r>
+              <a:rPr lang="en-US" dirty="0" smtClean="0"/>
+              <a:t>5</a:t>
+            </a:r>
+            <a:r>
+              <a:rPr lang="en-BE" dirty="0" smtClean="0"/>
+              <a:t>-2006</a:t>
+            </a:r>
+            <a:r>
+              <a:rPr lang="en-BE" dirty="0" smtClean="0"/>
+              <a:t>: MIT Cilk</a:t>
             </a:r>
           </a:p>
           <a:p>
@@ -7927,6 +9277,29 @@
               <a:t>https://www.threadingbuildingblocks.org/</a:t>
             </a:r>
             <a:endParaRPr lang="en-BE" dirty="0" smtClean="0"/>
+          </a:p>
+        </p:txBody>
+      </p:sp>
+      <p:sp>
+        <p:nvSpPr>
+          <p:cNvPr id="4" name="Slide Number Placeholder 3"/>
+          <p:cNvSpPr>
+            <a:spLocks noGrp="1"/>
+          </p:cNvSpPr>
+          <p:nvPr>
+            <p:ph type="sldNum" sz="quarter" idx="12"/>
+          </p:nvPr>
+        </p:nvSpPr>
+        <p:spPr/>
+        <p:txBody>
+          <a:bodyPr/>
+          <a:lstStyle/>
+          <a:p>
+            <a:fld id="{8A5772FA-F273-424C-AEFD-E3BF6973D60A}" type="slidenum">
+              <a:rPr lang="en-US" smtClean="0"/>
+              <a:t>4</a:t>
+            </a:fld>
+            <a:endParaRPr lang="en-US"/>
           </a:p>
         </p:txBody>
       </p:sp>
@@ -7934,6 +9307,3362 @@
     <p:extLst>
       <p:ext uri="{BB962C8B-B14F-4D97-AF65-F5344CB8AC3E}">
         <p14:creationId xmlns:p14="http://schemas.microsoft.com/office/powerpoint/2010/main" val="3814823336"/>
+      </p:ext>
+    </p:extLst>
+  </p:cSld>
+  <p:clrMapOvr>
+    <a:masterClrMapping/>
+  </p:clrMapOvr>
+  <p:timing>
+    <p:tnLst>
+      <p:par>
+        <p:cTn id="1" dur="indefinite" restart="never" nodeType="tmRoot"/>
+      </p:par>
+    </p:tnLst>
+  </p:timing>
+</p:sld>
+</file>
+
+<file path=ppt/slides/slide5.xml><?xml version="1.0" encoding="utf-8"?>
+<p:sld xmlns:a="http://schemas.openxmlformats.org/drawingml/2006/main" xmlns:r="http://schemas.openxmlformats.org/officeDocument/2006/relationships" xmlns:p="http://schemas.openxmlformats.org/presentationml/2006/main">
+  <p:cSld>
+    <p:spTree>
+      <p:nvGrpSpPr>
+        <p:cNvPr id="1" name=""/>
+        <p:cNvGrpSpPr/>
+        <p:nvPr/>
+      </p:nvGrpSpPr>
+      <p:grpSpPr>
+        <a:xfrm>
+          <a:off x="0" y="0"/>
+          <a:ext cx="0" cy="0"/>
+          <a:chOff x="0" y="0"/>
+          <a:chExt cx="0" cy="0"/>
+        </a:xfrm>
+      </p:grpSpPr>
+      <p:sp>
+        <p:nvSpPr>
+          <p:cNvPr id="2" name="Title 1"/>
+          <p:cNvSpPr>
+            <a:spLocks noGrp="1"/>
+          </p:cNvSpPr>
+          <p:nvPr>
+            <p:ph type="title"/>
+          </p:nvPr>
+        </p:nvSpPr>
+        <p:spPr/>
+        <p:txBody>
+          <a:bodyPr/>
+          <a:lstStyle/>
+          <a:p>
+            <a:r>
+              <a:rPr lang="en-US" dirty="0" smtClean="0"/>
+              <a:t>What is TBB?</a:t>
+            </a:r>
+            <a:endParaRPr lang="en-US" dirty="0"/>
+          </a:p>
+        </p:txBody>
+      </p:sp>
+      <p:sp>
+        <p:nvSpPr>
+          <p:cNvPr id="3" name="Content Placeholder 2"/>
+          <p:cNvSpPr>
+            <a:spLocks noGrp="1"/>
+          </p:cNvSpPr>
+          <p:nvPr>
+            <p:ph idx="1"/>
+          </p:nvPr>
+        </p:nvSpPr>
+        <p:spPr/>
+        <p:txBody>
+          <a:bodyPr/>
+          <a:lstStyle/>
+          <a:p>
+            <a:r>
+              <a:rPr lang="en-US" dirty="0" smtClean="0"/>
+              <a:t>Algorithms</a:t>
+            </a:r>
+            <a:endParaRPr lang="en-US" dirty="0"/>
+          </a:p>
+          <a:p>
+            <a:pPr lvl="1"/>
+            <a:r>
+              <a:rPr lang="en-US" dirty="0" err="1" smtClean="0"/>
+              <a:t>parallel_for</a:t>
+            </a:r>
+            <a:r>
+              <a:rPr lang="en-US" dirty="0" smtClean="0"/>
+              <a:t>, </a:t>
+            </a:r>
+            <a:r>
+              <a:rPr lang="en-US" dirty="0" err="1" smtClean="0"/>
+              <a:t>parallel_reduce</a:t>
+            </a:r>
+            <a:r>
+              <a:rPr lang="en-US" dirty="0" smtClean="0"/>
+              <a:t>, </a:t>
+            </a:r>
+            <a:r>
+              <a:rPr lang="en-US" dirty="0" err="1" smtClean="0"/>
+              <a:t>parallel_scan</a:t>
+            </a:r>
+            <a:r>
+              <a:rPr lang="en-US" dirty="0" smtClean="0"/>
+              <a:t>, </a:t>
+            </a:r>
+            <a:r>
+              <a:rPr lang="en-US" dirty="0" err="1" smtClean="0"/>
+              <a:t>parallel_do</a:t>
+            </a:r>
+            <a:r>
+              <a:rPr lang="en-US" dirty="0" smtClean="0"/>
+              <a:t>, pipeline, </a:t>
+            </a:r>
+            <a:r>
+              <a:rPr lang="en-US" dirty="0" err="1" smtClean="0"/>
+              <a:t>parallel_sort</a:t>
+            </a:r>
+            <a:endParaRPr lang="en-US" dirty="0" smtClean="0"/>
+          </a:p>
+          <a:p>
+            <a:r>
+              <a:rPr lang="en-US" dirty="0" smtClean="0"/>
+              <a:t>Task graphs</a:t>
+            </a:r>
+          </a:p>
+          <a:p>
+            <a:r>
+              <a:rPr lang="en-US" dirty="0" smtClean="0"/>
+              <a:t>Concurrent containers</a:t>
+            </a:r>
+          </a:p>
+          <a:p>
+            <a:pPr lvl="1"/>
+            <a:r>
+              <a:rPr lang="en-US" dirty="0" err="1" smtClean="0"/>
+              <a:t>concurrent_queue</a:t>
+            </a:r>
+            <a:r>
+              <a:rPr lang="en-US" dirty="0" smtClean="0"/>
+              <a:t>, </a:t>
+            </a:r>
+            <a:r>
+              <a:rPr lang="en-US" dirty="0" err="1" smtClean="0"/>
+              <a:t>concurrent_vector</a:t>
+            </a:r>
+            <a:r>
+              <a:rPr lang="en-US" dirty="0" smtClean="0"/>
+              <a:t>, </a:t>
+            </a:r>
+            <a:r>
+              <a:rPr lang="en-US" dirty="0" err="1" smtClean="0"/>
+              <a:t>concurrent_hash_map</a:t>
+            </a:r>
+            <a:endParaRPr lang="en-US" dirty="0" smtClean="0"/>
+          </a:p>
+          <a:p>
+            <a:r>
+              <a:rPr lang="en-US" dirty="0" smtClean="0"/>
+              <a:t>Memory allocation</a:t>
+            </a:r>
+            <a:endParaRPr lang="en-US" dirty="0"/>
+          </a:p>
+        </p:txBody>
+      </p:sp>
+      <p:sp>
+        <p:nvSpPr>
+          <p:cNvPr id="4" name="Slide Number Placeholder 3"/>
+          <p:cNvSpPr>
+            <a:spLocks noGrp="1"/>
+          </p:cNvSpPr>
+          <p:nvPr>
+            <p:ph type="sldNum" sz="quarter" idx="12"/>
+          </p:nvPr>
+        </p:nvSpPr>
+        <p:spPr/>
+        <p:txBody>
+          <a:bodyPr/>
+          <a:lstStyle/>
+          <a:p>
+            <a:fld id="{8A5772FA-F273-424C-AEFD-E3BF6973D60A}" type="slidenum">
+              <a:rPr lang="en-US" smtClean="0"/>
+              <a:t>5</a:t>
+            </a:fld>
+            <a:endParaRPr lang="en-US"/>
+          </a:p>
+        </p:txBody>
+      </p:sp>
+    </p:spTree>
+    <p:extLst>
+      <p:ext uri="{BB962C8B-B14F-4D97-AF65-F5344CB8AC3E}">
+        <p14:creationId xmlns:p14="http://schemas.microsoft.com/office/powerpoint/2010/main" val="3544361168"/>
+      </p:ext>
+    </p:extLst>
+  </p:cSld>
+  <p:clrMapOvr>
+    <a:masterClrMapping/>
+  </p:clrMapOvr>
+  <p:timing>
+    <p:tnLst>
+      <p:par>
+        <p:cTn id="1" dur="indefinite" restart="never" nodeType="tmRoot"/>
+      </p:par>
+    </p:tnLst>
+  </p:timing>
+</p:sld>
+</file>
+
+<file path=ppt/slides/slide6.xml><?xml version="1.0" encoding="utf-8"?>
+<p:sld xmlns:a="http://schemas.openxmlformats.org/drawingml/2006/main" xmlns:r="http://schemas.openxmlformats.org/officeDocument/2006/relationships" xmlns:p="http://schemas.openxmlformats.org/presentationml/2006/main">
+  <p:cSld>
+    <p:spTree>
+      <p:nvGrpSpPr>
+        <p:cNvPr id="1" name=""/>
+        <p:cNvGrpSpPr/>
+        <p:nvPr/>
+      </p:nvGrpSpPr>
+      <p:grpSpPr>
+        <a:xfrm>
+          <a:off x="0" y="0"/>
+          <a:ext cx="0" cy="0"/>
+          <a:chOff x="0" y="0"/>
+          <a:chExt cx="0" cy="0"/>
+        </a:xfrm>
+      </p:grpSpPr>
+      <p:sp>
+        <p:nvSpPr>
+          <p:cNvPr id="2" name="Title 1"/>
+          <p:cNvSpPr>
+            <a:spLocks noGrp="1"/>
+          </p:cNvSpPr>
+          <p:nvPr>
+            <p:ph type="title"/>
+          </p:nvPr>
+        </p:nvSpPr>
+        <p:spPr/>
+        <p:txBody>
+          <a:bodyPr/>
+          <a:lstStyle/>
+          <a:p>
+            <a:r>
+              <a:rPr lang="en-US" dirty="0" smtClean="0"/>
+              <a:t>C++ prerequisites</a:t>
+            </a:r>
+            <a:endParaRPr lang="en-US" dirty="0"/>
+          </a:p>
+        </p:txBody>
+      </p:sp>
+      <p:sp>
+        <p:nvSpPr>
+          <p:cNvPr id="3" name="Content Placeholder 2"/>
+          <p:cNvSpPr>
+            <a:spLocks noGrp="1"/>
+          </p:cNvSpPr>
+          <p:nvPr>
+            <p:ph idx="1"/>
+          </p:nvPr>
+        </p:nvSpPr>
+        <p:spPr/>
+        <p:txBody>
+          <a:bodyPr/>
+          <a:lstStyle/>
+          <a:p>
+            <a:r>
+              <a:rPr lang="en-US" dirty="0" smtClean="0"/>
+              <a:t>Iterators</a:t>
+            </a:r>
+          </a:p>
+          <a:p>
+            <a:r>
+              <a:rPr lang="en-US" dirty="0" smtClean="0"/>
+              <a:t>Classes/</a:t>
+            </a:r>
+            <a:r>
+              <a:rPr lang="en-US" dirty="0" err="1" smtClean="0"/>
+              <a:t>structs</a:t>
+            </a:r>
+            <a:r>
+              <a:rPr lang="en-US" dirty="0" smtClean="0"/>
+              <a:t> defining </a:t>
+            </a:r>
+            <a:r>
+              <a:rPr lang="en-US" dirty="0" smtClean="0">
+                <a:latin typeface="Consolas" panose="020B0609020204030204" pitchFamily="49" charset="0"/>
+              </a:rPr>
+              <a:t>operator()</a:t>
+            </a:r>
+          </a:p>
+          <a:p>
+            <a:r>
+              <a:rPr lang="en-US" dirty="0"/>
+              <a:t>L</a:t>
+            </a:r>
+            <a:r>
+              <a:rPr lang="en-US" dirty="0" smtClean="0"/>
+              <a:t>ambda functions</a:t>
+            </a:r>
+            <a:endParaRPr lang="en-US" dirty="0"/>
+          </a:p>
+        </p:txBody>
+      </p:sp>
+      <p:sp>
+        <p:nvSpPr>
+          <p:cNvPr id="4" name="Slide Number Placeholder 3"/>
+          <p:cNvSpPr>
+            <a:spLocks noGrp="1"/>
+          </p:cNvSpPr>
+          <p:nvPr>
+            <p:ph type="sldNum" sz="quarter" idx="12"/>
+          </p:nvPr>
+        </p:nvSpPr>
+        <p:spPr/>
+        <p:txBody>
+          <a:bodyPr/>
+          <a:lstStyle/>
+          <a:p>
+            <a:fld id="{8A5772FA-F273-424C-AEFD-E3BF6973D60A}" type="slidenum">
+              <a:rPr lang="en-US" smtClean="0"/>
+              <a:t>6</a:t>
+            </a:fld>
+            <a:endParaRPr lang="en-US"/>
+          </a:p>
+        </p:txBody>
+      </p:sp>
+    </p:spTree>
+    <p:extLst>
+      <p:ext uri="{BB962C8B-B14F-4D97-AF65-F5344CB8AC3E}">
+        <p14:creationId xmlns:p14="http://schemas.microsoft.com/office/powerpoint/2010/main" val="370897214"/>
+      </p:ext>
+    </p:extLst>
+  </p:cSld>
+  <p:clrMapOvr>
+    <a:masterClrMapping/>
+  </p:clrMapOvr>
+  <p:timing>
+    <p:tnLst>
+      <p:par>
+        <p:cTn id="1" dur="indefinite" restart="never" nodeType="tmRoot"/>
+      </p:par>
+    </p:tnLst>
+  </p:timing>
+</p:sld>
+</file>
+
+<file path=ppt/slides/slide7.xml><?xml version="1.0" encoding="utf-8"?>
+<p:sld xmlns:a="http://schemas.openxmlformats.org/drawingml/2006/main" xmlns:r="http://schemas.openxmlformats.org/officeDocument/2006/relationships" xmlns:p="http://schemas.openxmlformats.org/presentationml/2006/main">
+  <p:cSld>
+    <p:spTree>
+      <p:nvGrpSpPr>
+        <p:cNvPr id="1" name=""/>
+        <p:cNvGrpSpPr/>
+        <p:nvPr/>
+      </p:nvGrpSpPr>
+      <p:grpSpPr>
+        <a:xfrm>
+          <a:off x="0" y="0"/>
+          <a:ext cx="0" cy="0"/>
+          <a:chOff x="0" y="0"/>
+          <a:chExt cx="0" cy="0"/>
+        </a:xfrm>
+      </p:grpSpPr>
+      <p:sp>
+        <p:nvSpPr>
+          <p:cNvPr id="2" name="Title 1"/>
+          <p:cNvSpPr>
+            <a:spLocks noGrp="1"/>
+          </p:cNvSpPr>
+          <p:nvPr>
+            <p:ph type="title"/>
+          </p:nvPr>
+        </p:nvSpPr>
+        <p:spPr/>
+        <p:txBody>
+          <a:bodyPr/>
+          <a:lstStyle/>
+          <a:p>
+            <a:r>
+              <a:rPr lang="en-US" dirty="0" smtClean="0"/>
+              <a:t>Iterators</a:t>
+            </a:r>
+            <a:endParaRPr lang="en-US" dirty="0"/>
+          </a:p>
+        </p:txBody>
+      </p:sp>
+      <p:sp>
+        <p:nvSpPr>
+          <p:cNvPr id="3" name="Content Placeholder 2"/>
+          <p:cNvSpPr>
+            <a:spLocks noGrp="1"/>
+          </p:cNvSpPr>
+          <p:nvPr>
+            <p:ph idx="1"/>
+          </p:nvPr>
+        </p:nvSpPr>
+        <p:spPr/>
+        <p:txBody>
+          <a:bodyPr/>
+          <a:lstStyle/>
+          <a:p>
+            <a:r>
+              <a:rPr lang="en-US" dirty="0" smtClean="0"/>
+              <a:t>Iterators over C++ STL</a:t>
+            </a:r>
+            <a:br>
+              <a:rPr lang="en-US" dirty="0" smtClean="0"/>
+            </a:br>
+            <a:r>
+              <a:rPr lang="en-US" dirty="0" smtClean="0"/>
+              <a:t>containers, e.g.,</a:t>
+            </a:r>
+          </a:p>
+          <a:p>
+            <a:pPr lvl="1"/>
+            <a:r>
+              <a:rPr lang="en-US" dirty="0" err="1" smtClean="0">
+                <a:latin typeface="Consolas" panose="020B0609020204030204" pitchFamily="49" charset="0"/>
+              </a:rPr>
+              <a:t>cbegin</a:t>
+            </a:r>
+            <a:r>
+              <a:rPr lang="en-US" dirty="0" smtClean="0"/>
+              <a:t>: iterator to first element</a:t>
+            </a:r>
+            <a:endParaRPr lang="en-US" dirty="0"/>
+          </a:p>
+          <a:p>
+            <a:pPr lvl="1"/>
+            <a:r>
+              <a:rPr lang="en-US" dirty="0" err="1" smtClean="0">
+                <a:latin typeface="Consolas" panose="020B0609020204030204" pitchFamily="49" charset="0"/>
+              </a:rPr>
+              <a:t>cend</a:t>
+            </a:r>
+            <a:r>
+              <a:rPr lang="en-US" dirty="0" smtClean="0"/>
+              <a:t>: iterator to last element</a:t>
+            </a:r>
+          </a:p>
+          <a:p>
+            <a:pPr lvl="1"/>
+            <a:r>
+              <a:rPr lang="en-US" dirty="0" smtClean="0">
+                <a:latin typeface="Consolas" panose="020B0609020204030204" pitchFamily="49" charset="0"/>
+              </a:rPr>
+              <a:t>it</a:t>
+            </a:r>
+            <a:r>
+              <a:rPr lang="en-US" dirty="0" smtClean="0"/>
+              <a:t>: iterator pointing to current</a:t>
+            </a:r>
+            <a:br>
+              <a:rPr lang="en-US" dirty="0" smtClean="0"/>
+            </a:br>
+            <a:r>
+              <a:rPr lang="en-US" dirty="0" smtClean="0"/>
+              <a:t>value (</a:t>
+            </a:r>
+            <a:r>
+              <a:rPr lang="en-US" dirty="0" err="1" smtClean="0">
+                <a:latin typeface="Consolas" panose="020B0609020204030204" pitchFamily="49" charset="0"/>
+              </a:rPr>
+              <a:t>const</a:t>
+            </a:r>
+            <a:r>
+              <a:rPr lang="en-US" dirty="0" smtClean="0"/>
+              <a:t>)</a:t>
+            </a:r>
+          </a:p>
+          <a:p>
+            <a:pPr lvl="1"/>
+            <a:r>
+              <a:rPr lang="en-US" dirty="0" smtClean="0"/>
+              <a:t>non-</a:t>
+            </a:r>
+            <a:r>
+              <a:rPr lang="en-US" dirty="0" err="1" smtClean="0"/>
+              <a:t>const</a:t>
+            </a:r>
+            <a:r>
+              <a:rPr lang="en-US" dirty="0" smtClean="0"/>
+              <a:t> iterators: </a:t>
+            </a:r>
+            <a:r>
+              <a:rPr lang="en-US" dirty="0" smtClean="0">
+                <a:latin typeface="Consolas" panose="020B0609020204030204" pitchFamily="49" charset="0"/>
+              </a:rPr>
+              <a:t>begin</a:t>
+            </a:r>
+            <a:r>
+              <a:rPr lang="en-US" dirty="0" smtClean="0"/>
+              <a:t>/</a:t>
+            </a:r>
+            <a:r>
+              <a:rPr lang="en-US" dirty="0" smtClean="0">
+                <a:latin typeface="Consolas" panose="020B0609020204030204" pitchFamily="49" charset="0"/>
+              </a:rPr>
+              <a:t>end</a:t>
+            </a:r>
+            <a:endParaRPr lang="en-US" dirty="0">
+              <a:latin typeface="Consolas" panose="020B0609020204030204" pitchFamily="49" charset="0"/>
+            </a:endParaRPr>
+          </a:p>
+        </p:txBody>
+      </p:sp>
+      <p:sp>
+        <p:nvSpPr>
+          <p:cNvPr id="4" name="TextBox 3"/>
+          <p:cNvSpPr txBox="1"/>
+          <p:nvPr/>
+        </p:nvSpPr>
+        <p:spPr>
+          <a:xfrm>
+            <a:off x="5951915" y="1690688"/>
+            <a:ext cx="6019597" cy="4524315"/>
+          </a:xfrm>
+          <a:prstGeom prst="rect">
+            <a:avLst/>
+          </a:prstGeom>
+          <a:solidFill>
+            <a:schemeClr val="bg1">
+              <a:lumMod val="85000"/>
+            </a:schemeClr>
+          </a:solidFill>
+        </p:spPr>
+        <p:txBody>
+          <a:bodyPr wrap="none" rtlCol="0">
+            <a:spAutoFit/>
+          </a:bodyPr>
+          <a:lstStyle/>
+          <a:p>
+            <a:r>
+              <a:rPr lang="en-US" sz="1600" dirty="0">
+                <a:latin typeface="Consolas" panose="020B0609020204030204" pitchFamily="49" charset="0"/>
+              </a:rPr>
+              <a:t>#include &lt;algorithm&gt;</a:t>
+            </a:r>
+          </a:p>
+          <a:p>
+            <a:r>
+              <a:rPr lang="en-US" sz="1600" dirty="0">
+                <a:latin typeface="Consolas" panose="020B0609020204030204" pitchFamily="49" charset="0"/>
+              </a:rPr>
+              <a:t>#include &lt;</a:t>
+            </a:r>
+            <a:r>
+              <a:rPr lang="en-US" sz="1600" dirty="0" err="1">
+                <a:latin typeface="Consolas" panose="020B0609020204030204" pitchFamily="49" charset="0"/>
+              </a:rPr>
+              <a:t>iostream</a:t>
+            </a:r>
+            <a:r>
+              <a:rPr lang="en-US" sz="1600" dirty="0">
+                <a:latin typeface="Consolas" panose="020B0609020204030204" pitchFamily="49" charset="0"/>
+              </a:rPr>
+              <a:t>&gt;</a:t>
+            </a:r>
+          </a:p>
+          <a:p>
+            <a:r>
+              <a:rPr lang="en-US" sz="1600" dirty="0">
+                <a:latin typeface="Consolas" panose="020B0609020204030204" pitchFamily="49" charset="0"/>
+              </a:rPr>
+              <a:t>#include &lt;vector&gt;</a:t>
+            </a:r>
+          </a:p>
+          <a:p>
+            <a:endParaRPr lang="en-US" sz="1600" dirty="0">
+              <a:latin typeface="Consolas" panose="020B0609020204030204" pitchFamily="49" charset="0"/>
+            </a:endParaRPr>
+          </a:p>
+          <a:p>
+            <a:r>
+              <a:rPr lang="en-US" sz="1600" dirty="0" err="1">
+                <a:latin typeface="Consolas" panose="020B0609020204030204" pitchFamily="49" charset="0"/>
+              </a:rPr>
+              <a:t>int</a:t>
+            </a:r>
+            <a:r>
+              <a:rPr lang="en-US" sz="1600" dirty="0">
+                <a:latin typeface="Consolas" panose="020B0609020204030204" pitchFamily="49" charset="0"/>
+              </a:rPr>
+              <a:t> main() {</a:t>
+            </a:r>
+          </a:p>
+          <a:p>
+            <a:r>
+              <a:rPr lang="en-US" sz="1600" dirty="0">
+                <a:latin typeface="Consolas" panose="020B0609020204030204" pitchFamily="49" charset="0"/>
+              </a:rPr>
+              <a:t>    </a:t>
+            </a:r>
+            <a:r>
+              <a:rPr lang="en-US" sz="1600" dirty="0" err="1">
+                <a:latin typeface="Consolas" panose="020B0609020204030204" pitchFamily="49" charset="0"/>
+              </a:rPr>
+              <a:t>std</a:t>
+            </a:r>
+            <a:r>
+              <a:rPr lang="en-US" sz="1600" dirty="0">
+                <a:latin typeface="Consolas" panose="020B0609020204030204" pitchFamily="49" charset="0"/>
+              </a:rPr>
+              <a:t>::vector&lt;</a:t>
+            </a:r>
+            <a:r>
+              <a:rPr lang="en-US" sz="1600" dirty="0" err="1">
+                <a:latin typeface="Consolas" panose="020B0609020204030204" pitchFamily="49" charset="0"/>
+              </a:rPr>
+              <a:t>int</a:t>
+            </a:r>
+            <a:r>
+              <a:rPr lang="en-US" sz="1600" dirty="0">
+                <a:latin typeface="Consolas" panose="020B0609020204030204" pitchFamily="49" charset="0"/>
+              </a:rPr>
+              <a:t>&gt; v;</a:t>
+            </a:r>
+          </a:p>
+          <a:p>
+            <a:r>
+              <a:rPr lang="en-US" sz="1600" dirty="0">
+                <a:latin typeface="Consolas" panose="020B0609020204030204" pitchFamily="49" charset="0"/>
+              </a:rPr>
+              <a:t>    for (</a:t>
+            </a:r>
+            <a:r>
+              <a:rPr lang="en-US" sz="1600" dirty="0" err="1">
+                <a:latin typeface="Consolas" panose="020B0609020204030204" pitchFamily="49" charset="0"/>
+              </a:rPr>
+              <a:t>int</a:t>
+            </a:r>
+            <a:r>
+              <a:rPr lang="en-US" sz="1600" dirty="0">
+                <a:latin typeface="Consolas" panose="020B0609020204030204" pitchFamily="49" charset="0"/>
+              </a:rPr>
+              <a:t> </a:t>
+            </a:r>
+            <a:r>
+              <a:rPr lang="en-US" sz="1600" dirty="0" err="1">
+                <a:latin typeface="Consolas" panose="020B0609020204030204" pitchFamily="49" charset="0"/>
+              </a:rPr>
+              <a:t>i</a:t>
+            </a:r>
+            <a:r>
+              <a:rPr lang="en-US" sz="1600" dirty="0">
+                <a:latin typeface="Consolas" panose="020B0609020204030204" pitchFamily="49" charset="0"/>
+              </a:rPr>
+              <a:t> = 0; </a:t>
+            </a:r>
+            <a:r>
+              <a:rPr lang="en-US" sz="1600" dirty="0" err="1">
+                <a:latin typeface="Consolas" panose="020B0609020204030204" pitchFamily="49" charset="0"/>
+              </a:rPr>
+              <a:t>i</a:t>
+            </a:r>
+            <a:r>
+              <a:rPr lang="en-US" sz="1600" dirty="0">
+                <a:latin typeface="Consolas" panose="020B0609020204030204" pitchFamily="49" charset="0"/>
+              </a:rPr>
+              <a:t> &lt; 10; ++</a:t>
+            </a:r>
+            <a:r>
+              <a:rPr lang="en-US" sz="1600" dirty="0" err="1">
+                <a:latin typeface="Consolas" panose="020B0609020204030204" pitchFamily="49" charset="0"/>
+              </a:rPr>
+              <a:t>i</a:t>
+            </a:r>
+            <a:r>
+              <a:rPr lang="en-US" sz="1600" dirty="0">
+                <a:latin typeface="Consolas" panose="020B0609020204030204" pitchFamily="49" charset="0"/>
+              </a:rPr>
+              <a:t>)</a:t>
+            </a:r>
+          </a:p>
+          <a:p>
+            <a:r>
+              <a:rPr lang="en-US" sz="1600" dirty="0">
+                <a:latin typeface="Consolas" panose="020B0609020204030204" pitchFamily="49" charset="0"/>
+              </a:rPr>
+              <a:t>        </a:t>
+            </a:r>
+            <a:r>
+              <a:rPr lang="en-US" sz="1600" dirty="0" err="1">
+                <a:latin typeface="Consolas" panose="020B0609020204030204" pitchFamily="49" charset="0"/>
+              </a:rPr>
+              <a:t>v.push_back</a:t>
+            </a:r>
+            <a:r>
+              <a:rPr lang="en-US" sz="1600" dirty="0">
+                <a:latin typeface="Consolas" panose="020B0609020204030204" pitchFamily="49" charset="0"/>
+              </a:rPr>
+              <a:t>(</a:t>
+            </a:r>
+            <a:r>
+              <a:rPr lang="en-US" sz="1600" dirty="0" err="1">
+                <a:latin typeface="Consolas" panose="020B0609020204030204" pitchFamily="49" charset="0"/>
+              </a:rPr>
+              <a:t>i</a:t>
+            </a:r>
+            <a:r>
+              <a:rPr lang="en-US" sz="1600" dirty="0">
+                <a:latin typeface="Consolas" panose="020B0609020204030204" pitchFamily="49" charset="0"/>
+              </a:rPr>
+              <a:t>);</a:t>
+            </a:r>
+          </a:p>
+          <a:p>
+            <a:r>
+              <a:rPr lang="en-US" sz="1600" dirty="0">
+                <a:latin typeface="Consolas" panose="020B0609020204030204" pitchFamily="49" charset="0"/>
+              </a:rPr>
+              <a:t>    for (auto it = </a:t>
+            </a:r>
+            <a:r>
+              <a:rPr lang="en-US" sz="1600" dirty="0" err="1">
+                <a:latin typeface="Consolas" panose="020B0609020204030204" pitchFamily="49" charset="0"/>
+              </a:rPr>
+              <a:t>v.cbegin</a:t>
+            </a:r>
+            <a:r>
+              <a:rPr lang="en-US" sz="1600" dirty="0">
+                <a:latin typeface="Consolas" panose="020B0609020204030204" pitchFamily="49" charset="0"/>
+              </a:rPr>
+              <a:t>(); it != </a:t>
+            </a:r>
+            <a:r>
+              <a:rPr lang="en-US" sz="1600" dirty="0" err="1">
+                <a:latin typeface="Consolas" panose="020B0609020204030204" pitchFamily="49" charset="0"/>
+              </a:rPr>
+              <a:t>v.cend</a:t>
+            </a:r>
+            <a:r>
+              <a:rPr lang="en-US" sz="1600" dirty="0">
+                <a:latin typeface="Consolas" panose="020B0609020204030204" pitchFamily="49" charset="0"/>
+              </a:rPr>
+              <a:t>(); ++it)</a:t>
+            </a:r>
+          </a:p>
+          <a:p>
+            <a:r>
+              <a:rPr lang="en-US" sz="1600" dirty="0">
+                <a:latin typeface="Consolas" panose="020B0609020204030204" pitchFamily="49" charset="0"/>
+              </a:rPr>
+              <a:t>        </a:t>
+            </a:r>
+            <a:r>
+              <a:rPr lang="en-US" sz="1600" dirty="0" err="1">
+                <a:latin typeface="Consolas" panose="020B0609020204030204" pitchFamily="49" charset="0"/>
+              </a:rPr>
+              <a:t>std</a:t>
+            </a:r>
+            <a:r>
+              <a:rPr lang="en-US" sz="1600" dirty="0">
+                <a:latin typeface="Consolas" panose="020B0609020204030204" pitchFamily="49" charset="0"/>
+              </a:rPr>
+              <a:t>::</a:t>
+            </a:r>
+            <a:r>
+              <a:rPr lang="en-US" sz="1600" dirty="0" err="1">
+                <a:latin typeface="Consolas" panose="020B0609020204030204" pitchFamily="49" charset="0"/>
+              </a:rPr>
+              <a:t>cout</a:t>
+            </a:r>
+            <a:r>
+              <a:rPr lang="en-US" sz="1600" dirty="0">
+                <a:latin typeface="Consolas" panose="020B0609020204030204" pitchFamily="49" charset="0"/>
+              </a:rPr>
+              <a:t> &lt;&lt; *it &lt;&lt; " ";</a:t>
+            </a:r>
+          </a:p>
+          <a:p>
+            <a:r>
+              <a:rPr lang="en-US" sz="1600" dirty="0">
+                <a:latin typeface="Consolas" panose="020B0609020204030204" pitchFamily="49" charset="0"/>
+              </a:rPr>
+              <a:t>    </a:t>
+            </a:r>
+            <a:r>
+              <a:rPr lang="en-US" sz="1600" dirty="0" err="1">
+                <a:latin typeface="Consolas" panose="020B0609020204030204" pitchFamily="49" charset="0"/>
+              </a:rPr>
+              <a:t>std</a:t>
+            </a:r>
+            <a:r>
+              <a:rPr lang="en-US" sz="1600" dirty="0">
+                <a:latin typeface="Consolas" panose="020B0609020204030204" pitchFamily="49" charset="0"/>
+              </a:rPr>
+              <a:t>::</a:t>
+            </a:r>
+            <a:r>
+              <a:rPr lang="en-US" sz="1600" dirty="0" err="1">
+                <a:latin typeface="Consolas" panose="020B0609020204030204" pitchFamily="49" charset="0"/>
+              </a:rPr>
+              <a:t>cout</a:t>
+            </a:r>
+            <a:r>
+              <a:rPr lang="en-US" sz="1600" dirty="0">
+                <a:latin typeface="Consolas" panose="020B0609020204030204" pitchFamily="49" charset="0"/>
+              </a:rPr>
+              <a:t> &lt;&lt; </a:t>
+            </a:r>
+            <a:r>
+              <a:rPr lang="en-US" sz="1600" dirty="0" err="1">
+                <a:latin typeface="Consolas" panose="020B0609020204030204" pitchFamily="49" charset="0"/>
+              </a:rPr>
+              <a:t>std</a:t>
+            </a:r>
+            <a:r>
+              <a:rPr lang="en-US" sz="1600" dirty="0">
+                <a:latin typeface="Consolas" panose="020B0609020204030204" pitchFamily="49" charset="0"/>
+              </a:rPr>
+              <a:t>::</a:t>
+            </a:r>
+            <a:r>
+              <a:rPr lang="en-US" sz="1600" dirty="0" err="1">
+                <a:latin typeface="Consolas" panose="020B0609020204030204" pitchFamily="49" charset="0"/>
+              </a:rPr>
+              <a:t>endl</a:t>
+            </a:r>
+            <a:r>
+              <a:rPr lang="en-US" sz="1600" dirty="0">
+                <a:latin typeface="Consolas" panose="020B0609020204030204" pitchFamily="49" charset="0"/>
+              </a:rPr>
+              <a:t>;</a:t>
+            </a:r>
+          </a:p>
+          <a:p>
+            <a:r>
+              <a:rPr lang="en-US" sz="1600" dirty="0">
+                <a:latin typeface="Consolas" panose="020B0609020204030204" pitchFamily="49" charset="0"/>
+              </a:rPr>
+              <a:t>    for (auto it = </a:t>
+            </a:r>
+            <a:r>
+              <a:rPr lang="en-US" sz="1600" dirty="0" err="1">
+                <a:latin typeface="Consolas" panose="020B0609020204030204" pitchFamily="49" charset="0"/>
+              </a:rPr>
+              <a:t>v.begin</a:t>
+            </a:r>
+            <a:r>
+              <a:rPr lang="en-US" sz="1600" dirty="0">
+                <a:latin typeface="Consolas" panose="020B0609020204030204" pitchFamily="49" charset="0"/>
+              </a:rPr>
+              <a:t>(); it != </a:t>
+            </a:r>
+            <a:r>
+              <a:rPr lang="en-US" sz="1600" dirty="0" err="1">
+                <a:latin typeface="Consolas" panose="020B0609020204030204" pitchFamily="49" charset="0"/>
+              </a:rPr>
+              <a:t>v.end</a:t>
+            </a:r>
+            <a:r>
+              <a:rPr lang="en-US" sz="1600" dirty="0">
+                <a:latin typeface="Consolas" panose="020B0609020204030204" pitchFamily="49" charset="0"/>
+              </a:rPr>
+              <a:t>(); ++it)</a:t>
+            </a:r>
+          </a:p>
+          <a:p>
+            <a:r>
+              <a:rPr lang="en-US" sz="1600" dirty="0">
+                <a:latin typeface="Consolas" panose="020B0609020204030204" pitchFamily="49" charset="0"/>
+              </a:rPr>
+              <a:t>        *it = (*it)*(*it);</a:t>
+            </a:r>
+          </a:p>
+          <a:p>
+            <a:r>
+              <a:rPr lang="en-US" sz="1600" dirty="0">
+                <a:latin typeface="Consolas" panose="020B0609020204030204" pitchFamily="49" charset="0"/>
+              </a:rPr>
+              <a:t>    for (auto it = </a:t>
+            </a:r>
+            <a:r>
+              <a:rPr lang="en-US" sz="1600" dirty="0" err="1">
+                <a:latin typeface="Consolas" panose="020B0609020204030204" pitchFamily="49" charset="0"/>
+              </a:rPr>
+              <a:t>v.cbegin</a:t>
+            </a:r>
+            <a:r>
+              <a:rPr lang="en-US" sz="1600" dirty="0">
+                <a:latin typeface="Consolas" panose="020B0609020204030204" pitchFamily="49" charset="0"/>
+              </a:rPr>
+              <a:t>(); it != </a:t>
+            </a:r>
+            <a:r>
+              <a:rPr lang="en-US" sz="1600" dirty="0" err="1">
+                <a:latin typeface="Consolas" panose="020B0609020204030204" pitchFamily="49" charset="0"/>
+              </a:rPr>
+              <a:t>v.cend</a:t>
+            </a:r>
+            <a:r>
+              <a:rPr lang="en-US" sz="1600" dirty="0">
+                <a:latin typeface="Consolas" panose="020B0609020204030204" pitchFamily="49" charset="0"/>
+              </a:rPr>
+              <a:t>(); ++it)</a:t>
+            </a:r>
+          </a:p>
+          <a:p>
+            <a:r>
+              <a:rPr lang="en-US" sz="1600" dirty="0">
+                <a:latin typeface="Consolas" panose="020B0609020204030204" pitchFamily="49" charset="0"/>
+              </a:rPr>
+              <a:t>        </a:t>
+            </a:r>
+            <a:r>
+              <a:rPr lang="en-US" sz="1600" dirty="0" err="1">
+                <a:latin typeface="Consolas" panose="020B0609020204030204" pitchFamily="49" charset="0"/>
+              </a:rPr>
+              <a:t>std</a:t>
+            </a:r>
+            <a:r>
+              <a:rPr lang="en-US" sz="1600" dirty="0">
+                <a:latin typeface="Consolas" panose="020B0609020204030204" pitchFamily="49" charset="0"/>
+              </a:rPr>
+              <a:t>::</a:t>
+            </a:r>
+            <a:r>
+              <a:rPr lang="en-US" sz="1600" dirty="0" err="1">
+                <a:latin typeface="Consolas" panose="020B0609020204030204" pitchFamily="49" charset="0"/>
+              </a:rPr>
+              <a:t>cout</a:t>
+            </a:r>
+            <a:r>
+              <a:rPr lang="en-US" sz="1600" dirty="0">
+                <a:latin typeface="Consolas" panose="020B0609020204030204" pitchFamily="49" charset="0"/>
+              </a:rPr>
+              <a:t> &lt;&lt; *it &lt;&lt; " ";</a:t>
+            </a:r>
+          </a:p>
+          <a:p>
+            <a:r>
+              <a:rPr lang="en-US" sz="1600" dirty="0">
+                <a:latin typeface="Consolas" panose="020B0609020204030204" pitchFamily="49" charset="0"/>
+              </a:rPr>
+              <a:t>    </a:t>
+            </a:r>
+            <a:r>
+              <a:rPr lang="en-US" sz="1600" dirty="0" err="1">
+                <a:latin typeface="Consolas" panose="020B0609020204030204" pitchFamily="49" charset="0"/>
+              </a:rPr>
+              <a:t>std</a:t>
+            </a:r>
+            <a:r>
+              <a:rPr lang="en-US" sz="1600" dirty="0">
+                <a:latin typeface="Consolas" panose="020B0609020204030204" pitchFamily="49" charset="0"/>
+              </a:rPr>
+              <a:t>::</a:t>
+            </a:r>
+            <a:r>
+              <a:rPr lang="en-US" sz="1600" dirty="0" err="1">
+                <a:latin typeface="Consolas" panose="020B0609020204030204" pitchFamily="49" charset="0"/>
+              </a:rPr>
+              <a:t>cout</a:t>
+            </a:r>
+            <a:r>
+              <a:rPr lang="en-US" sz="1600" dirty="0">
+                <a:latin typeface="Consolas" panose="020B0609020204030204" pitchFamily="49" charset="0"/>
+              </a:rPr>
+              <a:t> &lt;&lt; </a:t>
+            </a:r>
+            <a:r>
+              <a:rPr lang="en-US" sz="1600" dirty="0" err="1">
+                <a:latin typeface="Consolas" panose="020B0609020204030204" pitchFamily="49" charset="0"/>
+              </a:rPr>
+              <a:t>std</a:t>
+            </a:r>
+            <a:r>
+              <a:rPr lang="en-US" sz="1600" dirty="0">
+                <a:latin typeface="Consolas" panose="020B0609020204030204" pitchFamily="49" charset="0"/>
+              </a:rPr>
+              <a:t>::</a:t>
+            </a:r>
+            <a:r>
+              <a:rPr lang="en-US" sz="1600" dirty="0" err="1">
+                <a:latin typeface="Consolas" panose="020B0609020204030204" pitchFamily="49" charset="0"/>
+              </a:rPr>
+              <a:t>endl</a:t>
+            </a:r>
+            <a:r>
+              <a:rPr lang="en-US" sz="1600" dirty="0">
+                <a:latin typeface="Consolas" panose="020B0609020204030204" pitchFamily="49" charset="0"/>
+              </a:rPr>
+              <a:t>;</a:t>
+            </a:r>
+          </a:p>
+          <a:p>
+            <a:r>
+              <a:rPr lang="en-US" sz="1600" dirty="0">
+                <a:latin typeface="Consolas" panose="020B0609020204030204" pitchFamily="49" charset="0"/>
+              </a:rPr>
+              <a:t>    return 0;</a:t>
+            </a:r>
+          </a:p>
+          <a:p>
+            <a:r>
+              <a:rPr lang="en-US" sz="1600" dirty="0">
+                <a:latin typeface="Consolas" panose="020B0609020204030204" pitchFamily="49" charset="0"/>
+              </a:rPr>
+              <a:t>}</a:t>
+            </a:r>
+          </a:p>
+        </p:txBody>
+      </p:sp>
+      <p:sp>
+        <p:nvSpPr>
+          <p:cNvPr id="5" name="Slide Number Placeholder 4"/>
+          <p:cNvSpPr>
+            <a:spLocks noGrp="1"/>
+          </p:cNvSpPr>
+          <p:nvPr>
+            <p:ph type="sldNum" sz="quarter" idx="12"/>
+          </p:nvPr>
+        </p:nvSpPr>
+        <p:spPr/>
+        <p:txBody>
+          <a:bodyPr/>
+          <a:lstStyle/>
+          <a:p>
+            <a:fld id="{8A5772FA-F273-424C-AEFD-E3BF6973D60A}" type="slidenum">
+              <a:rPr lang="en-US" smtClean="0"/>
+              <a:t>7</a:t>
+            </a:fld>
+            <a:endParaRPr lang="en-US"/>
+          </a:p>
+        </p:txBody>
+      </p:sp>
+      <p:grpSp>
+        <p:nvGrpSpPr>
+          <p:cNvPr id="20" name="Group 19"/>
+          <p:cNvGrpSpPr/>
+          <p:nvPr/>
+        </p:nvGrpSpPr>
+        <p:grpSpPr>
+          <a:xfrm>
+            <a:off x="1479665" y="4771503"/>
+            <a:ext cx="2780607" cy="293718"/>
+            <a:chOff x="382385" y="4779816"/>
+            <a:chExt cx="2780607" cy="293718"/>
+          </a:xfrm>
+        </p:grpSpPr>
+        <p:sp>
+          <p:nvSpPr>
+            <p:cNvPr id="6" name="Rectangle 5"/>
+            <p:cNvSpPr/>
+            <p:nvPr/>
+          </p:nvSpPr>
+          <p:spPr>
+            <a:xfrm>
+              <a:off x="382385" y="4788131"/>
+              <a:ext cx="307571" cy="282633"/>
+            </a:xfrm>
+            <a:prstGeom prst="rect">
+              <a:avLst/>
+            </a:prstGeom>
+          </p:spPr>
+          <p:style>
+            <a:lnRef idx="2">
+              <a:schemeClr val="accent1">
+                <a:shade val="50000"/>
+              </a:schemeClr>
+            </a:lnRef>
+            <a:fillRef idx="1">
+              <a:schemeClr val="accent1"/>
+            </a:fillRef>
+            <a:effectRef idx="0">
+              <a:schemeClr val="accent1"/>
+            </a:effectRef>
+            <a:fontRef idx="minor">
+              <a:schemeClr val="lt1"/>
+            </a:fontRef>
+          </p:style>
+          <p:txBody>
+            <a:bodyPr rtlCol="0" anchor="ctr"/>
+            <a:lstStyle/>
+            <a:p>
+              <a:pPr algn="ctr"/>
+              <a:r>
+                <a:rPr lang="en-US" dirty="0" smtClean="0"/>
+                <a:t>0</a:t>
+              </a:r>
+              <a:endParaRPr lang="en-US" dirty="0"/>
+            </a:p>
+          </p:txBody>
+        </p:sp>
+        <p:sp>
+          <p:nvSpPr>
+            <p:cNvPr id="7" name="Rectangle 6"/>
+            <p:cNvSpPr/>
+            <p:nvPr/>
+          </p:nvSpPr>
+          <p:spPr>
+            <a:xfrm>
+              <a:off x="687185" y="4788130"/>
+              <a:ext cx="307571" cy="282633"/>
+            </a:xfrm>
+            <a:prstGeom prst="rect">
+              <a:avLst/>
+            </a:prstGeom>
+          </p:spPr>
+          <p:style>
+            <a:lnRef idx="2">
+              <a:schemeClr val="accent1">
+                <a:shade val="50000"/>
+              </a:schemeClr>
+            </a:lnRef>
+            <a:fillRef idx="1">
+              <a:schemeClr val="accent1"/>
+            </a:fillRef>
+            <a:effectRef idx="0">
+              <a:schemeClr val="accent1"/>
+            </a:effectRef>
+            <a:fontRef idx="minor">
+              <a:schemeClr val="lt1"/>
+            </a:fontRef>
+          </p:style>
+          <p:txBody>
+            <a:bodyPr rtlCol="0" anchor="ctr"/>
+            <a:lstStyle/>
+            <a:p>
+              <a:pPr algn="ctr"/>
+              <a:r>
+                <a:rPr lang="en-US" dirty="0" smtClean="0"/>
+                <a:t>1</a:t>
+              </a:r>
+              <a:endParaRPr lang="en-US" dirty="0"/>
+            </a:p>
+          </p:txBody>
+        </p:sp>
+        <p:sp>
+          <p:nvSpPr>
+            <p:cNvPr id="8" name="Rectangle 7"/>
+            <p:cNvSpPr/>
+            <p:nvPr/>
+          </p:nvSpPr>
+          <p:spPr>
+            <a:xfrm>
+              <a:off x="991985" y="4788130"/>
+              <a:ext cx="307571" cy="282633"/>
+            </a:xfrm>
+            <a:prstGeom prst="rect">
+              <a:avLst/>
+            </a:prstGeom>
+          </p:spPr>
+          <p:style>
+            <a:lnRef idx="2">
+              <a:schemeClr val="accent1">
+                <a:shade val="50000"/>
+              </a:schemeClr>
+            </a:lnRef>
+            <a:fillRef idx="1">
+              <a:schemeClr val="accent1"/>
+            </a:fillRef>
+            <a:effectRef idx="0">
+              <a:schemeClr val="accent1"/>
+            </a:effectRef>
+            <a:fontRef idx="minor">
+              <a:schemeClr val="lt1"/>
+            </a:fontRef>
+          </p:style>
+          <p:txBody>
+            <a:bodyPr rtlCol="0" anchor="ctr"/>
+            <a:lstStyle/>
+            <a:p>
+              <a:pPr algn="ctr"/>
+              <a:r>
+                <a:rPr lang="en-US" dirty="0" smtClean="0"/>
+                <a:t>2</a:t>
+              </a:r>
+              <a:endParaRPr lang="en-US" dirty="0"/>
+            </a:p>
+          </p:txBody>
+        </p:sp>
+        <p:sp>
+          <p:nvSpPr>
+            <p:cNvPr id="9" name="Rectangle 8"/>
+            <p:cNvSpPr/>
+            <p:nvPr/>
+          </p:nvSpPr>
+          <p:spPr>
+            <a:xfrm>
+              <a:off x="1296785" y="4788130"/>
+              <a:ext cx="307571" cy="282633"/>
+            </a:xfrm>
+            <a:prstGeom prst="rect">
+              <a:avLst/>
+            </a:prstGeom>
+          </p:spPr>
+          <p:style>
+            <a:lnRef idx="2">
+              <a:schemeClr val="accent1">
+                <a:shade val="50000"/>
+              </a:schemeClr>
+            </a:lnRef>
+            <a:fillRef idx="1">
+              <a:schemeClr val="accent1"/>
+            </a:fillRef>
+            <a:effectRef idx="0">
+              <a:schemeClr val="accent1"/>
+            </a:effectRef>
+            <a:fontRef idx="minor">
+              <a:schemeClr val="lt1"/>
+            </a:fontRef>
+          </p:style>
+          <p:txBody>
+            <a:bodyPr rtlCol="0" anchor="ctr"/>
+            <a:lstStyle/>
+            <a:p>
+              <a:pPr algn="ctr"/>
+              <a:r>
+                <a:rPr lang="en-US" dirty="0" smtClean="0"/>
+                <a:t>3</a:t>
+              </a:r>
+              <a:endParaRPr lang="en-US" dirty="0"/>
+            </a:p>
+          </p:txBody>
+        </p:sp>
+        <p:sp>
+          <p:nvSpPr>
+            <p:cNvPr id="10" name="Rectangle 9"/>
+            <p:cNvSpPr/>
+            <p:nvPr/>
+          </p:nvSpPr>
+          <p:spPr>
+            <a:xfrm>
+              <a:off x="2248592" y="4790901"/>
+              <a:ext cx="307571" cy="282633"/>
+            </a:xfrm>
+            <a:prstGeom prst="rect">
+              <a:avLst/>
+            </a:prstGeom>
+          </p:spPr>
+          <p:style>
+            <a:lnRef idx="2">
+              <a:schemeClr val="accent1">
+                <a:shade val="50000"/>
+              </a:schemeClr>
+            </a:lnRef>
+            <a:fillRef idx="1">
+              <a:schemeClr val="accent1"/>
+            </a:fillRef>
+            <a:effectRef idx="0">
+              <a:schemeClr val="accent1"/>
+            </a:effectRef>
+            <a:fontRef idx="minor">
+              <a:schemeClr val="lt1"/>
+            </a:fontRef>
+          </p:style>
+          <p:txBody>
+            <a:bodyPr rtlCol="0" anchor="ctr"/>
+            <a:lstStyle/>
+            <a:p>
+              <a:pPr algn="ctr"/>
+              <a:r>
+                <a:rPr lang="en-US" dirty="0" smtClean="0"/>
+                <a:t>8</a:t>
+              </a:r>
+              <a:endParaRPr lang="en-US" dirty="0"/>
+            </a:p>
+          </p:txBody>
+        </p:sp>
+        <p:sp>
+          <p:nvSpPr>
+            <p:cNvPr id="11" name="Rectangle 10"/>
+            <p:cNvSpPr/>
+            <p:nvPr/>
+          </p:nvSpPr>
+          <p:spPr>
+            <a:xfrm>
+              <a:off x="2553392" y="4788129"/>
+              <a:ext cx="307571" cy="282633"/>
+            </a:xfrm>
+            <a:prstGeom prst="rect">
+              <a:avLst/>
+            </a:prstGeom>
+          </p:spPr>
+          <p:style>
+            <a:lnRef idx="2">
+              <a:schemeClr val="accent1">
+                <a:shade val="50000"/>
+              </a:schemeClr>
+            </a:lnRef>
+            <a:fillRef idx="1">
+              <a:schemeClr val="accent1"/>
+            </a:fillRef>
+            <a:effectRef idx="0">
+              <a:schemeClr val="accent1"/>
+            </a:effectRef>
+            <a:fontRef idx="minor">
+              <a:schemeClr val="lt1"/>
+            </a:fontRef>
+          </p:style>
+          <p:txBody>
+            <a:bodyPr rtlCol="0" anchor="ctr"/>
+            <a:lstStyle/>
+            <a:p>
+              <a:pPr algn="ctr"/>
+              <a:r>
+                <a:rPr lang="en-US" dirty="0" smtClean="0"/>
+                <a:t>9</a:t>
+              </a:r>
+              <a:endParaRPr lang="en-US" dirty="0"/>
+            </a:p>
+          </p:txBody>
+        </p:sp>
+        <p:sp>
+          <p:nvSpPr>
+            <p:cNvPr id="16" name="Rectangle 15"/>
+            <p:cNvSpPr/>
+            <p:nvPr/>
+          </p:nvSpPr>
+          <p:spPr>
+            <a:xfrm>
+              <a:off x="2855421" y="4788129"/>
+              <a:ext cx="307571" cy="282633"/>
+            </a:xfrm>
+            <a:prstGeom prst="rect">
+              <a:avLst/>
+            </a:prstGeom>
+            <a:solidFill>
+              <a:srgbClr val="C00000"/>
+            </a:solidFill>
+          </p:spPr>
+          <p:style>
+            <a:lnRef idx="2">
+              <a:schemeClr val="accent1">
+                <a:shade val="50000"/>
+              </a:schemeClr>
+            </a:lnRef>
+            <a:fillRef idx="1">
+              <a:schemeClr val="accent1"/>
+            </a:fillRef>
+            <a:effectRef idx="0">
+              <a:schemeClr val="accent1"/>
+            </a:effectRef>
+            <a:fontRef idx="minor">
+              <a:schemeClr val="lt1"/>
+            </a:fontRef>
+          </p:style>
+          <p:txBody>
+            <a:bodyPr rtlCol="0" anchor="ctr"/>
+            <a:lstStyle/>
+            <a:p>
+              <a:pPr algn="ctr"/>
+              <a:r>
+                <a:rPr lang="en-US" dirty="0" smtClean="0"/>
+                <a:t>…</a:t>
+              </a:r>
+              <a:endParaRPr lang="en-US" dirty="0"/>
+            </a:p>
+          </p:txBody>
+        </p:sp>
+        <p:cxnSp>
+          <p:nvCxnSpPr>
+            <p:cNvPr id="18" name="Straight Connector 17"/>
+            <p:cNvCxnSpPr/>
+            <p:nvPr/>
+          </p:nvCxnSpPr>
+          <p:spPr>
+            <a:xfrm>
+              <a:off x="1604356" y="4779816"/>
+              <a:ext cx="644236" cy="0"/>
+            </a:xfrm>
+            <a:prstGeom prst="line">
+              <a:avLst/>
+            </a:prstGeom>
+          </p:spPr>
+          <p:style>
+            <a:lnRef idx="1">
+              <a:schemeClr val="accent1"/>
+            </a:lnRef>
+            <a:fillRef idx="0">
+              <a:schemeClr val="accent1"/>
+            </a:fillRef>
+            <a:effectRef idx="0">
+              <a:schemeClr val="accent1"/>
+            </a:effectRef>
+            <a:fontRef idx="minor">
+              <a:schemeClr val="tx1"/>
+            </a:fontRef>
+          </p:style>
+        </p:cxnSp>
+        <p:cxnSp>
+          <p:nvCxnSpPr>
+            <p:cNvPr id="19" name="Straight Connector 18"/>
+            <p:cNvCxnSpPr/>
+            <p:nvPr/>
+          </p:nvCxnSpPr>
+          <p:spPr>
+            <a:xfrm>
+              <a:off x="1621674" y="5070762"/>
+              <a:ext cx="644236" cy="0"/>
+            </a:xfrm>
+            <a:prstGeom prst="line">
+              <a:avLst/>
+            </a:prstGeom>
+          </p:spPr>
+          <p:style>
+            <a:lnRef idx="1">
+              <a:schemeClr val="accent1"/>
+            </a:lnRef>
+            <a:fillRef idx="0">
+              <a:schemeClr val="accent1"/>
+            </a:fillRef>
+            <a:effectRef idx="0">
+              <a:schemeClr val="accent1"/>
+            </a:effectRef>
+            <a:fontRef idx="minor">
+              <a:schemeClr val="tx1"/>
+            </a:fontRef>
+          </p:style>
+        </p:cxnSp>
+      </p:grpSp>
+      <p:grpSp>
+        <p:nvGrpSpPr>
+          <p:cNvPr id="24" name="Group 23"/>
+          <p:cNvGrpSpPr/>
+          <p:nvPr/>
+        </p:nvGrpSpPr>
+        <p:grpSpPr>
+          <a:xfrm>
+            <a:off x="407324" y="5062451"/>
+            <a:ext cx="1451038" cy="1208917"/>
+            <a:chOff x="407324" y="5062451"/>
+            <a:chExt cx="1451038" cy="1208917"/>
+          </a:xfrm>
+        </p:grpSpPr>
+        <p:sp>
+          <p:nvSpPr>
+            <p:cNvPr id="21" name="TextBox 20"/>
+            <p:cNvSpPr txBox="1"/>
+            <p:nvPr/>
+          </p:nvSpPr>
+          <p:spPr>
+            <a:xfrm>
+              <a:off x="407324" y="5902036"/>
+              <a:ext cx="1451038" cy="369332"/>
+            </a:xfrm>
+            <a:prstGeom prst="rect">
+              <a:avLst/>
+            </a:prstGeom>
+            <a:noFill/>
+          </p:spPr>
+          <p:txBody>
+            <a:bodyPr wrap="none" rtlCol="0">
+              <a:spAutoFit/>
+            </a:bodyPr>
+            <a:lstStyle/>
+            <a:p>
+              <a:r>
+                <a:rPr lang="en-US" dirty="0" err="1" smtClean="0">
+                  <a:latin typeface="Consolas" panose="020B0609020204030204" pitchFamily="49" charset="0"/>
+                </a:rPr>
+                <a:t>v.cbegin</a:t>
+              </a:r>
+              <a:r>
+                <a:rPr lang="en-US" dirty="0" smtClean="0">
+                  <a:latin typeface="Consolas" panose="020B0609020204030204" pitchFamily="49" charset="0"/>
+                </a:rPr>
+                <a:t>()</a:t>
+              </a:r>
+              <a:endParaRPr lang="en-US" dirty="0">
+                <a:latin typeface="Consolas" panose="020B0609020204030204" pitchFamily="49" charset="0"/>
+              </a:endParaRPr>
+            </a:p>
+          </p:txBody>
+        </p:sp>
+        <p:cxnSp>
+          <p:nvCxnSpPr>
+            <p:cNvPr id="23" name="Straight Arrow Connector 22"/>
+            <p:cNvCxnSpPr>
+              <a:endCxn id="6" idx="2"/>
+            </p:cNvCxnSpPr>
+            <p:nvPr/>
+          </p:nvCxnSpPr>
+          <p:spPr>
+            <a:xfrm flipV="1">
+              <a:off x="1130531" y="5062451"/>
+              <a:ext cx="502920" cy="831273"/>
+            </a:xfrm>
+            <a:prstGeom prst="straightConnector1">
+              <a:avLst/>
+            </a:prstGeom>
+            <a:ln>
+              <a:solidFill>
+                <a:schemeClr val="tx1"/>
+              </a:solidFill>
+              <a:tailEnd type="triangle"/>
+            </a:ln>
+          </p:spPr>
+          <p:style>
+            <a:lnRef idx="1">
+              <a:schemeClr val="accent1"/>
+            </a:lnRef>
+            <a:fillRef idx="0">
+              <a:schemeClr val="accent1"/>
+            </a:fillRef>
+            <a:effectRef idx="0">
+              <a:schemeClr val="accent1"/>
+            </a:effectRef>
+            <a:fontRef idx="minor">
+              <a:schemeClr val="tx1"/>
+            </a:fontRef>
+          </p:style>
+        </p:cxnSp>
+      </p:grpSp>
+      <p:grpSp>
+        <p:nvGrpSpPr>
+          <p:cNvPr id="33" name="Group 32"/>
+          <p:cNvGrpSpPr/>
+          <p:nvPr/>
+        </p:nvGrpSpPr>
+        <p:grpSpPr>
+          <a:xfrm>
+            <a:off x="3606075" y="5062449"/>
+            <a:ext cx="1197764" cy="1208919"/>
+            <a:chOff x="3606075" y="5062449"/>
+            <a:chExt cx="1197764" cy="1208919"/>
+          </a:xfrm>
+        </p:grpSpPr>
+        <p:sp>
+          <p:nvSpPr>
+            <p:cNvPr id="26" name="TextBox 25"/>
+            <p:cNvSpPr txBox="1"/>
+            <p:nvPr/>
+          </p:nvSpPr>
+          <p:spPr>
+            <a:xfrm>
+              <a:off x="3606075" y="5902036"/>
+              <a:ext cx="1197764" cy="369332"/>
+            </a:xfrm>
+            <a:prstGeom prst="rect">
+              <a:avLst/>
+            </a:prstGeom>
+            <a:noFill/>
+          </p:spPr>
+          <p:txBody>
+            <a:bodyPr wrap="square" rtlCol="0">
+              <a:spAutoFit/>
+            </a:bodyPr>
+            <a:lstStyle/>
+            <a:p>
+              <a:r>
+                <a:rPr lang="en-US" dirty="0" err="1" smtClean="0">
+                  <a:latin typeface="Consolas" panose="020B0609020204030204" pitchFamily="49" charset="0"/>
+                </a:rPr>
+                <a:t>v.cend</a:t>
+              </a:r>
+              <a:r>
+                <a:rPr lang="en-US" dirty="0" smtClean="0">
+                  <a:latin typeface="Consolas" panose="020B0609020204030204" pitchFamily="49" charset="0"/>
+                </a:rPr>
+                <a:t>()</a:t>
+              </a:r>
+              <a:endParaRPr lang="en-US" dirty="0">
+                <a:latin typeface="Consolas" panose="020B0609020204030204" pitchFamily="49" charset="0"/>
+              </a:endParaRPr>
+            </a:p>
+          </p:txBody>
+        </p:sp>
+        <p:cxnSp>
+          <p:nvCxnSpPr>
+            <p:cNvPr id="27" name="Straight Arrow Connector 26"/>
+            <p:cNvCxnSpPr>
+              <a:stCxn id="26" idx="0"/>
+              <a:endCxn id="16" idx="2"/>
+            </p:cNvCxnSpPr>
+            <p:nvPr/>
+          </p:nvCxnSpPr>
+          <p:spPr>
+            <a:xfrm flipH="1" flipV="1">
+              <a:off x="4106487" y="5062449"/>
+              <a:ext cx="98470" cy="839587"/>
+            </a:xfrm>
+            <a:prstGeom prst="straightConnector1">
+              <a:avLst/>
+            </a:prstGeom>
+            <a:ln>
+              <a:solidFill>
+                <a:schemeClr val="tx1"/>
+              </a:solidFill>
+              <a:tailEnd type="triangle"/>
+            </a:ln>
+          </p:spPr>
+          <p:style>
+            <a:lnRef idx="1">
+              <a:schemeClr val="accent1"/>
+            </a:lnRef>
+            <a:fillRef idx="0">
+              <a:schemeClr val="accent1"/>
+            </a:fillRef>
+            <a:effectRef idx="0">
+              <a:schemeClr val="accent1"/>
+            </a:effectRef>
+            <a:fontRef idx="minor">
+              <a:schemeClr val="tx1"/>
+            </a:fontRef>
+          </p:style>
+        </p:cxnSp>
+      </p:grpSp>
+      <p:grpSp>
+        <p:nvGrpSpPr>
+          <p:cNvPr id="34" name="Group 33"/>
+          <p:cNvGrpSpPr/>
+          <p:nvPr/>
+        </p:nvGrpSpPr>
+        <p:grpSpPr>
+          <a:xfrm>
+            <a:off x="1938251" y="5062450"/>
+            <a:ext cx="878481" cy="1208918"/>
+            <a:chOff x="3595358" y="5062450"/>
+            <a:chExt cx="878481" cy="1208918"/>
+          </a:xfrm>
+        </p:grpSpPr>
+        <p:sp>
+          <p:nvSpPr>
+            <p:cNvPr id="35" name="TextBox 34"/>
+            <p:cNvSpPr txBox="1"/>
+            <p:nvPr/>
+          </p:nvSpPr>
+          <p:spPr>
+            <a:xfrm>
+              <a:off x="3988461" y="5902036"/>
+              <a:ext cx="485378" cy="369332"/>
+            </a:xfrm>
+            <a:prstGeom prst="rect">
+              <a:avLst/>
+            </a:prstGeom>
+            <a:noFill/>
+          </p:spPr>
+          <p:txBody>
+            <a:bodyPr wrap="square" rtlCol="0">
+              <a:spAutoFit/>
+            </a:bodyPr>
+            <a:lstStyle/>
+            <a:p>
+              <a:r>
+                <a:rPr lang="en-US" dirty="0" smtClean="0">
+                  <a:latin typeface="Consolas" panose="020B0609020204030204" pitchFamily="49" charset="0"/>
+                </a:rPr>
+                <a:t>it</a:t>
+              </a:r>
+              <a:endParaRPr lang="en-US" dirty="0">
+                <a:latin typeface="Consolas" panose="020B0609020204030204" pitchFamily="49" charset="0"/>
+              </a:endParaRPr>
+            </a:p>
+          </p:txBody>
+        </p:sp>
+        <p:cxnSp>
+          <p:nvCxnSpPr>
+            <p:cNvPr id="36" name="Straight Arrow Connector 35"/>
+            <p:cNvCxnSpPr>
+              <a:stCxn id="35" idx="0"/>
+              <a:endCxn id="7" idx="2"/>
+            </p:cNvCxnSpPr>
+            <p:nvPr/>
+          </p:nvCxnSpPr>
+          <p:spPr>
+            <a:xfrm flipH="1" flipV="1">
+              <a:off x="3595358" y="5062450"/>
+              <a:ext cx="635792" cy="839586"/>
+            </a:xfrm>
+            <a:prstGeom prst="straightConnector1">
+              <a:avLst/>
+            </a:prstGeom>
+            <a:ln>
+              <a:solidFill>
+                <a:schemeClr val="tx1"/>
+              </a:solidFill>
+              <a:tailEnd type="triangle"/>
+            </a:ln>
+          </p:spPr>
+          <p:style>
+            <a:lnRef idx="1">
+              <a:schemeClr val="accent1"/>
+            </a:lnRef>
+            <a:fillRef idx="0">
+              <a:schemeClr val="accent1"/>
+            </a:fillRef>
+            <a:effectRef idx="0">
+              <a:schemeClr val="accent1"/>
+            </a:effectRef>
+            <a:fontRef idx="minor">
+              <a:schemeClr val="tx1"/>
+            </a:fontRef>
+          </p:style>
+        </p:cxnSp>
+      </p:grpSp>
+    </p:spTree>
+    <p:extLst>
+      <p:ext uri="{BB962C8B-B14F-4D97-AF65-F5344CB8AC3E}">
+        <p14:creationId xmlns:p14="http://schemas.microsoft.com/office/powerpoint/2010/main" val="849083486"/>
+      </p:ext>
+    </p:extLst>
+  </p:cSld>
+  <p:clrMapOvr>
+    <a:masterClrMapping/>
+  </p:clrMapOvr>
+  <p:timing>
+    <p:tnLst>
+      <p:par>
+        <p:cTn id="1" dur="indefinite" restart="never" nodeType="tmRoot"/>
+      </p:par>
+    </p:tnLst>
+  </p:timing>
+</p:sld>
+</file>
+
+<file path=ppt/slides/slide8.xml><?xml version="1.0" encoding="utf-8"?>
+<p:sld xmlns:a="http://schemas.openxmlformats.org/drawingml/2006/main" xmlns:r="http://schemas.openxmlformats.org/officeDocument/2006/relationships" xmlns:p="http://schemas.openxmlformats.org/presentationml/2006/main">
+  <p:cSld>
+    <p:spTree>
+      <p:nvGrpSpPr>
+        <p:cNvPr id="1" name=""/>
+        <p:cNvGrpSpPr/>
+        <p:nvPr/>
+      </p:nvGrpSpPr>
+      <p:grpSpPr>
+        <a:xfrm>
+          <a:off x="0" y="0"/>
+          <a:ext cx="0" cy="0"/>
+          <a:chOff x="0" y="0"/>
+          <a:chExt cx="0" cy="0"/>
+        </a:xfrm>
+      </p:grpSpPr>
+      <p:sp>
+        <p:nvSpPr>
+          <p:cNvPr id="2" name="Title 1"/>
+          <p:cNvSpPr>
+            <a:spLocks noGrp="1"/>
+          </p:cNvSpPr>
+          <p:nvPr>
+            <p:ph type="title"/>
+          </p:nvPr>
+        </p:nvSpPr>
+        <p:spPr/>
+        <p:txBody>
+          <a:bodyPr/>
+          <a:lstStyle/>
+          <a:p>
+            <a:r>
+              <a:rPr lang="en-US" dirty="0" smtClean="0"/>
+              <a:t>Classes/</a:t>
+            </a:r>
+            <a:r>
+              <a:rPr lang="en-US" dirty="0" err="1" smtClean="0"/>
+              <a:t>structs</a:t>
+            </a:r>
+            <a:r>
+              <a:rPr lang="en-US" dirty="0" smtClean="0"/>
+              <a:t> defining </a:t>
+            </a:r>
+            <a:r>
+              <a:rPr lang="en-US" dirty="0" smtClean="0">
+                <a:latin typeface="Consolas" panose="020B0609020204030204" pitchFamily="49" charset="0"/>
+              </a:rPr>
+              <a:t>operator()</a:t>
+            </a:r>
+            <a:endParaRPr lang="en-US" dirty="0">
+              <a:latin typeface="Consolas" panose="020B0609020204030204" pitchFamily="49" charset="0"/>
+            </a:endParaRPr>
+          </a:p>
+        </p:txBody>
+      </p:sp>
+      <p:sp>
+        <p:nvSpPr>
+          <p:cNvPr id="4" name="Slide Number Placeholder 3"/>
+          <p:cNvSpPr>
+            <a:spLocks noGrp="1"/>
+          </p:cNvSpPr>
+          <p:nvPr>
+            <p:ph type="sldNum" sz="quarter" idx="12"/>
+          </p:nvPr>
+        </p:nvSpPr>
+        <p:spPr/>
+        <p:txBody>
+          <a:bodyPr/>
+          <a:lstStyle/>
+          <a:p>
+            <a:fld id="{8A5772FA-F273-424C-AEFD-E3BF6973D60A}" type="slidenum">
+              <a:rPr lang="en-US" smtClean="0"/>
+              <a:t>8</a:t>
+            </a:fld>
+            <a:endParaRPr lang="en-US"/>
+          </a:p>
+        </p:txBody>
+      </p:sp>
+      <p:sp>
+        <p:nvSpPr>
+          <p:cNvPr id="5" name="TextBox 4"/>
+          <p:cNvSpPr txBox="1"/>
+          <p:nvPr/>
+        </p:nvSpPr>
+        <p:spPr>
+          <a:xfrm>
+            <a:off x="3586217" y="1690688"/>
+            <a:ext cx="8263801" cy="4524315"/>
+          </a:xfrm>
+          <a:prstGeom prst="rect">
+            <a:avLst/>
+          </a:prstGeom>
+          <a:solidFill>
+            <a:schemeClr val="bg1">
+              <a:lumMod val="85000"/>
+            </a:schemeClr>
+          </a:solidFill>
+        </p:spPr>
+        <p:txBody>
+          <a:bodyPr wrap="none" rtlCol="0">
+            <a:spAutoFit/>
+          </a:bodyPr>
+          <a:lstStyle/>
+          <a:p>
+            <a:r>
+              <a:rPr lang="en-US" sz="1600" dirty="0">
+                <a:latin typeface="Consolas" panose="020B0609020204030204" pitchFamily="49" charset="0"/>
+              </a:rPr>
+              <a:t>#include &lt;</a:t>
+            </a:r>
+            <a:r>
+              <a:rPr lang="en-US" sz="1600" dirty="0" err="1">
+                <a:latin typeface="Consolas" panose="020B0609020204030204" pitchFamily="49" charset="0"/>
+              </a:rPr>
+              <a:t>iostream</a:t>
+            </a:r>
+            <a:r>
+              <a:rPr lang="en-US" sz="1600" dirty="0">
+                <a:latin typeface="Consolas" panose="020B0609020204030204" pitchFamily="49" charset="0"/>
+              </a:rPr>
+              <a:t>&gt;</a:t>
+            </a:r>
+          </a:p>
+          <a:p>
+            <a:endParaRPr lang="en-US" sz="1600" dirty="0">
+              <a:latin typeface="Consolas" panose="020B0609020204030204" pitchFamily="49" charset="0"/>
+            </a:endParaRPr>
+          </a:p>
+          <a:p>
+            <a:r>
+              <a:rPr lang="en-US" sz="1600" dirty="0">
+                <a:latin typeface="Consolas" panose="020B0609020204030204" pitchFamily="49" charset="0"/>
+              </a:rPr>
+              <a:t>class </a:t>
+            </a:r>
+            <a:r>
+              <a:rPr lang="en-US" sz="1600" dirty="0" err="1">
+                <a:latin typeface="Consolas" panose="020B0609020204030204" pitchFamily="49" charset="0"/>
+              </a:rPr>
+              <a:t>QuadraticFunction</a:t>
+            </a:r>
+            <a:r>
+              <a:rPr lang="en-US" sz="1600" dirty="0">
+                <a:latin typeface="Consolas" panose="020B0609020204030204" pitchFamily="49" charset="0"/>
+              </a:rPr>
+              <a:t> {</a:t>
+            </a:r>
+          </a:p>
+          <a:p>
+            <a:r>
+              <a:rPr lang="en-US" sz="1600" dirty="0">
+                <a:latin typeface="Consolas" panose="020B0609020204030204" pitchFamily="49" charset="0"/>
+              </a:rPr>
+              <a:t>    private:</a:t>
+            </a:r>
+          </a:p>
+          <a:p>
+            <a:r>
+              <a:rPr lang="en-US" sz="1600" dirty="0">
+                <a:latin typeface="Consolas" panose="020B0609020204030204" pitchFamily="49" charset="0"/>
+              </a:rPr>
+              <a:t>        double a</a:t>
+            </a:r>
+            <a:r>
+              <a:rPr lang="en-US" sz="1600" dirty="0" smtClean="0">
+                <a:latin typeface="Consolas" panose="020B0609020204030204" pitchFamily="49" charset="0"/>
+              </a:rPr>
+              <a:t>_, b_, c_;</a:t>
+            </a:r>
+            <a:endParaRPr lang="en-US" sz="1600" dirty="0">
+              <a:latin typeface="Consolas" panose="020B0609020204030204" pitchFamily="49" charset="0"/>
+            </a:endParaRPr>
+          </a:p>
+          <a:p>
+            <a:r>
+              <a:rPr lang="en-US" sz="1600" dirty="0" smtClean="0">
+                <a:latin typeface="Consolas" panose="020B0609020204030204" pitchFamily="49" charset="0"/>
+              </a:rPr>
+              <a:t>    public</a:t>
+            </a:r>
+            <a:r>
+              <a:rPr lang="en-US" sz="1600" dirty="0">
+                <a:latin typeface="Consolas" panose="020B0609020204030204" pitchFamily="49" charset="0"/>
+              </a:rPr>
+              <a:t>:</a:t>
+            </a:r>
+          </a:p>
+          <a:p>
+            <a:r>
+              <a:rPr lang="en-US" sz="1600" dirty="0">
+                <a:latin typeface="Consolas" panose="020B0609020204030204" pitchFamily="49" charset="0"/>
+              </a:rPr>
+              <a:t>        </a:t>
+            </a:r>
+            <a:r>
+              <a:rPr lang="en-US" sz="1600" dirty="0" err="1">
+                <a:latin typeface="Consolas" panose="020B0609020204030204" pitchFamily="49" charset="0"/>
+              </a:rPr>
+              <a:t>QuadraticFunction</a:t>
+            </a:r>
+            <a:r>
+              <a:rPr lang="en-US" sz="1600" dirty="0">
+                <a:latin typeface="Consolas" panose="020B0609020204030204" pitchFamily="49" charset="0"/>
+              </a:rPr>
+              <a:t>(double a, double b, double c) </a:t>
+            </a:r>
+            <a:r>
+              <a:rPr lang="en-US" sz="1600" dirty="0" smtClean="0">
+                <a:latin typeface="Consolas" panose="020B0609020204030204" pitchFamily="49" charset="0"/>
+              </a:rPr>
+              <a:t>:</a:t>
+            </a:r>
+          </a:p>
+          <a:p>
+            <a:r>
+              <a:rPr lang="en-US" sz="1600" dirty="0">
+                <a:latin typeface="Consolas" panose="020B0609020204030204" pitchFamily="49" charset="0"/>
+              </a:rPr>
+              <a:t> </a:t>
+            </a:r>
+            <a:r>
+              <a:rPr lang="en-US" sz="1600" dirty="0" smtClean="0">
+                <a:latin typeface="Consolas" panose="020B0609020204030204" pitchFamily="49" charset="0"/>
+              </a:rPr>
+              <a:t>           a</a:t>
+            </a:r>
+            <a:r>
+              <a:rPr lang="en-US" sz="1600" dirty="0">
+                <a:latin typeface="Consolas" panose="020B0609020204030204" pitchFamily="49" charset="0"/>
+              </a:rPr>
+              <a:t>_ {a}, b_ {b}, c_ {c} {}</a:t>
+            </a:r>
+          </a:p>
+          <a:p>
+            <a:r>
+              <a:rPr lang="en-US" sz="1600" dirty="0">
+                <a:latin typeface="Consolas" panose="020B0609020204030204" pitchFamily="49" charset="0"/>
+              </a:rPr>
+              <a:t>        double operator()(</a:t>
+            </a:r>
+            <a:r>
+              <a:rPr lang="en-US" sz="1600" dirty="0" err="1">
+                <a:latin typeface="Consolas" panose="020B0609020204030204" pitchFamily="49" charset="0"/>
+              </a:rPr>
+              <a:t>const</a:t>
+            </a:r>
+            <a:r>
+              <a:rPr lang="en-US" sz="1600" dirty="0">
+                <a:latin typeface="Consolas" panose="020B0609020204030204" pitchFamily="49" charset="0"/>
+              </a:rPr>
+              <a:t> double x) </a:t>
+            </a:r>
+            <a:r>
+              <a:rPr lang="en-US" sz="1600" dirty="0" smtClean="0">
+                <a:latin typeface="Consolas" panose="020B0609020204030204" pitchFamily="49" charset="0"/>
+              </a:rPr>
+              <a:t>{return </a:t>
+            </a:r>
+            <a:r>
+              <a:rPr lang="en-US" sz="1600" dirty="0">
+                <a:latin typeface="Consolas" panose="020B0609020204030204" pitchFamily="49" charset="0"/>
+              </a:rPr>
+              <a:t>(a_*x + b_)*x + c</a:t>
+            </a:r>
+            <a:r>
+              <a:rPr lang="en-US" sz="1600" dirty="0" smtClean="0">
+                <a:latin typeface="Consolas" panose="020B0609020204030204" pitchFamily="49" charset="0"/>
+              </a:rPr>
+              <a:t>_; }</a:t>
+            </a:r>
+            <a:endParaRPr lang="en-US" sz="1600" dirty="0">
+              <a:latin typeface="Consolas" panose="020B0609020204030204" pitchFamily="49" charset="0"/>
+            </a:endParaRPr>
+          </a:p>
+          <a:p>
+            <a:r>
+              <a:rPr lang="en-US" sz="1600" dirty="0">
+                <a:latin typeface="Consolas" panose="020B0609020204030204" pitchFamily="49" charset="0"/>
+              </a:rPr>
+              <a:t>};</a:t>
+            </a:r>
+          </a:p>
+          <a:p>
+            <a:endParaRPr lang="en-US" sz="1600" dirty="0">
+              <a:latin typeface="Consolas" panose="020B0609020204030204" pitchFamily="49" charset="0"/>
+            </a:endParaRPr>
+          </a:p>
+          <a:p>
+            <a:r>
+              <a:rPr lang="en-US" sz="1600" dirty="0" err="1">
+                <a:latin typeface="Consolas" panose="020B0609020204030204" pitchFamily="49" charset="0"/>
+              </a:rPr>
+              <a:t>int</a:t>
+            </a:r>
+            <a:r>
+              <a:rPr lang="en-US" sz="1600" dirty="0">
+                <a:latin typeface="Consolas" panose="020B0609020204030204" pitchFamily="49" charset="0"/>
+              </a:rPr>
+              <a:t> main() {</a:t>
+            </a:r>
+          </a:p>
+          <a:p>
+            <a:r>
+              <a:rPr lang="en-US" sz="1600" dirty="0">
+                <a:latin typeface="Consolas" panose="020B0609020204030204" pitchFamily="49" charset="0"/>
+              </a:rPr>
+              <a:t>    </a:t>
+            </a:r>
+            <a:r>
+              <a:rPr lang="en-US" sz="1600" dirty="0" err="1">
+                <a:latin typeface="Consolas" panose="020B0609020204030204" pitchFamily="49" charset="0"/>
+              </a:rPr>
+              <a:t>QuadraticFunction</a:t>
+            </a:r>
+            <a:r>
+              <a:rPr lang="en-US" sz="1600" dirty="0">
+                <a:latin typeface="Consolas" panose="020B0609020204030204" pitchFamily="49" charset="0"/>
+              </a:rPr>
+              <a:t> f1(1.0, 0.0, -1.0);</a:t>
+            </a:r>
+          </a:p>
+          <a:p>
+            <a:r>
+              <a:rPr lang="en-US" sz="1600" dirty="0">
+                <a:latin typeface="Consolas" panose="020B0609020204030204" pitchFamily="49" charset="0"/>
+              </a:rPr>
+              <a:t>    </a:t>
+            </a:r>
+            <a:r>
+              <a:rPr lang="en-US" sz="1600" dirty="0" err="1">
+                <a:latin typeface="Consolas" panose="020B0609020204030204" pitchFamily="49" charset="0"/>
+              </a:rPr>
+              <a:t>QuadraticFunction</a:t>
+            </a:r>
+            <a:r>
+              <a:rPr lang="en-US" sz="1600" dirty="0">
+                <a:latin typeface="Consolas" panose="020B0609020204030204" pitchFamily="49" charset="0"/>
+              </a:rPr>
+              <a:t> f2(-1.0, 3.0, 0.0);</a:t>
+            </a:r>
+          </a:p>
+          <a:p>
+            <a:r>
+              <a:rPr lang="en-US" sz="1600" dirty="0">
+                <a:latin typeface="Consolas" panose="020B0609020204030204" pitchFamily="49" charset="0"/>
+              </a:rPr>
+              <a:t>    for (double x = -3.0; x &lt;= 3.0; x += 0.2)</a:t>
+            </a:r>
+          </a:p>
+          <a:p>
+            <a:r>
+              <a:rPr lang="en-US" sz="1600" dirty="0">
+                <a:latin typeface="Consolas" panose="020B0609020204030204" pitchFamily="49" charset="0"/>
+              </a:rPr>
+              <a:t>        </a:t>
+            </a:r>
+            <a:r>
+              <a:rPr lang="en-US" sz="1600" dirty="0" err="1">
+                <a:latin typeface="Consolas" panose="020B0609020204030204" pitchFamily="49" charset="0"/>
+              </a:rPr>
+              <a:t>std</a:t>
+            </a:r>
+            <a:r>
+              <a:rPr lang="en-US" sz="1600" dirty="0">
+                <a:latin typeface="Consolas" panose="020B0609020204030204" pitchFamily="49" charset="0"/>
+              </a:rPr>
+              <a:t>::</a:t>
+            </a:r>
+            <a:r>
+              <a:rPr lang="en-US" sz="1600" dirty="0" err="1">
+                <a:latin typeface="Consolas" panose="020B0609020204030204" pitchFamily="49" charset="0"/>
+              </a:rPr>
+              <a:t>cout</a:t>
+            </a:r>
+            <a:r>
+              <a:rPr lang="en-US" sz="1600" dirty="0">
+                <a:latin typeface="Consolas" panose="020B0609020204030204" pitchFamily="49" charset="0"/>
+              </a:rPr>
+              <a:t> &lt;&lt; x &lt;&lt; " " &lt;&lt; f1(x) &lt;&lt; " " &lt;&lt; f2(x) &lt;&lt; "\n";</a:t>
+            </a:r>
+          </a:p>
+          <a:p>
+            <a:r>
+              <a:rPr lang="en-US" sz="1600" dirty="0">
+                <a:latin typeface="Consolas" panose="020B0609020204030204" pitchFamily="49" charset="0"/>
+              </a:rPr>
+              <a:t>    return 0;</a:t>
+            </a:r>
+          </a:p>
+          <a:p>
+            <a:r>
+              <a:rPr lang="en-US" sz="1600" dirty="0">
+                <a:latin typeface="Consolas" panose="020B0609020204030204" pitchFamily="49" charset="0"/>
+              </a:rPr>
+              <a:t>}</a:t>
+            </a:r>
+          </a:p>
+        </p:txBody>
+      </p:sp>
+      <mc:AlternateContent xmlns:mc="http://schemas.openxmlformats.org/markup-compatibility/2006">
+        <mc:Choice xmlns:a14="http://schemas.microsoft.com/office/drawing/2010/main" Requires="a14">
+          <p:sp>
+            <p:nvSpPr>
+              <p:cNvPr id="7" name="TextBox 6"/>
+              <p:cNvSpPr txBox="1"/>
+              <p:nvPr/>
+            </p:nvSpPr>
+            <p:spPr>
+              <a:xfrm>
+                <a:off x="738231" y="3426902"/>
+                <a:ext cx="1417055" cy="276999"/>
+              </a:xfrm>
+              <a:prstGeom prst="rect">
+                <a:avLst/>
+              </a:prstGeom>
+              <a:noFill/>
+            </p:spPr>
+            <p:txBody>
+              <a:bodyPr wrap="none" lIns="0" tIns="0" rIns="0" bIns="0" rtlCol="0">
+                <a:spAutoFit/>
+              </a:bodyPr>
+              <a:lstStyle/>
+              <a:p>
+                <a14:m>
+                  <m:oMath xmlns:m="http://schemas.openxmlformats.org/officeDocument/2006/math">
+                    <m:sSub>
+                      <m:sSubPr>
+                        <m:ctrlPr>
+                          <a:rPr lang="en-US" i="1" smtClean="0">
+                            <a:latin typeface="Cambria Math" panose="02040503050406030204" pitchFamily="18" charset="0"/>
+                          </a:rPr>
+                        </m:ctrlPr>
+                      </m:sSubPr>
+                      <m:e>
+                        <m:r>
+                          <a:rPr lang="en-US" b="0" i="1" smtClean="0">
+                            <a:latin typeface="Cambria Math" panose="02040503050406030204" pitchFamily="18" charset="0"/>
+                          </a:rPr>
+                          <m:t>𝑓</m:t>
+                        </m:r>
+                      </m:e>
+                      <m:sub>
+                        <m:r>
+                          <a:rPr lang="en-US" b="0" i="1" smtClean="0">
+                            <a:latin typeface="Cambria Math" panose="02040503050406030204" pitchFamily="18" charset="0"/>
+                          </a:rPr>
+                          <m:t>1</m:t>
+                        </m:r>
+                      </m:sub>
+                    </m:sSub>
+                  </m:oMath>
+                </a14:m>
+                <a:r>
+                  <a:rPr lang="en-US" dirty="0" smtClean="0"/>
+                  <a:t>: x </a:t>
+                </a:r>
+                <a14:m>
+                  <m:oMath xmlns:m="http://schemas.openxmlformats.org/officeDocument/2006/math">
+                    <m:r>
+                      <a:rPr lang="en-US" i="1" smtClean="0">
+                        <a:latin typeface="Cambria Math" panose="02040503050406030204" pitchFamily="18" charset="0"/>
+                        <a:ea typeface="Cambria Math" panose="02040503050406030204" pitchFamily="18" charset="0"/>
+                      </a:rPr>
+                      <m:t>→</m:t>
+                    </m:r>
+                    <m:r>
+                      <a:rPr lang="en-US" b="0" i="1" smtClean="0">
+                        <a:latin typeface="Cambria Math" panose="02040503050406030204" pitchFamily="18" charset="0"/>
+                        <a:ea typeface="Cambria Math" panose="02040503050406030204" pitchFamily="18" charset="0"/>
+                      </a:rPr>
+                      <m:t> </m:t>
+                    </m:r>
+                    <m:sSup>
+                      <m:sSupPr>
+                        <m:ctrlPr>
+                          <a:rPr lang="en-US" b="0" i="1" smtClean="0">
+                            <a:latin typeface="Cambria Math" panose="02040503050406030204" pitchFamily="18" charset="0"/>
+                            <a:ea typeface="Cambria Math" panose="02040503050406030204" pitchFamily="18" charset="0"/>
+                          </a:rPr>
+                        </m:ctrlPr>
+                      </m:sSupPr>
+                      <m:e>
+                        <m:r>
+                          <a:rPr lang="en-US" b="0" i="1" smtClean="0">
+                            <a:latin typeface="Cambria Math" panose="02040503050406030204" pitchFamily="18" charset="0"/>
+                            <a:ea typeface="Cambria Math" panose="02040503050406030204" pitchFamily="18" charset="0"/>
+                          </a:rPr>
+                          <m:t>𝑥</m:t>
+                        </m:r>
+                      </m:e>
+                      <m:sup>
+                        <m:r>
+                          <a:rPr lang="en-US" b="0" i="1" smtClean="0">
+                            <a:latin typeface="Cambria Math" panose="02040503050406030204" pitchFamily="18" charset="0"/>
+                            <a:ea typeface="Cambria Math" panose="02040503050406030204" pitchFamily="18" charset="0"/>
+                          </a:rPr>
+                          <m:t>2</m:t>
+                        </m:r>
+                      </m:sup>
+                    </m:sSup>
+                    <m:r>
+                      <a:rPr lang="en-US" b="0" i="1" smtClean="0">
+                        <a:latin typeface="Cambria Math" panose="02040503050406030204" pitchFamily="18" charset="0"/>
+                        <a:ea typeface="Cambria Math" panose="02040503050406030204" pitchFamily="18" charset="0"/>
+                      </a:rPr>
+                      <m:t>−1</m:t>
+                    </m:r>
+                  </m:oMath>
+                </a14:m>
+                <a:endParaRPr lang="en-US" dirty="0"/>
+              </a:p>
+            </p:txBody>
+          </p:sp>
+        </mc:Choice>
+        <mc:Fallback>
+          <p:sp>
+            <p:nvSpPr>
+              <p:cNvPr id="7" name="TextBox 6"/>
+              <p:cNvSpPr txBox="1">
+                <a:spLocks noRot="1" noChangeAspect="1" noMove="1" noResize="1" noEditPoints="1" noAdjustHandles="1" noChangeArrowheads="1" noChangeShapeType="1" noTextEdit="1"/>
+              </p:cNvSpPr>
+              <p:nvPr/>
+            </p:nvSpPr>
+            <p:spPr>
+              <a:xfrm>
+                <a:off x="738231" y="3426902"/>
+                <a:ext cx="1417055" cy="276999"/>
+              </a:xfrm>
+              <a:prstGeom prst="rect">
+                <a:avLst/>
+              </a:prstGeom>
+              <a:blipFill>
+                <a:blip r:embed="rId2"/>
+                <a:stretch>
+                  <a:fillRect l="-7725" t="-28261" r="-4292" b="-50000"/>
+                </a:stretch>
+              </a:blipFill>
+            </p:spPr>
+            <p:txBody>
+              <a:bodyPr/>
+              <a:lstStyle/>
+              <a:p>
+                <a:r>
+                  <a:rPr lang="en-US">
+                    <a:noFill/>
+                  </a:rPr>
+                  <a:t> </a:t>
+                </a:r>
+              </a:p>
+            </p:txBody>
+          </p:sp>
+        </mc:Fallback>
+      </mc:AlternateContent>
+      <mc:AlternateContent xmlns:mc="http://schemas.openxmlformats.org/markup-compatibility/2006">
+        <mc:Choice xmlns:a14="http://schemas.microsoft.com/office/drawing/2010/main" Requires="a14">
+          <p:sp>
+            <p:nvSpPr>
+              <p:cNvPr id="8" name="TextBox 7"/>
+              <p:cNvSpPr txBox="1"/>
+              <p:nvPr/>
+            </p:nvSpPr>
+            <p:spPr>
+              <a:xfrm>
+                <a:off x="738231" y="3952845"/>
+                <a:ext cx="1725922" cy="276999"/>
+              </a:xfrm>
+              <a:prstGeom prst="rect">
+                <a:avLst/>
+              </a:prstGeom>
+              <a:noFill/>
+            </p:spPr>
+            <p:txBody>
+              <a:bodyPr wrap="none" lIns="0" tIns="0" rIns="0" bIns="0" rtlCol="0">
+                <a:spAutoFit/>
+              </a:bodyPr>
+              <a:lstStyle/>
+              <a:p>
+                <a14:m>
+                  <m:oMath xmlns:m="http://schemas.openxmlformats.org/officeDocument/2006/math">
+                    <m:sSub>
+                      <m:sSubPr>
+                        <m:ctrlPr>
+                          <a:rPr lang="en-US" i="1" smtClean="0">
+                            <a:latin typeface="Cambria Math" panose="02040503050406030204" pitchFamily="18" charset="0"/>
+                          </a:rPr>
+                        </m:ctrlPr>
+                      </m:sSubPr>
+                      <m:e>
+                        <m:r>
+                          <a:rPr lang="en-US" b="0" i="1" smtClean="0">
+                            <a:latin typeface="Cambria Math" panose="02040503050406030204" pitchFamily="18" charset="0"/>
+                          </a:rPr>
+                          <m:t>𝑓</m:t>
+                        </m:r>
+                      </m:e>
+                      <m:sub>
+                        <m:r>
+                          <a:rPr lang="en-US" b="0" i="1" smtClean="0">
+                            <a:latin typeface="Cambria Math" panose="02040503050406030204" pitchFamily="18" charset="0"/>
+                          </a:rPr>
+                          <m:t>2</m:t>
+                        </m:r>
+                      </m:sub>
+                    </m:sSub>
+                  </m:oMath>
+                </a14:m>
+                <a:r>
+                  <a:rPr lang="en-US" dirty="0" smtClean="0"/>
+                  <a:t>: x </a:t>
+                </a:r>
+                <a14:m>
+                  <m:oMath xmlns:m="http://schemas.openxmlformats.org/officeDocument/2006/math">
+                    <m:r>
+                      <a:rPr lang="en-US" i="1" smtClean="0">
+                        <a:latin typeface="Cambria Math" panose="02040503050406030204" pitchFamily="18" charset="0"/>
+                        <a:ea typeface="Cambria Math" panose="02040503050406030204" pitchFamily="18" charset="0"/>
+                      </a:rPr>
+                      <m:t>→</m:t>
+                    </m:r>
+                    <m:r>
+                      <a:rPr lang="en-US" b="0" i="1" smtClean="0">
+                        <a:latin typeface="Cambria Math" panose="02040503050406030204" pitchFamily="18" charset="0"/>
+                        <a:ea typeface="Cambria Math" panose="02040503050406030204" pitchFamily="18" charset="0"/>
+                      </a:rPr>
+                      <m:t> </m:t>
+                    </m:r>
+                    <m:sSup>
+                      <m:sSupPr>
+                        <m:ctrlPr>
+                          <a:rPr lang="en-US" b="0" i="1" smtClean="0">
+                            <a:latin typeface="Cambria Math" panose="02040503050406030204" pitchFamily="18" charset="0"/>
+                            <a:ea typeface="Cambria Math" panose="02040503050406030204" pitchFamily="18" charset="0"/>
+                          </a:rPr>
+                        </m:ctrlPr>
+                      </m:sSupPr>
+                      <m:e>
+                        <m:r>
+                          <a:rPr lang="en-US" b="0" i="1" smtClean="0">
+                            <a:latin typeface="Cambria Math" panose="02040503050406030204" pitchFamily="18" charset="0"/>
+                            <a:ea typeface="Cambria Math" panose="02040503050406030204" pitchFamily="18" charset="0"/>
+                          </a:rPr>
+                          <m:t>−</m:t>
+                        </m:r>
+                        <m:r>
+                          <a:rPr lang="en-US" b="0" i="1" smtClean="0">
+                            <a:latin typeface="Cambria Math" panose="02040503050406030204" pitchFamily="18" charset="0"/>
+                            <a:ea typeface="Cambria Math" panose="02040503050406030204" pitchFamily="18" charset="0"/>
+                          </a:rPr>
+                          <m:t>𝑥</m:t>
+                        </m:r>
+                      </m:e>
+                      <m:sup>
+                        <m:r>
+                          <a:rPr lang="en-US" b="0" i="1" smtClean="0">
+                            <a:latin typeface="Cambria Math" panose="02040503050406030204" pitchFamily="18" charset="0"/>
+                            <a:ea typeface="Cambria Math" panose="02040503050406030204" pitchFamily="18" charset="0"/>
+                          </a:rPr>
+                          <m:t>2</m:t>
+                        </m:r>
+                      </m:sup>
+                    </m:sSup>
+                    <m:r>
+                      <a:rPr lang="en-US" b="0" i="1" smtClean="0">
+                        <a:latin typeface="Cambria Math" panose="02040503050406030204" pitchFamily="18" charset="0"/>
+                        <a:ea typeface="Cambria Math" panose="02040503050406030204" pitchFamily="18" charset="0"/>
+                      </a:rPr>
+                      <m:t>+3</m:t>
+                    </m:r>
+                    <m:r>
+                      <a:rPr lang="en-US" b="0" i="1" smtClean="0">
+                        <a:latin typeface="Cambria Math" panose="02040503050406030204" pitchFamily="18" charset="0"/>
+                        <a:ea typeface="Cambria Math" panose="02040503050406030204" pitchFamily="18" charset="0"/>
+                      </a:rPr>
+                      <m:t>𝑥</m:t>
+                    </m:r>
+                  </m:oMath>
+                </a14:m>
+                <a:endParaRPr lang="en-US" dirty="0"/>
+              </a:p>
+            </p:txBody>
+          </p:sp>
+        </mc:Choice>
+        <mc:Fallback>
+          <p:sp>
+            <p:nvSpPr>
+              <p:cNvPr id="8" name="TextBox 7"/>
+              <p:cNvSpPr txBox="1">
+                <a:spLocks noRot="1" noChangeAspect="1" noMove="1" noResize="1" noEditPoints="1" noAdjustHandles="1" noChangeArrowheads="1" noChangeShapeType="1" noTextEdit="1"/>
+              </p:cNvSpPr>
+              <p:nvPr/>
+            </p:nvSpPr>
+            <p:spPr>
+              <a:xfrm>
+                <a:off x="738231" y="3952845"/>
+                <a:ext cx="1725922" cy="276999"/>
+              </a:xfrm>
+              <a:prstGeom prst="rect">
+                <a:avLst/>
+              </a:prstGeom>
+              <a:blipFill>
+                <a:blip r:embed="rId3"/>
+                <a:stretch>
+                  <a:fillRect l="-6360" t="-28261" r="-3180" b="-50000"/>
+                </a:stretch>
+              </a:blipFill>
+            </p:spPr>
+            <p:txBody>
+              <a:bodyPr/>
+              <a:lstStyle/>
+              <a:p>
+                <a:r>
+                  <a:rPr lang="en-US">
+                    <a:noFill/>
+                  </a:rPr>
+                  <a:t> </a:t>
+                </a:r>
+              </a:p>
+            </p:txBody>
+          </p:sp>
+        </mc:Fallback>
+      </mc:AlternateContent>
+    </p:spTree>
+    <p:extLst>
+      <p:ext uri="{BB962C8B-B14F-4D97-AF65-F5344CB8AC3E}">
+        <p14:creationId xmlns:p14="http://schemas.microsoft.com/office/powerpoint/2010/main" val="2629040892"/>
+      </p:ext>
+    </p:extLst>
+  </p:cSld>
+  <p:clrMapOvr>
+    <a:masterClrMapping/>
+  </p:clrMapOvr>
+  <p:timing>
+    <p:tnLst>
+      <p:par>
+        <p:cTn id="1" dur="indefinite" restart="never" nodeType="tmRoot"/>
+      </p:par>
+    </p:tnLst>
+  </p:timing>
+</p:sld>
+</file>
+
+<file path=ppt/slides/slide9.xml><?xml version="1.0" encoding="utf-8"?>
+<p:sld xmlns:a="http://schemas.openxmlformats.org/drawingml/2006/main" xmlns:r="http://schemas.openxmlformats.org/officeDocument/2006/relationships" xmlns:p="http://schemas.openxmlformats.org/presentationml/2006/main">
+  <p:cSld>
+    <p:spTree>
+      <p:nvGrpSpPr>
+        <p:cNvPr id="1" name=""/>
+        <p:cNvGrpSpPr/>
+        <p:nvPr/>
+      </p:nvGrpSpPr>
+      <p:grpSpPr>
+        <a:xfrm>
+          <a:off x="0" y="0"/>
+          <a:ext cx="0" cy="0"/>
+          <a:chOff x="0" y="0"/>
+          <a:chExt cx="0" cy="0"/>
+        </a:xfrm>
+      </p:grpSpPr>
+      <p:sp>
+        <p:nvSpPr>
+          <p:cNvPr id="2" name="Title 1"/>
+          <p:cNvSpPr>
+            <a:spLocks noGrp="1"/>
+          </p:cNvSpPr>
+          <p:nvPr>
+            <p:ph type="title"/>
+          </p:nvPr>
+        </p:nvSpPr>
+        <p:spPr/>
+        <p:txBody>
+          <a:bodyPr/>
+          <a:lstStyle/>
+          <a:p>
+            <a:r>
+              <a:rPr lang="en-US" dirty="0" smtClean="0"/>
+              <a:t>Lambda functions</a:t>
+            </a:r>
+            <a:endParaRPr lang="en-US" dirty="0"/>
+          </a:p>
+        </p:txBody>
+      </p:sp>
+      <p:sp>
+        <p:nvSpPr>
+          <p:cNvPr id="5" name="Content Placeholder 4"/>
+          <p:cNvSpPr>
+            <a:spLocks noGrp="1"/>
+          </p:cNvSpPr>
+          <p:nvPr>
+            <p:ph idx="1"/>
+          </p:nvPr>
+        </p:nvSpPr>
+        <p:spPr/>
+        <p:txBody>
+          <a:bodyPr/>
+          <a:lstStyle/>
+          <a:p>
+            <a:r>
+              <a:rPr lang="en-US" dirty="0" err="1" smtClean="0">
+                <a:latin typeface="Consolas" panose="020B0609020204030204" pitchFamily="49" charset="0"/>
+              </a:rPr>
+              <a:t>std</a:t>
+            </a:r>
+            <a:r>
+              <a:rPr lang="en-US" dirty="0" smtClean="0">
+                <a:latin typeface="Consolas" panose="020B0609020204030204" pitchFamily="49" charset="0"/>
+              </a:rPr>
+              <a:t>::</a:t>
+            </a:r>
+            <a:r>
+              <a:rPr lang="en-US" dirty="0" err="1" smtClean="0">
+                <a:latin typeface="Consolas" panose="020B0609020204030204" pitchFamily="49" charset="0"/>
+              </a:rPr>
+              <a:t>for_each</a:t>
+            </a:r>
+            <a:r>
+              <a:rPr lang="en-US" dirty="0" smtClean="0"/>
+              <a:t> modifies</a:t>
+            </a:r>
+            <a:br>
+              <a:rPr lang="en-US" dirty="0" smtClean="0"/>
+            </a:br>
+            <a:r>
+              <a:rPr lang="en-US" dirty="0" smtClean="0"/>
+              <a:t>container element in-place</a:t>
+            </a:r>
+          </a:p>
+          <a:p>
+            <a:r>
+              <a:rPr lang="en-US" dirty="0"/>
+              <a:t>Here, </a:t>
+            </a:r>
+            <a:r>
+              <a:rPr lang="en-US" i="1" dirty="0"/>
+              <a:t>x</a:t>
+            </a:r>
+            <a:r>
+              <a:rPr lang="en-US" dirty="0"/>
+              <a:t> </a:t>
+            </a:r>
+            <a:r>
+              <a:rPr lang="en-US" dirty="0">
+                <a:sym typeface="Symbol" panose="05050102010706020507" pitchFamily="18" charset="2"/>
+              </a:rPr>
+              <a:t> </a:t>
+            </a:r>
+            <a:r>
+              <a:rPr lang="en-US" i="1" dirty="0" smtClean="0">
+                <a:sym typeface="Symbol" panose="05050102010706020507" pitchFamily="18" charset="2"/>
+              </a:rPr>
+              <a:t>x</a:t>
+            </a:r>
+            <a:r>
+              <a:rPr lang="en-US" baseline="30000" dirty="0" smtClean="0">
+                <a:sym typeface="Symbol" panose="05050102010706020507" pitchFamily="18" charset="2"/>
+              </a:rPr>
+              <a:t>2</a:t>
+            </a:r>
+            <a:endParaRPr lang="en-US" dirty="0" smtClean="0"/>
+          </a:p>
+          <a:p>
+            <a:r>
+              <a:rPr lang="en-US" dirty="0" smtClean="0"/>
+              <a:t>Lambda function = unnamed</a:t>
+            </a:r>
+            <a:br>
+              <a:rPr lang="en-US" dirty="0" smtClean="0"/>
+            </a:br>
+            <a:r>
+              <a:rPr lang="en-US" dirty="0" smtClean="0"/>
+              <a:t>function, used once</a:t>
+            </a:r>
+          </a:p>
+          <a:p>
+            <a:r>
+              <a:rPr lang="en-US" dirty="0" smtClean="0"/>
+              <a:t>Return type: often deduced</a:t>
+            </a:r>
+            <a:endParaRPr lang="en-US" dirty="0"/>
+          </a:p>
+          <a:p>
+            <a:r>
+              <a:rPr lang="en-US" dirty="0" smtClean="0"/>
+              <a:t>General form:</a:t>
+            </a:r>
+            <a:br>
+              <a:rPr lang="en-US" dirty="0" smtClean="0"/>
+            </a:br>
+            <a:r>
+              <a:rPr lang="en-US" dirty="0" smtClean="0">
+                <a:latin typeface="Consolas" panose="020B0609020204030204" pitchFamily="49" charset="0"/>
+              </a:rPr>
+              <a:t>[ … ] ( … ) -&gt; </a:t>
+            </a:r>
+            <a:r>
+              <a:rPr lang="en-US" dirty="0" err="1" smtClean="0">
+                <a:latin typeface="Consolas" panose="020B0609020204030204" pitchFamily="49" charset="0"/>
+              </a:rPr>
+              <a:t>return_type</a:t>
+            </a:r>
+            <a:r>
+              <a:rPr lang="en-US" dirty="0" smtClean="0">
+                <a:latin typeface="Consolas" panose="020B0609020204030204" pitchFamily="49" charset="0"/>
+              </a:rPr>
+              <a:t> { … }</a:t>
+            </a:r>
+          </a:p>
+          <a:p>
+            <a:pPr marL="0" indent="0">
+              <a:buNone/>
+            </a:pPr>
+            <a:endParaRPr lang="en-US" baseline="30000" dirty="0"/>
+          </a:p>
+        </p:txBody>
+      </p:sp>
+      <p:sp>
+        <p:nvSpPr>
+          <p:cNvPr id="3" name="Slide Number Placeholder 2"/>
+          <p:cNvSpPr>
+            <a:spLocks noGrp="1"/>
+          </p:cNvSpPr>
+          <p:nvPr>
+            <p:ph type="sldNum" sz="quarter" idx="12"/>
+          </p:nvPr>
+        </p:nvSpPr>
+        <p:spPr/>
+        <p:txBody>
+          <a:bodyPr/>
+          <a:lstStyle/>
+          <a:p>
+            <a:fld id="{8A5772FA-F273-424C-AEFD-E3BF6973D60A}" type="slidenum">
+              <a:rPr lang="en-US" smtClean="0"/>
+              <a:t>9</a:t>
+            </a:fld>
+            <a:endParaRPr lang="en-US"/>
+          </a:p>
+        </p:txBody>
+      </p:sp>
+      <p:sp>
+        <p:nvSpPr>
+          <p:cNvPr id="4" name="TextBox 3"/>
+          <p:cNvSpPr txBox="1"/>
+          <p:nvPr/>
+        </p:nvSpPr>
+        <p:spPr>
+          <a:xfrm>
+            <a:off x="5599574" y="1385509"/>
+            <a:ext cx="6131807" cy="3293209"/>
+          </a:xfrm>
+          <a:prstGeom prst="rect">
+            <a:avLst/>
+          </a:prstGeom>
+          <a:solidFill>
+            <a:schemeClr val="bg1">
+              <a:lumMod val="85000"/>
+            </a:schemeClr>
+          </a:solidFill>
+        </p:spPr>
+        <p:txBody>
+          <a:bodyPr wrap="none" rtlCol="0">
+            <a:spAutoFit/>
+          </a:bodyPr>
+          <a:lstStyle/>
+          <a:p>
+            <a:r>
+              <a:rPr lang="en-US" sz="1600" dirty="0" smtClean="0">
+                <a:latin typeface="Consolas" panose="020B0609020204030204" pitchFamily="49" charset="0"/>
+              </a:rPr>
+              <a:t>#include </a:t>
+            </a:r>
+            <a:r>
+              <a:rPr lang="en-US" sz="1600" dirty="0">
+                <a:latin typeface="Consolas" panose="020B0609020204030204" pitchFamily="49" charset="0"/>
+              </a:rPr>
+              <a:t>&lt;algorithm&gt;</a:t>
+            </a:r>
+          </a:p>
+          <a:p>
+            <a:r>
+              <a:rPr lang="en-US" sz="1600" dirty="0">
+                <a:latin typeface="Consolas" panose="020B0609020204030204" pitchFamily="49" charset="0"/>
+              </a:rPr>
+              <a:t>#include &lt;</a:t>
+            </a:r>
+            <a:r>
+              <a:rPr lang="en-US" sz="1600" dirty="0" err="1">
+                <a:latin typeface="Consolas" panose="020B0609020204030204" pitchFamily="49" charset="0"/>
+              </a:rPr>
+              <a:t>iostream</a:t>
+            </a:r>
+            <a:r>
+              <a:rPr lang="en-US" sz="1600" dirty="0">
+                <a:latin typeface="Consolas" panose="020B0609020204030204" pitchFamily="49" charset="0"/>
+              </a:rPr>
+              <a:t>&gt;</a:t>
+            </a:r>
+          </a:p>
+          <a:p>
+            <a:r>
+              <a:rPr lang="en-US" sz="1600" dirty="0">
+                <a:latin typeface="Consolas" panose="020B0609020204030204" pitchFamily="49" charset="0"/>
+              </a:rPr>
+              <a:t>#include &lt;vector&gt;</a:t>
+            </a:r>
+          </a:p>
+          <a:p>
+            <a:endParaRPr lang="en-US" sz="1600" dirty="0">
+              <a:latin typeface="Consolas" panose="020B0609020204030204" pitchFamily="49" charset="0"/>
+            </a:endParaRPr>
+          </a:p>
+          <a:p>
+            <a:r>
+              <a:rPr lang="en-US" sz="1600" dirty="0" err="1">
+                <a:latin typeface="Consolas" panose="020B0609020204030204" pitchFamily="49" charset="0"/>
+              </a:rPr>
+              <a:t>int</a:t>
+            </a:r>
+            <a:r>
+              <a:rPr lang="en-US" sz="1600" dirty="0">
+                <a:latin typeface="Consolas" panose="020B0609020204030204" pitchFamily="49" charset="0"/>
+              </a:rPr>
+              <a:t> main() {</a:t>
+            </a:r>
+          </a:p>
+          <a:p>
+            <a:r>
+              <a:rPr lang="en-US" sz="1600" dirty="0">
+                <a:latin typeface="Consolas" panose="020B0609020204030204" pitchFamily="49" charset="0"/>
+              </a:rPr>
+              <a:t>    </a:t>
+            </a:r>
+            <a:r>
+              <a:rPr lang="en-US" sz="1600" dirty="0" err="1">
+                <a:latin typeface="Consolas" panose="020B0609020204030204" pitchFamily="49" charset="0"/>
+              </a:rPr>
+              <a:t>std</a:t>
+            </a:r>
+            <a:r>
+              <a:rPr lang="en-US" sz="1600" dirty="0">
+                <a:latin typeface="Consolas" panose="020B0609020204030204" pitchFamily="49" charset="0"/>
+              </a:rPr>
+              <a:t>::vector&lt;double&gt; v </a:t>
+            </a:r>
+            <a:r>
+              <a:rPr lang="en-US" sz="1600" dirty="0" smtClean="0">
+                <a:latin typeface="Consolas" panose="020B0609020204030204" pitchFamily="49" charset="0"/>
+              </a:rPr>
+              <a:t>{</a:t>
+            </a:r>
+            <a:r>
+              <a:rPr lang="en-US" sz="1600" dirty="0">
+                <a:latin typeface="Consolas" panose="020B0609020204030204" pitchFamily="49" charset="0"/>
+              </a:rPr>
+              <a:t>0.5, 0.75, 1.0, 1.5, 3.5</a:t>
+            </a:r>
+            <a:r>
+              <a:rPr lang="en-US" sz="1600" dirty="0" smtClean="0">
+                <a:latin typeface="Consolas" panose="020B0609020204030204" pitchFamily="49" charset="0"/>
+              </a:rPr>
+              <a:t>};</a:t>
+            </a:r>
+            <a:endParaRPr lang="en-US" sz="1600" dirty="0">
+              <a:latin typeface="Consolas" panose="020B0609020204030204" pitchFamily="49" charset="0"/>
+            </a:endParaRPr>
+          </a:p>
+          <a:p>
+            <a:r>
+              <a:rPr lang="en-US" sz="1600" dirty="0">
+                <a:latin typeface="Consolas" panose="020B0609020204030204" pitchFamily="49" charset="0"/>
+              </a:rPr>
+              <a:t>    </a:t>
+            </a:r>
+            <a:r>
+              <a:rPr lang="en-US" sz="1600" dirty="0" err="1">
+                <a:latin typeface="Consolas" panose="020B0609020204030204" pitchFamily="49" charset="0"/>
+              </a:rPr>
+              <a:t>std</a:t>
+            </a:r>
+            <a:r>
+              <a:rPr lang="en-US" sz="1600" dirty="0">
+                <a:latin typeface="Consolas" panose="020B0609020204030204" pitchFamily="49" charset="0"/>
+              </a:rPr>
+              <a:t>::</a:t>
+            </a:r>
+            <a:r>
+              <a:rPr lang="en-US" sz="1600" dirty="0" err="1">
+                <a:latin typeface="Consolas" panose="020B0609020204030204" pitchFamily="49" charset="0"/>
+              </a:rPr>
+              <a:t>for_each</a:t>
+            </a:r>
+            <a:r>
+              <a:rPr lang="en-US" sz="1600" dirty="0">
+                <a:latin typeface="Consolas" panose="020B0609020204030204" pitchFamily="49" charset="0"/>
+              </a:rPr>
+              <a:t>(</a:t>
+            </a:r>
+            <a:r>
+              <a:rPr lang="en-US" sz="1600" dirty="0" err="1">
+                <a:latin typeface="Consolas" panose="020B0609020204030204" pitchFamily="49" charset="0"/>
+              </a:rPr>
+              <a:t>v.begin</a:t>
+            </a:r>
+            <a:r>
+              <a:rPr lang="en-US" sz="1600" dirty="0">
+                <a:latin typeface="Consolas" panose="020B0609020204030204" pitchFamily="49" charset="0"/>
+              </a:rPr>
+              <a:t>(), </a:t>
+            </a:r>
+            <a:r>
+              <a:rPr lang="en-US" sz="1600" dirty="0" err="1">
+                <a:latin typeface="Consolas" panose="020B0609020204030204" pitchFamily="49" charset="0"/>
+              </a:rPr>
+              <a:t>v.end</a:t>
+            </a:r>
+            <a:r>
+              <a:rPr lang="en-US" sz="1600" dirty="0" smtClean="0">
+                <a:latin typeface="Consolas" panose="020B0609020204030204" pitchFamily="49" charset="0"/>
+              </a:rPr>
+              <a:t>(),</a:t>
+            </a:r>
+          </a:p>
+          <a:p>
+            <a:r>
+              <a:rPr lang="en-US" sz="1600" dirty="0">
+                <a:latin typeface="Consolas" panose="020B0609020204030204" pitchFamily="49" charset="0"/>
+              </a:rPr>
+              <a:t> </a:t>
+            </a:r>
+            <a:r>
+              <a:rPr lang="en-US" sz="1600" dirty="0" smtClean="0">
+                <a:latin typeface="Consolas" panose="020B0609020204030204" pitchFamily="49" charset="0"/>
+              </a:rPr>
+              <a:t>                 [] </a:t>
+            </a:r>
+            <a:r>
+              <a:rPr lang="en-US" sz="1600" dirty="0">
+                <a:latin typeface="Consolas" panose="020B0609020204030204" pitchFamily="49" charset="0"/>
+              </a:rPr>
+              <a:t>(double&amp; x) { x *= x; });</a:t>
+            </a:r>
+          </a:p>
+          <a:p>
+            <a:r>
+              <a:rPr lang="en-US" sz="1600" dirty="0">
+                <a:latin typeface="Consolas" panose="020B0609020204030204" pitchFamily="49" charset="0"/>
+              </a:rPr>
+              <a:t>    for (auto x: v)</a:t>
+            </a:r>
+          </a:p>
+          <a:p>
+            <a:r>
+              <a:rPr lang="en-US" sz="1600" dirty="0">
+                <a:latin typeface="Consolas" panose="020B0609020204030204" pitchFamily="49" charset="0"/>
+              </a:rPr>
+              <a:t>        </a:t>
+            </a:r>
+            <a:r>
+              <a:rPr lang="en-US" sz="1600" dirty="0" err="1">
+                <a:latin typeface="Consolas" panose="020B0609020204030204" pitchFamily="49" charset="0"/>
+              </a:rPr>
+              <a:t>std</a:t>
+            </a:r>
+            <a:r>
+              <a:rPr lang="en-US" sz="1600" dirty="0">
+                <a:latin typeface="Consolas" panose="020B0609020204030204" pitchFamily="49" charset="0"/>
+              </a:rPr>
+              <a:t>::</a:t>
+            </a:r>
+            <a:r>
+              <a:rPr lang="en-US" sz="1600" dirty="0" err="1">
+                <a:latin typeface="Consolas" panose="020B0609020204030204" pitchFamily="49" charset="0"/>
+              </a:rPr>
+              <a:t>cout</a:t>
+            </a:r>
+            <a:r>
+              <a:rPr lang="en-US" sz="1600" dirty="0">
+                <a:latin typeface="Consolas" panose="020B0609020204030204" pitchFamily="49" charset="0"/>
+              </a:rPr>
+              <a:t> &lt;&lt; x &lt;&lt; " ";</a:t>
+            </a:r>
+          </a:p>
+          <a:p>
+            <a:r>
+              <a:rPr lang="en-US" sz="1600" dirty="0">
+                <a:latin typeface="Consolas" panose="020B0609020204030204" pitchFamily="49" charset="0"/>
+              </a:rPr>
+              <a:t>    </a:t>
+            </a:r>
+            <a:r>
+              <a:rPr lang="en-US" sz="1600" dirty="0" err="1">
+                <a:latin typeface="Consolas" panose="020B0609020204030204" pitchFamily="49" charset="0"/>
+              </a:rPr>
+              <a:t>std</a:t>
+            </a:r>
+            <a:r>
+              <a:rPr lang="en-US" sz="1600" dirty="0">
+                <a:latin typeface="Consolas" panose="020B0609020204030204" pitchFamily="49" charset="0"/>
+              </a:rPr>
+              <a:t>::</a:t>
+            </a:r>
+            <a:r>
+              <a:rPr lang="en-US" sz="1600" dirty="0" err="1">
+                <a:latin typeface="Consolas" panose="020B0609020204030204" pitchFamily="49" charset="0"/>
+              </a:rPr>
+              <a:t>cout</a:t>
+            </a:r>
+            <a:r>
+              <a:rPr lang="en-US" sz="1600" dirty="0">
+                <a:latin typeface="Consolas" panose="020B0609020204030204" pitchFamily="49" charset="0"/>
+              </a:rPr>
+              <a:t> &lt;&lt; </a:t>
+            </a:r>
+            <a:r>
+              <a:rPr lang="en-US" sz="1600" dirty="0" err="1">
+                <a:latin typeface="Consolas" panose="020B0609020204030204" pitchFamily="49" charset="0"/>
+              </a:rPr>
+              <a:t>std</a:t>
+            </a:r>
+            <a:r>
+              <a:rPr lang="en-US" sz="1600" dirty="0">
+                <a:latin typeface="Consolas" panose="020B0609020204030204" pitchFamily="49" charset="0"/>
+              </a:rPr>
+              <a:t>::</a:t>
+            </a:r>
+            <a:r>
+              <a:rPr lang="en-US" sz="1600" dirty="0" err="1">
+                <a:latin typeface="Consolas" panose="020B0609020204030204" pitchFamily="49" charset="0"/>
+              </a:rPr>
+              <a:t>endl</a:t>
+            </a:r>
+            <a:r>
+              <a:rPr lang="en-US" sz="1600" dirty="0">
+                <a:latin typeface="Consolas" panose="020B0609020204030204" pitchFamily="49" charset="0"/>
+              </a:rPr>
+              <a:t>;</a:t>
+            </a:r>
+          </a:p>
+          <a:p>
+            <a:r>
+              <a:rPr lang="en-US" sz="1600" dirty="0">
+                <a:latin typeface="Consolas" panose="020B0609020204030204" pitchFamily="49" charset="0"/>
+              </a:rPr>
+              <a:t>    return 0;</a:t>
+            </a:r>
+          </a:p>
+          <a:p>
+            <a:r>
+              <a:rPr lang="en-US" sz="1600" dirty="0">
+                <a:latin typeface="Consolas" panose="020B0609020204030204" pitchFamily="49" charset="0"/>
+              </a:rPr>
+              <a:t>}</a:t>
+            </a:r>
+          </a:p>
+        </p:txBody>
+      </p:sp>
+      <p:sp>
+        <p:nvSpPr>
+          <p:cNvPr id="9" name="TextBox 8"/>
+          <p:cNvSpPr txBox="1"/>
+          <p:nvPr/>
+        </p:nvSpPr>
+        <p:spPr>
+          <a:xfrm>
+            <a:off x="1212442" y="6169580"/>
+            <a:ext cx="885499" cy="369332"/>
+          </a:xfrm>
+          <a:prstGeom prst="rect">
+            <a:avLst/>
+          </a:prstGeom>
+          <a:noFill/>
+        </p:spPr>
+        <p:txBody>
+          <a:bodyPr wrap="none" rtlCol="0">
+            <a:spAutoFit/>
+          </a:bodyPr>
+          <a:lstStyle/>
+          <a:p>
+            <a:r>
+              <a:rPr lang="en-US" dirty="0" smtClean="0">
+                <a:solidFill>
+                  <a:srgbClr val="C00000"/>
+                </a:solidFill>
+              </a:rPr>
+              <a:t>context</a:t>
+            </a:r>
+            <a:endParaRPr lang="en-US" dirty="0">
+              <a:solidFill>
+                <a:srgbClr val="C00000"/>
+              </a:solidFill>
+            </a:endParaRPr>
+          </a:p>
+        </p:txBody>
+      </p:sp>
+      <p:grpSp>
+        <p:nvGrpSpPr>
+          <p:cNvPr id="14" name="Group 13"/>
+          <p:cNvGrpSpPr/>
+          <p:nvPr/>
+        </p:nvGrpSpPr>
+        <p:grpSpPr>
+          <a:xfrm>
+            <a:off x="1187966" y="5511567"/>
+            <a:ext cx="934452" cy="658013"/>
+            <a:chOff x="1187966" y="5511567"/>
+            <a:chExt cx="934452" cy="658013"/>
+          </a:xfrm>
+        </p:grpSpPr>
+        <p:sp>
+          <p:nvSpPr>
+            <p:cNvPr id="6" name="Left Brace 5"/>
+            <p:cNvSpPr/>
+            <p:nvPr/>
+          </p:nvSpPr>
+          <p:spPr>
+            <a:xfrm rot="16200000">
+              <a:off x="1610688" y="5088845"/>
+              <a:ext cx="89008" cy="934452"/>
+            </a:xfrm>
+            <a:prstGeom prst="leftBrace">
+              <a:avLst/>
+            </a:prstGeom>
+            <a:ln w="28575">
+              <a:solidFill>
+                <a:srgbClr val="C00000"/>
+              </a:solidFill>
+            </a:ln>
+          </p:spPr>
+          <p:style>
+            <a:lnRef idx="1">
+              <a:schemeClr val="accent1"/>
+            </a:lnRef>
+            <a:fillRef idx="0">
+              <a:schemeClr val="accent1"/>
+            </a:fillRef>
+            <a:effectRef idx="0">
+              <a:schemeClr val="accent1"/>
+            </a:effectRef>
+            <a:fontRef idx="minor">
+              <a:schemeClr val="tx1"/>
+            </a:fontRef>
+          </p:style>
+          <p:txBody>
+            <a:bodyPr rtlCol="0" anchor="ctr"/>
+            <a:lstStyle/>
+            <a:p>
+              <a:pPr algn="ctr"/>
+              <a:endParaRPr lang="en-US"/>
+            </a:p>
+          </p:txBody>
+        </p:sp>
+        <p:cxnSp>
+          <p:nvCxnSpPr>
+            <p:cNvPr id="13" name="Straight Connector 12"/>
+            <p:cNvCxnSpPr>
+              <a:stCxn id="6" idx="1"/>
+              <a:endCxn id="9" idx="0"/>
+            </p:cNvCxnSpPr>
+            <p:nvPr/>
+          </p:nvCxnSpPr>
+          <p:spPr>
+            <a:xfrm>
+              <a:off x="1655192" y="5600575"/>
+              <a:ext cx="0" cy="569005"/>
+            </a:xfrm>
+            <a:prstGeom prst="line">
+              <a:avLst/>
+            </a:prstGeom>
+            <a:ln w="28575">
+              <a:solidFill>
+                <a:srgbClr val="C00000"/>
+              </a:solidFill>
+            </a:ln>
+          </p:spPr>
+          <p:style>
+            <a:lnRef idx="1">
+              <a:schemeClr val="accent1"/>
+            </a:lnRef>
+            <a:fillRef idx="0">
+              <a:schemeClr val="accent1"/>
+            </a:fillRef>
+            <a:effectRef idx="0">
+              <a:schemeClr val="accent1"/>
+            </a:effectRef>
+            <a:fontRef idx="minor">
+              <a:schemeClr val="tx1"/>
+            </a:fontRef>
+          </p:style>
+        </p:cxnSp>
+      </p:grpSp>
+      <p:grpSp>
+        <p:nvGrpSpPr>
+          <p:cNvPr id="17" name="Group 16"/>
+          <p:cNvGrpSpPr/>
+          <p:nvPr/>
+        </p:nvGrpSpPr>
+        <p:grpSpPr>
+          <a:xfrm>
+            <a:off x="2194454" y="5511567"/>
+            <a:ext cx="1189300" cy="1027345"/>
+            <a:chOff x="2194454" y="5511567"/>
+            <a:chExt cx="1189300" cy="1027345"/>
+          </a:xfrm>
+        </p:grpSpPr>
+        <p:sp>
+          <p:nvSpPr>
+            <p:cNvPr id="7" name="Left Brace 6"/>
+            <p:cNvSpPr/>
+            <p:nvPr/>
+          </p:nvSpPr>
+          <p:spPr>
+            <a:xfrm rot="16200000">
+              <a:off x="2744600" y="5088845"/>
+              <a:ext cx="89008" cy="934452"/>
+            </a:xfrm>
+            <a:prstGeom prst="leftBrace">
+              <a:avLst/>
+            </a:prstGeom>
+            <a:ln w="28575">
+              <a:solidFill>
+                <a:srgbClr val="0070C0"/>
+              </a:solidFill>
+            </a:ln>
+          </p:spPr>
+          <p:style>
+            <a:lnRef idx="1">
+              <a:schemeClr val="accent1"/>
+            </a:lnRef>
+            <a:fillRef idx="0">
+              <a:schemeClr val="accent1"/>
+            </a:fillRef>
+            <a:effectRef idx="0">
+              <a:schemeClr val="accent1"/>
+            </a:effectRef>
+            <a:fontRef idx="minor">
+              <a:schemeClr val="tx1"/>
+            </a:fontRef>
+          </p:style>
+          <p:txBody>
+            <a:bodyPr rtlCol="0" anchor="ctr"/>
+            <a:lstStyle/>
+            <a:p>
+              <a:pPr algn="ctr"/>
+              <a:endParaRPr lang="en-US"/>
+            </a:p>
+          </p:txBody>
+        </p:sp>
+        <p:sp>
+          <p:nvSpPr>
+            <p:cNvPr id="10" name="TextBox 9"/>
+            <p:cNvSpPr txBox="1"/>
+            <p:nvPr/>
+          </p:nvSpPr>
+          <p:spPr>
+            <a:xfrm>
+              <a:off x="2194454" y="6169580"/>
+              <a:ext cx="1189300" cy="369332"/>
+            </a:xfrm>
+            <a:prstGeom prst="rect">
+              <a:avLst/>
+            </a:prstGeom>
+            <a:noFill/>
+          </p:spPr>
+          <p:txBody>
+            <a:bodyPr wrap="none" rtlCol="0">
+              <a:spAutoFit/>
+            </a:bodyPr>
+            <a:lstStyle/>
+            <a:p>
+              <a:r>
+                <a:rPr lang="en-US" dirty="0" smtClean="0">
+                  <a:solidFill>
+                    <a:srgbClr val="0070C0"/>
+                  </a:solidFill>
+                </a:rPr>
+                <a:t>arguments</a:t>
+              </a:r>
+              <a:endParaRPr lang="en-US" dirty="0">
+                <a:solidFill>
+                  <a:srgbClr val="0070C0"/>
+                </a:solidFill>
+              </a:endParaRPr>
+            </a:p>
+          </p:txBody>
+        </p:sp>
+        <p:cxnSp>
+          <p:nvCxnSpPr>
+            <p:cNvPr id="16" name="Straight Connector 15"/>
+            <p:cNvCxnSpPr>
+              <a:stCxn id="7" idx="1"/>
+              <a:endCxn id="10" idx="0"/>
+            </p:cNvCxnSpPr>
+            <p:nvPr/>
+          </p:nvCxnSpPr>
+          <p:spPr>
+            <a:xfrm>
+              <a:off x="2789104" y="5600575"/>
+              <a:ext cx="0" cy="569005"/>
+            </a:xfrm>
+            <a:prstGeom prst="line">
+              <a:avLst/>
+            </a:prstGeom>
+            <a:ln w="28575"/>
+          </p:spPr>
+          <p:style>
+            <a:lnRef idx="1">
+              <a:schemeClr val="accent1"/>
+            </a:lnRef>
+            <a:fillRef idx="0">
+              <a:schemeClr val="accent1"/>
+            </a:fillRef>
+            <a:effectRef idx="0">
+              <a:schemeClr val="accent1"/>
+            </a:effectRef>
+            <a:fontRef idx="minor">
+              <a:schemeClr val="tx1"/>
+            </a:fontRef>
+          </p:style>
+        </p:cxnSp>
+      </p:grpSp>
+      <p:grpSp>
+        <p:nvGrpSpPr>
+          <p:cNvPr id="20" name="Group 19"/>
+          <p:cNvGrpSpPr/>
+          <p:nvPr/>
+        </p:nvGrpSpPr>
+        <p:grpSpPr>
+          <a:xfrm>
+            <a:off x="6163139" y="5512417"/>
+            <a:ext cx="1492716" cy="1014818"/>
+            <a:chOff x="6163139" y="5512417"/>
+            <a:chExt cx="1492716" cy="1014818"/>
+          </a:xfrm>
+        </p:grpSpPr>
+        <p:sp>
+          <p:nvSpPr>
+            <p:cNvPr id="8" name="Left Brace 7"/>
+            <p:cNvSpPr/>
+            <p:nvPr/>
+          </p:nvSpPr>
+          <p:spPr>
+            <a:xfrm rot="16200000">
+              <a:off x="6864993" y="5089695"/>
+              <a:ext cx="89008" cy="934452"/>
+            </a:xfrm>
+            <a:prstGeom prst="leftBrace">
+              <a:avLst/>
+            </a:prstGeom>
+            <a:ln w="28575">
+              <a:solidFill>
+                <a:srgbClr val="00B050"/>
+              </a:solidFill>
+            </a:ln>
+          </p:spPr>
+          <p:style>
+            <a:lnRef idx="1">
+              <a:schemeClr val="accent1"/>
+            </a:lnRef>
+            <a:fillRef idx="0">
+              <a:schemeClr val="accent1"/>
+            </a:fillRef>
+            <a:effectRef idx="0">
+              <a:schemeClr val="accent1"/>
+            </a:effectRef>
+            <a:fontRef idx="minor">
+              <a:schemeClr val="tx1"/>
+            </a:fontRef>
+          </p:style>
+          <p:txBody>
+            <a:bodyPr rtlCol="0" anchor="ctr"/>
+            <a:lstStyle/>
+            <a:p>
+              <a:pPr algn="ctr"/>
+              <a:endParaRPr lang="en-US"/>
+            </a:p>
+          </p:txBody>
+        </p:sp>
+        <p:sp>
+          <p:nvSpPr>
+            <p:cNvPr id="11" name="TextBox 10"/>
+            <p:cNvSpPr txBox="1"/>
+            <p:nvPr/>
+          </p:nvSpPr>
+          <p:spPr>
+            <a:xfrm>
+              <a:off x="6163139" y="6157903"/>
+              <a:ext cx="1492716" cy="369332"/>
+            </a:xfrm>
+            <a:prstGeom prst="rect">
+              <a:avLst/>
+            </a:prstGeom>
+            <a:noFill/>
+          </p:spPr>
+          <p:txBody>
+            <a:bodyPr wrap="none" rtlCol="0">
+              <a:spAutoFit/>
+            </a:bodyPr>
+            <a:lstStyle/>
+            <a:p>
+              <a:r>
+                <a:rPr lang="en-US" dirty="0" smtClean="0">
+                  <a:solidFill>
+                    <a:srgbClr val="00B050"/>
+                  </a:solidFill>
+                </a:rPr>
+                <a:t>function body</a:t>
+              </a:r>
+              <a:endParaRPr lang="en-US" dirty="0">
+                <a:solidFill>
+                  <a:srgbClr val="00B050"/>
+                </a:solidFill>
+              </a:endParaRPr>
+            </a:p>
+          </p:txBody>
+        </p:sp>
+        <p:cxnSp>
+          <p:nvCxnSpPr>
+            <p:cNvPr id="19" name="Straight Connector 18"/>
+            <p:cNvCxnSpPr>
+              <a:stCxn id="8" idx="1"/>
+              <a:endCxn id="11" idx="0"/>
+            </p:cNvCxnSpPr>
+            <p:nvPr/>
+          </p:nvCxnSpPr>
+          <p:spPr>
+            <a:xfrm>
+              <a:off x="6909497" y="5601425"/>
+              <a:ext cx="0" cy="556478"/>
+            </a:xfrm>
+            <a:prstGeom prst="line">
+              <a:avLst/>
+            </a:prstGeom>
+            <a:ln w="28575"/>
+          </p:spPr>
+          <p:style>
+            <a:lnRef idx="1">
+              <a:schemeClr val="accent1"/>
+            </a:lnRef>
+            <a:fillRef idx="0">
+              <a:schemeClr val="accent1"/>
+            </a:fillRef>
+            <a:effectRef idx="0">
+              <a:schemeClr val="accent1"/>
+            </a:effectRef>
+            <a:fontRef idx="minor">
+              <a:schemeClr val="tx1"/>
+            </a:fontRef>
+          </p:style>
+        </p:cxnSp>
+      </p:grpSp>
+    </p:spTree>
+    <p:extLst>
+      <p:ext uri="{BB962C8B-B14F-4D97-AF65-F5344CB8AC3E}">
+        <p14:creationId xmlns:p14="http://schemas.microsoft.com/office/powerpoint/2010/main" val="626259560"/>
       </p:ext>
     </p:extLst>
   </p:cSld>
@@ -8410,4 +13139,265 @@
     </a:ext>
   </a:extLst>
 </a:theme>
+</file>
+
+<file path=ppt/theme/theme3.xml><?xml version="1.0" encoding="utf-8"?>
+<a:theme xmlns:a="http://schemas.openxmlformats.org/drawingml/2006/main" name="Office Theme">
+  <a:themeElements>
+    <a:clrScheme name="Office">
+      <a:dk1>
+        <a:sysClr val="windowText" lastClr="000000"/>
+      </a:dk1>
+      <a:lt1>
+        <a:sysClr val="window" lastClr="FFFFFF"/>
+      </a:lt1>
+      <a:dk2>
+        <a:srgbClr val="44546A"/>
+      </a:dk2>
+      <a:lt2>
+        <a:srgbClr val="E7E6E6"/>
+      </a:lt2>
+      <a:accent1>
+        <a:srgbClr val="5B9BD5"/>
+      </a:accent1>
+      <a:accent2>
+        <a:srgbClr val="ED7D31"/>
+      </a:accent2>
+      <a:accent3>
+        <a:srgbClr val="A5A5A5"/>
+      </a:accent3>
+      <a:accent4>
+        <a:srgbClr val="FFC000"/>
+      </a:accent4>
+      <a:accent5>
+        <a:srgbClr val="4472C4"/>
+      </a:accent5>
+      <a:accent6>
+        <a:srgbClr val="70AD47"/>
+      </a:accent6>
+      <a:hlink>
+        <a:srgbClr val="0563C1"/>
+      </a:hlink>
+      <a:folHlink>
+        <a:srgbClr val="954F72"/>
+      </a:folHlink>
+    </a:clrScheme>
+    <a:fontScheme name="Office">
+      <a:majorFont>
+        <a:latin typeface="Calibri Light" panose="020F0302020204030204"/>
+        <a:ea typeface=""/>
+        <a:cs typeface=""/>
+        <a:font script="Jpan" typeface="游ゴシック Light"/>
+        <a:font script="Hang" typeface="맑은 고딕"/>
+        <a:font script="Hans" typeface="等线 Light"/>
+        <a:font script="Hant" typeface="新細明體"/>
+        <a:font script="Arab" typeface="Times New Roman"/>
+        <a:font script="Hebr" typeface="Times New Roman"/>
+        <a:font script="Thai" typeface="Angsana New"/>
+        <a:font script="Ethi" typeface="Nyala"/>
+        <a:font script="Beng" typeface="Vrinda"/>
+        <a:font script="Gujr" typeface="Shruti"/>
+        <a:font script="Khmr" typeface="MoolBoran"/>
+        <a:font script="Knda" typeface="Tunga"/>
+        <a:font script="Guru" typeface="Raavi"/>
+        <a:font script="Cans" typeface="Euphemia"/>
+        <a:font script="Cher" typeface="Plantagenet Cherokee"/>
+        <a:font script="Yiii" typeface="Microsoft Yi Baiti"/>
+        <a:font script="Tibt" typeface="Microsoft Himalaya"/>
+        <a:font script="Thaa" typeface="MV Boli"/>
+        <a:font script="Deva" typeface="Mangal"/>
+        <a:font script="Telu" typeface="Gautami"/>
+        <a:font script="Taml" typeface="Latha"/>
+        <a:font script="Syrc" typeface="Estrangelo Edessa"/>
+        <a:font script="Orya" typeface="Kalinga"/>
+        <a:font script="Mlym" typeface="Kartika"/>
+        <a:font script="Laoo" typeface="DokChampa"/>
+        <a:font script="Sinh" typeface="Iskoola Pota"/>
+        <a:font script="Mong" typeface="Mongolian Baiti"/>
+        <a:font script="Viet" typeface="Times New Roman"/>
+        <a:font script="Uigh" typeface="Microsoft Uighur"/>
+        <a:font script="Geor" typeface="Sylfaen"/>
+      </a:majorFont>
+      <a:minorFont>
+        <a:latin typeface="Calibri" panose="020F0502020204030204"/>
+        <a:ea typeface=""/>
+        <a:cs typeface=""/>
+        <a:font script="Jpan" typeface="游ゴシック"/>
+        <a:font script="Hang" typeface="맑은 고딕"/>
+        <a:font script="Hans" typeface="等线"/>
+        <a:font script="Hant" typeface="新細明體"/>
+        <a:font script="Arab" typeface="Arial"/>
+        <a:font script="Hebr" typeface="Arial"/>
+        <a:font script="Thai" typeface="Cordia New"/>
+        <a:font script="Ethi" typeface="Nyala"/>
+        <a:font script="Beng" typeface="Vrinda"/>
+        <a:font script="Gujr" typeface="Shruti"/>
+        <a:font script="Khmr" typeface="DaunPenh"/>
+        <a:font script="Knda" typeface="Tunga"/>
+        <a:font script="Guru" typeface="Raavi"/>
+        <a:font script="Cans" typeface="Euphemia"/>
+        <a:font script="Cher" typeface="Plantagenet Cherokee"/>
+        <a:font script="Yiii" typeface="Microsoft Yi Baiti"/>
+        <a:font script="Tibt" typeface="Microsoft Himalaya"/>
+        <a:font script="Thaa" typeface="MV Boli"/>
+        <a:font script="Deva" typeface="Mangal"/>
+        <a:font script="Telu" typeface="Gautami"/>
+        <a:font script="Taml" typeface="Latha"/>
+        <a:font script="Syrc" typeface="Estrangelo Edessa"/>
+        <a:font script="Orya" typeface="Kalinga"/>
+        <a:font script="Mlym" typeface="Kartika"/>
+        <a:font script="Laoo" typeface="DokChampa"/>
+        <a:font script="Sinh" typeface="Iskoola Pota"/>
+        <a:font script="Mong" typeface="Mongolian Baiti"/>
+        <a:font script="Viet" typeface="Arial"/>
+        <a:font script="Uigh" typeface="Microsoft Uighur"/>
+        <a:font script="Geor" typeface="Sylfaen"/>
+      </a:minorFont>
+    </a:fontScheme>
+    <a:fmtScheme name="Office">
+      <a:fillStyleLst>
+        <a:solidFill>
+          <a:schemeClr val="phClr"/>
+        </a:solidFill>
+        <a:gradFill rotWithShape="1">
+          <a:gsLst>
+            <a:gs pos="0">
+              <a:schemeClr val="phClr">
+                <a:lumMod val="110000"/>
+                <a:satMod val="105000"/>
+                <a:tint val="67000"/>
+              </a:schemeClr>
+            </a:gs>
+            <a:gs pos="50000">
+              <a:schemeClr val="phClr">
+                <a:lumMod val="105000"/>
+                <a:satMod val="103000"/>
+                <a:tint val="73000"/>
+              </a:schemeClr>
+            </a:gs>
+            <a:gs pos="100000">
+              <a:schemeClr val="phClr">
+                <a:lumMod val="105000"/>
+                <a:satMod val="109000"/>
+                <a:tint val="81000"/>
+              </a:schemeClr>
+            </a:gs>
+          </a:gsLst>
+          <a:lin ang="5400000" scaled="0"/>
+        </a:gradFill>
+        <a:gradFill rotWithShape="1">
+          <a:gsLst>
+            <a:gs pos="0">
+              <a:schemeClr val="phClr">
+                <a:satMod val="103000"/>
+                <a:lumMod val="102000"/>
+                <a:tint val="94000"/>
+              </a:schemeClr>
+            </a:gs>
+            <a:gs pos="50000">
+              <a:schemeClr val="phClr">
+                <a:satMod val="110000"/>
+                <a:lumMod val="100000"/>
+                <a:shade val="100000"/>
+              </a:schemeClr>
+            </a:gs>
+            <a:gs pos="100000">
+              <a:schemeClr val="phClr">
+                <a:lumMod val="99000"/>
+                <a:satMod val="120000"/>
+                <a:shade val="78000"/>
+              </a:schemeClr>
+            </a:gs>
+          </a:gsLst>
+          <a:lin ang="5400000" scaled="0"/>
+        </a:gradFill>
+      </a:fillStyleLst>
+      <a:lnStyleLst>
+        <a:ln w="6350" cap="flat" cmpd="sng" algn="ctr">
+          <a:solidFill>
+            <a:schemeClr val="phClr"/>
+          </a:solidFill>
+          <a:prstDash val="solid"/>
+          <a:miter lim="800000"/>
+        </a:ln>
+        <a:ln w="12700" cap="flat" cmpd="sng" algn="ctr">
+          <a:solidFill>
+            <a:schemeClr val="phClr"/>
+          </a:solidFill>
+          <a:prstDash val="solid"/>
+          <a:miter lim="800000"/>
+        </a:ln>
+        <a:ln w="19050" cap="flat" cmpd="sng" algn="ctr">
+          <a:solidFill>
+            <a:schemeClr val="phClr"/>
+          </a:solidFill>
+          <a:prstDash val="solid"/>
+          <a:miter lim="800000"/>
+        </a:ln>
+      </a:lnStyleLst>
+      <a:effectStyleLst>
+        <a:effectStyle>
+          <a:effectLst/>
+        </a:effectStyle>
+        <a:effectStyle>
+          <a:effectLst/>
+        </a:effectStyle>
+        <a:effectStyle>
+          <a:effectLst>
+            <a:outerShdw blurRad="57150" dist="19050" dir="5400000" algn="ctr" rotWithShape="0">
+              <a:srgbClr val="000000">
+                <a:alpha val="63000"/>
+              </a:srgbClr>
+            </a:outerShdw>
+          </a:effectLst>
+        </a:effectStyle>
+      </a:effectStyleLst>
+      <a:bgFillStyleLst>
+        <a:solidFill>
+          <a:schemeClr val="phClr"/>
+        </a:solidFill>
+        <a:solidFill>
+          <a:schemeClr val="phClr">
+            <a:tint val="95000"/>
+            <a:satMod val="170000"/>
+          </a:schemeClr>
+        </a:solidFill>
+        <a:gradFill rotWithShape="1">
+          <a:gsLst>
+            <a:gs pos="0">
+              <a:schemeClr val="phClr">
+                <a:tint val="93000"/>
+                <a:satMod val="150000"/>
+                <a:shade val="98000"/>
+                <a:lumMod val="102000"/>
+              </a:schemeClr>
+            </a:gs>
+            <a:gs pos="50000">
+              <a:schemeClr val="phClr">
+                <a:tint val="98000"/>
+                <a:satMod val="130000"/>
+                <a:shade val="90000"/>
+                <a:lumMod val="103000"/>
+              </a:schemeClr>
+            </a:gs>
+            <a:gs pos="100000">
+              <a:schemeClr val="phClr">
+                <a:shade val="63000"/>
+                <a:satMod val="120000"/>
+              </a:schemeClr>
+            </a:gs>
+          </a:gsLst>
+          <a:lin ang="5400000" scaled="0"/>
+        </a:gradFill>
+      </a:bgFillStyleLst>
+    </a:fmtScheme>
+  </a:themeElements>
+  <a:objectDefaults/>
+  <a:extraClrSchemeLst/>
+  <a:extLst>
+    <a:ext uri="{05A4C25C-085E-4340-85A3-A5531E510DB2}">
+      <thm15:themeFamily xmlns:thm15="http://schemas.microsoft.com/office/thememl/2012/main" name="Office Theme" id="{62F939B6-93AF-4DB8-9C6B-D6C7DFDC589F}" vid="{4A3C46E8-61CC-4603-A589-7422A47A8E4A}"/>
+    </a:ext>
+  </a:extLst>
+</a:theme>
 </file>
--- a/CPlusPlus/Tbb/tbb.pptx
+++ b/CPlusPlus/Tbb/tbb.pptx
@@ -6,7 +6,7 @@
     <p:sldMasterId id="2147483660" r:id="rId2"/>
   </p:sldMasterIdLst>
   <p:notesMasterIdLst>
-    <p:notesMasterId r:id="rId15"/>
+    <p:notesMasterId r:id="rId18"/>
   </p:notesMasterIdLst>
   <p:sldIdLst>
     <p:sldId id="259" r:id="rId3"/>
@@ -21,6 +21,9 @@
     <p:sldId id="268" r:id="rId12"/>
     <p:sldId id="262" r:id="rId13"/>
     <p:sldId id="263" r:id="rId14"/>
+    <p:sldId id="269" r:id="rId15"/>
+    <p:sldId id="271" r:id="rId16"/>
+    <p:sldId id="270" r:id="rId17"/>
   </p:sldIdLst>
   <p:sldSz cx="12192000" cy="6858000"/>
   <p:notesSz cx="6858000" cy="9144000"/>
@@ -7819,14 +7822,26 @@
           <a:lstStyle/>
           <a:p>
             <a:r>
+              <a:rPr lang="en-US" dirty="0" smtClean="0">
+                <a:latin typeface="Consolas" panose="020B0609020204030204" pitchFamily="49" charset="0"/>
+              </a:rPr>
+              <a:t>[]</a:t>
+            </a:r>
+            <a:r>
               <a:rPr lang="en-US" dirty="0" smtClean="0"/>
-              <a:t>[]: nothing</a:t>
-            </a:r>
-          </a:p>
-          <a:p>
+              <a:t>: nothing</a:t>
+            </a:r>
+          </a:p>
+          <a:p>
+            <a:r>
+              <a:rPr lang="en-US" dirty="0" smtClean="0">
+                <a:latin typeface="Consolas" panose="020B0609020204030204" pitchFamily="49" charset="0"/>
+              </a:rPr>
+              <a:t>[=]</a:t>
+            </a:r>
             <a:r>
               <a:rPr lang="en-US" dirty="0" smtClean="0"/>
-              <a:t>[=]: everything in</a:t>
+              <a:t>: everything in</a:t>
             </a:r>
             <a:br>
               <a:rPr lang="en-US" dirty="0" smtClean="0"/>
@@ -7845,8 +7860,14 @@
           </a:p>
           <a:p>
             <a:r>
+              <a:rPr lang="en-US" dirty="0" smtClean="0">
+                <a:latin typeface="Consolas" panose="020B0609020204030204" pitchFamily="49" charset="0"/>
+              </a:rPr>
+              <a:t>[&amp;]</a:t>
+            </a:r>
+            <a:r>
               <a:rPr lang="en-US" dirty="0" smtClean="0"/>
-              <a:t>[&amp;]: everything in</a:t>
+              <a:t>: everything in</a:t>
             </a:r>
             <a:br>
               <a:rPr lang="en-US" dirty="0" smtClean="0"/>
@@ -7858,19 +7879,31 @@
           </a:p>
           <a:p>
             <a:r>
+              <a:rPr lang="en-US" dirty="0" smtClean="0">
+                <a:latin typeface="Consolas" panose="020B0609020204030204" pitchFamily="49" charset="0"/>
+              </a:rPr>
+              <a:t>[=</a:t>
+            </a:r>
+            <a:r>
+              <a:rPr lang="en-US" dirty="0" err="1" smtClean="0">
+                <a:latin typeface="Consolas" panose="020B0609020204030204" pitchFamily="49" charset="0"/>
+              </a:rPr>
+              <a:t>var</a:t>
+            </a:r>
+            <a:r>
+              <a:rPr lang="en-US" dirty="0" smtClean="0">
+                <a:latin typeface="Consolas" panose="020B0609020204030204" pitchFamily="49" charset="0"/>
+              </a:rPr>
+              <a:t>]</a:t>
+            </a:r>
+            <a:r>
               <a:rPr lang="en-US" dirty="0" smtClean="0"/>
-              <a:t>[=</a:t>
-            </a:r>
-            <a:r>
-              <a:rPr lang="en-US" dirty="0" err="1" smtClean="0"/>
-              <a:t>var</a:t>
-            </a:r>
-            <a:r>
-              <a:rPr lang="en-US" dirty="0" smtClean="0"/>
-              <a:t>]: variable </a:t>
-            </a:r>
-            <a:r>
-              <a:rPr lang="en-US" dirty="0" err="1" smtClean="0"/>
+              <a:t>: variable </a:t>
+            </a:r>
+            <a:r>
+              <a:rPr lang="en-US" dirty="0" err="1" smtClean="0">
+                <a:latin typeface="Consolas" panose="020B0609020204030204" pitchFamily="49" charset="0"/>
+              </a:rPr>
               <a:t>var</a:t>
             </a:r>
             <a:r>
@@ -7887,19 +7920,31 @@
           </a:p>
           <a:p>
             <a:r>
+              <a:rPr lang="en-US" dirty="0" smtClean="0">
+                <a:latin typeface="Consolas" panose="020B0609020204030204" pitchFamily="49" charset="0"/>
+              </a:rPr>
+              <a:t>[&amp;</a:t>
+            </a:r>
+            <a:r>
+              <a:rPr lang="en-US" dirty="0" err="1" smtClean="0">
+                <a:latin typeface="Consolas" panose="020B0609020204030204" pitchFamily="49" charset="0"/>
+              </a:rPr>
+              <a:t>var</a:t>
+            </a:r>
+            <a:r>
+              <a:rPr lang="en-US" dirty="0" smtClean="0">
+                <a:latin typeface="Consolas" panose="020B0609020204030204" pitchFamily="49" charset="0"/>
+              </a:rPr>
+              <a:t>]</a:t>
+            </a:r>
+            <a:r>
               <a:rPr lang="en-US" dirty="0" smtClean="0"/>
-              <a:t>[&amp;</a:t>
-            </a:r>
-            <a:r>
-              <a:rPr lang="en-US" dirty="0" err="1" smtClean="0"/>
-              <a:t>val</a:t>
-            </a:r>
-            <a:r>
-              <a:rPr lang="en-US" dirty="0" smtClean="0"/>
-              <a:t>]: variable </a:t>
-            </a:r>
-            <a:r>
-              <a:rPr lang="en-US" dirty="0" err="1" smtClean="0"/>
+              <a:t>: variable </a:t>
+            </a:r>
+            <a:r>
+              <a:rPr lang="en-US" dirty="0" err="1" smtClean="0">
+                <a:latin typeface="Consolas" panose="020B0609020204030204" pitchFamily="49" charset="0"/>
+              </a:rPr>
               <a:t>var</a:t>
             </a:r>
             <a:r>
@@ -7947,8 +7992,8 @@
         </p:nvSpPr>
         <p:spPr>
           <a:xfrm>
-            <a:off x="4187399" y="1335175"/>
-            <a:ext cx="6805068" cy="5262979"/>
+            <a:off x="5101800" y="1335175"/>
+            <a:ext cx="6805068" cy="5016758"/>
           </a:xfrm>
           <a:prstGeom prst="rect">
             <a:avLst/>
@@ -7958,6 +8003,11 @@
               <a:lumMod val="85000"/>
             </a:schemeClr>
           </a:solidFill>
+          <a:ln>
+            <a:solidFill>
+              <a:schemeClr val="tx1"/>
+            </a:solidFill>
+          </a:ln>
         </p:spPr>
         <p:txBody>
           <a:bodyPr wrap="none" rtlCol="0">
@@ -8237,43 +8287,64 @@
               <a:t>                   </a:t>
             </a:r>
             <a:r>
-              <a:rPr lang="en-US" sz="1600" dirty="0" smtClean="0">
+              <a:rPr lang="en-US" sz="1600" b="1" dirty="0" smtClean="0">
+                <a:solidFill>
+                  <a:srgbClr val="C00000"/>
+                </a:solidFill>
                 <a:latin typeface="Consolas" panose="020B0609020204030204" pitchFamily="49" charset="0"/>
               </a:rPr>
               <a:t>[&amp;a</a:t>
             </a:r>
             <a:r>
-              <a:rPr lang="en-US" sz="1600" dirty="0">
+              <a:rPr lang="en-US" sz="1600" b="1" dirty="0">
+                <a:solidFill>
+                  <a:srgbClr val="C00000"/>
+                </a:solidFill>
                 <a:latin typeface="Consolas" panose="020B0609020204030204" pitchFamily="49" charset="0"/>
               </a:rPr>
               <a:t>, </a:t>
             </a:r>
             <a:r>
-              <a:rPr lang="en-US" sz="1600" dirty="0" smtClean="0">
+              <a:rPr lang="en-US" sz="1600" b="1" dirty="0" smtClean="0">
+                <a:solidFill>
+                  <a:srgbClr val="C00000"/>
+                </a:solidFill>
                 <a:latin typeface="Consolas" panose="020B0609020204030204" pitchFamily="49" charset="0"/>
               </a:rPr>
               <a:t>&amp;b</a:t>
             </a:r>
             <a:r>
-              <a:rPr lang="en-US" sz="1600" dirty="0">
+              <a:rPr lang="en-US" sz="1600" b="1" dirty="0">
+                <a:solidFill>
+                  <a:srgbClr val="C00000"/>
+                </a:solidFill>
                 <a:latin typeface="Consolas" panose="020B0609020204030204" pitchFamily="49" charset="0"/>
               </a:rPr>
               <a:t>, </a:t>
             </a:r>
             <a:r>
-              <a:rPr lang="en-US" sz="1600" dirty="0" smtClean="0">
+              <a:rPr lang="en-US" sz="1600" b="1" dirty="0" smtClean="0">
+                <a:solidFill>
+                  <a:srgbClr val="C00000"/>
+                </a:solidFill>
                 <a:latin typeface="Consolas" panose="020B0609020204030204" pitchFamily="49" charset="0"/>
               </a:rPr>
               <a:t>&amp;c</a:t>
             </a:r>
             <a:r>
-              <a:rPr lang="en-US" sz="1600" dirty="0">
+              <a:rPr lang="en-US" sz="1600" b="1" dirty="0">
+                <a:solidFill>
+                  <a:srgbClr val="C00000"/>
+                </a:solidFill>
                 <a:latin typeface="Consolas" panose="020B0609020204030204" pitchFamily="49" charset="0"/>
               </a:rPr>
               <a:t>] (double&amp; x</a:t>
             </a:r>
             <a:r>
-              <a:rPr lang="en-US" sz="1600" dirty="0" smtClean="0">
+              <a:rPr lang="en-US" sz="1600" b="1" dirty="0" smtClean="0">
+                <a:solidFill>
+                  <a:srgbClr val="C00000"/>
+                </a:solidFill>
                 <a:latin typeface="Consolas" panose="020B0609020204030204" pitchFamily="49" charset="0"/>
               </a:rPr>
               <a:t>) {</a:t>
@@ -8281,44 +8352,45 @@
           </a:p>
           <a:p>
             <a:r>
-              <a:rPr lang="en-US" sz="1600" dirty="0">
+              <a:rPr lang="en-US" sz="1600" b="1" dirty="0">
+                <a:solidFill>
+                  <a:srgbClr val="C00000"/>
+                </a:solidFill>
                 <a:latin typeface="Consolas" panose="020B0609020204030204" pitchFamily="49" charset="0"/>
               </a:rPr>
               <a:t> </a:t>
             </a:r>
             <a:r>
-              <a:rPr lang="en-US" sz="1600" dirty="0" smtClean="0">
+              <a:rPr lang="en-US" sz="1600" b="1" dirty="0" smtClean="0">
+                <a:solidFill>
+                  <a:srgbClr val="C00000"/>
+                </a:solidFill>
                 <a:latin typeface="Consolas" panose="020B0609020204030204" pitchFamily="49" charset="0"/>
               </a:rPr>
               <a:t>                      return </a:t>
             </a:r>
             <a:r>
-              <a:rPr lang="en-US" sz="1600" dirty="0">
+              <a:rPr lang="en-US" sz="1600" b="1" dirty="0">
+                <a:solidFill>
+                  <a:srgbClr val="C00000"/>
+                </a:solidFill>
                 <a:latin typeface="Consolas" panose="020B0609020204030204" pitchFamily="49" charset="0"/>
               </a:rPr>
               <a:t>(a*x + b)*x + c</a:t>
             </a:r>
             <a:r>
-              <a:rPr lang="en-US" sz="1600" dirty="0" smtClean="0">
-                <a:latin typeface="Consolas" panose="020B0609020204030204" pitchFamily="49" charset="0"/>
-              </a:rPr>
-              <a:t>;</a:t>
-            </a:r>
-          </a:p>
-          <a:p>
-            <a:r>
-              <a:rPr lang="en-US" sz="1600" dirty="0">
-                <a:latin typeface="Consolas" panose="020B0609020204030204" pitchFamily="49" charset="0"/>
-              </a:rPr>
-              <a:t> </a:t>
-            </a:r>
-            <a:r>
-              <a:rPr lang="en-US" sz="1600" dirty="0" smtClean="0">
-                <a:latin typeface="Consolas" panose="020B0609020204030204" pitchFamily="49" charset="0"/>
-              </a:rPr>
-              <a:t>                  });</a:t>
-            </a:r>
-            <a:endParaRPr lang="en-US" sz="1600" dirty="0">
+              <a:rPr lang="en-US" sz="1600" b="1" dirty="0" smtClean="0">
+                <a:solidFill>
+                  <a:srgbClr val="C00000"/>
+                </a:solidFill>
+                <a:latin typeface="Consolas" panose="020B0609020204030204" pitchFamily="49" charset="0"/>
+              </a:rPr>
+              <a:t>;});</a:t>
+            </a:r>
+            <a:endParaRPr lang="en-US" sz="1600" b="1" dirty="0">
+              <a:solidFill>
+                <a:srgbClr val="C00000"/>
+              </a:solidFill>
               <a:latin typeface="Consolas" panose="020B0609020204030204" pitchFamily="49" charset="0"/>
             </a:endParaRPr>
           </a:p>
@@ -8658,28 +8730,9 @@
               <a:rPr lang="en-US" dirty="0" err="1" smtClean="0"/>
               <a:t>parallel_for</a:t>
             </a:r>
-            <a:endParaRPr lang="en-US" dirty="0"/>
-          </a:p>
-        </p:txBody>
-      </p:sp>
-      <p:sp>
-        <p:nvSpPr>
-          <p:cNvPr id="3" name="Content Placeholder 2"/>
-          <p:cNvSpPr>
-            <a:spLocks noGrp="1"/>
-          </p:cNvSpPr>
-          <p:nvPr>
-            <p:ph idx="1"/>
-          </p:nvPr>
-        </p:nvSpPr>
-        <p:spPr/>
-        <p:txBody>
-          <a:bodyPr/>
-          <a:lstStyle/>
-          <a:p>
             <a:r>
               <a:rPr lang="en-US" dirty="0" smtClean="0"/>
-              <a:t>Simplest form</a:t>
+              <a:t>: simplest form</a:t>
             </a:r>
             <a:endParaRPr lang="en-US" dirty="0"/>
           </a:p>
@@ -8708,10 +8761,4231 @@
           </a:p>
         </p:txBody>
       </p:sp>
+      <p:sp>
+        <p:nvSpPr>
+          <p:cNvPr id="5" name="TextBox 4"/>
+          <p:cNvSpPr txBox="1"/>
+          <p:nvPr/>
+        </p:nvSpPr>
+        <p:spPr>
+          <a:xfrm>
+            <a:off x="1458843" y="1478243"/>
+            <a:ext cx="8937062" cy="4770537"/>
+          </a:xfrm>
+          <a:prstGeom prst="rect">
+            <a:avLst/>
+          </a:prstGeom>
+          <a:solidFill>
+            <a:schemeClr val="bg1">
+              <a:lumMod val="85000"/>
+            </a:schemeClr>
+          </a:solidFill>
+          <a:ln>
+            <a:solidFill>
+              <a:schemeClr val="tx1"/>
+            </a:solidFill>
+          </a:ln>
+        </p:spPr>
+        <p:txBody>
+          <a:bodyPr wrap="none" rtlCol="0">
+            <a:spAutoFit/>
+          </a:bodyPr>
+          <a:lstStyle/>
+          <a:p>
+            <a:r>
+              <a:rPr lang="en-US" sz="1600" dirty="0">
+                <a:latin typeface="Consolas" panose="020B0609020204030204" pitchFamily="49" charset="0"/>
+              </a:rPr>
+              <a:t>#include &lt;algorithm&gt;</a:t>
+            </a:r>
+          </a:p>
+          <a:p>
+            <a:r>
+              <a:rPr lang="en-US" sz="1600" dirty="0">
+                <a:latin typeface="Consolas" panose="020B0609020204030204" pitchFamily="49" charset="0"/>
+              </a:rPr>
+              <a:t>#include &lt;</a:t>
+            </a:r>
+            <a:r>
+              <a:rPr lang="en-US" sz="1600" dirty="0" err="1">
+                <a:latin typeface="Consolas" panose="020B0609020204030204" pitchFamily="49" charset="0"/>
+              </a:rPr>
+              <a:t>iostream</a:t>
+            </a:r>
+            <a:r>
+              <a:rPr lang="en-US" sz="1600" dirty="0">
+                <a:latin typeface="Consolas" panose="020B0609020204030204" pitchFamily="49" charset="0"/>
+              </a:rPr>
+              <a:t>&gt;</a:t>
+            </a:r>
+          </a:p>
+          <a:p>
+            <a:r>
+              <a:rPr lang="en-US" sz="1600" dirty="0">
+                <a:latin typeface="Consolas" panose="020B0609020204030204" pitchFamily="49" charset="0"/>
+              </a:rPr>
+              <a:t>#include &lt;numeric&gt;</a:t>
+            </a:r>
+          </a:p>
+          <a:p>
+            <a:r>
+              <a:rPr lang="en-US" sz="1600" dirty="0">
+                <a:latin typeface="Consolas" panose="020B0609020204030204" pitchFamily="49" charset="0"/>
+              </a:rPr>
+              <a:t>#include &lt;</a:t>
+            </a:r>
+            <a:r>
+              <a:rPr lang="en-US" sz="1600" dirty="0" err="1">
+                <a:latin typeface="Consolas" panose="020B0609020204030204" pitchFamily="49" charset="0"/>
+              </a:rPr>
+              <a:t>tbb</a:t>
+            </a:r>
+            <a:r>
+              <a:rPr lang="en-US" sz="1600" dirty="0">
+                <a:latin typeface="Consolas" panose="020B0609020204030204" pitchFamily="49" charset="0"/>
+              </a:rPr>
+              <a:t>/</a:t>
+            </a:r>
+            <a:r>
+              <a:rPr lang="en-US" sz="1600" dirty="0" err="1">
+                <a:latin typeface="Consolas" panose="020B0609020204030204" pitchFamily="49" charset="0"/>
+              </a:rPr>
+              <a:t>tbb.h</a:t>
+            </a:r>
+            <a:r>
+              <a:rPr lang="en-US" sz="1600" dirty="0">
+                <a:latin typeface="Consolas" panose="020B0609020204030204" pitchFamily="49" charset="0"/>
+              </a:rPr>
+              <a:t>&gt;</a:t>
+            </a:r>
+          </a:p>
+          <a:p>
+            <a:r>
+              <a:rPr lang="en-US" sz="1600" dirty="0">
+                <a:latin typeface="Consolas" panose="020B0609020204030204" pitchFamily="49" charset="0"/>
+              </a:rPr>
+              <a:t>#include &lt;</a:t>
+            </a:r>
+            <a:r>
+              <a:rPr lang="en-US" sz="1600" dirty="0" err="1">
+                <a:latin typeface="Consolas" panose="020B0609020204030204" pitchFamily="49" charset="0"/>
+              </a:rPr>
+              <a:t>valarray</a:t>
+            </a:r>
+            <a:r>
+              <a:rPr lang="en-US" sz="1600" dirty="0">
+                <a:latin typeface="Consolas" panose="020B0609020204030204" pitchFamily="49" charset="0"/>
+              </a:rPr>
+              <a:t>&gt;</a:t>
+            </a:r>
+          </a:p>
+          <a:p>
+            <a:endParaRPr lang="en-US" sz="1600" dirty="0">
+              <a:latin typeface="Consolas" panose="020B0609020204030204" pitchFamily="49" charset="0"/>
+            </a:endParaRPr>
+          </a:p>
+          <a:p>
+            <a:r>
+              <a:rPr lang="en-US" sz="1600" dirty="0" err="1">
+                <a:latin typeface="Consolas" panose="020B0609020204030204" pitchFamily="49" charset="0"/>
+              </a:rPr>
+              <a:t>int</a:t>
+            </a:r>
+            <a:r>
+              <a:rPr lang="en-US" sz="1600" dirty="0">
+                <a:latin typeface="Consolas" panose="020B0609020204030204" pitchFamily="49" charset="0"/>
+              </a:rPr>
+              <a:t> main() {</a:t>
+            </a:r>
+          </a:p>
+          <a:p>
+            <a:r>
+              <a:rPr lang="en-US" sz="1600" dirty="0">
+                <a:latin typeface="Consolas" panose="020B0609020204030204" pitchFamily="49" charset="0"/>
+              </a:rPr>
+              <a:t>    </a:t>
+            </a:r>
+            <a:r>
+              <a:rPr lang="en-US" sz="1600" dirty="0" err="1">
+                <a:latin typeface="Consolas" panose="020B0609020204030204" pitchFamily="49" charset="0"/>
+              </a:rPr>
+              <a:t>std</a:t>
+            </a:r>
+            <a:r>
+              <a:rPr lang="en-US" sz="1600" dirty="0">
+                <a:latin typeface="Consolas" panose="020B0609020204030204" pitchFamily="49" charset="0"/>
+              </a:rPr>
+              <a:t>::</a:t>
+            </a:r>
+            <a:r>
+              <a:rPr lang="en-US" sz="1600" dirty="0" err="1">
+                <a:latin typeface="Consolas" panose="020B0609020204030204" pitchFamily="49" charset="0"/>
+              </a:rPr>
+              <a:t>valarray</a:t>
+            </a:r>
+            <a:r>
+              <a:rPr lang="en-US" sz="1600" dirty="0">
+                <a:latin typeface="Consolas" panose="020B0609020204030204" pitchFamily="49" charset="0"/>
+              </a:rPr>
+              <a:t>&lt;</a:t>
+            </a:r>
+            <a:r>
+              <a:rPr lang="en-US" sz="1600" dirty="0" err="1">
+                <a:latin typeface="Consolas" panose="020B0609020204030204" pitchFamily="49" charset="0"/>
+              </a:rPr>
+              <a:t>int</a:t>
+            </a:r>
+            <a:r>
+              <a:rPr lang="en-US" sz="1600" dirty="0">
+                <a:latin typeface="Consolas" panose="020B0609020204030204" pitchFamily="49" charset="0"/>
+              </a:rPr>
+              <a:t>&gt; </a:t>
+            </a:r>
+            <a:r>
+              <a:rPr lang="en-US" sz="1600" dirty="0" smtClean="0">
+                <a:latin typeface="Consolas" panose="020B0609020204030204" pitchFamily="49" charset="0"/>
+              </a:rPr>
+              <a:t>data(10000);</a:t>
+            </a:r>
+            <a:endParaRPr lang="en-US" sz="1600" dirty="0">
+              <a:latin typeface="Consolas" panose="020B0609020204030204" pitchFamily="49" charset="0"/>
+            </a:endParaRPr>
+          </a:p>
+          <a:p>
+            <a:r>
+              <a:rPr lang="en-US" sz="1600" dirty="0">
+                <a:latin typeface="Consolas" panose="020B0609020204030204" pitchFamily="49" charset="0"/>
+              </a:rPr>
+              <a:t>    </a:t>
+            </a:r>
+            <a:r>
+              <a:rPr lang="en-US" sz="1600" dirty="0" err="1">
+                <a:latin typeface="Consolas" panose="020B0609020204030204" pitchFamily="49" charset="0"/>
+              </a:rPr>
+              <a:t>std</a:t>
+            </a:r>
+            <a:r>
+              <a:rPr lang="en-US" sz="1600" dirty="0">
+                <a:latin typeface="Consolas" panose="020B0609020204030204" pitchFamily="49" charset="0"/>
+              </a:rPr>
+              <a:t>::iota(</a:t>
+            </a:r>
+            <a:r>
+              <a:rPr lang="en-US" sz="1600" dirty="0" err="1">
+                <a:latin typeface="Consolas" panose="020B0609020204030204" pitchFamily="49" charset="0"/>
+              </a:rPr>
+              <a:t>std</a:t>
+            </a:r>
+            <a:r>
+              <a:rPr lang="en-US" sz="1600" dirty="0">
+                <a:latin typeface="Consolas" panose="020B0609020204030204" pitchFamily="49" charset="0"/>
+              </a:rPr>
+              <a:t>::begin(data), </a:t>
+            </a:r>
+            <a:r>
+              <a:rPr lang="en-US" sz="1600" dirty="0" err="1">
+                <a:latin typeface="Consolas" panose="020B0609020204030204" pitchFamily="49" charset="0"/>
+              </a:rPr>
+              <a:t>std</a:t>
+            </a:r>
+            <a:r>
+              <a:rPr lang="en-US" sz="1600" dirty="0">
+                <a:latin typeface="Consolas" panose="020B0609020204030204" pitchFamily="49" charset="0"/>
+              </a:rPr>
+              <a:t>::end(data), 0);</a:t>
+            </a:r>
+          </a:p>
+          <a:p>
+            <a:endParaRPr lang="en-US" sz="1600" dirty="0" smtClean="0">
+              <a:latin typeface="Consolas" panose="020B0609020204030204" pitchFamily="49" charset="0"/>
+            </a:endParaRPr>
+          </a:p>
+          <a:p>
+            <a:r>
+              <a:rPr lang="en-US" sz="1600" dirty="0" smtClean="0">
+                <a:latin typeface="Consolas" panose="020B0609020204030204" pitchFamily="49" charset="0"/>
+              </a:rPr>
+              <a:t>    </a:t>
+            </a:r>
+            <a:r>
+              <a:rPr lang="en-US" sz="1600" dirty="0" err="1" smtClean="0">
+                <a:latin typeface="Consolas" panose="020B0609020204030204" pitchFamily="49" charset="0"/>
+              </a:rPr>
+              <a:t>std</a:t>
+            </a:r>
+            <a:r>
+              <a:rPr lang="en-US" sz="1600" dirty="0">
+                <a:latin typeface="Consolas" panose="020B0609020204030204" pitchFamily="49" charset="0"/>
+              </a:rPr>
+              <a:t>::</a:t>
+            </a:r>
+            <a:r>
+              <a:rPr lang="en-US" sz="1600" dirty="0" err="1">
+                <a:latin typeface="Consolas" panose="020B0609020204030204" pitchFamily="49" charset="0"/>
+              </a:rPr>
+              <a:t>for_each</a:t>
+            </a:r>
+            <a:r>
+              <a:rPr lang="en-US" sz="1600" dirty="0">
+                <a:latin typeface="Consolas" panose="020B0609020204030204" pitchFamily="49" charset="0"/>
+              </a:rPr>
+              <a:t>(</a:t>
+            </a:r>
+            <a:r>
+              <a:rPr lang="en-US" sz="1600" dirty="0" err="1">
+                <a:latin typeface="Consolas" panose="020B0609020204030204" pitchFamily="49" charset="0"/>
+              </a:rPr>
+              <a:t>std</a:t>
+            </a:r>
+            <a:r>
+              <a:rPr lang="en-US" sz="1600" dirty="0">
+                <a:latin typeface="Consolas" panose="020B0609020204030204" pitchFamily="49" charset="0"/>
+              </a:rPr>
+              <a:t>::begin(data), </a:t>
+            </a:r>
+            <a:r>
+              <a:rPr lang="en-US" sz="1600" dirty="0" err="1">
+                <a:latin typeface="Consolas" panose="020B0609020204030204" pitchFamily="49" charset="0"/>
+              </a:rPr>
+              <a:t>std</a:t>
+            </a:r>
+            <a:r>
+              <a:rPr lang="en-US" sz="1600" dirty="0">
+                <a:latin typeface="Consolas" panose="020B0609020204030204" pitchFamily="49" charset="0"/>
+              </a:rPr>
+              <a:t>::end(data),</a:t>
+            </a:r>
+          </a:p>
+          <a:p>
+            <a:r>
+              <a:rPr lang="en-US" sz="1600" dirty="0">
+                <a:latin typeface="Consolas" panose="020B0609020204030204" pitchFamily="49" charset="0"/>
+              </a:rPr>
+              <a:t>                  [] (</a:t>
+            </a:r>
+            <a:r>
+              <a:rPr lang="en-US" sz="1600" dirty="0" err="1">
+                <a:latin typeface="Consolas" panose="020B0609020204030204" pitchFamily="49" charset="0"/>
+              </a:rPr>
+              <a:t>int</a:t>
+            </a:r>
+            <a:r>
+              <a:rPr lang="en-US" sz="1600" dirty="0">
+                <a:latin typeface="Consolas" panose="020B0609020204030204" pitchFamily="49" charset="0"/>
+              </a:rPr>
+              <a:t>&amp; </a:t>
+            </a:r>
+            <a:r>
+              <a:rPr lang="en-US" sz="1600" dirty="0" err="1">
+                <a:latin typeface="Consolas" panose="020B0609020204030204" pitchFamily="49" charset="0"/>
+              </a:rPr>
+              <a:t>i</a:t>
+            </a:r>
+            <a:r>
+              <a:rPr lang="en-US" sz="1600" dirty="0">
+                <a:latin typeface="Consolas" panose="020B0609020204030204" pitchFamily="49" charset="0"/>
+              </a:rPr>
+              <a:t>) { </a:t>
+            </a:r>
+            <a:r>
+              <a:rPr lang="en-US" sz="1600" dirty="0" err="1">
+                <a:latin typeface="Consolas" panose="020B0609020204030204" pitchFamily="49" charset="0"/>
+              </a:rPr>
+              <a:t>i</a:t>
+            </a:r>
+            <a:r>
+              <a:rPr lang="en-US" sz="1600" dirty="0">
+                <a:latin typeface="Consolas" panose="020B0609020204030204" pitchFamily="49" charset="0"/>
+              </a:rPr>
+              <a:t> = </a:t>
+            </a:r>
+            <a:r>
+              <a:rPr lang="en-US" sz="1600" dirty="0" err="1">
+                <a:latin typeface="Consolas" panose="020B0609020204030204" pitchFamily="49" charset="0"/>
+              </a:rPr>
+              <a:t>i</a:t>
+            </a:r>
+            <a:r>
+              <a:rPr lang="en-US" sz="1600" dirty="0">
+                <a:latin typeface="Consolas" panose="020B0609020204030204" pitchFamily="49" charset="0"/>
+              </a:rPr>
+              <a:t>*</a:t>
+            </a:r>
+            <a:r>
+              <a:rPr lang="en-US" sz="1600" dirty="0" err="1">
+                <a:latin typeface="Consolas" panose="020B0609020204030204" pitchFamily="49" charset="0"/>
+              </a:rPr>
+              <a:t>i</a:t>
+            </a:r>
+            <a:r>
+              <a:rPr lang="en-US" sz="1600" dirty="0">
+                <a:latin typeface="Consolas" panose="020B0609020204030204" pitchFamily="49" charset="0"/>
+              </a:rPr>
+              <a:t>; });</a:t>
+            </a:r>
+          </a:p>
+          <a:p>
+            <a:endParaRPr lang="en-US" sz="1600" dirty="0" smtClean="0">
+              <a:latin typeface="Consolas" panose="020B0609020204030204" pitchFamily="49" charset="0"/>
+            </a:endParaRPr>
+          </a:p>
+          <a:p>
+            <a:r>
+              <a:rPr lang="en-US" sz="1600" b="1" dirty="0" smtClean="0">
+                <a:solidFill>
+                  <a:srgbClr val="C00000"/>
+                </a:solidFill>
+                <a:latin typeface="Consolas" panose="020B0609020204030204" pitchFamily="49" charset="0"/>
+              </a:rPr>
+              <a:t>    </a:t>
+            </a:r>
+            <a:r>
+              <a:rPr lang="en-US" sz="1600" b="1" dirty="0" err="1" smtClean="0">
+                <a:solidFill>
+                  <a:srgbClr val="C00000"/>
+                </a:solidFill>
+                <a:latin typeface="Consolas" panose="020B0609020204030204" pitchFamily="49" charset="0"/>
+              </a:rPr>
+              <a:t>tbb</a:t>
+            </a:r>
+            <a:r>
+              <a:rPr lang="en-US" sz="1600" b="1" dirty="0">
+                <a:solidFill>
+                  <a:srgbClr val="C00000"/>
+                </a:solidFill>
+                <a:latin typeface="Consolas" panose="020B0609020204030204" pitchFamily="49" charset="0"/>
+              </a:rPr>
+              <a:t>::</a:t>
+            </a:r>
+            <a:r>
+              <a:rPr lang="en-US" sz="1600" b="1" dirty="0" err="1" smtClean="0">
+                <a:solidFill>
+                  <a:srgbClr val="C00000"/>
+                </a:solidFill>
+                <a:latin typeface="Consolas" panose="020B0609020204030204" pitchFamily="49" charset="0"/>
+              </a:rPr>
+              <a:t>parallel_for</a:t>
+            </a:r>
+            <a:r>
+              <a:rPr lang="en-US" sz="1600" b="1" dirty="0" smtClean="0">
+                <a:solidFill>
+                  <a:srgbClr val="C00000"/>
+                </a:solidFill>
+                <a:latin typeface="Consolas" panose="020B0609020204030204" pitchFamily="49" charset="0"/>
+              </a:rPr>
+              <a:t>(0ul, </a:t>
+            </a:r>
+            <a:r>
+              <a:rPr lang="en-US" sz="1600" b="1" dirty="0" err="1">
+                <a:solidFill>
+                  <a:srgbClr val="C00000"/>
+                </a:solidFill>
+                <a:latin typeface="Consolas" panose="020B0609020204030204" pitchFamily="49" charset="0"/>
+              </a:rPr>
+              <a:t>data.size</a:t>
+            </a:r>
+            <a:r>
+              <a:rPr lang="en-US" sz="1600" b="1" dirty="0">
+                <a:solidFill>
+                  <a:srgbClr val="C00000"/>
+                </a:solidFill>
+                <a:latin typeface="Consolas" panose="020B0609020204030204" pitchFamily="49" charset="0"/>
+              </a:rPr>
+              <a:t>(),</a:t>
+            </a:r>
+          </a:p>
+          <a:p>
+            <a:r>
+              <a:rPr lang="en-US" sz="1600" b="1" dirty="0">
+                <a:solidFill>
+                  <a:srgbClr val="C00000"/>
+                </a:solidFill>
+                <a:latin typeface="Consolas" panose="020B0609020204030204" pitchFamily="49" charset="0"/>
+              </a:rPr>
+              <a:t>                      [&amp;data] (</a:t>
+            </a:r>
+            <a:r>
+              <a:rPr lang="en-US" sz="1600" b="1" dirty="0" err="1">
+                <a:solidFill>
+                  <a:srgbClr val="C00000"/>
+                </a:solidFill>
+                <a:latin typeface="Consolas" panose="020B0609020204030204" pitchFamily="49" charset="0"/>
+              </a:rPr>
+              <a:t>std</a:t>
+            </a:r>
+            <a:r>
+              <a:rPr lang="en-US" sz="1600" b="1" dirty="0">
+                <a:solidFill>
+                  <a:srgbClr val="C00000"/>
+                </a:solidFill>
+                <a:latin typeface="Consolas" panose="020B0609020204030204" pitchFamily="49" charset="0"/>
+              </a:rPr>
+              <a:t>::</a:t>
+            </a:r>
+            <a:r>
+              <a:rPr lang="en-US" sz="1600" b="1" dirty="0" err="1">
+                <a:solidFill>
+                  <a:srgbClr val="C00000"/>
+                </a:solidFill>
+                <a:latin typeface="Consolas" panose="020B0609020204030204" pitchFamily="49" charset="0"/>
+              </a:rPr>
+              <a:t>size_t</a:t>
+            </a:r>
+            <a:r>
+              <a:rPr lang="en-US" sz="1600" b="1" dirty="0">
+                <a:solidFill>
+                  <a:srgbClr val="C00000"/>
+                </a:solidFill>
+                <a:latin typeface="Consolas" panose="020B0609020204030204" pitchFamily="49" charset="0"/>
+              </a:rPr>
+              <a:t> </a:t>
+            </a:r>
+            <a:r>
+              <a:rPr lang="en-US" sz="1600" b="1" dirty="0" err="1">
+                <a:solidFill>
+                  <a:srgbClr val="C00000"/>
+                </a:solidFill>
+                <a:latin typeface="Consolas" panose="020B0609020204030204" pitchFamily="49" charset="0"/>
+              </a:rPr>
+              <a:t>i</a:t>
+            </a:r>
+            <a:r>
+              <a:rPr lang="en-US" sz="1600" b="1" dirty="0">
+                <a:solidFill>
+                  <a:srgbClr val="C00000"/>
+                </a:solidFill>
+                <a:latin typeface="Consolas" panose="020B0609020204030204" pitchFamily="49" charset="0"/>
+              </a:rPr>
+              <a:t>) { data[</a:t>
+            </a:r>
+            <a:r>
+              <a:rPr lang="en-US" sz="1600" b="1" dirty="0" err="1">
+                <a:solidFill>
+                  <a:srgbClr val="C00000"/>
+                </a:solidFill>
+                <a:latin typeface="Consolas" panose="020B0609020204030204" pitchFamily="49" charset="0"/>
+              </a:rPr>
+              <a:t>i</a:t>
+            </a:r>
+            <a:r>
+              <a:rPr lang="en-US" sz="1600" b="1" dirty="0">
+                <a:solidFill>
+                  <a:srgbClr val="C00000"/>
+                </a:solidFill>
+                <a:latin typeface="Consolas" panose="020B0609020204030204" pitchFamily="49" charset="0"/>
+              </a:rPr>
+              <a:t>] = data[</a:t>
+            </a:r>
+            <a:r>
+              <a:rPr lang="en-US" sz="1600" b="1" dirty="0" err="1">
+                <a:solidFill>
+                  <a:srgbClr val="C00000"/>
+                </a:solidFill>
+                <a:latin typeface="Consolas" panose="020B0609020204030204" pitchFamily="49" charset="0"/>
+              </a:rPr>
+              <a:t>i</a:t>
+            </a:r>
+            <a:r>
+              <a:rPr lang="en-US" sz="1600" b="1" dirty="0">
+                <a:solidFill>
+                  <a:srgbClr val="C00000"/>
+                </a:solidFill>
+                <a:latin typeface="Consolas" panose="020B0609020204030204" pitchFamily="49" charset="0"/>
+              </a:rPr>
+              <a:t>]*data[</a:t>
+            </a:r>
+            <a:r>
+              <a:rPr lang="en-US" sz="1600" b="1" dirty="0" err="1">
+                <a:solidFill>
+                  <a:srgbClr val="C00000"/>
+                </a:solidFill>
+                <a:latin typeface="Consolas" panose="020B0609020204030204" pitchFamily="49" charset="0"/>
+              </a:rPr>
+              <a:t>i</a:t>
+            </a:r>
+            <a:r>
+              <a:rPr lang="en-US" sz="1600" b="1" dirty="0">
+                <a:solidFill>
+                  <a:srgbClr val="C00000"/>
+                </a:solidFill>
+                <a:latin typeface="Consolas" panose="020B0609020204030204" pitchFamily="49" charset="0"/>
+              </a:rPr>
+              <a:t>]; });</a:t>
+            </a:r>
+          </a:p>
+          <a:p>
+            <a:endParaRPr lang="en-US" sz="1600" dirty="0" smtClean="0">
+              <a:latin typeface="Consolas" panose="020B0609020204030204" pitchFamily="49" charset="0"/>
+            </a:endParaRPr>
+          </a:p>
+          <a:p>
+            <a:r>
+              <a:rPr lang="en-US" sz="1600" dirty="0" smtClean="0">
+                <a:latin typeface="Consolas" panose="020B0609020204030204" pitchFamily="49" charset="0"/>
+              </a:rPr>
+              <a:t>    </a:t>
+            </a:r>
+            <a:r>
+              <a:rPr lang="en-US" sz="1600" dirty="0" err="1" smtClean="0">
+                <a:latin typeface="Consolas" panose="020B0609020204030204" pitchFamily="49" charset="0"/>
+              </a:rPr>
+              <a:t>std</a:t>
+            </a:r>
+            <a:r>
+              <a:rPr lang="en-US" sz="1600" dirty="0">
+                <a:latin typeface="Consolas" panose="020B0609020204030204" pitchFamily="49" charset="0"/>
+              </a:rPr>
+              <a:t>::</a:t>
+            </a:r>
+            <a:r>
+              <a:rPr lang="en-US" sz="1600" dirty="0" err="1">
+                <a:latin typeface="Consolas" panose="020B0609020204030204" pitchFamily="49" charset="0"/>
+              </a:rPr>
+              <a:t>cout</a:t>
+            </a:r>
+            <a:r>
+              <a:rPr lang="en-US" sz="1600" dirty="0">
+                <a:latin typeface="Consolas" panose="020B0609020204030204" pitchFamily="49" charset="0"/>
+              </a:rPr>
+              <a:t> &lt;&lt; </a:t>
+            </a:r>
+            <a:r>
+              <a:rPr lang="en-US" sz="1600" dirty="0" err="1" smtClean="0">
+                <a:latin typeface="Consolas" panose="020B0609020204030204" pitchFamily="49" charset="0"/>
+              </a:rPr>
+              <a:t>data.sum</a:t>
+            </a:r>
+            <a:r>
+              <a:rPr lang="en-US" sz="1600" dirty="0" smtClean="0">
+                <a:latin typeface="Consolas" panose="020B0609020204030204" pitchFamily="49" charset="0"/>
+              </a:rPr>
+              <a:t>() &lt;&lt; </a:t>
+            </a:r>
+            <a:r>
+              <a:rPr lang="en-US" sz="1600" dirty="0" err="1" smtClean="0">
+                <a:latin typeface="Consolas" panose="020B0609020204030204" pitchFamily="49" charset="0"/>
+              </a:rPr>
+              <a:t>std</a:t>
+            </a:r>
+            <a:r>
+              <a:rPr lang="en-US" sz="1600" dirty="0">
+                <a:latin typeface="Consolas" panose="020B0609020204030204" pitchFamily="49" charset="0"/>
+              </a:rPr>
+              <a:t>::</a:t>
+            </a:r>
+            <a:r>
+              <a:rPr lang="en-US" sz="1600" dirty="0" err="1">
+                <a:latin typeface="Consolas" panose="020B0609020204030204" pitchFamily="49" charset="0"/>
+              </a:rPr>
+              <a:t>endl</a:t>
+            </a:r>
+            <a:r>
+              <a:rPr lang="en-US" sz="1600" dirty="0">
+                <a:latin typeface="Consolas" panose="020B0609020204030204" pitchFamily="49" charset="0"/>
+              </a:rPr>
+              <a:t>;</a:t>
+            </a:r>
+          </a:p>
+          <a:p>
+            <a:r>
+              <a:rPr lang="en-US" sz="1600" dirty="0">
+                <a:latin typeface="Consolas" panose="020B0609020204030204" pitchFamily="49" charset="0"/>
+              </a:rPr>
+              <a:t>    return 0;</a:t>
+            </a:r>
+          </a:p>
+          <a:p>
+            <a:r>
+              <a:rPr lang="en-US" sz="1600" dirty="0">
+                <a:latin typeface="Consolas" panose="020B0609020204030204" pitchFamily="49" charset="0"/>
+              </a:rPr>
+              <a:t>}</a:t>
+            </a:r>
+          </a:p>
+        </p:txBody>
+      </p:sp>
+      <p:sp>
+        <p:nvSpPr>
+          <p:cNvPr id="6" name="TextBox 5"/>
+          <p:cNvSpPr txBox="1"/>
+          <p:nvPr/>
+        </p:nvSpPr>
+        <p:spPr>
+          <a:xfrm>
+            <a:off x="9153914" y="3927879"/>
+            <a:ext cx="2023439" cy="923330"/>
+          </a:xfrm>
+          <a:prstGeom prst="rect">
+            <a:avLst/>
+          </a:prstGeom>
+        </p:spPr>
+        <p:style>
+          <a:lnRef idx="1">
+            <a:schemeClr val="accent2"/>
+          </a:lnRef>
+          <a:fillRef idx="2">
+            <a:schemeClr val="accent2"/>
+          </a:fillRef>
+          <a:effectRef idx="1">
+            <a:schemeClr val="accent2"/>
+          </a:effectRef>
+          <a:fontRef idx="minor">
+            <a:schemeClr val="dk1"/>
+          </a:fontRef>
+        </p:style>
+        <p:txBody>
+          <a:bodyPr wrap="none" rtlCol="0">
+            <a:spAutoFit/>
+          </a:bodyPr>
+          <a:lstStyle/>
+          <a:p>
+            <a:r>
+              <a:rPr lang="en-US" dirty="0" smtClean="0"/>
+              <a:t>work automatically</a:t>
+            </a:r>
+            <a:br>
+              <a:rPr lang="en-US" dirty="0" smtClean="0"/>
+            </a:br>
+            <a:r>
+              <a:rPr lang="en-US" dirty="0" smtClean="0"/>
+              <a:t>divided over thread</a:t>
+            </a:r>
+            <a:br>
+              <a:rPr lang="en-US" dirty="0" smtClean="0"/>
+            </a:br>
+            <a:r>
+              <a:rPr lang="en-US" dirty="0" smtClean="0"/>
+              <a:t>pool</a:t>
+            </a:r>
+            <a:endParaRPr lang="en-US" dirty="0"/>
+          </a:p>
+        </p:txBody>
+      </p:sp>
     </p:spTree>
     <p:extLst>
       <p:ext uri="{BB962C8B-B14F-4D97-AF65-F5344CB8AC3E}">
         <p14:creationId xmlns:p14="http://schemas.microsoft.com/office/powerpoint/2010/main" val="390435657"/>
+      </p:ext>
+    </p:extLst>
+  </p:cSld>
+  <p:clrMapOvr>
+    <a:masterClrMapping/>
+  </p:clrMapOvr>
+  <p:timing>
+    <p:tnLst>
+      <p:par>
+        <p:cTn id="1" dur="indefinite" restart="never" nodeType="tmRoot"/>
+      </p:par>
+    </p:tnLst>
+  </p:timing>
+</p:sld>
+</file>
+
+<file path=ppt/slides/slide13.xml><?xml version="1.0" encoding="utf-8"?>
+<p:sld xmlns:a="http://schemas.openxmlformats.org/drawingml/2006/main" xmlns:r="http://schemas.openxmlformats.org/officeDocument/2006/relationships" xmlns:p="http://schemas.openxmlformats.org/presentationml/2006/main">
+  <p:cSld>
+    <p:spTree>
+      <p:nvGrpSpPr>
+        <p:cNvPr id="1" name=""/>
+        <p:cNvGrpSpPr/>
+        <p:nvPr/>
+      </p:nvGrpSpPr>
+      <p:grpSpPr>
+        <a:xfrm>
+          <a:off x="0" y="0"/>
+          <a:ext cx="0" cy="0"/>
+          <a:chOff x="0" y="0"/>
+          <a:chExt cx="0" cy="0"/>
+        </a:xfrm>
+      </p:grpSpPr>
+      <p:sp>
+        <p:nvSpPr>
+          <p:cNvPr id="2" name="Title 1"/>
+          <p:cNvSpPr>
+            <a:spLocks noGrp="1"/>
+          </p:cNvSpPr>
+          <p:nvPr>
+            <p:ph type="title"/>
+          </p:nvPr>
+        </p:nvSpPr>
+        <p:spPr/>
+        <p:txBody>
+          <a:bodyPr/>
+          <a:lstStyle/>
+          <a:p>
+            <a:r>
+              <a:rPr lang="en-US" dirty="0" err="1" smtClean="0"/>
+              <a:t>parallel_for</a:t>
+            </a:r>
+            <a:r>
+              <a:rPr lang="en-US" dirty="0" smtClean="0"/>
+              <a:t>: more control</a:t>
+            </a:r>
+            <a:endParaRPr lang="en-US" dirty="0"/>
+          </a:p>
+        </p:txBody>
+      </p:sp>
+      <p:sp>
+        <p:nvSpPr>
+          <p:cNvPr id="4" name="Slide Number Placeholder 3"/>
+          <p:cNvSpPr>
+            <a:spLocks noGrp="1"/>
+          </p:cNvSpPr>
+          <p:nvPr>
+            <p:ph type="sldNum" sz="quarter" idx="12"/>
+          </p:nvPr>
+        </p:nvSpPr>
+        <p:spPr/>
+        <p:txBody>
+          <a:bodyPr/>
+          <a:lstStyle/>
+          <a:p>
+            <a:fld id="{8A5772FA-F273-424C-AEFD-E3BF6973D60A}" type="slidenum">
+              <a:rPr lang="en-US" smtClean="0"/>
+              <a:t>13</a:t>
+            </a:fld>
+            <a:endParaRPr lang="en-US"/>
+          </a:p>
+        </p:txBody>
+      </p:sp>
+      <p:sp>
+        <p:nvSpPr>
+          <p:cNvPr id="5" name="TextBox 4"/>
+          <p:cNvSpPr txBox="1"/>
+          <p:nvPr/>
+        </p:nvSpPr>
+        <p:spPr>
+          <a:xfrm>
+            <a:off x="1072949" y="1478243"/>
+            <a:ext cx="9610323" cy="3539430"/>
+          </a:xfrm>
+          <a:prstGeom prst="rect">
+            <a:avLst/>
+          </a:prstGeom>
+          <a:solidFill>
+            <a:schemeClr val="bg1">
+              <a:lumMod val="85000"/>
+            </a:schemeClr>
+          </a:solidFill>
+          <a:ln>
+            <a:solidFill>
+              <a:schemeClr val="tx1"/>
+            </a:solidFill>
+          </a:ln>
+        </p:spPr>
+        <p:txBody>
+          <a:bodyPr wrap="none" rtlCol="0">
+            <a:spAutoFit/>
+          </a:bodyPr>
+          <a:lstStyle/>
+          <a:p>
+            <a:r>
+              <a:rPr lang="en-US" sz="1600" dirty="0" smtClean="0">
+                <a:latin typeface="Consolas" panose="020B0609020204030204" pitchFamily="49" charset="0"/>
+              </a:rPr>
+              <a:t>…</a:t>
+            </a:r>
+            <a:endParaRPr lang="en-US" sz="1600" dirty="0">
+              <a:latin typeface="Consolas" panose="020B0609020204030204" pitchFamily="49" charset="0"/>
+            </a:endParaRPr>
+          </a:p>
+          <a:p>
+            <a:endParaRPr lang="en-US" sz="1600" dirty="0">
+              <a:latin typeface="Consolas" panose="020B0609020204030204" pitchFamily="49" charset="0"/>
+            </a:endParaRPr>
+          </a:p>
+          <a:p>
+            <a:r>
+              <a:rPr lang="en-US" sz="1600" dirty="0" err="1">
+                <a:latin typeface="Consolas" panose="020B0609020204030204" pitchFamily="49" charset="0"/>
+              </a:rPr>
+              <a:t>int</a:t>
+            </a:r>
+            <a:r>
+              <a:rPr lang="en-US" sz="1600" dirty="0">
+                <a:latin typeface="Consolas" panose="020B0609020204030204" pitchFamily="49" charset="0"/>
+              </a:rPr>
+              <a:t> main() {</a:t>
+            </a:r>
+          </a:p>
+          <a:p>
+            <a:r>
+              <a:rPr lang="en-US" sz="1600" dirty="0" smtClean="0">
+                <a:latin typeface="Consolas" panose="020B0609020204030204" pitchFamily="49" charset="0"/>
+              </a:rPr>
+              <a:t>    …</a:t>
+            </a:r>
+          </a:p>
+          <a:p>
+            <a:r>
+              <a:rPr lang="en-US" sz="1600" dirty="0">
+                <a:latin typeface="Consolas" panose="020B0609020204030204" pitchFamily="49" charset="0"/>
+              </a:rPr>
+              <a:t> </a:t>
+            </a:r>
+            <a:r>
+              <a:rPr lang="en-US" sz="1600" dirty="0" smtClean="0">
+                <a:latin typeface="Consolas" panose="020B0609020204030204" pitchFamily="49" charset="0"/>
+              </a:rPr>
+              <a:t>   </a:t>
+            </a:r>
+            <a:r>
+              <a:rPr lang="en-US" sz="1600" dirty="0" err="1" smtClean="0">
+                <a:latin typeface="Consolas" panose="020B0609020204030204" pitchFamily="49" charset="0"/>
+              </a:rPr>
+              <a:t>std</a:t>
+            </a:r>
+            <a:r>
+              <a:rPr lang="en-US" sz="1600" dirty="0" smtClean="0">
+                <a:latin typeface="Consolas" panose="020B0609020204030204" pitchFamily="49" charset="0"/>
+              </a:rPr>
+              <a:t>::</a:t>
+            </a:r>
+            <a:r>
+              <a:rPr lang="en-US" sz="1600" dirty="0" err="1" smtClean="0">
+                <a:latin typeface="Consolas" panose="020B0609020204030204" pitchFamily="49" charset="0"/>
+              </a:rPr>
+              <a:t>size_t</a:t>
+            </a:r>
+            <a:r>
+              <a:rPr lang="en-US" sz="1600" dirty="0" smtClean="0">
+                <a:latin typeface="Consolas" panose="020B0609020204030204" pitchFamily="49" charset="0"/>
+              </a:rPr>
+              <a:t> </a:t>
+            </a:r>
+            <a:r>
+              <a:rPr lang="en-US" sz="1600" dirty="0" err="1" smtClean="0">
+                <a:latin typeface="Consolas" panose="020B0609020204030204" pitchFamily="49" charset="0"/>
+              </a:rPr>
+              <a:t>grain_size</a:t>
+            </a:r>
+            <a:r>
+              <a:rPr lang="en-US" sz="1600" dirty="0" smtClean="0">
+                <a:latin typeface="Consolas" panose="020B0609020204030204" pitchFamily="49" charset="0"/>
+              </a:rPr>
+              <a:t> {1000};</a:t>
+            </a:r>
+            <a:endParaRPr lang="en-US" sz="1600" dirty="0">
+              <a:latin typeface="Consolas" panose="020B0609020204030204" pitchFamily="49" charset="0"/>
+            </a:endParaRPr>
+          </a:p>
+          <a:p>
+            <a:endParaRPr lang="en-US" sz="1600" dirty="0" smtClean="0">
+              <a:latin typeface="Consolas" panose="020B0609020204030204" pitchFamily="49" charset="0"/>
+            </a:endParaRPr>
+          </a:p>
+          <a:p>
+            <a:r>
+              <a:rPr lang="en-US" sz="1600" b="1" dirty="0" smtClean="0">
+                <a:solidFill>
+                  <a:srgbClr val="C00000"/>
+                </a:solidFill>
+                <a:latin typeface="Consolas" panose="020B0609020204030204" pitchFamily="49" charset="0"/>
+              </a:rPr>
+              <a:t>    </a:t>
+            </a:r>
+            <a:r>
+              <a:rPr lang="en-US" sz="1600" b="1" dirty="0" err="1" smtClean="0">
+                <a:solidFill>
+                  <a:srgbClr val="C00000"/>
+                </a:solidFill>
+                <a:latin typeface="Consolas" panose="020B0609020204030204" pitchFamily="49" charset="0"/>
+              </a:rPr>
+              <a:t>tbb</a:t>
+            </a:r>
+            <a:r>
+              <a:rPr lang="en-US" sz="1600" b="1" dirty="0">
+                <a:solidFill>
+                  <a:srgbClr val="C00000"/>
+                </a:solidFill>
+                <a:latin typeface="Consolas" panose="020B0609020204030204" pitchFamily="49" charset="0"/>
+              </a:rPr>
+              <a:t>::</a:t>
+            </a:r>
+            <a:r>
+              <a:rPr lang="en-US" sz="1600" b="1" dirty="0" err="1" smtClean="0">
+                <a:solidFill>
+                  <a:srgbClr val="C00000"/>
+                </a:solidFill>
+                <a:latin typeface="Consolas" panose="020B0609020204030204" pitchFamily="49" charset="0"/>
+              </a:rPr>
+              <a:t>parallel_for</a:t>
+            </a:r>
+            <a:r>
+              <a:rPr lang="en-US" sz="1600" b="1" dirty="0" smtClean="0">
+                <a:solidFill>
+                  <a:srgbClr val="C00000"/>
+                </a:solidFill>
+                <a:latin typeface="Consolas" panose="020B0609020204030204" pitchFamily="49" charset="0"/>
+              </a:rPr>
+              <a:t>(</a:t>
+            </a:r>
+            <a:r>
+              <a:rPr lang="en-US" sz="1600" b="1" dirty="0" err="1" smtClean="0">
+                <a:solidFill>
+                  <a:srgbClr val="C00000"/>
+                </a:solidFill>
+                <a:latin typeface="Consolas" panose="020B0609020204030204" pitchFamily="49" charset="0"/>
+              </a:rPr>
+              <a:t>std</a:t>
+            </a:r>
+            <a:r>
+              <a:rPr lang="en-US" sz="1600" b="1" dirty="0" smtClean="0">
+                <a:solidFill>
+                  <a:srgbClr val="C00000"/>
+                </a:solidFill>
+                <a:latin typeface="Consolas" panose="020B0609020204030204" pitchFamily="49" charset="0"/>
+              </a:rPr>
+              <a:t>::</a:t>
+            </a:r>
+            <a:r>
+              <a:rPr lang="en-US" sz="1600" b="1" dirty="0" err="1" smtClean="0">
+                <a:solidFill>
+                  <a:srgbClr val="C00000"/>
+                </a:solidFill>
+                <a:latin typeface="Consolas" panose="020B0609020204030204" pitchFamily="49" charset="0"/>
+              </a:rPr>
+              <a:t>blocked_range</a:t>
+            </a:r>
+            <a:r>
+              <a:rPr lang="en-US" sz="1600" b="1" dirty="0" smtClean="0">
+                <a:solidFill>
+                  <a:srgbClr val="C00000"/>
+                </a:solidFill>
+                <a:latin typeface="Consolas" panose="020B0609020204030204" pitchFamily="49" charset="0"/>
+              </a:rPr>
+              <a:t>&lt;</a:t>
+            </a:r>
+            <a:r>
+              <a:rPr lang="en-US" sz="1600" b="1" dirty="0" err="1" smtClean="0">
+                <a:solidFill>
+                  <a:srgbClr val="C00000"/>
+                </a:solidFill>
+                <a:latin typeface="Consolas" panose="020B0609020204030204" pitchFamily="49" charset="0"/>
+              </a:rPr>
+              <a:t>std</a:t>
+            </a:r>
+            <a:r>
+              <a:rPr lang="en-US" sz="1600" b="1" dirty="0" smtClean="0">
+                <a:solidFill>
+                  <a:srgbClr val="C00000"/>
+                </a:solidFill>
+                <a:latin typeface="Consolas" panose="020B0609020204030204" pitchFamily="49" charset="0"/>
+              </a:rPr>
+              <a:t>::</a:t>
+            </a:r>
+            <a:r>
+              <a:rPr lang="en-US" sz="1600" b="1" dirty="0" err="1" smtClean="0">
+                <a:solidFill>
+                  <a:srgbClr val="C00000"/>
+                </a:solidFill>
+                <a:latin typeface="Consolas" panose="020B0609020204030204" pitchFamily="49" charset="0"/>
+              </a:rPr>
+              <a:t>size_t</a:t>
+            </a:r>
+            <a:r>
+              <a:rPr lang="en-US" sz="1600" b="1" dirty="0" smtClean="0">
+                <a:solidFill>
+                  <a:srgbClr val="C00000"/>
+                </a:solidFill>
+                <a:latin typeface="Consolas" panose="020B0609020204030204" pitchFamily="49" charset="0"/>
+              </a:rPr>
+              <a:t>&gt;(0ul, </a:t>
+            </a:r>
+            <a:r>
+              <a:rPr lang="en-US" sz="1600" b="1" dirty="0" err="1">
+                <a:solidFill>
+                  <a:srgbClr val="C00000"/>
+                </a:solidFill>
+                <a:latin typeface="Consolas" panose="020B0609020204030204" pitchFamily="49" charset="0"/>
+              </a:rPr>
+              <a:t>data.size</a:t>
+            </a:r>
+            <a:r>
+              <a:rPr lang="en-US" sz="1600" b="1" dirty="0" smtClean="0">
+                <a:solidFill>
+                  <a:srgbClr val="C00000"/>
+                </a:solidFill>
+                <a:latin typeface="Consolas" panose="020B0609020204030204" pitchFamily="49" charset="0"/>
+              </a:rPr>
+              <a:t>(), </a:t>
+            </a:r>
+            <a:r>
+              <a:rPr lang="en-US" sz="1600" b="1" dirty="0" err="1" smtClean="0">
+                <a:solidFill>
+                  <a:srgbClr val="C00000"/>
+                </a:solidFill>
+                <a:latin typeface="Consolas" panose="020B0609020204030204" pitchFamily="49" charset="0"/>
+              </a:rPr>
+              <a:t>grain_size</a:t>
+            </a:r>
+            <a:r>
+              <a:rPr lang="en-US" sz="1600" b="1" dirty="0" smtClean="0">
+                <a:solidFill>
+                  <a:srgbClr val="C00000"/>
+                </a:solidFill>
+                <a:latin typeface="Consolas" panose="020B0609020204030204" pitchFamily="49" charset="0"/>
+              </a:rPr>
+              <a:t>),</a:t>
+            </a:r>
+            <a:endParaRPr lang="en-US" sz="1600" b="1" dirty="0">
+              <a:solidFill>
+                <a:srgbClr val="C00000"/>
+              </a:solidFill>
+              <a:latin typeface="Consolas" panose="020B0609020204030204" pitchFamily="49" charset="0"/>
+            </a:endParaRPr>
+          </a:p>
+          <a:p>
+            <a:r>
+              <a:rPr lang="en-US" sz="1600" b="1" dirty="0">
+                <a:solidFill>
+                  <a:srgbClr val="C00000"/>
+                </a:solidFill>
+                <a:latin typeface="Consolas" panose="020B0609020204030204" pitchFamily="49" charset="0"/>
+              </a:rPr>
+              <a:t>                      [&amp;data] </a:t>
+            </a:r>
+            <a:r>
+              <a:rPr lang="en-US" sz="1600" b="1" dirty="0" smtClean="0">
+                <a:solidFill>
+                  <a:srgbClr val="C00000"/>
+                </a:solidFill>
+                <a:latin typeface="Consolas" panose="020B0609020204030204" pitchFamily="49" charset="0"/>
+              </a:rPr>
+              <a:t>(</a:t>
+            </a:r>
+            <a:r>
+              <a:rPr lang="en-US" sz="1600" b="1" dirty="0" err="1" smtClean="0">
+                <a:solidFill>
+                  <a:srgbClr val="C00000"/>
+                </a:solidFill>
+                <a:latin typeface="Consolas" panose="020B0609020204030204" pitchFamily="49" charset="0"/>
+              </a:rPr>
+              <a:t>const</a:t>
+            </a:r>
+            <a:r>
+              <a:rPr lang="en-US" sz="1600" b="1" dirty="0" smtClean="0">
+                <a:solidFill>
+                  <a:srgbClr val="C00000"/>
+                </a:solidFill>
+                <a:latin typeface="Consolas" panose="020B0609020204030204" pitchFamily="49" charset="0"/>
+              </a:rPr>
+              <a:t> </a:t>
+            </a:r>
+            <a:r>
+              <a:rPr lang="en-US" sz="1600" b="1" dirty="0" err="1" smtClean="0">
+                <a:solidFill>
+                  <a:srgbClr val="C00000"/>
+                </a:solidFill>
+                <a:latin typeface="Consolas" panose="020B0609020204030204" pitchFamily="49" charset="0"/>
+              </a:rPr>
+              <a:t>tbb:blocked_range</a:t>
+            </a:r>
+            <a:r>
+              <a:rPr lang="en-US" sz="1600" b="1" dirty="0" smtClean="0">
+                <a:solidFill>
+                  <a:srgbClr val="C00000"/>
+                </a:solidFill>
+                <a:latin typeface="Consolas" panose="020B0609020204030204" pitchFamily="49" charset="0"/>
+              </a:rPr>
+              <a:t>&lt;</a:t>
+            </a:r>
+            <a:r>
+              <a:rPr lang="en-US" sz="1600" b="1" dirty="0" err="1" smtClean="0">
+                <a:solidFill>
+                  <a:srgbClr val="C00000"/>
+                </a:solidFill>
+                <a:latin typeface="Consolas" panose="020B0609020204030204" pitchFamily="49" charset="0"/>
+              </a:rPr>
+              <a:t>std</a:t>
+            </a:r>
+            <a:r>
+              <a:rPr lang="en-US" sz="1600" b="1" dirty="0" smtClean="0">
+                <a:solidFill>
+                  <a:srgbClr val="C00000"/>
+                </a:solidFill>
+                <a:latin typeface="Consolas" panose="020B0609020204030204" pitchFamily="49" charset="0"/>
+              </a:rPr>
+              <a:t>::</a:t>
+            </a:r>
+            <a:r>
+              <a:rPr lang="en-US" sz="1600" b="1" dirty="0" err="1" smtClean="0">
+                <a:solidFill>
+                  <a:srgbClr val="C00000"/>
+                </a:solidFill>
+                <a:latin typeface="Consolas" panose="020B0609020204030204" pitchFamily="49" charset="0"/>
+              </a:rPr>
+              <a:t>size_t</a:t>
+            </a:r>
+            <a:r>
+              <a:rPr lang="en-US" sz="1600" b="1" dirty="0" smtClean="0">
+                <a:solidFill>
+                  <a:srgbClr val="C00000"/>
+                </a:solidFill>
+                <a:latin typeface="Consolas" panose="020B0609020204030204" pitchFamily="49" charset="0"/>
+              </a:rPr>
+              <a:t>&gt;&amp; range) {</a:t>
+            </a:r>
+          </a:p>
+          <a:p>
+            <a:r>
+              <a:rPr lang="en-US" sz="1600" b="1" dirty="0">
+                <a:solidFill>
+                  <a:srgbClr val="C00000"/>
+                </a:solidFill>
+                <a:latin typeface="Consolas" panose="020B0609020204030204" pitchFamily="49" charset="0"/>
+              </a:rPr>
+              <a:t> </a:t>
+            </a:r>
+            <a:r>
+              <a:rPr lang="en-US" sz="1600" b="1" dirty="0" smtClean="0">
+                <a:solidFill>
+                  <a:srgbClr val="C00000"/>
+                </a:solidFill>
+                <a:latin typeface="Consolas" panose="020B0609020204030204" pitchFamily="49" charset="0"/>
+              </a:rPr>
+              <a:t>                         for (</a:t>
+            </a:r>
+            <a:r>
+              <a:rPr lang="en-US" sz="1600" b="1" dirty="0" err="1" smtClean="0">
+                <a:solidFill>
+                  <a:srgbClr val="C00000"/>
+                </a:solidFill>
+                <a:latin typeface="Consolas" panose="020B0609020204030204" pitchFamily="49" charset="0"/>
+              </a:rPr>
+              <a:t>std</a:t>
+            </a:r>
+            <a:r>
+              <a:rPr lang="en-US" sz="1600" b="1" dirty="0" smtClean="0">
+                <a:solidFill>
+                  <a:srgbClr val="C00000"/>
+                </a:solidFill>
+                <a:latin typeface="Consolas" panose="020B0609020204030204" pitchFamily="49" charset="0"/>
+              </a:rPr>
+              <a:t>::</a:t>
+            </a:r>
+            <a:r>
+              <a:rPr lang="en-US" sz="1600" b="1" dirty="0" err="1" smtClean="0">
+                <a:solidFill>
+                  <a:srgbClr val="C00000"/>
+                </a:solidFill>
+                <a:latin typeface="Consolas" panose="020B0609020204030204" pitchFamily="49" charset="0"/>
+              </a:rPr>
+              <a:t>size_t</a:t>
+            </a:r>
+            <a:r>
+              <a:rPr lang="en-US" sz="1600" b="1" dirty="0" smtClean="0">
+                <a:solidFill>
+                  <a:srgbClr val="C00000"/>
+                </a:solidFill>
+                <a:latin typeface="Consolas" panose="020B0609020204030204" pitchFamily="49" charset="0"/>
+              </a:rPr>
+              <a:t> </a:t>
+            </a:r>
+            <a:r>
+              <a:rPr lang="en-US" sz="1600" b="1" dirty="0" err="1" smtClean="0">
+                <a:solidFill>
+                  <a:srgbClr val="C00000"/>
+                </a:solidFill>
+                <a:latin typeface="Consolas" panose="020B0609020204030204" pitchFamily="49" charset="0"/>
+              </a:rPr>
+              <a:t>i</a:t>
+            </a:r>
+            <a:r>
+              <a:rPr lang="en-US" sz="1600" b="1" dirty="0" smtClean="0">
+                <a:solidFill>
+                  <a:srgbClr val="C00000"/>
+                </a:solidFill>
+                <a:latin typeface="Consolas" panose="020B0609020204030204" pitchFamily="49" charset="0"/>
+              </a:rPr>
+              <a:t> = </a:t>
+            </a:r>
+            <a:r>
+              <a:rPr lang="en-US" sz="1600" b="1" dirty="0" err="1" smtClean="0">
+                <a:solidFill>
+                  <a:srgbClr val="C00000"/>
+                </a:solidFill>
+                <a:latin typeface="Consolas" panose="020B0609020204030204" pitchFamily="49" charset="0"/>
+              </a:rPr>
+              <a:t>range.begin</a:t>
+            </a:r>
+            <a:r>
+              <a:rPr lang="en-US" sz="1600" b="1" dirty="0" smtClean="0">
+                <a:solidFill>
+                  <a:srgbClr val="C00000"/>
+                </a:solidFill>
+                <a:latin typeface="Consolas" panose="020B0609020204030204" pitchFamily="49" charset="0"/>
+              </a:rPr>
+              <a:t>(); </a:t>
+            </a:r>
+            <a:r>
+              <a:rPr lang="en-US" sz="1600" b="1" dirty="0" err="1" smtClean="0">
+                <a:solidFill>
+                  <a:srgbClr val="C00000"/>
+                </a:solidFill>
+                <a:latin typeface="Consolas" panose="020B0609020204030204" pitchFamily="49" charset="0"/>
+              </a:rPr>
+              <a:t>i</a:t>
+            </a:r>
+            <a:r>
+              <a:rPr lang="en-US" sz="1600" b="1" dirty="0" smtClean="0">
+                <a:solidFill>
+                  <a:srgbClr val="C00000"/>
+                </a:solidFill>
+                <a:latin typeface="Consolas" panose="020B0609020204030204" pitchFamily="49" charset="0"/>
+              </a:rPr>
+              <a:t> &lt; </a:t>
+            </a:r>
+            <a:r>
+              <a:rPr lang="en-US" sz="1600" b="1" dirty="0" err="1" smtClean="0">
+                <a:solidFill>
+                  <a:srgbClr val="C00000"/>
+                </a:solidFill>
+                <a:latin typeface="Consolas" panose="020B0609020204030204" pitchFamily="49" charset="0"/>
+              </a:rPr>
+              <a:t>range.end</a:t>
+            </a:r>
+            <a:r>
+              <a:rPr lang="en-US" sz="1600" b="1" dirty="0" smtClean="0">
+                <a:solidFill>
+                  <a:srgbClr val="C00000"/>
+                </a:solidFill>
+                <a:latin typeface="Consolas" panose="020B0609020204030204" pitchFamily="49" charset="0"/>
+              </a:rPr>
+              <a:t>(); ++</a:t>
+            </a:r>
+            <a:r>
+              <a:rPr lang="en-US" sz="1600" b="1" dirty="0" err="1" smtClean="0">
+                <a:solidFill>
+                  <a:srgbClr val="C00000"/>
+                </a:solidFill>
+                <a:latin typeface="Consolas" panose="020B0609020204030204" pitchFamily="49" charset="0"/>
+              </a:rPr>
+              <a:t>i</a:t>
+            </a:r>
+            <a:r>
+              <a:rPr lang="en-US" sz="1600" b="1" dirty="0" smtClean="0">
+                <a:solidFill>
+                  <a:srgbClr val="C00000"/>
+                </a:solidFill>
+                <a:latin typeface="Consolas" panose="020B0609020204030204" pitchFamily="49" charset="0"/>
+              </a:rPr>
+              <a:t>)</a:t>
+            </a:r>
+          </a:p>
+          <a:p>
+            <a:r>
+              <a:rPr lang="en-US" sz="1600" b="1" dirty="0">
+                <a:solidFill>
+                  <a:srgbClr val="C00000"/>
+                </a:solidFill>
+                <a:latin typeface="Consolas" panose="020B0609020204030204" pitchFamily="49" charset="0"/>
+              </a:rPr>
+              <a:t> </a:t>
+            </a:r>
+            <a:r>
+              <a:rPr lang="en-US" sz="1600" b="1" dirty="0" smtClean="0">
+                <a:solidFill>
+                  <a:srgbClr val="C00000"/>
+                </a:solidFill>
+                <a:latin typeface="Consolas" panose="020B0609020204030204" pitchFamily="49" charset="0"/>
+              </a:rPr>
+              <a:t>                             data[</a:t>
+            </a:r>
+            <a:r>
+              <a:rPr lang="en-US" sz="1600" b="1" dirty="0" err="1" smtClean="0">
+                <a:solidFill>
+                  <a:srgbClr val="C00000"/>
+                </a:solidFill>
+                <a:latin typeface="Consolas" panose="020B0609020204030204" pitchFamily="49" charset="0"/>
+              </a:rPr>
+              <a:t>i</a:t>
+            </a:r>
+            <a:r>
+              <a:rPr lang="en-US" sz="1600" b="1" dirty="0">
+                <a:solidFill>
+                  <a:srgbClr val="C00000"/>
+                </a:solidFill>
+                <a:latin typeface="Consolas" panose="020B0609020204030204" pitchFamily="49" charset="0"/>
+              </a:rPr>
+              <a:t>] = data[</a:t>
+            </a:r>
+            <a:r>
+              <a:rPr lang="en-US" sz="1600" b="1" dirty="0" err="1">
+                <a:solidFill>
+                  <a:srgbClr val="C00000"/>
+                </a:solidFill>
+                <a:latin typeface="Consolas" panose="020B0609020204030204" pitchFamily="49" charset="0"/>
+              </a:rPr>
+              <a:t>i</a:t>
+            </a:r>
+            <a:r>
+              <a:rPr lang="en-US" sz="1600" b="1" dirty="0">
+                <a:solidFill>
+                  <a:srgbClr val="C00000"/>
+                </a:solidFill>
+                <a:latin typeface="Consolas" panose="020B0609020204030204" pitchFamily="49" charset="0"/>
+              </a:rPr>
+              <a:t>]*data[</a:t>
+            </a:r>
+            <a:r>
+              <a:rPr lang="en-US" sz="1600" b="1" dirty="0" err="1">
+                <a:solidFill>
+                  <a:srgbClr val="C00000"/>
+                </a:solidFill>
+                <a:latin typeface="Consolas" panose="020B0609020204030204" pitchFamily="49" charset="0"/>
+              </a:rPr>
+              <a:t>i</a:t>
+            </a:r>
+            <a:r>
+              <a:rPr lang="en-US" sz="1600" b="1" dirty="0">
+                <a:solidFill>
+                  <a:srgbClr val="C00000"/>
+                </a:solidFill>
+                <a:latin typeface="Consolas" panose="020B0609020204030204" pitchFamily="49" charset="0"/>
+              </a:rPr>
+              <a:t>]; });</a:t>
+            </a:r>
+          </a:p>
+          <a:p>
+            <a:endParaRPr lang="en-US" sz="1600" b="1" dirty="0" smtClean="0">
+              <a:solidFill>
+                <a:srgbClr val="C00000"/>
+              </a:solidFill>
+              <a:latin typeface="Consolas" panose="020B0609020204030204" pitchFamily="49" charset="0"/>
+            </a:endParaRPr>
+          </a:p>
+          <a:p>
+            <a:r>
+              <a:rPr lang="en-US" sz="1600" dirty="0" smtClean="0">
+                <a:latin typeface="Consolas" panose="020B0609020204030204" pitchFamily="49" charset="0"/>
+              </a:rPr>
+              <a:t>    …</a:t>
+            </a:r>
+            <a:endParaRPr lang="en-US" sz="1600" dirty="0">
+              <a:latin typeface="Consolas" panose="020B0609020204030204" pitchFamily="49" charset="0"/>
+            </a:endParaRPr>
+          </a:p>
+          <a:p>
+            <a:r>
+              <a:rPr lang="en-US" sz="1600" dirty="0">
+                <a:latin typeface="Consolas" panose="020B0609020204030204" pitchFamily="49" charset="0"/>
+              </a:rPr>
+              <a:t>    return 0;</a:t>
+            </a:r>
+          </a:p>
+          <a:p>
+            <a:r>
+              <a:rPr lang="en-US" sz="1600" dirty="0">
+                <a:latin typeface="Consolas" panose="020B0609020204030204" pitchFamily="49" charset="0"/>
+              </a:rPr>
+              <a:t>}</a:t>
+            </a:r>
+          </a:p>
+        </p:txBody>
+      </p:sp>
+      <p:cxnSp>
+        <p:nvCxnSpPr>
+          <p:cNvPr id="14" name="Straight Connector 13"/>
+          <p:cNvCxnSpPr/>
+          <p:nvPr/>
+        </p:nvCxnSpPr>
+        <p:spPr>
+          <a:xfrm>
+            <a:off x="2067787" y="5532271"/>
+            <a:ext cx="644236" cy="0"/>
+          </a:xfrm>
+          <a:prstGeom prst="line">
+            <a:avLst/>
+          </a:prstGeom>
+        </p:spPr>
+        <p:style>
+          <a:lnRef idx="1">
+            <a:schemeClr val="accent1"/>
+          </a:lnRef>
+          <a:fillRef idx="0">
+            <a:schemeClr val="accent1"/>
+          </a:fillRef>
+          <a:effectRef idx="0">
+            <a:schemeClr val="accent1"/>
+          </a:effectRef>
+          <a:fontRef idx="minor">
+            <a:schemeClr val="tx1"/>
+          </a:fontRef>
+        </p:style>
+      </p:cxnSp>
+      <p:cxnSp>
+        <p:nvCxnSpPr>
+          <p:cNvPr id="15" name="Straight Connector 14"/>
+          <p:cNvCxnSpPr/>
+          <p:nvPr/>
+        </p:nvCxnSpPr>
+        <p:spPr>
+          <a:xfrm>
+            <a:off x="2045623" y="5249638"/>
+            <a:ext cx="644236" cy="0"/>
+          </a:xfrm>
+          <a:prstGeom prst="line">
+            <a:avLst/>
+          </a:prstGeom>
+        </p:spPr>
+        <p:style>
+          <a:lnRef idx="1">
+            <a:schemeClr val="accent1"/>
+          </a:lnRef>
+          <a:fillRef idx="0">
+            <a:schemeClr val="accent1"/>
+          </a:fillRef>
+          <a:effectRef idx="0">
+            <a:schemeClr val="accent1"/>
+          </a:effectRef>
+          <a:fontRef idx="minor">
+            <a:schemeClr val="tx1"/>
+          </a:fontRef>
+        </p:style>
+      </p:cxnSp>
+      <p:sp>
+        <p:nvSpPr>
+          <p:cNvPr id="29" name="Rectangle 28"/>
+          <p:cNvSpPr/>
+          <p:nvPr/>
+        </p:nvSpPr>
+        <p:spPr>
+          <a:xfrm>
+            <a:off x="3321625" y="5262262"/>
+            <a:ext cx="647009" cy="282633"/>
+          </a:xfrm>
+          <a:prstGeom prst="rect">
+            <a:avLst/>
+          </a:prstGeom>
+        </p:spPr>
+        <p:style>
+          <a:lnRef idx="2">
+            <a:schemeClr val="accent1">
+              <a:shade val="50000"/>
+            </a:schemeClr>
+          </a:lnRef>
+          <a:fillRef idx="1">
+            <a:schemeClr val="accent1"/>
+          </a:fillRef>
+          <a:effectRef idx="0">
+            <a:schemeClr val="accent1"/>
+          </a:effectRef>
+          <a:fontRef idx="minor">
+            <a:schemeClr val="lt1"/>
+          </a:fontRef>
+        </p:style>
+        <p:txBody>
+          <a:bodyPr rtlCol="0" anchor="ctr"/>
+          <a:lstStyle/>
+          <a:p>
+            <a:pPr algn="ctr"/>
+            <a:r>
+              <a:rPr lang="en-US" dirty="0" smtClean="0"/>
+              <a:t>1000</a:t>
+            </a:r>
+            <a:endParaRPr lang="en-US" dirty="0"/>
+          </a:p>
+        </p:txBody>
+      </p:sp>
+      <p:sp>
+        <p:nvSpPr>
+          <p:cNvPr id="31" name="Rectangle 30"/>
+          <p:cNvSpPr/>
+          <p:nvPr/>
+        </p:nvSpPr>
+        <p:spPr>
+          <a:xfrm>
+            <a:off x="8208812" y="5249638"/>
+            <a:ext cx="647009" cy="282633"/>
+          </a:xfrm>
+          <a:prstGeom prst="rect">
+            <a:avLst/>
+          </a:prstGeom>
+        </p:spPr>
+        <p:style>
+          <a:lnRef idx="2">
+            <a:schemeClr val="accent1">
+              <a:shade val="50000"/>
+            </a:schemeClr>
+          </a:lnRef>
+          <a:fillRef idx="1">
+            <a:schemeClr val="accent1"/>
+          </a:fillRef>
+          <a:effectRef idx="0">
+            <a:schemeClr val="accent1"/>
+          </a:effectRef>
+          <a:fontRef idx="minor">
+            <a:schemeClr val="lt1"/>
+          </a:fontRef>
+        </p:style>
+        <p:txBody>
+          <a:bodyPr rtlCol="0" anchor="ctr"/>
+          <a:lstStyle/>
+          <a:p>
+            <a:pPr algn="ctr"/>
+            <a:r>
+              <a:rPr lang="en-US" dirty="0" smtClean="0"/>
+              <a:t>9999</a:t>
+            </a:r>
+            <a:endParaRPr lang="en-US" dirty="0"/>
+          </a:p>
+        </p:txBody>
+      </p:sp>
+      <p:sp>
+        <p:nvSpPr>
+          <p:cNvPr id="32" name="Rectangle 31"/>
+          <p:cNvSpPr/>
+          <p:nvPr/>
+        </p:nvSpPr>
+        <p:spPr>
+          <a:xfrm>
+            <a:off x="1433944" y="5257952"/>
+            <a:ext cx="647009" cy="282633"/>
+          </a:xfrm>
+          <a:prstGeom prst="rect">
+            <a:avLst/>
+          </a:prstGeom>
+        </p:spPr>
+        <p:style>
+          <a:lnRef idx="2">
+            <a:schemeClr val="accent1">
+              <a:shade val="50000"/>
+            </a:schemeClr>
+          </a:lnRef>
+          <a:fillRef idx="1">
+            <a:schemeClr val="accent1"/>
+          </a:fillRef>
+          <a:effectRef idx="0">
+            <a:schemeClr val="accent1"/>
+          </a:effectRef>
+          <a:fontRef idx="minor">
+            <a:schemeClr val="lt1"/>
+          </a:fontRef>
+        </p:style>
+        <p:txBody>
+          <a:bodyPr rtlCol="0" anchor="ctr"/>
+          <a:lstStyle/>
+          <a:p>
+            <a:pPr algn="ctr"/>
+            <a:r>
+              <a:rPr lang="en-US" dirty="0" smtClean="0"/>
+              <a:t>   0</a:t>
+            </a:r>
+            <a:endParaRPr lang="en-US" dirty="0"/>
+          </a:p>
+        </p:txBody>
+      </p:sp>
+      <p:sp>
+        <p:nvSpPr>
+          <p:cNvPr id="33" name="Rectangle 32"/>
+          <p:cNvSpPr/>
+          <p:nvPr/>
+        </p:nvSpPr>
+        <p:spPr>
+          <a:xfrm>
+            <a:off x="2712023" y="5257952"/>
+            <a:ext cx="647009" cy="282633"/>
+          </a:xfrm>
+          <a:prstGeom prst="rect">
+            <a:avLst/>
+          </a:prstGeom>
+        </p:spPr>
+        <p:style>
+          <a:lnRef idx="2">
+            <a:schemeClr val="accent1">
+              <a:shade val="50000"/>
+            </a:schemeClr>
+          </a:lnRef>
+          <a:fillRef idx="1">
+            <a:schemeClr val="accent1"/>
+          </a:fillRef>
+          <a:effectRef idx="0">
+            <a:schemeClr val="accent1"/>
+          </a:effectRef>
+          <a:fontRef idx="minor">
+            <a:schemeClr val="lt1"/>
+          </a:fontRef>
+        </p:style>
+        <p:txBody>
+          <a:bodyPr rtlCol="0" anchor="ctr"/>
+          <a:lstStyle/>
+          <a:p>
+            <a:pPr algn="ctr"/>
+            <a:r>
+              <a:rPr lang="en-US" dirty="0" smtClean="0"/>
+              <a:t> 999</a:t>
+            </a:r>
+            <a:endParaRPr lang="en-US" dirty="0"/>
+          </a:p>
+        </p:txBody>
+      </p:sp>
+      <p:sp>
+        <p:nvSpPr>
+          <p:cNvPr id="34" name="Rectangle 33"/>
+          <p:cNvSpPr/>
+          <p:nvPr/>
+        </p:nvSpPr>
+        <p:spPr>
+          <a:xfrm>
+            <a:off x="4620142" y="5266572"/>
+            <a:ext cx="647009" cy="282633"/>
+          </a:xfrm>
+          <a:prstGeom prst="rect">
+            <a:avLst/>
+          </a:prstGeom>
+        </p:spPr>
+        <p:style>
+          <a:lnRef idx="2">
+            <a:schemeClr val="accent1">
+              <a:shade val="50000"/>
+            </a:schemeClr>
+          </a:lnRef>
+          <a:fillRef idx="1">
+            <a:schemeClr val="accent1"/>
+          </a:fillRef>
+          <a:effectRef idx="0">
+            <a:schemeClr val="accent1"/>
+          </a:effectRef>
+          <a:fontRef idx="minor">
+            <a:schemeClr val="lt1"/>
+          </a:fontRef>
+        </p:style>
+        <p:txBody>
+          <a:bodyPr rtlCol="0" anchor="ctr"/>
+          <a:lstStyle/>
+          <a:p>
+            <a:pPr algn="ctr"/>
+            <a:r>
+              <a:rPr lang="en-US" dirty="0" smtClean="0"/>
+              <a:t>1999</a:t>
+            </a:r>
+            <a:endParaRPr lang="en-US" dirty="0"/>
+          </a:p>
+        </p:txBody>
+      </p:sp>
+      <p:sp>
+        <p:nvSpPr>
+          <p:cNvPr id="35" name="Rectangle 34"/>
+          <p:cNvSpPr/>
+          <p:nvPr/>
+        </p:nvSpPr>
+        <p:spPr>
+          <a:xfrm>
+            <a:off x="5267151" y="5257951"/>
+            <a:ext cx="647009" cy="282633"/>
+          </a:xfrm>
+          <a:prstGeom prst="rect">
+            <a:avLst/>
+          </a:prstGeom>
+        </p:spPr>
+        <p:style>
+          <a:lnRef idx="2">
+            <a:schemeClr val="accent1">
+              <a:shade val="50000"/>
+            </a:schemeClr>
+          </a:lnRef>
+          <a:fillRef idx="1">
+            <a:schemeClr val="accent1"/>
+          </a:fillRef>
+          <a:effectRef idx="0">
+            <a:schemeClr val="accent1"/>
+          </a:effectRef>
+          <a:fontRef idx="minor">
+            <a:schemeClr val="lt1"/>
+          </a:fontRef>
+        </p:style>
+        <p:txBody>
+          <a:bodyPr rtlCol="0" anchor="ctr"/>
+          <a:lstStyle/>
+          <a:p>
+            <a:pPr algn="ctr"/>
+            <a:r>
+              <a:rPr lang="en-US" dirty="0"/>
+              <a:t>2</a:t>
+            </a:r>
+            <a:r>
+              <a:rPr lang="en-US" dirty="0" smtClean="0"/>
+              <a:t>000</a:t>
+            </a:r>
+            <a:endParaRPr lang="en-US" dirty="0"/>
+          </a:p>
+        </p:txBody>
+      </p:sp>
+      <p:cxnSp>
+        <p:nvCxnSpPr>
+          <p:cNvPr id="36" name="Straight Connector 35"/>
+          <p:cNvCxnSpPr/>
+          <p:nvPr/>
+        </p:nvCxnSpPr>
+        <p:spPr>
+          <a:xfrm>
+            <a:off x="3936767" y="5547665"/>
+            <a:ext cx="793175" cy="0"/>
+          </a:xfrm>
+          <a:prstGeom prst="line">
+            <a:avLst/>
+          </a:prstGeom>
+        </p:spPr>
+        <p:style>
+          <a:lnRef idx="1">
+            <a:schemeClr val="accent1"/>
+          </a:lnRef>
+          <a:fillRef idx="0">
+            <a:schemeClr val="accent1"/>
+          </a:fillRef>
+          <a:effectRef idx="0">
+            <a:schemeClr val="accent1"/>
+          </a:effectRef>
+          <a:fontRef idx="minor">
+            <a:schemeClr val="tx1"/>
+          </a:fontRef>
+        </p:style>
+      </p:cxnSp>
+      <p:cxnSp>
+        <p:nvCxnSpPr>
+          <p:cNvPr id="37" name="Straight Connector 36"/>
+          <p:cNvCxnSpPr/>
+          <p:nvPr/>
+        </p:nvCxnSpPr>
+        <p:spPr>
+          <a:xfrm>
+            <a:off x="3914603" y="5265032"/>
+            <a:ext cx="705539" cy="0"/>
+          </a:xfrm>
+          <a:prstGeom prst="line">
+            <a:avLst/>
+          </a:prstGeom>
+        </p:spPr>
+        <p:style>
+          <a:lnRef idx="1">
+            <a:schemeClr val="accent1"/>
+          </a:lnRef>
+          <a:fillRef idx="0">
+            <a:schemeClr val="accent1"/>
+          </a:fillRef>
+          <a:effectRef idx="0">
+            <a:schemeClr val="accent1"/>
+          </a:effectRef>
+          <a:fontRef idx="minor">
+            <a:schemeClr val="tx1"/>
+          </a:fontRef>
+        </p:style>
+      </p:cxnSp>
+      <p:cxnSp>
+        <p:nvCxnSpPr>
+          <p:cNvPr id="38" name="Straight Connector 37"/>
+          <p:cNvCxnSpPr/>
+          <p:nvPr/>
+        </p:nvCxnSpPr>
+        <p:spPr>
+          <a:xfrm>
+            <a:off x="5822719" y="5538120"/>
+            <a:ext cx="2386093" cy="0"/>
+          </a:xfrm>
+          <a:prstGeom prst="line">
+            <a:avLst/>
+          </a:prstGeom>
+        </p:spPr>
+        <p:style>
+          <a:lnRef idx="1">
+            <a:schemeClr val="accent1"/>
+          </a:lnRef>
+          <a:fillRef idx="0">
+            <a:schemeClr val="accent1"/>
+          </a:fillRef>
+          <a:effectRef idx="0">
+            <a:schemeClr val="accent1"/>
+          </a:effectRef>
+          <a:fontRef idx="minor">
+            <a:schemeClr val="tx1"/>
+          </a:fontRef>
+        </p:style>
+      </p:cxnSp>
+      <p:cxnSp>
+        <p:nvCxnSpPr>
+          <p:cNvPr id="39" name="Straight Connector 38"/>
+          <p:cNvCxnSpPr/>
+          <p:nvPr/>
+        </p:nvCxnSpPr>
+        <p:spPr>
+          <a:xfrm>
+            <a:off x="5800555" y="5255487"/>
+            <a:ext cx="2408257" cy="0"/>
+          </a:xfrm>
+          <a:prstGeom prst="line">
+            <a:avLst/>
+          </a:prstGeom>
+        </p:spPr>
+        <p:style>
+          <a:lnRef idx="1">
+            <a:schemeClr val="accent1"/>
+          </a:lnRef>
+          <a:fillRef idx="0">
+            <a:schemeClr val="accent1"/>
+          </a:fillRef>
+          <a:effectRef idx="0">
+            <a:schemeClr val="accent1"/>
+          </a:effectRef>
+          <a:fontRef idx="minor">
+            <a:schemeClr val="tx1"/>
+          </a:fontRef>
+        </p:style>
+      </p:cxnSp>
+      <p:sp>
+        <p:nvSpPr>
+          <p:cNvPr id="42" name="TextBox 41"/>
+          <p:cNvSpPr txBox="1"/>
+          <p:nvPr/>
+        </p:nvSpPr>
+        <p:spPr>
+          <a:xfrm>
+            <a:off x="2260308" y="5162939"/>
+            <a:ext cx="343364" cy="369332"/>
+          </a:xfrm>
+          <a:prstGeom prst="rect">
+            <a:avLst/>
+          </a:prstGeom>
+          <a:noFill/>
+        </p:spPr>
+        <p:txBody>
+          <a:bodyPr wrap="none" rtlCol="0">
+            <a:spAutoFit/>
+          </a:bodyPr>
+          <a:lstStyle/>
+          <a:p>
+            <a:r>
+              <a:rPr lang="en-US" dirty="0" smtClean="0"/>
+              <a:t>…</a:t>
+            </a:r>
+            <a:endParaRPr lang="en-US" dirty="0"/>
+          </a:p>
+        </p:txBody>
+      </p:sp>
+      <p:sp>
+        <p:nvSpPr>
+          <p:cNvPr id="43" name="TextBox 42"/>
+          <p:cNvSpPr txBox="1"/>
+          <p:nvPr/>
+        </p:nvSpPr>
+        <p:spPr>
+          <a:xfrm>
+            <a:off x="4142107" y="5171252"/>
+            <a:ext cx="343364" cy="369332"/>
+          </a:xfrm>
+          <a:prstGeom prst="rect">
+            <a:avLst/>
+          </a:prstGeom>
+          <a:noFill/>
+        </p:spPr>
+        <p:txBody>
+          <a:bodyPr wrap="none" rtlCol="0">
+            <a:spAutoFit/>
+          </a:bodyPr>
+          <a:lstStyle/>
+          <a:p>
+            <a:r>
+              <a:rPr lang="en-US" dirty="0" smtClean="0"/>
+              <a:t>…</a:t>
+            </a:r>
+            <a:endParaRPr lang="en-US" dirty="0"/>
+          </a:p>
+        </p:txBody>
+      </p:sp>
+      <p:sp>
+        <p:nvSpPr>
+          <p:cNvPr id="44" name="TextBox 43"/>
+          <p:cNvSpPr txBox="1"/>
+          <p:nvPr/>
+        </p:nvSpPr>
+        <p:spPr>
+          <a:xfrm>
+            <a:off x="6933035" y="5171252"/>
+            <a:ext cx="343364" cy="369332"/>
+          </a:xfrm>
+          <a:prstGeom prst="rect">
+            <a:avLst/>
+          </a:prstGeom>
+          <a:noFill/>
+        </p:spPr>
+        <p:txBody>
+          <a:bodyPr wrap="none" rtlCol="0">
+            <a:spAutoFit/>
+          </a:bodyPr>
+          <a:lstStyle/>
+          <a:p>
+            <a:r>
+              <a:rPr lang="en-US" dirty="0" smtClean="0"/>
+              <a:t>…</a:t>
+            </a:r>
+            <a:endParaRPr lang="en-US" dirty="0"/>
+          </a:p>
+        </p:txBody>
+      </p:sp>
+      <p:grpSp>
+        <p:nvGrpSpPr>
+          <p:cNvPr id="47" name="Group 46"/>
+          <p:cNvGrpSpPr/>
+          <p:nvPr/>
+        </p:nvGrpSpPr>
+        <p:grpSpPr>
+          <a:xfrm>
+            <a:off x="1438796" y="5628015"/>
+            <a:ext cx="1920236" cy="788186"/>
+            <a:chOff x="1438796" y="5628015"/>
+            <a:chExt cx="1920236" cy="788186"/>
+          </a:xfrm>
+        </p:grpSpPr>
+        <p:sp>
+          <p:nvSpPr>
+            <p:cNvPr id="45" name="Left Brace 44"/>
+            <p:cNvSpPr/>
+            <p:nvPr/>
+          </p:nvSpPr>
+          <p:spPr>
+            <a:xfrm rot="16200000">
+              <a:off x="2301313" y="4765498"/>
+              <a:ext cx="195201" cy="1920236"/>
+            </a:xfrm>
+            <a:prstGeom prst="leftBrace">
+              <a:avLst/>
+            </a:prstGeom>
+            <a:ln w="28575">
+              <a:solidFill>
+                <a:schemeClr val="tx1"/>
+              </a:solidFill>
+            </a:ln>
+          </p:spPr>
+          <p:style>
+            <a:lnRef idx="1">
+              <a:schemeClr val="accent1"/>
+            </a:lnRef>
+            <a:fillRef idx="0">
+              <a:schemeClr val="accent1"/>
+            </a:fillRef>
+            <a:effectRef idx="0">
+              <a:schemeClr val="accent1"/>
+            </a:effectRef>
+            <a:fontRef idx="minor">
+              <a:schemeClr val="tx1"/>
+            </a:fontRef>
+          </p:style>
+          <p:txBody>
+            <a:bodyPr rtlCol="0" anchor="ctr"/>
+            <a:lstStyle/>
+            <a:p>
+              <a:pPr algn="ctr"/>
+              <a:endParaRPr lang="en-US"/>
+            </a:p>
+          </p:txBody>
+        </p:sp>
+        <p:sp>
+          <p:nvSpPr>
+            <p:cNvPr id="46" name="TextBox 45"/>
+            <p:cNvSpPr txBox="1"/>
+            <p:nvPr/>
+          </p:nvSpPr>
+          <p:spPr>
+            <a:xfrm>
+              <a:off x="1833085" y="6046869"/>
+              <a:ext cx="1131656" cy="369332"/>
+            </a:xfrm>
+            <a:prstGeom prst="rect">
+              <a:avLst/>
+            </a:prstGeom>
+            <a:noFill/>
+          </p:spPr>
+          <p:txBody>
+            <a:bodyPr wrap="none" rtlCol="0">
+              <a:spAutoFit/>
+            </a:bodyPr>
+            <a:lstStyle/>
+            <a:p>
+              <a:r>
+                <a:rPr lang="en-US" dirty="0" smtClean="0"/>
+                <a:t>first range</a:t>
+              </a:r>
+              <a:endParaRPr lang="en-US" dirty="0"/>
+            </a:p>
+          </p:txBody>
+        </p:sp>
+      </p:grpSp>
+      <p:grpSp>
+        <p:nvGrpSpPr>
+          <p:cNvPr id="48" name="Group 47"/>
+          <p:cNvGrpSpPr/>
+          <p:nvPr/>
+        </p:nvGrpSpPr>
+        <p:grpSpPr>
+          <a:xfrm>
+            <a:off x="3359032" y="5628015"/>
+            <a:ext cx="1920236" cy="728335"/>
+            <a:chOff x="1438796" y="5628015"/>
+            <a:chExt cx="1920236" cy="728335"/>
+          </a:xfrm>
+        </p:grpSpPr>
+        <p:sp>
+          <p:nvSpPr>
+            <p:cNvPr id="49" name="Left Brace 48"/>
+            <p:cNvSpPr/>
+            <p:nvPr/>
+          </p:nvSpPr>
+          <p:spPr>
+            <a:xfrm rot="16200000">
+              <a:off x="2301313" y="4765498"/>
+              <a:ext cx="195201" cy="1920236"/>
+            </a:xfrm>
+            <a:prstGeom prst="leftBrace">
+              <a:avLst/>
+            </a:prstGeom>
+            <a:ln w="28575">
+              <a:solidFill>
+                <a:schemeClr val="tx1"/>
+              </a:solidFill>
+            </a:ln>
+          </p:spPr>
+          <p:style>
+            <a:lnRef idx="1">
+              <a:schemeClr val="accent1"/>
+            </a:lnRef>
+            <a:fillRef idx="0">
+              <a:schemeClr val="accent1"/>
+            </a:fillRef>
+            <a:effectRef idx="0">
+              <a:schemeClr val="accent1"/>
+            </a:effectRef>
+            <a:fontRef idx="minor">
+              <a:schemeClr val="tx1"/>
+            </a:fontRef>
+          </p:style>
+          <p:txBody>
+            <a:bodyPr rtlCol="0" anchor="ctr"/>
+            <a:lstStyle/>
+            <a:p>
+              <a:pPr algn="ctr"/>
+              <a:endParaRPr lang="en-US"/>
+            </a:p>
+          </p:txBody>
+        </p:sp>
+        <p:sp>
+          <p:nvSpPr>
+            <p:cNvPr id="50" name="TextBox 49"/>
+            <p:cNvSpPr txBox="1"/>
+            <p:nvPr/>
+          </p:nvSpPr>
+          <p:spPr>
+            <a:xfrm>
+              <a:off x="1676337" y="5987018"/>
+              <a:ext cx="1434432" cy="369332"/>
+            </a:xfrm>
+            <a:prstGeom prst="rect">
+              <a:avLst/>
+            </a:prstGeom>
+            <a:noFill/>
+          </p:spPr>
+          <p:txBody>
+            <a:bodyPr wrap="none" rtlCol="0">
+              <a:spAutoFit/>
+            </a:bodyPr>
+            <a:lstStyle/>
+            <a:p>
+              <a:r>
+                <a:rPr lang="en-US" dirty="0" smtClean="0"/>
+                <a:t>second range</a:t>
+              </a:r>
+              <a:endParaRPr lang="en-US" dirty="0"/>
+            </a:p>
+          </p:txBody>
+        </p:sp>
+      </p:grpSp>
+      <p:grpSp>
+        <p:nvGrpSpPr>
+          <p:cNvPr id="53" name="Group 52"/>
+          <p:cNvGrpSpPr/>
+          <p:nvPr/>
+        </p:nvGrpSpPr>
+        <p:grpSpPr>
+          <a:xfrm>
+            <a:off x="6938627" y="5628015"/>
+            <a:ext cx="1920236" cy="788186"/>
+            <a:chOff x="1438796" y="5628015"/>
+            <a:chExt cx="1920236" cy="788186"/>
+          </a:xfrm>
+        </p:grpSpPr>
+        <p:sp>
+          <p:nvSpPr>
+            <p:cNvPr id="54" name="Left Brace 53"/>
+            <p:cNvSpPr/>
+            <p:nvPr/>
+          </p:nvSpPr>
+          <p:spPr>
+            <a:xfrm rot="16200000">
+              <a:off x="2301313" y="4765498"/>
+              <a:ext cx="195201" cy="1920236"/>
+            </a:xfrm>
+            <a:prstGeom prst="leftBrace">
+              <a:avLst/>
+            </a:prstGeom>
+            <a:ln w="28575">
+              <a:solidFill>
+                <a:schemeClr val="tx1"/>
+              </a:solidFill>
+            </a:ln>
+          </p:spPr>
+          <p:style>
+            <a:lnRef idx="1">
+              <a:schemeClr val="accent1"/>
+            </a:lnRef>
+            <a:fillRef idx="0">
+              <a:schemeClr val="accent1"/>
+            </a:fillRef>
+            <a:effectRef idx="0">
+              <a:schemeClr val="accent1"/>
+            </a:effectRef>
+            <a:fontRef idx="minor">
+              <a:schemeClr val="tx1"/>
+            </a:fontRef>
+          </p:style>
+          <p:txBody>
+            <a:bodyPr rtlCol="0" anchor="ctr"/>
+            <a:lstStyle/>
+            <a:p>
+              <a:pPr algn="ctr"/>
+              <a:endParaRPr lang="en-US"/>
+            </a:p>
+          </p:txBody>
+        </p:sp>
+        <p:sp>
+          <p:nvSpPr>
+            <p:cNvPr id="55" name="TextBox 54"/>
+            <p:cNvSpPr txBox="1"/>
+            <p:nvPr/>
+          </p:nvSpPr>
+          <p:spPr>
+            <a:xfrm>
+              <a:off x="1849711" y="6046869"/>
+              <a:ext cx="1095556" cy="369332"/>
+            </a:xfrm>
+            <a:prstGeom prst="rect">
+              <a:avLst/>
+            </a:prstGeom>
+            <a:noFill/>
+          </p:spPr>
+          <p:txBody>
+            <a:bodyPr wrap="none" rtlCol="0">
+              <a:spAutoFit/>
+            </a:bodyPr>
+            <a:lstStyle/>
+            <a:p>
+              <a:r>
+                <a:rPr lang="en-US" dirty="0" smtClean="0"/>
+                <a:t>last range</a:t>
+              </a:r>
+              <a:endParaRPr lang="en-US" dirty="0"/>
+            </a:p>
+          </p:txBody>
+        </p:sp>
+      </p:grpSp>
+      <p:sp>
+        <p:nvSpPr>
+          <p:cNvPr id="58" name="TextBox 57"/>
+          <p:cNvSpPr txBox="1"/>
+          <p:nvPr/>
+        </p:nvSpPr>
+        <p:spPr>
+          <a:xfrm>
+            <a:off x="9173312" y="4486682"/>
+            <a:ext cx="2642440" cy="1200329"/>
+          </a:xfrm>
+          <a:prstGeom prst="rect">
+            <a:avLst/>
+          </a:prstGeom>
+        </p:spPr>
+        <p:style>
+          <a:lnRef idx="1">
+            <a:schemeClr val="accent2"/>
+          </a:lnRef>
+          <a:fillRef idx="2">
+            <a:schemeClr val="accent2"/>
+          </a:fillRef>
+          <a:effectRef idx="1">
+            <a:schemeClr val="accent2"/>
+          </a:effectRef>
+          <a:fontRef idx="minor">
+            <a:schemeClr val="dk1"/>
+          </a:fontRef>
+        </p:style>
+        <p:txBody>
+          <a:bodyPr wrap="square" rtlCol="0">
+            <a:spAutoFit/>
+          </a:bodyPr>
+          <a:lstStyle/>
+          <a:p>
+            <a:r>
+              <a:rPr lang="en-US" dirty="0" smtClean="0"/>
+              <a:t>blocked ranges divided</a:t>
+            </a:r>
+            <a:br>
+              <a:rPr lang="en-US" dirty="0" smtClean="0"/>
+            </a:br>
+            <a:r>
+              <a:rPr lang="en-US" dirty="0" smtClean="0"/>
+              <a:t>over thread pool, rule of thumb: 10,000 cycles per blocked range</a:t>
+            </a:r>
+            <a:endParaRPr lang="en-US" dirty="0"/>
+          </a:p>
+        </p:txBody>
+      </p:sp>
+    </p:spTree>
+    <p:extLst>
+      <p:ext uri="{BB962C8B-B14F-4D97-AF65-F5344CB8AC3E}">
+        <p14:creationId xmlns:p14="http://schemas.microsoft.com/office/powerpoint/2010/main" val="1641529233"/>
+      </p:ext>
+    </p:extLst>
+  </p:cSld>
+  <p:clrMapOvr>
+    <a:masterClrMapping/>
+  </p:clrMapOvr>
+  <p:timing>
+    <p:tnLst>
+      <p:par>
+        <p:cTn id="1" dur="indefinite" restart="never" nodeType="tmRoot"/>
+      </p:par>
+    </p:tnLst>
+  </p:timing>
+</p:sld>
+</file>
+
+<file path=ppt/slides/slide14.xml><?xml version="1.0" encoding="utf-8"?>
+<p:sld xmlns:a="http://schemas.openxmlformats.org/drawingml/2006/main" xmlns:r="http://schemas.openxmlformats.org/officeDocument/2006/relationships" xmlns:p="http://schemas.openxmlformats.org/presentationml/2006/main">
+  <p:cSld>
+    <p:spTree>
+      <p:nvGrpSpPr>
+        <p:cNvPr id="1" name=""/>
+        <p:cNvGrpSpPr/>
+        <p:nvPr/>
+      </p:nvGrpSpPr>
+      <p:grpSpPr>
+        <a:xfrm>
+          <a:off x="0" y="0"/>
+          <a:ext cx="0" cy="0"/>
+          <a:chOff x="0" y="0"/>
+          <a:chExt cx="0" cy="0"/>
+        </a:xfrm>
+      </p:grpSpPr>
+      <p:sp>
+        <p:nvSpPr>
+          <p:cNvPr id="2" name="Title 1"/>
+          <p:cNvSpPr>
+            <a:spLocks noGrp="1"/>
+          </p:cNvSpPr>
+          <p:nvPr>
+            <p:ph type="title"/>
+          </p:nvPr>
+        </p:nvSpPr>
+        <p:spPr/>
+        <p:txBody>
+          <a:bodyPr/>
+          <a:lstStyle/>
+          <a:p>
+            <a:r>
+              <a:rPr lang="en-US" dirty="0" err="1" smtClean="0"/>
+              <a:t>parallel_reduce</a:t>
+            </a:r>
+            <a:r>
+              <a:rPr lang="en-US" dirty="0" smtClean="0"/>
+              <a:t>: simplest form</a:t>
+            </a:r>
+            <a:endParaRPr lang="en-US" dirty="0"/>
+          </a:p>
+        </p:txBody>
+      </p:sp>
+      <p:sp>
+        <p:nvSpPr>
+          <p:cNvPr id="4" name="Slide Number Placeholder 3"/>
+          <p:cNvSpPr>
+            <a:spLocks noGrp="1"/>
+          </p:cNvSpPr>
+          <p:nvPr>
+            <p:ph type="sldNum" sz="quarter" idx="12"/>
+          </p:nvPr>
+        </p:nvSpPr>
+        <p:spPr/>
+        <p:txBody>
+          <a:bodyPr/>
+          <a:lstStyle/>
+          <a:p>
+            <a:fld id="{8A5772FA-F273-424C-AEFD-E3BF6973D60A}" type="slidenum">
+              <a:rPr lang="en-US" smtClean="0"/>
+              <a:t>14</a:t>
+            </a:fld>
+            <a:endParaRPr lang="en-US"/>
+          </a:p>
+        </p:txBody>
+      </p:sp>
+      <p:sp>
+        <p:nvSpPr>
+          <p:cNvPr id="5" name="TextBox 4"/>
+          <p:cNvSpPr txBox="1"/>
+          <p:nvPr/>
+        </p:nvSpPr>
+        <p:spPr>
+          <a:xfrm>
+            <a:off x="1458843" y="1478243"/>
+            <a:ext cx="8937062" cy="4770537"/>
+          </a:xfrm>
+          <a:prstGeom prst="rect">
+            <a:avLst/>
+          </a:prstGeom>
+          <a:solidFill>
+            <a:schemeClr val="bg1">
+              <a:lumMod val="85000"/>
+            </a:schemeClr>
+          </a:solidFill>
+          <a:ln>
+            <a:solidFill>
+              <a:schemeClr val="tx1"/>
+            </a:solidFill>
+          </a:ln>
+        </p:spPr>
+        <p:txBody>
+          <a:bodyPr wrap="none" rtlCol="0">
+            <a:spAutoFit/>
+          </a:bodyPr>
+          <a:lstStyle/>
+          <a:p>
+            <a:r>
+              <a:rPr lang="en-US" sz="1600" dirty="0">
+                <a:latin typeface="Consolas" panose="020B0609020204030204" pitchFamily="49" charset="0"/>
+              </a:rPr>
+              <a:t>#include &lt;algorithm&gt;</a:t>
+            </a:r>
+          </a:p>
+          <a:p>
+            <a:r>
+              <a:rPr lang="en-US" sz="1600" dirty="0">
+                <a:latin typeface="Consolas" panose="020B0609020204030204" pitchFamily="49" charset="0"/>
+              </a:rPr>
+              <a:t>#include &lt;</a:t>
+            </a:r>
+            <a:r>
+              <a:rPr lang="en-US" sz="1600" dirty="0" err="1">
+                <a:latin typeface="Consolas" panose="020B0609020204030204" pitchFamily="49" charset="0"/>
+              </a:rPr>
+              <a:t>iostream</a:t>
+            </a:r>
+            <a:r>
+              <a:rPr lang="en-US" sz="1600" dirty="0">
+                <a:latin typeface="Consolas" panose="020B0609020204030204" pitchFamily="49" charset="0"/>
+              </a:rPr>
+              <a:t>&gt;</a:t>
+            </a:r>
+          </a:p>
+          <a:p>
+            <a:r>
+              <a:rPr lang="en-US" sz="1600" dirty="0">
+                <a:latin typeface="Consolas" panose="020B0609020204030204" pitchFamily="49" charset="0"/>
+              </a:rPr>
+              <a:t>#include &lt;numeric&gt;</a:t>
+            </a:r>
+          </a:p>
+          <a:p>
+            <a:r>
+              <a:rPr lang="en-US" sz="1600" dirty="0">
+                <a:latin typeface="Consolas" panose="020B0609020204030204" pitchFamily="49" charset="0"/>
+              </a:rPr>
+              <a:t>#include &lt;</a:t>
+            </a:r>
+            <a:r>
+              <a:rPr lang="en-US" sz="1600" dirty="0" err="1">
+                <a:latin typeface="Consolas" panose="020B0609020204030204" pitchFamily="49" charset="0"/>
+              </a:rPr>
+              <a:t>tbb</a:t>
+            </a:r>
+            <a:r>
+              <a:rPr lang="en-US" sz="1600" dirty="0">
+                <a:latin typeface="Consolas" panose="020B0609020204030204" pitchFamily="49" charset="0"/>
+              </a:rPr>
+              <a:t>/</a:t>
+            </a:r>
+            <a:r>
+              <a:rPr lang="en-US" sz="1600" dirty="0" err="1">
+                <a:latin typeface="Consolas" panose="020B0609020204030204" pitchFamily="49" charset="0"/>
+              </a:rPr>
+              <a:t>tbb.h</a:t>
+            </a:r>
+            <a:r>
+              <a:rPr lang="en-US" sz="1600" dirty="0">
+                <a:latin typeface="Consolas" panose="020B0609020204030204" pitchFamily="49" charset="0"/>
+              </a:rPr>
+              <a:t>&gt;</a:t>
+            </a:r>
+          </a:p>
+          <a:p>
+            <a:r>
+              <a:rPr lang="en-US" sz="1600" dirty="0">
+                <a:latin typeface="Consolas" panose="020B0609020204030204" pitchFamily="49" charset="0"/>
+              </a:rPr>
+              <a:t>#include &lt;</a:t>
+            </a:r>
+            <a:r>
+              <a:rPr lang="en-US" sz="1600" dirty="0" err="1">
+                <a:latin typeface="Consolas" panose="020B0609020204030204" pitchFamily="49" charset="0"/>
+              </a:rPr>
+              <a:t>valarray</a:t>
+            </a:r>
+            <a:r>
+              <a:rPr lang="en-US" sz="1600" dirty="0">
+                <a:latin typeface="Consolas" panose="020B0609020204030204" pitchFamily="49" charset="0"/>
+              </a:rPr>
+              <a:t>&gt;</a:t>
+            </a:r>
+          </a:p>
+          <a:p>
+            <a:endParaRPr lang="en-US" sz="1600" dirty="0">
+              <a:latin typeface="Consolas" panose="020B0609020204030204" pitchFamily="49" charset="0"/>
+            </a:endParaRPr>
+          </a:p>
+          <a:p>
+            <a:r>
+              <a:rPr lang="en-US" sz="1600" dirty="0" err="1">
+                <a:latin typeface="Consolas" panose="020B0609020204030204" pitchFamily="49" charset="0"/>
+              </a:rPr>
+              <a:t>int</a:t>
+            </a:r>
+            <a:r>
+              <a:rPr lang="en-US" sz="1600" dirty="0">
+                <a:latin typeface="Consolas" panose="020B0609020204030204" pitchFamily="49" charset="0"/>
+              </a:rPr>
+              <a:t> main() {</a:t>
+            </a:r>
+          </a:p>
+          <a:p>
+            <a:r>
+              <a:rPr lang="en-US" sz="1600" dirty="0">
+                <a:latin typeface="Consolas" panose="020B0609020204030204" pitchFamily="49" charset="0"/>
+              </a:rPr>
+              <a:t>    </a:t>
+            </a:r>
+            <a:r>
+              <a:rPr lang="en-US" sz="1600" dirty="0" err="1">
+                <a:latin typeface="Consolas" panose="020B0609020204030204" pitchFamily="49" charset="0"/>
+              </a:rPr>
+              <a:t>std</a:t>
+            </a:r>
+            <a:r>
+              <a:rPr lang="en-US" sz="1600" dirty="0">
+                <a:latin typeface="Consolas" panose="020B0609020204030204" pitchFamily="49" charset="0"/>
+              </a:rPr>
+              <a:t>::</a:t>
+            </a:r>
+            <a:r>
+              <a:rPr lang="en-US" sz="1600" dirty="0" err="1">
+                <a:latin typeface="Consolas" panose="020B0609020204030204" pitchFamily="49" charset="0"/>
+              </a:rPr>
+              <a:t>valarray</a:t>
+            </a:r>
+            <a:r>
+              <a:rPr lang="en-US" sz="1600" dirty="0">
+                <a:latin typeface="Consolas" panose="020B0609020204030204" pitchFamily="49" charset="0"/>
+              </a:rPr>
+              <a:t>&lt;</a:t>
+            </a:r>
+            <a:r>
+              <a:rPr lang="en-US" sz="1600" dirty="0" err="1">
+                <a:latin typeface="Consolas" panose="020B0609020204030204" pitchFamily="49" charset="0"/>
+              </a:rPr>
+              <a:t>int</a:t>
+            </a:r>
+            <a:r>
+              <a:rPr lang="en-US" sz="1600" dirty="0">
+                <a:latin typeface="Consolas" panose="020B0609020204030204" pitchFamily="49" charset="0"/>
+              </a:rPr>
+              <a:t>&gt; </a:t>
+            </a:r>
+            <a:r>
+              <a:rPr lang="en-US" sz="1600" dirty="0" smtClean="0">
+                <a:latin typeface="Consolas" panose="020B0609020204030204" pitchFamily="49" charset="0"/>
+              </a:rPr>
+              <a:t>data(10000);</a:t>
+            </a:r>
+            <a:endParaRPr lang="en-US" sz="1600" dirty="0">
+              <a:latin typeface="Consolas" panose="020B0609020204030204" pitchFamily="49" charset="0"/>
+            </a:endParaRPr>
+          </a:p>
+          <a:p>
+            <a:r>
+              <a:rPr lang="en-US" sz="1600" dirty="0">
+                <a:latin typeface="Consolas" panose="020B0609020204030204" pitchFamily="49" charset="0"/>
+              </a:rPr>
+              <a:t>    </a:t>
+            </a:r>
+            <a:r>
+              <a:rPr lang="en-US" sz="1600" dirty="0" err="1">
+                <a:latin typeface="Consolas" panose="020B0609020204030204" pitchFamily="49" charset="0"/>
+              </a:rPr>
+              <a:t>std</a:t>
+            </a:r>
+            <a:r>
+              <a:rPr lang="en-US" sz="1600" dirty="0">
+                <a:latin typeface="Consolas" panose="020B0609020204030204" pitchFamily="49" charset="0"/>
+              </a:rPr>
+              <a:t>::iota(</a:t>
+            </a:r>
+            <a:r>
+              <a:rPr lang="en-US" sz="1600" dirty="0" err="1">
+                <a:latin typeface="Consolas" panose="020B0609020204030204" pitchFamily="49" charset="0"/>
+              </a:rPr>
+              <a:t>std</a:t>
+            </a:r>
+            <a:r>
+              <a:rPr lang="en-US" sz="1600" dirty="0">
+                <a:latin typeface="Consolas" panose="020B0609020204030204" pitchFamily="49" charset="0"/>
+              </a:rPr>
+              <a:t>::begin(data), </a:t>
+            </a:r>
+            <a:r>
+              <a:rPr lang="en-US" sz="1600" dirty="0" err="1">
+                <a:latin typeface="Consolas" panose="020B0609020204030204" pitchFamily="49" charset="0"/>
+              </a:rPr>
+              <a:t>std</a:t>
+            </a:r>
+            <a:r>
+              <a:rPr lang="en-US" sz="1600" dirty="0">
+                <a:latin typeface="Consolas" panose="020B0609020204030204" pitchFamily="49" charset="0"/>
+              </a:rPr>
+              <a:t>::end(data), 0);</a:t>
+            </a:r>
+          </a:p>
+          <a:p>
+            <a:endParaRPr lang="en-US" sz="1600" dirty="0" smtClean="0">
+              <a:latin typeface="Consolas" panose="020B0609020204030204" pitchFamily="49" charset="0"/>
+            </a:endParaRPr>
+          </a:p>
+          <a:p>
+            <a:r>
+              <a:rPr lang="en-US" sz="1600" dirty="0" smtClean="0">
+                <a:latin typeface="Consolas" panose="020B0609020204030204" pitchFamily="49" charset="0"/>
+              </a:rPr>
+              <a:t>    </a:t>
+            </a:r>
+            <a:r>
+              <a:rPr lang="en-US" sz="1600" dirty="0" err="1" smtClean="0">
+                <a:latin typeface="Consolas" panose="020B0609020204030204" pitchFamily="49" charset="0"/>
+              </a:rPr>
+              <a:t>std</a:t>
+            </a:r>
+            <a:r>
+              <a:rPr lang="en-US" sz="1600" dirty="0">
+                <a:latin typeface="Consolas" panose="020B0609020204030204" pitchFamily="49" charset="0"/>
+              </a:rPr>
+              <a:t>::</a:t>
+            </a:r>
+            <a:r>
+              <a:rPr lang="en-US" sz="1600" dirty="0" err="1">
+                <a:latin typeface="Consolas" panose="020B0609020204030204" pitchFamily="49" charset="0"/>
+              </a:rPr>
+              <a:t>for_each</a:t>
+            </a:r>
+            <a:r>
+              <a:rPr lang="en-US" sz="1600" dirty="0">
+                <a:latin typeface="Consolas" panose="020B0609020204030204" pitchFamily="49" charset="0"/>
+              </a:rPr>
+              <a:t>(</a:t>
+            </a:r>
+            <a:r>
+              <a:rPr lang="en-US" sz="1600" dirty="0" err="1">
+                <a:latin typeface="Consolas" panose="020B0609020204030204" pitchFamily="49" charset="0"/>
+              </a:rPr>
+              <a:t>std</a:t>
+            </a:r>
+            <a:r>
+              <a:rPr lang="en-US" sz="1600" dirty="0">
+                <a:latin typeface="Consolas" panose="020B0609020204030204" pitchFamily="49" charset="0"/>
+              </a:rPr>
+              <a:t>::begin(data), </a:t>
+            </a:r>
+            <a:r>
+              <a:rPr lang="en-US" sz="1600" dirty="0" err="1">
+                <a:latin typeface="Consolas" panose="020B0609020204030204" pitchFamily="49" charset="0"/>
+              </a:rPr>
+              <a:t>std</a:t>
+            </a:r>
+            <a:r>
+              <a:rPr lang="en-US" sz="1600" dirty="0">
+                <a:latin typeface="Consolas" panose="020B0609020204030204" pitchFamily="49" charset="0"/>
+              </a:rPr>
+              <a:t>::end(data),</a:t>
+            </a:r>
+          </a:p>
+          <a:p>
+            <a:r>
+              <a:rPr lang="en-US" sz="1600" dirty="0">
+                <a:latin typeface="Consolas" panose="020B0609020204030204" pitchFamily="49" charset="0"/>
+              </a:rPr>
+              <a:t>                  [] (</a:t>
+            </a:r>
+            <a:r>
+              <a:rPr lang="en-US" sz="1600" dirty="0" err="1">
+                <a:latin typeface="Consolas" panose="020B0609020204030204" pitchFamily="49" charset="0"/>
+              </a:rPr>
+              <a:t>int</a:t>
+            </a:r>
+            <a:r>
+              <a:rPr lang="en-US" sz="1600" dirty="0">
+                <a:latin typeface="Consolas" panose="020B0609020204030204" pitchFamily="49" charset="0"/>
+              </a:rPr>
+              <a:t>&amp; </a:t>
+            </a:r>
+            <a:r>
+              <a:rPr lang="en-US" sz="1600" dirty="0" err="1">
+                <a:latin typeface="Consolas" panose="020B0609020204030204" pitchFamily="49" charset="0"/>
+              </a:rPr>
+              <a:t>i</a:t>
+            </a:r>
+            <a:r>
+              <a:rPr lang="en-US" sz="1600" dirty="0">
+                <a:latin typeface="Consolas" panose="020B0609020204030204" pitchFamily="49" charset="0"/>
+              </a:rPr>
+              <a:t>) { </a:t>
+            </a:r>
+            <a:r>
+              <a:rPr lang="en-US" sz="1600" dirty="0" err="1">
+                <a:latin typeface="Consolas" panose="020B0609020204030204" pitchFamily="49" charset="0"/>
+              </a:rPr>
+              <a:t>i</a:t>
+            </a:r>
+            <a:r>
+              <a:rPr lang="en-US" sz="1600" dirty="0">
+                <a:latin typeface="Consolas" panose="020B0609020204030204" pitchFamily="49" charset="0"/>
+              </a:rPr>
+              <a:t> = </a:t>
+            </a:r>
+            <a:r>
+              <a:rPr lang="en-US" sz="1600" dirty="0" err="1">
+                <a:latin typeface="Consolas" panose="020B0609020204030204" pitchFamily="49" charset="0"/>
+              </a:rPr>
+              <a:t>i</a:t>
+            </a:r>
+            <a:r>
+              <a:rPr lang="en-US" sz="1600" dirty="0">
+                <a:latin typeface="Consolas" panose="020B0609020204030204" pitchFamily="49" charset="0"/>
+              </a:rPr>
+              <a:t>*</a:t>
+            </a:r>
+            <a:r>
+              <a:rPr lang="en-US" sz="1600" dirty="0" err="1">
+                <a:latin typeface="Consolas" panose="020B0609020204030204" pitchFamily="49" charset="0"/>
+              </a:rPr>
+              <a:t>i</a:t>
+            </a:r>
+            <a:r>
+              <a:rPr lang="en-US" sz="1600" dirty="0">
+                <a:latin typeface="Consolas" panose="020B0609020204030204" pitchFamily="49" charset="0"/>
+              </a:rPr>
+              <a:t>; });</a:t>
+            </a:r>
+          </a:p>
+          <a:p>
+            <a:endParaRPr lang="en-US" sz="1600" dirty="0" smtClean="0">
+              <a:latin typeface="Consolas" panose="020B0609020204030204" pitchFamily="49" charset="0"/>
+            </a:endParaRPr>
+          </a:p>
+          <a:p>
+            <a:r>
+              <a:rPr lang="en-US" sz="1600" b="1" dirty="0" smtClean="0">
+                <a:solidFill>
+                  <a:srgbClr val="C00000"/>
+                </a:solidFill>
+                <a:latin typeface="Consolas" panose="020B0609020204030204" pitchFamily="49" charset="0"/>
+              </a:rPr>
+              <a:t>    </a:t>
+            </a:r>
+            <a:r>
+              <a:rPr lang="en-US" sz="1600" b="1" dirty="0" err="1" smtClean="0">
+                <a:solidFill>
+                  <a:srgbClr val="C00000"/>
+                </a:solidFill>
+                <a:latin typeface="Consolas" panose="020B0609020204030204" pitchFamily="49" charset="0"/>
+              </a:rPr>
+              <a:t>tbb</a:t>
+            </a:r>
+            <a:r>
+              <a:rPr lang="en-US" sz="1600" b="1" dirty="0">
+                <a:solidFill>
+                  <a:srgbClr val="C00000"/>
+                </a:solidFill>
+                <a:latin typeface="Consolas" panose="020B0609020204030204" pitchFamily="49" charset="0"/>
+              </a:rPr>
+              <a:t>::</a:t>
+            </a:r>
+            <a:r>
+              <a:rPr lang="en-US" sz="1600" b="1" dirty="0" err="1" smtClean="0">
+                <a:solidFill>
+                  <a:srgbClr val="C00000"/>
+                </a:solidFill>
+                <a:latin typeface="Consolas" panose="020B0609020204030204" pitchFamily="49" charset="0"/>
+              </a:rPr>
+              <a:t>parallel_for</a:t>
+            </a:r>
+            <a:r>
+              <a:rPr lang="en-US" sz="1600" b="1" dirty="0" smtClean="0">
+                <a:solidFill>
+                  <a:srgbClr val="C00000"/>
+                </a:solidFill>
+                <a:latin typeface="Consolas" panose="020B0609020204030204" pitchFamily="49" charset="0"/>
+              </a:rPr>
+              <a:t>(0ul, </a:t>
+            </a:r>
+            <a:r>
+              <a:rPr lang="en-US" sz="1600" b="1" dirty="0" err="1">
+                <a:solidFill>
+                  <a:srgbClr val="C00000"/>
+                </a:solidFill>
+                <a:latin typeface="Consolas" panose="020B0609020204030204" pitchFamily="49" charset="0"/>
+              </a:rPr>
+              <a:t>data.size</a:t>
+            </a:r>
+            <a:r>
+              <a:rPr lang="en-US" sz="1600" b="1" dirty="0">
+                <a:solidFill>
+                  <a:srgbClr val="C00000"/>
+                </a:solidFill>
+                <a:latin typeface="Consolas" panose="020B0609020204030204" pitchFamily="49" charset="0"/>
+              </a:rPr>
+              <a:t>(),</a:t>
+            </a:r>
+          </a:p>
+          <a:p>
+            <a:r>
+              <a:rPr lang="en-US" sz="1600" b="1" dirty="0">
+                <a:solidFill>
+                  <a:srgbClr val="C00000"/>
+                </a:solidFill>
+                <a:latin typeface="Consolas" panose="020B0609020204030204" pitchFamily="49" charset="0"/>
+              </a:rPr>
+              <a:t>                      [&amp;data] (</a:t>
+            </a:r>
+            <a:r>
+              <a:rPr lang="en-US" sz="1600" b="1" dirty="0" err="1">
+                <a:solidFill>
+                  <a:srgbClr val="C00000"/>
+                </a:solidFill>
+                <a:latin typeface="Consolas" panose="020B0609020204030204" pitchFamily="49" charset="0"/>
+              </a:rPr>
+              <a:t>std</a:t>
+            </a:r>
+            <a:r>
+              <a:rPr lang="en-US" sz="1600" b="1" dirty="0">
+                <a:solidFill>
+                  <a:srgbClr val="C00000"/>
+                </a:solidFill>
+                <a:latin typeface="Consolas" panose="020B0609020204030204" pitchFamily="49" charset="0"/>
+              </a:rPr>
+              <a:t>::</a:t>
+            </a:r>
+            <a:r>
+              <a:rPr lang="en-US" sz="1600" b="1" dirty="0" err="1">
+                <a:solidFill>
+                  <a:srgbClr val="C00000"/>
+                </a:solidFill>
+                <a:latin typeface="Consolas" panose="020B0609020204030204" pitchFamily="49" charset="0"/>
+              </a:rPr>
+              <a:t>size_t</a:t>
+            </a:r>
+            <a:r>
+              <a:rPr lang="en-US" sz="1600" b="1" dirty="0">
+                <a:solidFill>
+                  <a:srgbClr val="C00000"/>
+                </a:solidFill>
+                <a:latin typeface="Consolas" panose="020B0609020204030204" pitchFamily="49" charset="0"/>
+              </a:rPr>
+              <a:t> </a:t>
+            </a:r>
+            <a:r>
+              <a:rPr lang="en-US" sz="1600" b="1" dirty="0" err="1">
+                <a:solidFill>
+                  <a:srgbClr val="C00000"/>
+                </a:solidFill>
+                <a:latin typeface="Consolas" panose="020B0609020204030204" pitchFamily="49" charset="0"/>
+              </a:rPr>
+              <a:t>i</a:t>
+            </a:r>
+            <a:r>
+              <a:rPr lang="en-US" sz="1600" b="1" dirty="0">
+                <a:solidFill>
+                  <a:srgbClr val="C00000"/>
+                </a:solidFill>
+                <a:latin typeface="Consolas" panose="020B0609020204030204" pitchFamily="49" charset="0"/>
+              </a:rPr>
+              <a:t>) { data[</a:t>
+            </a:r>
+            <a:r>
+              <a:rPr lang="en-US" sz="1600" b="1" dirty="0" err="1">
+                <a:solidFill>
+                  <a:srgbClr val="C00000"/>
+                </a:solidFill>
+                <a:latin typeface="Consolas" panose="020B0609020204030204" pitchFamily="49" charset="0"/>
+              </a:rPr>
+              <a:t>i</a:t>
+            </a:r>
+            <a:r>
+              <a:rPr lang="en-US" sz="1600" b="1" dirty="0">
+                <a:solidFill>
+                  <a:srgbClr val="C00000"/>
+                </a:solidFill>
+                <a:latin typeface="Consolas" panose="020B0609020204030204" pitchFamily="49" charset="0"/>
+              </a:rPr>
+              <a:t>] = data[</a:t>
+            </a:r>
+            <a:r>
+              <a:rPr lang="en-US" sz="1600" b="1" dirty="0" err="1">
+                <a:solidFill>
+                  <a:srgbClr val="C00000"/>
+                </a:solidFill>
+                <a:latin typeface="Consolas" panose="020B0609020204030204" pitchFamily="49" charset="0"/>
+              </a:rPr>
+              <a:t>i</a:t>
+            </a:r>
+            <a:r>
+              <a:rPr lang="en-US" sz="1600" b="1" dirty="0">
+                <a:solidFill>
+                  <a:srgbClr val="C00000"/>
+                </a:solidFill>
+                <a:latin typeface="Consolas" panose="020B0609020204030204" pitchFamily="49" charset="0"/>
+              </a:rPr>
+              <a:t>]*data[</a:t>
+            </a:r>
+            <a:r>
+              <a:rPr lang="en-US" sz="1600" b="1" dirty="0" err="1">
+                <a:solidFill>
+                  <a:srgbClr val="C00000"/>
+                </a:solidFill>
+                <a:latin typeface="Consolas" panose="020B0609020204030204" pitchFamily="49" charset="0"/>
+              </a:rPr>
+              <a:t>i</a:t>
+            </a:r>
+            <a:r>
+              <a:rPr lang="en-US" sz="1600" b="1" dirty="0">
+                <a:solidFill>
+                  <a:srgbClr val="C00000"/>
+                </a:solidFill>
+                <a:latin typeface="Consolas" panose="020B0609020204030204" pitchFamily="49" charset="0"/>
+              </a:rPr>
+              <a:t>]; });</a:t>
+            </a:r>
+          </a:p>
+          <a:p>
+            <a:endParaRPr lang="en-US" sz="1600" dirty="0" smtClean="0">
+              <a:latin typeface="Consolas" panose="020B0609020204030204" pitchFamily="49" charset="0"/>
+            </a:endParaRPr>
+          </a:p>
+          <a:p>
+            <a:r>
+              <a:rPr lang="en-US" sz="1600" dirty="0" smtClean="0">
+                <a:latin typeface="Consolas" panose="020B0609020204030204" pitchFamily="49" charset="0"/>
+              </a:rPr>
+              <a:t>    </a:t>
+            </a:r>
+            <a:r>
+              <a:rPr lang="en-US" sz="1600" dirty="0" err="1" smtClean="0">
+                <a:latin typeface="Consolas" panose="020B0609020204030204" pitchFamily="49" charset="0"/>
+              </a:rPr>
+              <a:t>std</a:t>
+            </a:r>
+            <a:r>
+              <a:rPr lang="en-US" sz="1600" dirty="0">
+                <a:latin typeface="Consolas" panose="020B0609020204030204" pitchFamily="49" charset="0"/>
+              </a:rPr>
+              <a:t>::</a:t>
+            </a:r>
+            <a:r>
+              <a:rPr lang="en-US" sz="1600" dirty="0" err="1">
+                <a:latin typeface="Consolas" panose="020B0609020204030204" pitchFamily="49" charset="0"/>
+              </a:rPr>
+              <a:t>cout</a:t>
+            </a:r>
+            <a:r>
+              <a:rPr lang="en-US" sz="1600" dirty="0">
+                <a:latin typeface="Consolas" panose="020B0609020204030204" pitchFamily="49" charset="0"/>
+              </a:rPr>
+              <a:t> &lt;&lt; </a:t>
+            </a:r>
+            <a:r>
+              <a:rPr lang="en-US" sz="1600" dirty="0" err="1" smtClean="0">
+                <a:latin typeface="Consolas" panose="020B0609020204030204" pitchFamily="49" charset="0"/>
+              </a:rPr>
+              <a:t>data.sum</a:t>
+            </a:r>
+            <a:r>
+              <a:rPr lang="en-US" sz="1600" dirty="0" smtClean="0">
+                <a:latin typeface="Consolas" panose="020B0609020204030204" pitchFamily="49" charset="0"/>
+              </a:rPr>
+              <a:t>() &lt;&lt; </a:t>
+            </a:r>
+            <a:r>
+              <a:rPr lang="en-US" sz="1600" dirty="0" err="1" smtClean="0">
+                <a:latin typeface="Consolas" panose="020B0609020204030204" pitchFamily="49" charset="0"/>
+              </a:rPr>
+              <a:t>std</a:t>
+            </a:r>
+            <a:r>
+              <a:rPr lang="en-US" sz="1600" dirty="0">
+                <a:latin typeface="Consolas" panose="020B0609020204030204" pitchFamily="49" charset="0"/>
+              </a:rPr>
+              <a:t>::</a:t>
+            </a:r>
+            <a:r>
+              <a:rPr lang="en-US" sz="1600" dirty="0" err="1">
+                <a:latin typeface="Consolas" panose="020B0609020204030204" pitchFamily="49" charset="0"/>
+              </a:rPr>
+              <a:t>endl</a:t>
+            </a:r>
+            <a:r>
+              <a:rPr lang="en-US" sz="1600" dirty="0">
+                <a:latin typeface="Consolas" panose="020B0609020204030204" pitchFamily="49" charset="0"/>
+              </a:rPr>
+              <a:t>;</a:t>
+            </a:r>
+          </a:p>
+          <a:p>
+            <a:r>
+              <a:rPr lang="en-US" sz="1600" dirty="0">
+                <a:latin typeface="Consolas" panose="020B0609020204030204" pitchFamily="49" charset="0"/>
+              </a:rPr>
+              <a:t>    return 0;</a:t>
+            </a:r>
+          </a:p>
+          <a:p>
+            <a:r>
+              <a:rPr lang="en-US" sz="1600" dirty="0">
+                <a:latin typeface="Consolas" panose="020B0609020204030204" pitchFamily="49" charset="0"/>
+              </a:rPr>
+              <a:t>}</a:t>
+            </a:r>
+          </a:p>
+        </p:txBody>
+      </p:sp>
+      <p:sp>
+        <p:nvSpPr>
+          <p:cNvPr id="6" name="TextBox 5"/>
+          <p:cNvSpPr txBox="1"/>
+          <p:nvPr/>
+        </p:nvSpPr>
+        <p:spPr>
+          <a:xfrm>
+            <a:off x="9153914" y="3927879"/>
+            <a:ext cx="2023439" cy="923330"/>
+          </a:xfrm>
+          <a:prstGeom prst="rect">
+            <a:avLst/>
+          </a:prstGeom>
+        </p:spPr>
+        <p:style>
+          <a:lnRef idx="1">
+            <a:schemeClr val="accent2"/>
+          </a:lnRef>
+          <a:fillRef idx="2">
+            <a:schemeClr val="accent2"/>
+          </a:fillRef>
+          <a:effectRef idx="1">
+            <a:schemeClr val="accent2"/>
+          </a:effectRef>
+          <a:fontRef idx="minor">
+            <a:schemeClr val="dk1"/>
+          </a:fontRef>
+        </p:style>
+        <p:txBody>
+          <a:bodyPr wrap="none" rtlCol="0">
+            <a:spAutoFit/>
+          </a:bodyPr>
+          <a:lstStyle/>
+          <a:p>
+            <a:r>
+              <a:rPr lang="en-US" dirty="0" smtClean="0"/>
+              <a:t>work automatically</a:t>
+            </a:r>
+            <a:br>
+              <a:rPr lang="en-US" dirty="0" smtClean="0"/>
+            </a:br>
+            <a:r>
+              <a:rPr lang="en-US" dirty="0" smtClean="0"/>
+              <a:t>divided over thread</a:t>
+            </a:r>
+            <a:br>
+              <a:rPr lang="en-US" dirty="0" smtClean="0"/>
+            </a:br>
+            <a:r>
+              <a:rPr lang="en-US" dirty="0" smtClean="0"/>
+              <a:t>pool</a:t>
+            </a:r>
+            <a:endParaRPr lang="en-US" dirty="0"/>
+          </a:p>
+        </p:txBody>
+      </p:sp>
+    </p:spTree>
+    <p:extLst>
+      <p:ext uri="{BB962C8B-B14F-4D97-AF65-F5344CB8AC3E}">
+        <p14:creationId xmlns:p14="http://schemas.microsoft.com/office/powerpoint/2010/main" val="3577393316"/>
+      </p:ext>
+    </p:extLst>
+  </p:cSld>
+  <p:clrMapOvr>
+    <a:masterClrMapping/>
+  </p:clrMapOvr>
+  <p:timing>
+    <p:tnLst>
+      <p:par>
+        <p:cTn id="1" dur="indefinite" restart="never" nodeType="tmRoot"/>
+      </p:par>
+    </p:tnLst>
+  </p:timing>
+</p:sld>
+</file>
+
+<file path=ppt/slides/slide15.xml><?xml version="1.0" encoding="utf-8"?>
+<p:sld xmlns:a="http://schemas.openxmlformats.org/drawingml/2006/main" xmlns:r="http://schemas.openxmlformats.org/officeDocument/2006/relationships" xmlns:p="http://schemas.openxmlformats.org/presentationml/2006/main">
+  <p:cSld>
+    <p:spTree>
+      <p:nvGrpSpPr>
+        <p:cNvPr id="1" name=""/>
+        <p:cNvGrpSpPr/>
+        <p:nvPr/>
+      </p:nvGrpSpPr>
+      <p:grpSpPr>
+        <a:xfrm>
+          <a:off x="0" y="0"/>
+          <a:ext cx="0" cy="0"/>
+          <a:chOff x="0" y="0"/>
+          <a:chExt cx="0" cy="0"/>
+        </a:xfrm>
+      </p:grpSpPr>
+      <p:sp>
+        <p:nvSpPr>
+          <p:cNvPr id="2" name="Title 1"/>
+          <p:cNvSpPr>
+            <a:spLocks noGrp="1"/>
+          </p:cNvSpPr>
+          <p:nvPr>
+            <p:ph type="title"/>
+          </p:nvPr>
+        </p:nvSpPr>
+        <p:spPr/>
+        <p:txBody>
+          <a:bodyPr/>
+          <a:lstStyle/>
+          <a:p>
+            <a:r>
+              <a:rPr lang="en-US" dirty="0" err="1" smtClean="0"/>
+              <a:t>parallel_reduce</a:t>
+            </a:r>
+            <a:r>
+              <a:rPr lang="en-US" dirty="0" smtClean="0"/>
+              <a:t>: class</a:t>
+            </a:r>
+            <a:endParaRPr lang="en-US" dirty="0"/>
+          </a:p>
+        </p:txBody>
+      </p:sp>
+      <p:sp>
+        <p:nvSpPr>
+          <p:cNvPr id="4" name="Slide Number Placeholder 3"/>
+          <p:cNvSpPr>
+            <a:spLocks noGrp="1"/>
+          </p:cNvSpPr>
+          <p:nvPr>
+            <p:ph type="sldNum" sz="quarter" idx="12"/>
+          </p:nvPr>
+        </p:nvSpPr>
+        <p:spPr/>
+        <p:txBody>
+          <a:bodyPr/>
+          <a:lstStyle/>
+          <a:p>
+            <a:fld id="{8A5772FA-F273-424C-AEFD-E3BF6973D60A}" type="slidenum">
+              <a:rPr lang="en-US" smtClean="0"/>
+              <a:t>15</a:t>
+            </a:fld>
+            <a:endParaRPr lang="en-US"/>
+          </a:p>
+        </p:txBody>
+      </p:sp>
+      <p:sp>
+        <p:nvSpPr>
+          <p:cNvPr id="5" name="TextBox 4"/>
+          <p:cNvSpPr txBox="1"/>
+          <p:nvPr/>
+        </p:nvSpPr>
+        <p:spPr>
+          <a:xfrm>
+            <a:off x="334717" y="1394353"/>
+            <a:ext cx="10395795" cy="5262979"/>
+          </a:xfrm>
+          <a:prstGeom prst="rect">
+            <a:avLst/>
+          </a:prstGeom>
+          <a:solidFill>
+            <a:schemeClr val="bg1">
+              <a:lumMod val="85000"/>
+            </a:schemeClr>
+          </a:solidFill>
+          <a:ln>
+            <a:solidFill>
+              <a:schemeClr val="tx1"/>
+            </a:solidFill>
+          </a:ln>
+        </p:spPr>
+        <p:txBody>
+          <a:bodyPr wrap="none" rtlCol="0">
+            <a:spAutoFit/>
+          </a:bodyPr>
+          <a:lstStyle/>
+          <a:p>
+            <a:r>
+              <a:rPr lang="en-US" sz="1600" dirty="0">
+                <a:latin typeface="Consolas" panose="020B0609020204030204" pitchFamily="49" charset="0"/>
+              </a:rPr>
+              <a:t>class Stats {</a:t>
+            </a:r>
+          </a:p>
+          <a:p>
+            <a:r>
+              <a:rPr lang="en-US" sz="1600" dirty="0">
+                <a:latin typeface="Consolas" panose="020B0609020204030204" pitchFamily="49" charset="0"/>
+              </a:rPr>
+              <a:t>    private:</a:t>
+            </a:r>
+          </a:p>
+          <a:p>
+            <a:r>
+              <a:rPr lang="en-US" sz="1600" dirty="0">
+                <a:latin typeface="Consolas" panose="020B0609020204030204" pitchFamily="49" charset="0"/>
+              </a:rPr>
+              <a:t>        Vector* </a:t>
+            </a:r>
+            <a:r>
+              <a:rPr lang="en-US" sz="1600" dirty="0" err="1">
+                <a:latin typeface="Consolas" panose="020B0609020204030204" pitchFamily="49" charset="0"/>
+              </a:rPr>
+              <a:t>const</a:t>
+            </a:r>
+            <a:r>
+              <a:rPr lang="en-US" sz="1600" dirty="0">
+                <a:latin typeface="Consolas" panose="020B0609020204030204" pitchFamily="49" charset="0"/>
+              </a:rPr>
+              <a:t> data_;</a:t>
+            </a:r>
+          </a:p>
+          <a:p>
+            <a:r>
+              <a:rPr lang="en-US" sz="1600" dirty="0">
+                <a:latin typeface="Consolas" panose="020B0609020204030204" pitchFamily="49" charset="0"/>
+              </a:rPr>
+              <a:t>        </a:t>
+            </a:r>
+            <a:r>
+              <a:rPr lang="en-US" sz="1600" dirty="0" err="1">
+                <a:latin typeface="Consolas" panose="020B0609020204030204" pitchFamily="49" charset="0"/>
+              </a:rPr>
+              <a:t>const</a:t>
+            </a:r>
+            <a:r>
+              <a:rPr lang="en-US" sz="1600" dirty="0">
+                <a:latin typeface="Consolas" panose="020B0609020204030204" pitchFamily="49" charset="0"/>
+              </a:rPr>
+              <a:t> </a:t>
+            </a:r>
+            <a:r>
+              <a:rPr lang="en-US" sz="1600" dirty="0" err="1">
+                <a:latin typeface="Consolas" panose="020B0609020204030204" pitchFamily="49" charset="0"/>
+              </a:rPr>
+              <a:t>std</a:t>
+            </a:r>
+            <a:r>
+              <a:rPr lang="en-US" sz="1600" dirty="0">
+                <a:latin typeface="Consolas" panose="020B0609020204030204" pitchFamily="49" charset="0"/>
+              </a:rPr>
+              <a:t>::</a:t>
+            </a:r>
+            <a:r>
+              <a:rPr lang="en-US" sz="1600" dirty="0" err="1">
+                <a:latin typeface="Consolas" panose="020B0609020204030204" pitchFamily="49" charset="0"/>
+              </a:rPr>
+              <a:t>size_t</a:t>
+            </a:r>
+            <a:r>
+              <a:rPr lang="en-US" sz="1600" dirty="0">
+                <a:latin typeface="Consolas" panose="020B0609020204030204" pitchFamily="49" charset="0"/>
+              </a:rPr>
+              <a:t> n_;</a:t>
+            </a:r>
+          </a:p>
+          <a:p>
+            <a:r>
+              <a:rPr lang="en-US" sz="1600" dirty="0">
+                <a:latin typeface="Consolas" panose="020B0609020204030204" pitchFamily="49" charset="0"/>
+              </a:rPr>
+              <a:t>        double sum</a:t>
+            </a:r>
+            <a:r>
+              <a:rPr lang="en-US" sz="1600" dirty="0" smtClean="0">
+                <a:latin typeface="Consolas" panose="020B0609020204030204" pitchFamily="49" charset="0"/>
+              </a:rPr>
+              <a:t>_, sum2_;</a:t>
+            </a:r>
+            <a:endParaRPr lang="en-US" sz="1600" dirty="0">
+              <a:latin typeface="Consolas" panose="020B0609020204030204" pitchFamily="49" charset="0"/>
+            </a:endParaRPr>
+          </a:p>
+          <a:p>
+            <a:r>
+              <a:rPr lang="en-US" sz="1600" dirty="0" smtClean="0">
+                <a:latin typeface="Consolas" panose="020B0609020204030204" pitchFamily="49" charset="0"/>
+              </a:rPr>
+              <a:t>public</a:t>
+            </a:r>
+            <a:r>
+              <a:rPr lang="en-US" sz="1600" dirty="0">
+                <a:latin typeface="Consolas" panose="020B0609020204030204" pitchFamily="49" charset="0"/>
+              </a:rPr>
+              <a:t>:</a:t>
+            </a:r>
+          </a:p>
+          <a:p>
+            <a:r>
+              <a:rPr lang="en-US" sz="1600" dirty="0">
+                <a:latin typeface="Consolas" panose="020B0609020204030204" pitchFamily="49" charset="0"/>
+              </a:rPr>
+              <a:t>        Stats(Vector* data) : data_ {data}, n_ {data-&gt;size()}, sum_ {0.0}, sum2_ {0.0</a:t>
+            </a:r>
+            <a:r>
+              <a:rPr lang="en-US" sz="1600" dirty="0" smtClean="0">
+                <a:latin typeface="Consolas" panose="020B0609020204030204" pitchFamily="49" charset="0"/>
+              </a:rPr>
+              <a:t>} {}</a:t>
+            </a:r>
+            <a:endParaRPr lang="en-US" sz="1600" dirty="0">
+              <a:latin typeface="Consolas" panose="020B0609020204030204" pitchFamily="49" charset="0"/>
+            </a:endParaRPr>
+          </a:p>
+          <a:p>
+            <a:r>
+              <a:rPr lang="en-US" sz="1600" b="1" dirty="0">
+                <a:solidFill>
+                  <a:srgbClr val="C00000"/>
+                </a:solidFill>
+                <a:latin typeface="Consolas" panose="020B0609020204030204" pitchFamily="49" charset="0"/>
+              </a:rPr>
+              <a:t>        Stats(Stats&amp; stats, </a:t>
+            </a:r>
+            <a:r>
+              <a:rPr lang="en-US" sz="1600" b="1" dirty="0" err="1">
+                <a:solidFill>
+                  <a:srgbClr val="C00000"/>
+                </a:solidFill>
+                <a:latin typeface="Consolas" panose="020B0609020204030204" pitchFamily="49" charset="0"/>
+              </a:rPr>
+              <a:t>tbb</a:t>
+            </a:r>
+            <a:r>
+              <a:rPr lang="en-US" sz="1600" b="1" dirty="0">
+                <a:solidFill>
+                  <a:srgbClr val="C00000"/>
+                </a:solidFill>
+                <a:latin typeface="Consolas" panose="020B0609020204030204" pitchFamily="49" charset="0"/>
+              </a:rPr>
+              <a:t>::split) : Stats(</a:t>
+            </a:r>
+            <a:r>
+              <a:rPr lang="en-US" sz="1600" b="1" dirty="0" err="1">
+                <a:solidFill>
+                  <a:srgbClr val="C00000"/>
+                </a:solidFill>
+                <a:latin typeface="Consolas" panose="020B0609020204030204" pitchFamily="49" charset="0"/>
+              </a:rPr>
+              <a:t>stats.data</a:t>
+            </a:r>
+            <a:r>
+              <a:rPr lang="en-US" sz="1600" b="1" dirty="0">
+                <a:solidFill>
+                  <a:srgbClr val="C00000"/>
+                </a:solidFill>
+                <a:latin typeface="Consolas" panose="020B0609020204030204" pitchFamily="49" charset="0"/>
+              </a:rPr>
+              <a:t>_) {}</a:t>
+            </a:r>
+          </a:p>
+          <a:p>
+            <a:r>
+              <a:rPr lang="en-US" sz="1600" b="1" dirty="0" smtClean="0">
+                <a:solidFill>
+                  <a:srgbClr val="C00000"/>
+                </a:solidFill>
+                <a:latin typeface="Consolas" panose="020B0609020204030204" pitchFamily="49" charset="0"/>
+              </a:rPr>
+              <a:t>        void operator</a:t>
+            </a:r>
+            <a:r>
+              <a:rPr lang="en-US" sz="1600" b="1" dirty="0">
+                <a:solidFill>
+                  <a:srgbClr val="C00000"/>
+                </a:solidFill>
+                <a:latin typeface="Consolas" panose="020B0609020204030204" pitchFamily="49" charset="0"/>
+              </a:rPr>
+              <a:t>()(</a:t>
+            </a:r>
+            <a:r>
+              <a:rPr lang="en-US" sz="1600" b="1" dirty="0" err="1">
+                <a:solidFill>
+                  <a:srgbClr val="C00000"/>
+                </a:solidFill>
+                <a:latin typeface="Consolas" panose="020B0609020204030204" pitchFamily="49" charset="0"/>
+              </a:rPr>
+              <a:t>const</a:t>
+            </a:r>
+            <a:r>
+              <a:rPr lang="en-US" sz="1600" b="1" dirty="0">
+                <a:solidFill>
+                  <a:srgbClr val="C00000"/>
+                </a:solidFill>
+                <a:latin typeface="Consolas" panose="020B0609020204030204" pitchFamily="49" charset="0"/>
+              </a:rPr>
+              <a:t> </a:t>
+            </a:r>
+            <a:r>
+              <a:rPr lang="en-US" sz="1600" b="1" dirty="0" err="1">
+                <a:solidFill>
+                  <a:srgbClr val="C00000"/>
+                </a:solidFill>
+                <a:latin typeface="Consolas" panose="020B0609020204030204" pitchFamily="49" charset="0"/>
+              </a:rPr>
+              <a:t>tbb</a:t>
+            </a:r>
+            <a:r>
+              <a:rPr lang="en-US" sz="1600" b="1" dirty="0">
+                <a:solidFill>
+                  <a:srgbClr val="C00000"/>
+                </a:solidFill>
+                <a:latin typeface="Consolas" panose="020B0609020204030204" pitchFamily="49" charset="0"/>
+              </a:rPr>
+              <a:t>::</a:t>
+            </a:r>
+            <a:r>
+              <a:rPr lang="en-US" sz="1600" b="1" dirty="0" err="1">
+                <a:solidFill>
+                  <a:srgbClr val="C00000"/>
+                </a:solidFill>
+                <a:latin typeface="Consolas" panose="020B0609020204030204" pitchFamily="49" charset="0"/>
+              </a:rPr>
+              <a:t>blocked_range</a:t>
+            </a:r>
+            <a:r>
+              <a:rPr lang="en-US" sz="1600" b="1" dirty="0">
+                <a:solidFill>
+                  <a:srgbClr val="C00000"/>
+                </a:solidFill>
+                <a:latin typeface="Consolas" panose="020B0609020204030204" pitchFamily="49" charset="0"/>
+              </a:rPr>
+              <a:t>&lt;</a:t>
+            </a:r>
+            <a:r>
+              <a:rPr lang="en-US" sz="1600" b="1" dirty="0" err="1">
+                <a:solidFill>
+                  <a:srgbClr val="C00000"/>
+                </a:solidFill>
+                <a:latin typeface="Consolas" panose="020B0609020204030204" pitchFamily="49" charset="0"/>
+              </a:rPr>
+              <a:t>std</a:t>
+            </a:r>
+            <a:r>
+              <a:rPr lang="en-US" sz="1600" b="1" dirty="0">
+                <a:solidFill>
+                  <a:srgbClr val="C00000"/>
+                </a:solidFill>
+                <a:latin typeface="Consolas" panose="020B0609020204030204" pitchFamily="49" charset="0"/>
+              </a:rPr>
+              <a:t>::</a:t>
+            </a:r>
+            <a:r>
+              <a:rPr lang="en-US" sz="1600" b="1" dirty="0" err="1">
+                <a:solidFill>
+                  <a:srgbClr val="C00000"/>
+                </a:solidFill>
+                <a:latin typeface="Consolas" panose="020B0609020204030204" pitchFamily="49" charset="0"/>
+              </a:rPr>
+              <a:t>size_t</a:t>
+            </a:r>
+            <a:r>
+              <a:rPr lang="en-US" sz="1600" b="1" dirty="0">
+                <a:solidFill>
+                  <a:srgbClr val="C00000"/>
+                </a:solidFill>
+                <a:latin typeface="Consolas" panose="020B0609020204030204" pitchFamily="49" charset="0"/>
+              </a:rPr>
+              <a:t>&gt;&amp; r) </a:t>
+            </a:r>
+            <a:r>
+              <a:rPr lang="en-US" sz="1600" b="1" dirty="0" smtClean="0">
+                <a:solidFill>
+                  <a:srgbClr val="C00000"/>
+                </a:solidFill>
+                <a:latin typeface="Consolas" panose="020B0609020204030204" pitchFamily="49" charset="0"/>
+              </a:rPr>
+              <a:t>{</a:t>
+            </a:r>
+            <a:endParaRPr lang="en-US" sz="1600" b="1" dirty="0">
+              <a:solidFill>
+                <a:srgbClr val="C00000"/>
+              </a:solidFill>
+              <a:latin typeface="Consolas" panose="020B0609020204030204" pitchFamily="49" charset="0"/>
+            </a:endParaRPr>
+          </a:p>
+          <a:p>
+            <a:r>
+              <a:rPr lang="en-US" sz="1600" b="1" dirty="0" smtClean="0">
+                <a:solidFill>
+                  <a:srgbClr val="C00000"/>
+                </a:solidFill>
+                <a:latin typeface="Consolas" panose="020B0609020204030204" pitchFamily="49" charset="0"/>
+              </a:rPr>
+              <a:t>            </a:t>
+            </a:r>
+            <a:r>
+              <a:rPr lang="en-US" sz="1600" b="1" dirty="0">
+                <a:solidFill>
+                  <a:srgbClr val="C00000"/>
+                </a:solidFill>
+                <a:latin typeface="Consolas" panose="020B0609020204030204" pitchFamily="49" charset="0"/>
+              </a:rPr>
+              <a:t>for (auto </a:t>
+            </a:r>
+            <a:r>
+              <a:rPr lang="en-US" sz="1600" b="1" dirty="0" err="1">
+                <a:solidFill>
+                  <a:srgbClr val="C00000"/>
+                </a:solidFill>
+                <a:latin typeface="Consolas" panose="020B0609020204030204" pitchFamily="49" charset="0"/>
+              </a:rPr>
+              <a:t>i</a:t>
+            </a:r>
+            <a:r>
+              <a:rPr lang="en-US" sz="1600" b="1" dirty="0">
+                <a:solidFill>
+                  <a:srgbClr val="C00000"/>
+                </a:solidFill>
+                <a:latin typeface="Consolas" panose="020B0609020204030204" pitchFamily="49" charset="0"/>
+              </a:rPr>
+              <a:t> = </a:t>
+            </a:r>
+            <a:r>
+              <a:rPr lang="en-US" sz="1600" b="1" dirty="0" err="1">
+                <a:solidFill>
+                  <a:srgbClr val="C00000"/>
+                </a:solidFill>
+                <a:latin typeface="Consolas" panose="020B0609020204030204" pitchFamily="49" charset="0"/>
+              </a:rPr>
+              <a:t>r.begin</a:t>
+            </a:r>
+            <a:r>
+              <a:rPr lang="en-US" sz="1600" b="1" dirty="0">
+                <a:solidFill>
+                  <a:srgbClr val="C00000"/>
+                </a:solidFill>
+                <a:latin typeface="Consolas" panose="020B0609020204030204" pitchFamily="49" charset="0"/>
+              </a:rPr>
+              <a:t>(); </a:t>
+            </a:r>
+            <a:r>
+              <a:rPr lang="en-US" sz="1600" b="1" dirty="0" err="1">
+                <a:solidFill>
+                  <a:srgbClr val="C00000"/>
+                </a:solidFill>
+                <a:latin typeface="Consolas" panose="020B0609020204030204" pitchFamily="49" charset="0"/>
+              </a:rPr>
+              <a:t>i</a:t>
+            </a:r>
+            <a:r>
+              <a:rPr lang="en-US" sz="1600" b="1" dirty="0">
+                <a:solidFill>
+                  <a:srgbClr val="C00000"/>
+                </a:solidFill>
+                <a:latin typeface="Consolas" panose="020B0609020204030204" pitchFamily="49" charset="0"/>
+              </a:rPr>
+              <a:t> != </a:t>
+            </a:r>
+            <a:r>
+              <a:rPr lang="en-US" sz="1600" b="1" dirty="0" err="1">
+                <a:solidFill>
+                  <a:srgbClr val="C00000"/>
+                </a:solidFill>
+                <a:latin typeface="Consolas" panose="020B0609020204030204" pitchFamily="49" charset="0"/>
+              </a:rPr>
+              <a:t>r.end</a:t>
+            </a:r>
+            <a:r>
+              <a:rPr lang="en-US" sz="1600" b="1" dirty="0">
+                <a:solidFill>
+                  <a:srgbClr val="C00000"/>
+                </a:solidFill>
+                <a:latin typeface="Consolas" panose="020B0609020204030204" pitchFamily="49" charset="0"/>
+              </a:rPr>
+              <a:t>(); ++</a:t>
+            </a:r>
+            <a:r>
+              <a:rPr lang="en-US" sz="1600" b="1" dirty="0" err="1">
+                <a:solidFill>
+                  <a:srgbClr val="C00000"/>
+                </a:solidFill>
+                <a:latin typeface="Consolas" panose="020B0609020204030204" pitchFamily="49" charset="0"/>
+              </a:rPr>
+              <a:t>i</a:t>
+            </a:r>
+            <a:r>
+              <a:rPr lang="en-US" sz="1600" b="1" dirty="0">
+                <a:solidFill>
+                  <a:srgbClr val="C00000"/>
+                </a:solidFill>
+                <a:latin typeface="Consolas" panose="020B0609020204030204" pitchFamily="49" charset="0"/>
+              </a:rPr>
+              <a:t>) {</a:t>
+            </a:r>
+          </a:p>
+          <a:p>
+            <a:r>
+              <a:rPr lang="en-US" sz="1600" b="1" dirty="0">
+                <a:solidFill>
+                  <a:srgbClr val="C00000"/>
+                </a:solidFill>
+                <a:latin typeface="Consolas" panose="020B0609020204030204" pitchFamily="49" charset="0"/>
+              </a:rPr>
+              <a:t>        </a:t>
+            </a:r>
+            <a:r>
+              <a:rPr lang="en-US" sz="1600" b="1" dirty="0" smtClean="0">
+                <a:solidFill>
+                  <a:srgbClr val="C00000"/>
+                </a:solidFill>
+                <a:latin typeface="Consolas" panose="020B0609020204030204" pitchFamily="49" charset="0"/>
+              </a:rPr>
+              <a:t>        double </a:t>
+            </a:r>
+            <a:r>
+              <a:rPr lang="en-US" sz="1600" b="1" dirty="0" err="1">
+                <a:solidFill>
+                  <a:srgbClr val="C00000"/>
+                </a:solidFill>
+                <a:latin typeface="Consolas" panose="020B0609020204030204" pitchFamily="49" charset="0"/>
+              </a:rPr>
+              <a:t>val</a:t>
+            </a:r>
+            <a:r>
+              <a:rPr lang="en-US" sz="1600" b="1" dirty="0">
+                <a:solidFill>
+                  <a:srgbClr val="C00000"/>
+                </a:solidFill>
+                <a:latin typeface="Consolas" panose="020B0609020204030204" pitchFamily="49" charset="0"/>
+              </a:rPr>
+              <a:t> = (*data_)[</a:t>
+            </a:r>
+            <a:r>
+              <a:rPr lang="en-US" sz="1600" b="1" dirty="0" err="1">
+                <a:solidFill>
+                  <a:srgbClr val="C00000"/>
+                </a:solidFill>
+                <a:latin typeface="Consolas" panose="020B0609020204030204" pitchFamily="49" charset="0"/>
+              </a:rPr>
+              <a:t>i</a:t>
+            </a:r>
+            <a:r>
+              <a:rPr lang="en-US" sz="1600" b="1" dirty="0" smtClean="0">
+                <a:solidFill>
+                  <a:srgbClr val="C00000"/>
+                </a:solidFill>
+                <a:latin typeface="Consolas" panose="020B0609020204030204" pitchFamily="49" charset="0"/>
+              </a:rPr>
+              <a:t>];</a:t>
+            </a:r>
+            <a:endParaRPr lang="en-US" sz="1600" b="1" dirty="0">
+              <a:solidFill>
+                <a:srgbClr val="C00000"/>
+              </a:solidFill>
+              <a:latin typeface="Consolas" panose="020B0609020204030204" pitchFamily="49" charset="0"/>
+            </a:endParaRPr>
+          </a:p>
+          <a:p>
+            <a:r>
+              <a:rPr lang="en-US" sz="1600" b="1" dirty="0" smtClean="0">
+                <a:solidFill>
+                  <a:srgbClr val="C00000"/>
+                </a:solidFill>
+                <a:latin typeface="Consolas" panose="020B0609020204030204" pitchFamily="49" charset="0"/>
+              </a:rPr>
+              <a:t>                </a:t>
+            </a:r>
+            <a:r>
+              <a:rPr lang="en-US" sz="1600" b="1" dirty="0">
+                <a:solidFill>
+                  <a:srgbClr val="C00000"/>
+                </a:solidFill>
+                <a:latin typeface="Consolas" panose="020B0609020204030204" pitchFamily="49" charset="0"/>
+              </a:rPr>
+              <a:t>sum_ += </a:t>
+            </a:r>
+            <a:r>
+              <a:rPr lang="en-US" sz="1600" b="1" dirty="0" err="1">
+                <a:solidFill>
+                  <a:srgbClr val="C00000"/>
+                </a:solidFill>
+                <a:latin typeface="Consolas" panose="020B0609020204030204" pitchFamily="49" charset="0"/>
+              </a:rPr>
+              <a:t>val</a:t>
+            </a:r>
+            <a:r>
+              <a:rPr lang="en-US" sz="1600" b="1" dirty="0" smtClean="0">
+                <a:solidFill>
+                  <a:srgbClr val="C00000"/>
+                </a:solidFill>
+                <a:latin typeface="Consolas" panose="020B0609020204030204" pitchFamily="49" charset="0"/>
+              </a:rPr>
+              <a:t>;</a:t>
+            </a:r>
+            <a:endParaRPr lang="en-US" sz="1600" b="1" dirty="0">
+              <a:solidFill>
+                <a:srgbClr val="C00000"/>
+              </a:solidFill>
+              <a:latin typeface="Consolas" panose="020B0609020204030204" pitchFamily="49" charset="0"/>
+            </a:endParaRPr>
+          </a:p>
+          <a:p>
+            <a:r>
+              <a:rPr lang="en-US" sz="1600" b="1" dirty="0" smtClean="0">
+                <a:solidFill>
+                  <a:srgbClr val="C00000"/>
+                </a:solidFill>
+                <a:latin typeface="Consolas" panose="020B0609020204030204" pitchFamily="49" charset="0"/>
+              </a:rPr>
+              <a:t>                </a:t>
+            </a:r>
+            <a:r>
+              <a:rPr lang="en-US" sz="1600" b="1" dirty="0">
+                <a:solidFill>
+                  <a:srgbClr val="C00000"/>
+                </a:solidFill>
+                <a:latin typeface="Consolas" panose="020B0609020204030204" pitchFamily="49" charset="0"/>
+              </a:rPr>
+              <a:t>sum2_ += </a:t>
+            </a:r>
+            <a:r>
+              <a:rPr lang="en-US" sz="1600" b="1" dirty="0" err="1">
+                <a:solidFill>
+                  <a:srgbClr val="C00000"/>
+                </a:solidFill>
+                <a:latin typeface="Consolas" panose="020B0609020204030204" pitchFamily="49" charset="0"/>
+              </a:rPr>
+              <a:t>val</a:t>
+            </a:r>
+            <a:r>
+              <a:rPr lang="en-US" sz="1600" b="1" dirty="0">
+                <a:solidFill>
+                  <a:srgbClr val="C00000"/>
+                </a:solidFill>
+                <a:latin typeface="Consolas" panose="020B0609020204030204" pitchFamily="49" charset="0"/>
+              </a:rPr>
+              <a:t>*</a:t>
+            </a:r>
+            <a:r>
+              <a:rPr lang="en-US" sz="1600" b="1" dirty="0" err="1">
+                <a:solidFill>
+                  <a:srgbClr val="C00000"/>
+                </a:solidFill>
+                <a:latin typeface="Consolas" panose="020B0609020204030204" pitchFamily="49" charset="0"/>
+              </a:rPr>
+              <a:t>val</a:t>
+            </a:r>
+            <a:r>
+              <a:rPr lang="en-US" sz="1600" b="1" dirty="0">
+                <a:solidFill>
+                  <a:srgbClr val="C00000"/>
+                </a:solidFill>
+                <a:latin typeface="Consolas" panose="020B0609020204030204" pitchFamily="49" charset="0"/>
+              </a:rPr>
+              <a:t>; </a:t>
+            </a:r>
+            <a:r>
+              <a:rPr lang="en-US" sz="1600" b="1" dirty="0" smtClean="0">
+                <a:solidFill>
+                  <a:srgbClr val="C00000"/>
+                </a:solidFill>
+                <a:latin typeface="Consolas" panose="020B0609020204030204" pitchFamily="49" charset="0"/>
+              </a:rPr>
+              <a:t>}</a:t>
+            </a:r>
+            <a:endParaRPr lang="en-US" sz="1600" b="1" dirty="0">
+              <a:solidFill>
+                <a:srgbClr val="C00000"/>
+              </a:solidFill>
+              <a:latin typeface="Consolas" panose="020B0609020204030204" pitchFamily="49" charset="0"/>
+            </a:endParaRPr>
+          </a:p>
+          <a:p>
+            <a:r>
+              <a:rPr lang="en-US" sz="1600" b="1" dirty="0" smtClean="0">
+                <a:solidFill>
+                  <a:srgbClr val="C00000"/>
+                </a:solidFill>
+                <a:latin typeface="Consolas" panose="020B0609020204030204" pitchFamily="49" charset="0"/>
+              </a:rPr>
+              <a:t>        }</a:t>
+            </a:r>
+            <a:endParaRPr lang="en-US" sz="1600" b="1" dirty="0">
+              <a:solidFill>
+                <a:srgbClr val="C00000"/>
+              </a:solidFill>
+              <a:latin typeface="Consolas" panose="020B0609020204030204" pitchFamily="49" charset="0"/>
+            </a:endParaRPr>
+          </a:p>
+          <a:p>
+            <a:r>
+              <a:rPr lang="en-US" sz="1600" b="1" dirty="0" smtClean="0">
+                <a:solidFill>
+                  <a:srgbClr val="C00000"/>
+                </a:solidFill>
+                <a:latin typeface="Consolas" panose="020B0609020204030204" pitchFamily="49" charset="0"/>
+              </a:rPr>
+              <a:t>        void join(</a:t>
+            </a:r>
+            <a:r>
+              <a:rPr lang="en-US" sz="1600" b="1" dirty="0" err="1" smtClean="0">
+                <a:solidFill>
+                  <a:srgbClr val="C00000"/>
+                </a:solidFill>
+                <a:latin typeface="Consolas" panose="020B0609020204030204" pitchFamily="49" charset="0"/>
+              </a:rPr>
+              <a:t>const</a:t>
+            </a:r>
+            <a:r>
+              <a:rPr lang="en-US" sz="1600" b="1" dirty="0" smtClean="0">
+                <a:solidFill>
+                  <a:srgbClr val="C00000"/>
+                </a:solidFill>
+                <a:latin typeface="Consolas" panose="020B0609020204030204" pitchFamily="49" charset="0"/>
+              </a:rPr>
+              <a:t> </a:t>
+            </a:r>
+            <a:r>
+              <a:rPr lang="en-US" sz="1600" b="1" dirty="0">
+                <a:solidFill>
+                  <a:srgbClr val="C00000"/>
+                </a:solidFill>
+                <a:latin typeface="Consolas" panose="020B0609020204030204" pitchFamily="49" charset="0"/>
+              </a:rPr>
+              <a:t>Stats&amp; stats) {</a:t>
+            </a:r>
+          </a:p>
+          <a:p>
+            <a:r>
+              <a:rPr lang="en-US" sz="1600" b="1" dirty="0" smtClean="0">
+                <a:solidFill>
+                  <a:srgbClr val="C00000"/>
+                </a:solidFill>
+                <a:latin typeface="Consolas" panose="020B0609020204030204" pitchFamily="49" charset="0"/>
+              </a:rPr>
+              <a:t>             </a:t>
+            </a:r>
+            <a:r>
+              <a:rPr lang="en-US" sz="1600" b="1" dirty="0">
+                <a:solidFill>
+                  <a:srgbClr val="C00000"/>
+                </a:solidFill>
+                <a:latin typeface="Consolas" panose="020B0609020204030204" pitchFamily="49" charset="0"/>
+              </a:rPr>
+              <a:t>sum_ += </a:t>
+            </a:r>
+            <a:r>
+              <a:rPr lang="en-US" sz="1600" b="1" dirty="0" err="1">
+                <a:solidFill>
+                  <a:srgbClr val="C00000"/>
+                </a:solidFill>
+                <a:latin typeface="Consolas" panose="020B0609020204030204" pitchFamily="49" charset="0"/>
+              </a:rPr>
+              <a:t>stats.sum</a:t>
+            </a:r>
+            <a:r>
+              <a:rPr lang="en-US" sz="1600" b="1" dirty="0">
+                <a:solidFill>
+                  <a:srgbClr val="C00000"/>
+                </a:solidFill>
+                <a:latin typeface="Consolas" panose="020B0609020204030204" pitchFamily="49" charset="0"/>
+              </a:rPr>
+              <a:t>_;</a:t>
+            </a:r>
+          </a:p>
+          <a:p>
+            <a:r>
+              <a:rPr lang="en-US" sz="1600" b="1" dirty="0" smtClean="0">
+                <a:solidFill>
+                  <a:srgbClr val="C00000"/>
+                </a:solidFill>
+                <a:latin typeface="Consolas" panose="020B0609020204030204" pitchFamily="49" charset="0"/>
+              </a:rPr>
+              <a:t>             </a:t>
+            </a:r>
+            <a:r>
+              <a:rPr lang="en-US" sz="1600" b="1" dirty="0">
+                <a:solidFill>
+                  <a:srgbClr val="C00000"/>
+                </a:solidFill>
+                <a:latin typeface="Consolas" panose="020B0609020204030204" pitchFamily="49" charset="0"/>
+              </a:rPr>
+              <a:t>sum2_ += stats.sum2_;</a:t>
+            </a:r>
+          </a:p>
+          <a:p>
+            <a:r>
+              <a:rPr lang="en-US" sz="1600" b="1" dirty="0" smtClean="0">
+                <a:solidFill>
+                  <a:srgbClr val="C00000"/>
+                </a:solidFill>
+                <a:latin typeface="Consolas" panose="020B0609020204030204" pitchFamily="49" charset="0"/>
+              </a:rPr>
+              <a:t>        }</a:t>
+            </a:r>
+            <a:endParaRPr lang="en-US" sz="1600" b="1" dirty="0">
+              <a:solidFill>
+                <a:srgbClr val="C00000"/>
+              </a:solidFill>
+              <a:latin typeface="Consolas" panose="020B0609020204030204" pitchFamily="49" charset="0"/>
+            </a:endParaRPr>
+          </a:p>
+          <a:p>
+            <a:r>
+              <a:rPr lang="en-US" sz="1600" dirty="0" smtClean="0">
+                <a:latin typeface="Consolas" panose="020B0609020204030204" pitchFamily="49" charset="0"/>
+              </a:rPr>
+              <a:t>        double </a:t>
+            </a:r>
+            <a:r>
+              <a:rPr lang="en-US" sz="1600" dirty="0">
+                <a:latin typeface="Consolas" panose="020B0609020204030204" pitchFamily="49" charset="0"/>
+              </a:rPr>
+              <a:t>mean() </a:t>
+            </a:r>
+            <a:r>
+              <a:rPr lang="en-US" sz="1600" dirty="0" err="1">
+                <a:latin typeface="Consolas" panose="020B0609020204030204" pitchFamily="49" charset="0"/>
+              </a:rPr>
+              <a:t>const</a:t>
+            </a:r>
+            <a:r>
+              <a:rPr lang="en-US" sz="1600" dirty="0">
+                <a:latin typeface="Consolas" panose="020B0609020204030204" pitchFamily="49" charset="0"/>
+              </a:rPr>
+              <a:t> { return sum_/n_; }</a:t>
+            </a:r>
+          </a:p>
+          <a:p>
+            <a:r>
+              <a:rPr lang="en-US" sz="1600" dirty="0">
+                <a:latin typeface="Consolas" panose="020B0609020204030204" pitchFamily="49" charset="0"/>
+              </a:rPr>
+              <a:t>        double </a:t>
+            </a:r>
+            <a:r>
+              <a:rPr lang="en-US" sz="1600" dirty="0" err="1">
+                <a:latin typeface="Consolas" panose="020B0609020204030204" pitchFamily="49" charset="0"/>
+              </a:rPr>
+              <a:t>stddev</a:t>
+            </a:r>
+            <a:r>
+              <a:rPr lang="en-US" sz="1600" dirty="0">
+                <a:latin typeface="Consolas" panose="020B0609020204030204" pitchFamily="49" charset="0"/>
+              </a:rPr>
+              <a:t>() </a:t>
+            </a:r>
+            <a:r>
+              <a:rPr lang="en-US" sz="1600" dirty="0" err="1" smtClean="0">
+                <a:latin typeface="Consolas" panose="020B0609020204030204" pitchFamily="49" charset="0"/>
+              </a:rPr>
+              <a:t>const</a:t>
+            </a:r>
+            <a:r>
+              <a:rPr lang="en-US" sz="1600" dirty="0" smtClean="0">
+                <a:latin typeface="Consolas" panose="020B0609020204030204" pitchFamily="49" charset="0"/>
+              </a:rPr>
+              <a:t> {…};</a:t>
+            </a:r>
+            <a:endParaRPr lang="en-US" sz="1600" dirty="0">
+              <a:latin typeface="Consolas" panose="020B0609020204030204" pitchFamily="49" charset="0"/>
+            </a:endParaRPr>
+          </a:p>
+          <a:p>
+            <a:r>
+              <a:rPr lang="en-US" sz="1600" dirty="0" smtClean="0">
+                <a:latin typeface="Consolas" panose="020B0609020204030204" pitchFamily="49" charset="0"/>
+              </a:rPr>
+              <a:t>};</a:t>
+            </a:r>
+            <a:endParaRPr lang="en-US" sz="1600" dirty="0">
+              <a:latin typeface="Consolas" panose="020B0609020204030204" pitchFamily="49" charset="0"/>
+            </a:endParaRPr>
+          </a:p>
+        </p:txBody>
+      </p:sp>
+      <p:sp>
+        <p:nvSpPr>
+          <p:cNvPr id="30" name="TextBox 29"/>
+          <p:cNvSpPr txBox="1"/>
+          <p:nvPr/>
+        </p:nvSpPr>
+        <p:spPr>
+          <a:xfrm>
+            <a:off x="7196228" y="4058129"/>
+            <a:ext cx="4560864" cy="2308324"/>
+          </a:xfrm>
+          <a:prstGeom prst="rect">
+            <a:avLst/>
+          </a:prstGeom>
+          <a:solidFill>
+            <a:schemeClr val="bg1">
+              <a:lumMod val="85000"/>
+            </a:schemeClr>
+          </a:solidFill>
+          <a:ln>
+            <a:solidFill>
+              <a:schemeClr val="tx1"/>
+            </a:solidFill>
+          </a:ln>
+        </p:spPr>
+        <p:txBody>
+          <a:bodyPr wrap="none" rtlCol="0">
+            <a:spAutoFit/>
+          </a:bodyPr>
+          <a:lstStyle/>
+          <a:p>
+            <a:r>
+              <a:rPr lang="en-US" sz="1600" dirty="0" smtClean="0">
+                <a:latin typeface="Consolas" panose="020B0609020204030204" pitchFamily="49" charset="0"/>
+              </a:rPr>
+              <a:t>…</a:t>
+            </a:r>
+          </a:p>
+          <a:p>
+            <a:r>
+              <a:rPr lang="en-US" sz="1600" dirty="0" smtClean="0">
+                <a:latin typeface="Consolas" panose="020B0609020204030204" pitchFamily="49" charset="0"/>
+              </a:rPr>
+              <a:t>Vector data = …; </a:t>
+            </a:r>
+          </a:p>
+          <a:p>
+            <a:r>
+              <a:rPr lang="en-US" sz="1600" dirty="0" smtClean="0">
+                <a:latin typeface="Consolas" panose="020B0609020204030204" pitchFamily="49" charset="0"/>
+              </a:rPr>
+              <a:t>Stats </a:t>
+            </a:r>
+            <a:r>
+              <a:rPr lang="en-US" sz="1600" dirty="0">
+                <a:latin typeface="Consolas" panose="020B0609020204030204" pitchFamily="49" charset="0"/>
+              </a:rPr>
+              <a:t>stats(&amp;data</a:t>
+            </a:r>
+            <a:r>
+              <a:rPr lang="en-US" sz="1600" dirty="0" smtClean="0">
+                <a:latin typeface="Consolas" panose="020B0609020204030204" pitchFamily="49" charset="0"/>
+              </a:rPr>
+              <a:t>);</a:t>
+            </a:r>
+          </a:p>
+          <a:p>
+            <a:r>
+              <a:rPr lang="en-US" sz="1600" dirty="0" err="1">
+                <a:latin typeface="Consolas" panose="020B0609020204030204" pitchFamily="49" charset="0"/>
+              </a:rPr>
+              <a:t>tbb</a:t>
+            </a:r>
+            <a:r>
+              <a:rPr lang="en-US" sz="1600" dirty="0">
+                <a:latin typeface="Consolas" panose="020B0609020204030204" pitchFamily="49" charset="0"/>
+              </a:rPr>
+              <a:t>::</a:t>
+            </a:r>
+            <a:r>
+              <a:rPr lang="en-US" sz="1600" dirty="0" err="1">
+                <a:latin typeface="Consolas" panose="020B0609020204030204" pitchFamily="49" charset="0"/>
+              </a:rPr>
+              <a:t>blocked_range</a:t>
+            </a:r>
+            <a:r>
+              <a:rPr lang="en-US" sz="1600" dirty="0">
+                <a:latin typeface="Consolas" panose="020B0609020204030204" pitchFamily="49" charset="0"/>
+              </a:rPr>
+              <a:t>&lt;</a:t>
+            </a:r>
+            <a:r>
+              <a:rPr lang="en-US" sz="1600" dirty="0" err="1">
+                <a:latin typeface="Consolas" panose="020B0609020204030204" pitchFamily="49" charset="0"/>
+              </a:rPr>
+              <a:t>std</a:t>
+            </a:r>
+            <a:r>
+              <a:rPr lang="en-US" sz="1600" dirty="0">
+                <a:latin typeface="Consolas" panose="020B0609020204030204" pitchFamily="49" charset="0"/>
+              </a:rPr>
+              <a:t>::</a:t>
+            </a:r>
+            <a:r>
+              <a:rPr lang="en-US" sz="1600" dirty="0" err="1">
+                <a:latin typeface="Consolas" panose="020B0609020204030204" pitchFamily="49" charset="0"/>
+              </a:rPr>
+              <a:t>size_t</a:t>
+            </a:r>
+            <a:r>
+              <a:rPr lang="en-US" sz="1600" dirty="0" smtClean="0">
+                <a:latin typeface="Consolas" panose="020B0609020204030204" pitchFamily="49" charset="0"/>
+              </a:rPr>
+              <a:t>&gt; ranges(</a:t>
+            </a:r>
+          </a:p>
+          <a:p>
+            <a:r>
+              <a:rPr lang="en-US" sz="1600" dirty="0">
+                <a:latin typeface="Consolas" panose="020B0609020204030204" pitchFamily="49" charset="0"/>
+              </a:rPr>
+              <a:t> </a:t>
+            </a:r>
+            <a:r>
+              <a:rPr lang="en-US" sz="1600" dirty="0" smtClean="0">
+                <a:latin typeface="Consolas" panose="020B0609020204030204" pitchFamily="49" charset="0"/>
+              </a:rPr>
+              <a:t>   0ul, </a:t>
+            </a:r>
+            <a:r>
+              <a:rPr lang="en-US" sz="1600" dirty="0" err="1">
+                <a:latin typeface="Consolas" panose="020B0609020204030204" pitchFamily="49" charset="0"/>
+              </a:rPr>
+              <a:t>data.size</a:t>
+            </a:r>
+            <a:r>
+              <a:rPr lang="en-US" sz="1600" dirty="0">
+                <a:latin typeface="Consolas" panose="020B0609020204030204" pitchFamily="49" charset="0"/>
+              </a:rPr>
+              <a:t>(), </a:t>
+            </a:r>
+            <a:r>
+              <a:rPr lang="en-US" sz="1600" dirty="0" err="1" smtClean="0">
+                <a:latin typeface="Consolas" panose="020B0609020204030204" pitchFamily="49" charset="0"/>
+              </a:rPr>
+              <a:t>grain_size</a:t>
+            </a:r>
+            <a:endParaRPr lang="en-US" sz="1600" dirty="0" smtClean="0">
+              <a:latin typeface="Consolas" panose="020B0609020204030204" pitchFamily="49" charset="0"/>
+            </a:endParaRPr>
+          </a:p>
+          <a:p>
+            <a:r>
+              <a:rPr lang="en-US" sz="1600" dirty="0" smtClean="0">
+                <a:latin typeface="Consolas" panose="020B0609020204030204" pitchFamily="49" charset="0"/>
+              </a:rPr>
+              <a:t>);</a:t>
+            </a:r>
+            <a:endParaRPr lang="en-US" sz="1600" dirty="0">
+              <a:latin typeface="Consolas" panose="020B0609020204030204" pitchFamily="49" charset="0"/>
+            </a:endParaRPr>
+          </a:p>
+          <a:p>
+            <a:r>
+              <a:rPr lang="en-US" sz="1600" dirty="0" err="1" smtClean="0">
+                <a:latin typeface="Consolas" panose="020B0609020204030204" pitchFamily="49" charset="0"/>
+              </a:rPr>
+              <a:t>tbb</a:t>
+            </a:r>
+            <a:r>
+              <a:rPr lang="en-US" sz="1600" dirty="0">
+                <a:latin typeface="Consolas" panose="020B0609020204030204" pitchFamily="49" charset="0"/>
+              </a:rPr>
+              <a:t>::</a:t>
+            </a:r>
+            <a:r>
+              <a:rPr lang="en-US" sz="1600" dirty="0" err="1" smtClean="0">
+                <a:latin typeface="Consolas" panose="020B0609020204030204" pitchFamily="49" charset="0"/>
+              </a:rPr>
+              <a:t>parallel_reduce</a:t>
+            </a:r>
+            <a:r>
+              <a:rPr lang="en-US" sz="1600" dirty="0" smtClean="0">
+                <a:latin typeface="Consolas" panose="020B0609020204030204" pitchFamily="49" charset="0"/>
+              </a:rPr>
+              <a:t>(ranges, </a:t>
+            </a:r>
+            <a:r>
+              <a:rPr lang="en-US" sz="1600" dirty="0">
+                <a:latin typeface="Consolas" panose="020B0609020204030204" pitchFamily="49" charset="0"/>
+              </a:rPr>
+              <a:t>stats</a:t>
+            </a:r>
+            <a:r>
+              <a:rPr lang="en-US" sz="1600" dirty="0" smtClean="0">
+                <a:latin typeface="Consolas" panose="020B0609020204030204" pitchFamily="49" charset="0"/>
+              </a:rPr>
+              <a:t>);</a:t>
+            </a:r>
+          </a:p>
+          <a:p>
+            <a:r>
+              <a:rPr lang="en-US" sz="1600" dirty="0" err="1" smtClean="0">
+                <a:latin typeface="Consolas" panose="020B0609020204030204" pitchFamily="49" charset="0"/>
+              </a:rPr>
+              <a:t>std</a:t>
+            </a:r>
+            <a:r>
+              <a:rPr lang="en-US" sz="1600" dirty="0" smtClean="0">
+                <a:latin typeface="Consolas" panose="020B0609020204030204" pitchFamily="49" charset="0"/>
+              </a:rPr>
+              <a:t>::</a:t>
+            </a:r>
+            <a:r>
+              <a:rPr lang="en-US" sz="1600" dirty="0" err="1" smtClean="0">
+                <a:latin typeface="Consolas" panose="020B0609020204030204" pitchFamily="49" charset="0"/>
+              </a:rPr>
+              <a:t>cout</a:t>
+            </a:r>
+            <a:r>
+              <a:rPr lang="en-US" sz="1600" dirty="0" smtClean="0">
+                <a:latin typeface="Consolas" panose="020B0609020204030204" pitchFamily="49" charset="0"/>
+              </a:rPr>
+              <a:t> &lt;&lt; </a:t>
+            </a:r>
+            <a:r>
+              <a:rPr lang="en-US" sz="1600" dirty="0" err="1" smtClean="0">
+                <a:latin typeface="Consolas" panose="020B0609020204030204" pitchFamily="49" charset="0"/>
+              </a:rPr>
+              <a:t>stats.mean</a:t>
+            </a:r>
+            <a:r>
+              <a:rPr lang="en-US" sz="1600" dirty="0" smtClean="0">
+                <a:latin typeface="Consolas" panose="020B0609020204030204" pitchFamily="49" charset="0"/>
+              </a:rPr>
+              <a:t>();</a:t>
+            </a:r>
+          </a:p>
+          <a:p>
+            <a:r>
+              <a:rPr lang="en-US" sz="1600" dirty="0" smtClean="0">
+                <a:latin typeface="Consolas" panose="020B0609020204030204" pitchFamily="49" charset="0"/>
+              </a:rPr>
+              <a:t>…</a:t>
+            </a:r>
+            <a:endParaRPr lang="en-US" sz="1600" dirty="0">
+              <a:latin typeface="Consolas" panose="020B0609020204030204" pitchFamily="49" charset="0"/>
+            </a:endParaRPr>
+          </a:p>
+        </p:txBody>
+      </p:sp>
+    </p:spTree>
+    <p:extLst>
+      <p:ext uri="{BB962C8B-B14F-4D97-AF65-F5344CB8AC3E}">
+        <p14:creationId xmlns:p14="http://schemas.microsoft.com/office/powerpoint/2010/main" val="3299370127"/>
       </p:ext>
     </p:extLst>
   </p:cSld>
@@ -9387,7 +13661,9 @@
           <a:p>
             <a:pPr lvl="1"/>
             <a:r>
-              <a:rPr lang="en-US" dirty="0" err="1" smtClean="0"/>
+              <a:rPr lang="en-US" dirty="0" err="1" smtClean="0">
+                <a:latin typeface="Consolas" panose="020B0609020204030204" pitchFamily="49" charset="0"/>
+              </a:rPr>
               <a:t>parallel_for</a:t>
             </a:r>
             <a:r>
@@ -9395,7 +13671,9 @@
               <a:t>, </a:t>
             </a:r>
             <a:r>
-              <a:rPr lang="en-US" dirty="0" err="1" smtClean="0"/>
+              <a:rPr lang="en-US" dirty="0" err="1" smtClean="0">
+                <a:latin typeface="Consolas" panose="020B0609020204030204" pitchFamily="49" charset="0"/>
+              </a:rPr>
               <a:t>parallel_reduce</a:t>
             </a:r>
             <a:r>
@@ -9403,7 +13681,9 @@
               <a:t>, </a:t>
             </a:r>
             <a:r>
-              <a:rPr lang="en-US" dirty="0" err="1" smtClean="0"/>
+              <a:rPr lang="en-US" dirty="0" err="1" smtClean="0">
+                <a:latin typeface="Consolas" panose="020B0609020204030204" pitchFamily="49" charset="0"/>
+              </a:rPr>
               <a:t>parallel_scan</a:t>
             </a:r>
             <a:r>
@@ -9411,18 +13691,34 @@
               <a:t>, </a:t>
             </a:r>
             <a:r>
-              <a:rPr lang="en-US" dirty="0" err="1" smtClean="0"/>
+              <a:rPr lang="en-US" dirty="0" err="1" smtClean="0">
+                <a:latin typeface="Consolas" panose="020B0609020204030204" pitchFamily="49" charset="0"/>
+              </a:rPr>
               <a:t>parallel_do</a:t>
             </a:r>
             <a:r>
               <a:rPr lang="en-US" dirty="0" smtClean="0"/>
-              <a:t>, pipeline, </a:t>
-            </a:r>
-            <a:r>
-              <a:rPr lang="en-US" dirty="0" err="1" smtClean="0"/>
+              <a:t>, </a:t>
+            </a:r>
+            <a:r>
+              <a:rPr lang="en-US" dirty="0" smtClean="0">
+                <a:latin typeface="Consolas" panose="020B0609020204030204" pitchFamily="49" charset="0"/>
+              </a:rPr>
+              <a:t>pipeline</a:t>
+            </a:r>
+            <a:r>
+              <a:rPr lang="en-US" dirty="0" smtClean="0"/>
+              <a:t>, </a:t>
+            </a:r>
+            <a:r>
+              <a:rPr lang="en-US" dirty="0" err="1" smtClean="0">
+                <a:latin typeface="Consolas" panose="020B0609020204030204" pitchFamily="49" charset="0"/>
+              </a:rPr>
               <a:t>parallel_sort</a:t>
             </a:r>
-            <a:endParaRPr lang="en-US" dirty="0" smtClean="0"/>
+            <a:endParaRPr lang="en-US" dirty="0" smtClean="0">
+              <a:latin typeface="Consolas" panose="020B0609020204030204" pitchFamily="49" charset="0"/>
+            </a:endParaRPr>
           </a:p>
           <a:p>
             <a:r>
@@ -9439,7 +13735,9 @@
           <a:p>
             <a:pPr lvl="1"/>
             <a:r>
-              <a:rPr lang="en-US" dirty="0" err="1" smtClean="0"/>
+              <a:rPr lang="en-US" dirty="0" err="1" smtClean="0">
+                <a:latin typeface="Consolas" panose="020B0609020204030204" pitchFamily="49" charset="0"/>
+              </a:rPr>
               <a:t>concurrent_queue</a:t>
             </a:r>
             <a:r>
@@ -9447,7 +13745,9 @@
               <a:t>, </a:t>
             </a:r>
             <a:r>
-              <a:rPr lang="en-US" dirty="0" err="1" smtClean="0"/>
+              <a:rPr lang="en-US" dirty="0" err="1" smtClean="0">
+                <a:latin typeface="Consolas" panose="020B0609020204030204" pitchFamily="49" charset="0"/>
+              </a:rPr>
               <a:t>concurrent_vector</a:t>
             </a:r>
             <a:r>
@@ -9455,10 +13755,14 @@
               <a:t>, </a:t>
             </a:r>
             <a:r>
-              <a:rPr lang="en-US" dirty="0" err="1" smtClean="0"/>
+              <a:rPr lang="en-US" dirty="0" err="1" smtClean="0">
+                <a:latin typeface="Consolas" panose="020B0609020204030204" pitchFamily="49" charset="0"/>
+              </a:rPr>
               <a:t>concurrent_hash_map</a:t>
             </a:r>
-            <a:endParaRPr lang="en-US" dirty="0" smtClean="0"/>
+            <a:endParaRPr lang="en-US" dirty="0" smtClean="0">
+              <a:latin typeface="Consolas" panose="020B0609020204030204" pitchFamily="49" charset="0"/>
+            </a:endParaRPr>
           </a:p>
           <a:p>
             <a:r>
@@ -9827,6 +14131,11 @@
               <a:lumMod val="85000"/>
             </a:schemeClr>
           </a:solidFill>
+          <a:ln>
+            <a:solidFill>
+              <a:schemeClr val="tx1"/>
+            </a:solidFill>
+          </a:ln>
         </p:spPr>
         <p:txBody>
           <a:bodyPr wrap="none" rtlCol="0">
@@ -10002,42 +14311,241 @@
               <a:t>i</a:t>
             </a:r>
             <a:r>
-              <a:rPr lang="en-US" sz="1600" dirty="0">
+              <a:rPr lang="en-US" sz="1600" dirty="0" smtClean="0">
                 <a:latin typeface="Consolas" panose="020B0609020204030204" pitchFamily="49" charset="0"/>
               </a:rPr>
               <a:t>);</a:t>
             </a:r>
           </a:p>
           <a:p>
-            <a:r>
-              <a:rPr lang="en-US" sz="1600" dirty="0">
-                <a:latin typeface="Consolas" panose="020B0609020204030204" pitchFamily="49" charset="0"/>
-              </a:rPr>
-              <a:t>    for (auto it = </a:t>
+            <a:endParaRPr lang="en-US" sz="1600" dirty="0">
+              <a:latin typeface="Consolas" panose="020B0609020204030204" pitchFamily="49" charset="0"/>
+            </a:endParaRPr>
+          </a:p>
+          <a:p>
+            <a:r>
+              <a:rPr lang="en-US" sz="1600" dirty="0">
+                <a:latin typeface="Consolas" panose="020B0609020204030204" pitchFamily="49" charset="0"/>
+              </a:rPr>
+              <a:t>    for (</a:t>
+            </a:r>
+            <a:r>
+              <a:rPr lang="en-US" sz="1600" b="1" dirty="0">
+                <a:solidFill>
+                  <a:srgbClr val="C00000"/>
+                </a:solidFill>
+                <a:latin typeface="Consolas" panose="020B0609020204030204" pitchFamily="49" charset="0"/>
+              </a:rPr>
+              <a:t>auto it = </a:t>
+            </a:r>
+            <a:r>
+              <a:rPr lang="en-US" sz="1600" b="1" dirty="0" err="1">
+                <a:solidFill>
+                  <a:srgbClr val="C00000"/>
+                </a:solidFill>
+                <a:latin typeface="Consolas" panose="020B0609020204030204" pitchFamily="49" charset="0"/>
+              </a:rPr>
+              <a:t>v.cbegin</a:t>
+            </a:r>
+            <a:r>
+              <a:rPr lang="en-US" sz="1600" b="1" dirty="0">
+                <a:solidFill>
+                  <a:srgbClr val="C00000"/>
+                </a:solidFill>
+                <a:latin typeface="Consolas" panose="020B0609020204030204" pitchFamily="49" charset="0"/>
+              </a:rPr>
+              <a:t>(); it != </a:t>
+            </a:r>
+            <a:r>
+              <a:rPr lang="en-US" sz="1600" b="1" dirty="0" err="1">
+                <a:solidFill>
+                  <a:srgbClr val="C00000"/>
+                </a:solidFill>
+                <a:latin typeface="Consolas" panose="020B0609020204030204" pitchFamily="49" charset="0"/>
+              </a:rPr>
+              <a:t>v.cend</a:t>
+            </a:r>
+            <a:r>
+              <a:rPr lang="en-US" sz="1600" b="1" dirty="0">
+                <a:solidFill>
+                  <a:srgbClr val="C00000"/>
+                </a:solidFill>
+                <a:latin typeface="Consolas" panose="020B0609020204030204" pitchFamily="49" charset="0"/>
+              </a:rPr>
+              <a:t>(); ++it</a:t>
+            </a:r>
+            <a:r>
+              <a:rPr lang="en-US" sz="1600" dirty="0">
+                <a:latin typeface="Consolas" panose="020B0609020204030204" pitchFamily="49" charset="0"/>
+              </a:rPr>
+              <a:t>)</a:t>
+            </a:r>
+          </a:p>
+          <a:p>
+            <a:r>
+              <a:rPr lang="en-US" sz="1600" dirty="0">
+                <a:latin typeface="Consolas" panose="020B0609020204030204" pitchFamily="49" charset="0"/>
+              </a:rPr>
+              <a:t>        </a:t>
             </a:r>
             <a:r>
               <a:rPr lang="en-US" sz="1600" dirty="0" err="1">
                 <a:latin typeface="Consolas" panose="020B0609020204030204" pitchFamily="49" charset="0"/>
               </a:rPr>
-              <a:t>v.cbegin</a:t>
-            </a:r>
-            <a:r>
-              <a:rPr lang="en-US" sz="1600" dirty="0">
+              <a:t>std</a:t>
+            </a:r>
+            <a:r>
+              <a:rPr lang="en-US" sz="1600" dirty="0">
+                <a:latin typeface="Consolas" panose="020B0609020204030204" pitchFamily="49" charset="0"/>
+              </a:rPr>
+              <a:t>::</a:t>
+            </a:r>
+            <a:r>
+              <a:rPr lang="en-US" sz="1600" dirty="0" err="1">
+                <a:latin typeface="Consolas" panose="020B0609020204030204" pitchFamily="49" charset="0"/>
+              </a:rPr>
+              <a:t>cout</a:t>
+            </a:r>
+            <a:r>
+              <a:rPr lang="en-US" sz="1600" dirty="0">
+                <a:latin typeface="Consolas" panose="020B0609020204030204" pitchFamily="49" charset="0"/>
+              </a:rPr>
+              <a:t> &lt;&lt; </a:t>
+            </a:r>
+            <a:r>
+              <a:rPr lang="en-US" sz="1600" b="1" dirty="0">
+                <a:solidFill>
+                  <a:srgbClr val="C00000"/>
+                </a:solidFill>
+                <a:latin typeface="Consolas" panose="020B0609020204030204" pitchFamily="49" charset="0"/>
+              </a:rPr>
+              <a:t>*it</a:t>
+            </a:r>
+            <a:r>
+              <a:rPr lang="en-US" sz="1600" dirty="0">
+                <a:latin typeface="Consolas" panose="020B0609020204030204" pitchFamily="49" charset="0"/>
+              </a:rPr>
+              <a:t> &lt;&lt; " ";</a:t>
+            </a:r>
+          </a:p>
+          <a:p>
+            <a:r>
+              <a:rPr lang="en-US" sz="1600" dirty="0">
+                <a:latin typeface="Consolas" panose="020B0609020204030204" pitchFamily="49" charset="0"/>
+              </a:rPr>
+              <a:t>    </a:t>
+            </a:r>
+            <a:r>
+              <a:rPr lang="en-US" sz="1600" dirty="0" err="1">
+                <a:latin typeface="Consolas" panose="020B0609020204030204" pitchFamily="49" charset="0"/>
+              </a:rPr>
+              <a:t>std</a:t>
+            </a:r>
+            <a:r>
+              <a:rPr lang="en-US" sz="1600" dirty="0">
+                <a:latin typeface="Consolas" panose="020B0609020204030204" pitchFamily="49" charset="0"/>
+              </a:rPr>
+              <a:t>::</a:t>
+            </a:r>
+            <a:r>
+              <a:rPr lang="en-US" sz="1600" dirty="0" err="1">
+                <a:latin typeface="Consolas" panose="020B0609020204030204" pitchFamily="49" charset="0"/>
+              </a:rPr>
+              <a:t>cout</a:t>
+            </a:r>
+            <a:r>
+              <a:rPr lang="en-US" sz="1600" dirty="0">
+                <a:latin typeface="Consolas" panose="020B0609020204030204" pitchFamily="49" charset="0"/>
+              </a:rPr>
+              <a:t> &lt;&lt; </a:t>
+            </a:r>
+            <a:r>
+              <a:rPr lang="en-US" sz="1600" dirty="0" err="1">
+                <a:latin typeface="Consolas" panose="020B0609020204030204" pitchFamily="49" charset="0"/>
+              </a:rPr>
+              <a:t>std</a:t>
+            </a:r>
+            <a:r>
+              <a:rPr lang="en-US" sz="1600" dirty="0">
+                <a:latin typeface="Consolas" panose="020B0609020204030204" pitchFamily="49" charset="0"/>
+              </a:rPr>
+              <a:t>::</a:t>
+            </a:r>
+            <a:r>
+              <a:rPr lang="en-US" sz="1600" dirty="0" err="1">
+                <a:latin typeface="Consolas" panose="020B0609020204030204" pitchFamily="49" charset="0"/>
+              </a:rPr>
+              <a:t>endl</a:t>
+            </a:r>
+            <a:r>
+              <a:rPr lang="en-US" sz="1600" dirty="0" smtClean="0">
+                <a:latin typeface="Consolas" panose="020B0609020204030204" pitchFamily="49" charset="0"/>
+              </a:rPr>
+              <a:t>;</a:t>
+            </a:r>
+          </a:p>
+          <a:p>
+            <a:endParaRPr lang="en-US" sz="1600" dirty="0">
+              <a:latin typeface="Consolas" panose="020B0609020204030204" pitchFamily="49" charset="0"/>
+            </a:endParaRPr>
+          </a:p>
+          <a:p>
+            <a:r>
+              <a:rPr lang="en-US" sz="1600" dirty="0">
+                <a:latin typeface="Consolas" panose="020B0609020204030204" pitchFamily="49" charset="0"/>
+              </a:rPr>
+              <a:t>    for (</a:t>
+            </a:r>
+            <a:r>
+              <a:rPr lang="en-US" sz="1600" b="1" dirty="0">
+                <a:solidFill>
+                  <a:srgbClr val="C00000"/>
+                </a:solidFill>
+                <a:latin typeface="Consolas" panose="020B0609020204030204" pitchFamily="49" charset="0"/>
+              </a:rPr>
+              <a:t>auto it = </a:t>
+            </a:r>
+            <a:r>
+              <a:rPr lang="en-US" sz="1600" b="1" dirty="0" err="1">
+                <a:solidFill>
+                  <a:srgbClr val="C00000"/>
+                </a:solidFill>
+                <a:latin typeface="Consolas" panose="020B0609020204030204" pitchFamily="49" charset="0"/>
+              </a:rPr>
+              <a:t>v.begin</a:t>
+            </a:r>
+            <a:r>
+              <a:rPr lang="en-US" sz="1600" b="1" dirty="0">
+                <a:solidFill>
+                  <a:srgbClr val="C00000"/>
+                </a:solidFill>
                 <a:latin typeface="Consolas" panose="020B0609020204030204" pitchFamily="49" charset="0"/>
               </a:rPr>
               <a:t>(); it != </a:t>
             </a:r>
             <a:r>
-              <a:rPr lang="en-US" sz="1600" dirty="0" err="1">
-                <a:latin typeface="Consolas" panose="020B0609020204030204" pitchFamily="49" charset="0"/>
-              </a:rPr>
-              <a:t>v.cend</a:t>
-            </a:r>
-            <a:r>
-              <a:rPr lang="en-US" sz="1600" dirty="0">
-                <a:latin typeface="Consolas" panose="020B0609020204030204" pitchFamily="49" charset="0"/>
-              </a:rPr>
-              <a:t>(); ++it)</a:t>
+              <a:rPr lang="en-US" sz="1600" b="1" dirty="0" err="1">
+                <a:solidFill>
+                  <a:srgbClr val="C00000"/>
+                </a:solidFill>
+                <a:latin typeface="Consolas" panose="020B0609020204030204" pitchFamily="49" charset="0"/>
+              </a:rPr>
+              <a:t>v.end</a:t>
+            </a:r>
+            <a:r>
+              <a:rPr lang="en-US" sz="1600" b="1" dirty="0">
+                <a:solidFill>
+                  <a:srgbClr val="C00000"/>
+                </a:solidFill>
+                <a:latin typeface="Consolas" panose="020B0609020204030204" pitchFamily="49" charset="0"/>
+              </a:rPr>
+              <a:t>(); ++it</a:t>
+            </a:r>
+            <a:r>
+              <a:rPr lang="en-US" sz="1600" dirty="0">
+                <a:latin typeface="Consolas" panose="020B0609020204030204" pitchFamily="49" charset="0"/>
+              </a:rPr>
+              <a:t>)</a:t>
             </a:r>
           </a:p>
           <a:p>
@@ -10048,245 +14556,25 @@
               <a:t>        </a:t>
             </a:r>
             <a:r>
-              <a:rPr lang="en-US" sz="1600" dirty="0" err="1">
-                <a:latin typeface="Consolas" panose="020B0609020204030204" pitchFamily="49" charset="0"/>
-              </a:rPr>
-              <a:t>std</a:t>
-            </a:r>
-            <a:r>
-              <a:rPr lang="en-US" sz="1600" dirty="0">
-                <a:latin typeface="Consolas" panose="020B0609020204030204" pitchFamily="49" charset="0"/>
-              </a:rPr>
-              <a:t>::</a:t>
-            </a:r>
-            <a:r>
-              <a:rPr lang="en-US" sz="1600" dirty="0" err="1">
-                <a:latin typeface="Consolas" panose="020B0609020204030204" pitchFamily="49" charset="0"/>
-              </a:rPr>
-              <a:t>cout</a:t>
-            </a:r>
-            <a:r>
-              <a:rPr lang="en-US" sz="1600" dirty="0">
-                <a:latin typeface="Consolas" panose="020B0609020204030204" pitchFamily="49" charset="0"/>
-              </a:rPr>
-              <a:t> &lt;&lt; *it &lt;&lt; " ";</a:t>
-            </a:r>
-          </a:p>
-          <a:p>
-            <a:r>
-              <a:rPr lang="en-US" sz="1600" dirty="0">
-                <a:latin typeface="Consolas" panose="020B0609020204030204" pitchFamily="49" charset="0"/>
-              </a:rPr>
-              <a:t>    </a:t>
-            </a:r>
-            <a:r>
-              <a:rPr lang="en-US" sz="1600" dirty="0" err="1">
-                <a:latin typeface="Consolas" panose="020B0609020204030204" pitchFamily="49" charset="0"/>
-              </a:rPr>
-              <a:t>std</a:t>
-            </a:r>
-            <a:r>
-              <a:rPr lang="en-US" sz="1600" dirty="0">
-                <a:latin typeface="Consolas" panose="020B0609020204030204" pitchFamily="49" charset="0"/>
-              </a:rPr>
-              <a:t>::</a:t>
-            </a:r>
-            <a:r>
-              <a:rPr lang="en-US" sz="1600" dirty="0" err="1">
-                <a:latin typeface="Consolas" panose="020B0609020204030204" pitchFamily="49" charset="0"/>
-              </a:rPr>
-              <a:t>cout</a:t>
-            </a:r>
-            <a:r>
-              <a:rPr lang="en-US" sz="1600" dirty="0">
-                <a:latin typeface="Consolas" panose="020B0609020204030204" pitchFamily="49" charset="0"/>
-              </a:rPr>
-              <a:t> &lt;&lt; </a:t>
-            </a:r>
-            <a:r>
-              <a:rPr lang="en-US" sz="1600" dirty="0" err="1">
-                <a:latin typeface="Consolas" panose="020B0609020204030204" pitchFamily="49" charset="0"/>
-              </a:rPr>
-              <a:t>std</a:t>
-            </a:r>
-            <a:r>
-              <a:rPr lang="en-US" sz="1600" dirty="0">
-                <a:latin typeface="Consolas" panose="020B0609020204030204" pitchFamily="49" charset="0"/>
-              </a:rPr>
-              <a:t>::</a:t>
-            </a:r>
-            <a:r>
-              <a:rPr lang="en-US" sz="1600" dirty="0" err="1">
-                <a:latin typeface="Consolas" panose="020B0609020204030204" pitchFamily="49" charset="0"/>
-              </a:rPr>
-              <a:t>endl</a:t>
-            </a:r>
-            <a:r>
-              <a:rPr lang="en-US" sz="1600" dirty="0">
-                <a:latin typeface="Consolas" panose="020B0609020204030204" pitchFamily="49" charset="0"/>
-              </a:rPr>
-              <a:t>;</a:t>
-            </a:r>
-          </a:p>
-          <a:p>
-            <a:r>
-              <a:rPr lang="en-US" sz="1600" dirty="0">
-                <a:latin typeface="Consolas" panose="020B0609020204030204" pitchFamily="49" charset="0"/>
-              </a:rPr>
-              <a:t>    for (auto it = </a:t>
-            </a:r>
-            <a:r>
-              <a:rPr lang="en-US" sz="1600" dirty="0" err="1">
-                <a:latin typeface="Consolas" panose="020B0609020204030204" pitchFamily="49" charset="0"/>
-              </a:rPr>
-              <a:t>v.begin</a:t>
-            </a:r>
-            <a:r>
-              <a:rPr lang="en-US" sz="1600" dirty="0">
-                <a:latin typeface="Consolas" panose="020B0609020204030204" pitchFamily="49" charset="0"/>
-              </a:rPr>
-              <a:t>(); it != </a:t>
-            </a:r>
-            <a:r>
-              <a:rPr lang="en-US" sz="1600" dirty="0" err="1">
-                <a:latin typeface="Consolas" panose="020B0609020204030204" pitchFamily="49" charset="0"/>
-              </a:rPr>
-              <a:t>v.end</a:t>
-            </a:r>
-            <a:r>
-              <a:rPr lang="en-US" sz="1600" dirty="0">
-                <a:latin typeface="Consolas" panose="020B0609020204030204" pitchFamily="49" charset="0"/>
-              </a:rPr>
-              <a:t>(); ++it)</a:t>
-            </a:r>
-          </a:p>
-          <a:p>
-            <a:r>
-              <a:rPr lang="en-US" sz="1600" dirty="0">
-                <a:latin typeface="Consolas" panose="020B0609020204030204" pitchFamily="49" charset="0"/>
-              </a:rPr>
-              <a:t>        *it = (*it)*(*it);</a:t>
-            </a:r>
-          </a:p>
-          <a:p>
-            <a:r>
-              <a:rPr lang="en-US" sz="1600" dirty="0">
-                <a:latin typeface="Consolas" panose="020B0609020204030204" pitchFamily="49" charset="0"/>
-              </a:rPr>
-              <a:t>    for (auto it = </a:t>
-            </a:r>
-            <a:r>
-              <a:rPr lang="en-US" sz="1600" dirty="0" err="1">
-                <a:latin typeface="Consolas" panose="020B0609020204030204" pitchFamily="49" charset="0"/>
-              </a:rPr>
-              <a:t>v.cbegin</a:t>
-            </a:r>
-            <a:r>
-              <a:rPr lang="en-US" sz="1600" dirty="0">
-                <a:latin typeface="Consolas" panose="020B0609020204030204" pitchFamily="49" charset="0"/>
-              </a:rPr>
-              <a:t>(); it != </a:t>
-            </a:r>
-            <a:r>
-              <a:rPr lang="en-US" sz="1600" dirty="0" err="1">
-                <a:latin typeface="Consolas" panose="020B0609020204030204" pitchFamily="49" charset="0"/>
-              </a:rPr>
-              <a:t>v.cend</a:t>
-            </a:r>
-            <a:r>
-              <a:rPr lang="en-US" sz="1600" dirty="0">
-                <a:latin typeface="Consolas" panose="020B0609020204030204" pitchFamily="49" charset="0"/>
-              </a:rPr>
-              <a:t>(); ++it)</a:t>
-            </a:r>
-          </a:p>
-          <a:p>
-            <a:r>
-              <a:rPr lang="en-US" sz="1600" dirty="0">
-                <a:latin typeface="Consolas" panose="020B0609020204030204" pitchFamily="49" charset="0"/>
-              </a:rPr>
-              <a:t>        </a:t>
-            </a:r>
-            <a:r>
-              <a:rPr lang="en-US" sz="1600" dirty="0" err="1">
-                <a:latin typeface="Consolas" panose="020B0609020204030204" pitchFamily="49" charset="0"/>
-              </a:rPr>
-              <a:t>std</a:t>
-            </a:r>
-            <a:r>
-              <a:rPr lang="en-US" sz="1600" dirty="0">
-                <a:latin typeface="Consolas" panose="020B0609020204030204" pitchFamily="49" charset="0"/>
-              </a:rPr>
-              <a:t>::</a:t>
-            </a:r>
-            <a:r>
-              <a:rPr lang="en-US" sz="1600" dirty="0" err="1">
-                <a:latin typeface="Consolas" panose="020B0609020204030204" pitchFamily="49" charset="0"/>
-              </a:rPr>
-              <a:t>cout</a:t>
-            </a:r>
-            <a:r>
-              <a:rPr lang="en-US" sz="1600" dirty="0">
-                <a:latin typeface="Consolas" panose="020B0609020204030204" pitchFamily="49" charset="0"/>
-              </a:rPr>
-              <a:t> &lt;&lt; *it &lt;&lt; " ";</a:t>
-            </a:r>
-          </a:p>
-          <a:p>
-            <a:r>
-              <a:rPr lang="en-US" sz="1600" dirty="0">
-                <a:latin typeface="Consolas" panose="020B0609020204030204" pitchFamily="49" charset="0"/>
-              </a:rPr>
-              <a:t>    </a:t>
-            </a:r>
-            <a:r>
-              <a:rPr lang="en-US" sz="1600" dirty="0" err="1">
-                <a:latin typeface="Consolas" panose="020B0609020204030204" pitchFamily="49" charset="0"/>
-              </a:rPr>
-              <a:t>std</a:t>
-            </a:r>
-            <a:r>
-              <a:rPr lang="en-US" sz="1600" dirty="0">
-                <a:latin typeface="Consolas" panose="020B0609020204030204" pitchFamily="49" charset="0"/>
-              </a:rPr>
-              <a:t>::</a:t>
-            </a:r>
-            <a:r>
-              <a:rPr lang="en-US" sz="1600" dirty="0" err="1">
-                <a:latin typeface="Consolas" panose="020B0609020204030204" pitchFamily="49" charset="0"/>
-              </a:rPr>
-              <a:t>cout</a:t>
-            </a:r>
-            <a:r>
-              <a:rPr lang="en-US" sz="1600" dirty="0">
-                <a:latin typeface="Consolas" panose="020B0609020204030204" pitchFamily="49" charset="0"/>
-              </a:rPr>
-              <a:t> &lt;&lt; </a:t>
-            </a:r>
-            <a:r>
-              <a:rPr lang="en-US" sz="1600" dirty="0" err="1">
-                <a:latin typeface="Consolas" panose="020B0609020204030204" pitchFamily="49" charset="0"/>
-              </a:rPr>
-              <a:t>std</a:t>
-            </a:r>
-            <a:r>
-              <a:rPr lang="en-US" sz="1600" dirty="0">
-                <a:latin typeface="Consolas" panose="020B0609020204030204" pitchFamily="49" charset="0"/>
-              </a:rPr>
-              <a:t>::</a:t>
-            </a:r>
-            <a:r>
-              <a:rPr lang="en-US" sz="1600" dirty="0" err="1">
-                <a:latin typeface="Consolas" panose="020B0609020204030204" pitchFamily="49" charset="0"/>
-              </a:rPr>
-              <a:t>endl</a:t>
-            </a:r>
-            <a:r>
-              <a:rPr lang="en-US" sz="1600" dirty="0">
-                <a:latin typeface="Consolas" panose="020B0609020204030204" pitchFamily="49" charset="0"/>
-              </a:rPr>
-              <a:t>;</a:t>
-            </a:r>
+              <a:rPr lang="en-US" sz="1600" b="1" dirty="0">
+                <a:solidFill>
+                  <a:srgbClr val="C00000"/>
+                </a:solidFill>
+                <a:latin typeface="Consolas" panose="020B0609020204030204" pitchFamily="49" charset="0"/>
+              </a:rPr>
+              <a:t>*it = (*it)*(*it);</a:t>
+            </a:r>
+          </a:p>
+          <a:p>
+            <a:r>
+              <a:rPr lang="en-US" sz="1600" dirty="0" smtClean="0">
+                <a:latin typeface="Consolas" panose="020B0609020204030204" pitchFamily="49" charset="0"/>
+              </a:rPr>
+              <a:t>    …</a:t>
+            </a:r>
+            <a:endParaRPr lang="en-US" sz="1600" dirty="0">
+              <a:latin typeface="Consolas" panose="020B0609020204030204" pitchFamily="49" charset="0"/>
+            </a:endParaRPr>
           </a:p>
           <a:p>
             <a:r>
@@ -10331,7 +14619,7 @@
       </p:sp>
       <p:grpSp>
         <p:nvGrpSpPr>
-          <p:cNvPr id="20" name="Group 19"/>
+          <p:cNvPr id="40" name="Group 39"/>
           <p:cNvGrpSpPr/>
           <p:nvPr/>
         </p:nvGrpSpPr>
@@ -10339,7 +14627,7 @@
           <a:xfrm>
             <a:off x="1479665" y="4771503"/>
             <a:ext cx="2780607" cy="293718"/>
-            <a:chOff x="382385" y="4779816"/>
+            <a:chOff x="1479665" y="4771503"/>
             <a:chExt cx="2780607" cy="293718"/>
           </a:xfrm>
         </p:grpSpPr>
@@ -10351,7 +14639,7 @@
           </p:nvSpPr>
           <p:spPr>
             <a:xfrm>
-              <a:off x="382385" y="4788131"/>
+              <a:off x="1479665" y="4779818"/>
               <a:ext cx="307571" cy="282633"/>
             </a:xfrm>
             <a:prstGeom prst="rect">
@@ -10395,7 +14683,7 @@
           </p:nvSpPr>
           <p:spPr>
             <a:xfrm>
-              <a:off x="687185" y="4788130"/>
+              <a:off x="1784465" y="4779817"/>
               <a:ext cx="307571" cy="282633"/>
             </a:xfrm>
             <a:prstGeom prst="rect">
@@ -10439,7 +14727,7 @@
           </p:nvSpPr>
           <p:spPr>
             <a:xfrm>
-              <a:off x="991985" y="4788130"/>
+              <a:off x="2089265" y="4779817"/>
               <a:ext cx="307571" cy="282633"/>
             </a:xfrm>
             <a:prstGeom prst="rect">
@@ -10483,7 +14771,7 @@
           </p:nvSpPr>
           <p:spPr>
             <a:xfrm>
-              <a:off x="1296785" y="4788130"/>
+              <a:off x="2394065" y="4779817"/>
               <a:ext cx="307571" cy="282633"/>
             </a:xfrm>
             <a:prstGeom prst="rect">
@@ -10527,7 +14815,7 @@
           </p:nvSpPr>
           <p:spPr>
             <a:xfrm>
-              <a:off x="2248592" y="4790901"/>
+              <a:off x="3345872" y="4782588"/>
               <a:ext cx="307571" cy="282633"/>
             </a:xfrm>
             <a:prstGeom prst="rect">
@@ -10571,7 +14859,7 @@
           </p:nvSpPr>
           <p:spPr>
             <a:xfrm>
-              <a:off x="2553392" y="4788129"/>
+              <a:off x="3650672" y="4779816"/>
               <a:ext cx="307571" cy="282633"/>
             </a:xfrm>
             <a:prstGeom prst="rect">
@@ -10615,7 +14903,7 @@
           </p:nvSpPr>
           <p:spPr>
             <a:xfrm>
-              <a:off x="2855421" y="4788129"/>
+              <a:off x="3952701" y="4779816"/>
               <a:ext cx="307571" cy="282633"/>
             </a:xfrm>
             <a:prstGeom prst="rect">
@@ -10662,7 +14950,7 @@
           </p:nvCxnSpPr>
           <p:spPr>
             <a:xfrm>
-              <a:off x="1604356" y="4779816"/>
+              <a:off x="2701636" y="4771503"/>
               <a:ext cx="644236" cy="0"/>
             </a:xfrm>
             <a:prstGeom prst="line">
@@ -10692,7 +14980,7 @@
           </p:nvCxnSpPr>
           <p:spPr>
             <a:xfrm>
-              <a:off x="1621674" y="5070762"/>
+              <a:off x="2718954" y="5062449"/>
               <a:ext cx="644236" cy="0"/>
             </a:xfrm>
             <a:prstGeom prst="line">
@@ -10990,6 +15278,36 @@
           </p:style>
         </p:cxnSp>
       </p:grpSp>
+      <p:sp>
+        <p:nvSpPr>
+          <p:cNvPr id="39" name="TextBox 38"/>
+          <p:cNvSpPr txBox="1"/>
+          <p:nvPr/>
+        </p:nvSpPr>
+        <p:spPr>
+          <a:xfrm>
+            <a:off x="2874932" y="4693117"/>
+            <a:ext cx="343364" cy="369332"/>
+          </a:xfrm>
+          <a:prstGeom prst="rect">
+            <a:avLst/>
+          </a:prstGeom>
+          <a:noFill/>
+        </p:spPr>
+        <p:txBody>
+          <a:bodyPr wrap="none" rtlCol="0">
+            <a:spAutoFit/>
+          </a:bodyPr>
+          <a:lstStyle/>
+          <a:p>
+            <a:r>
+              <a:rPr lang="en-US" dirty="0" smtClean="0"/>
+              <a:t>…</a:t>
+            </a:r>
+            <a:endParaRPr lang="en-US" dirty="0"/>
+          </a:p>
+        </p:txBody>
+      </p:sp>
     </p:spTree>
     <p:extLst>
       <p:ext uri="{BB962C8B-B14F-4D97-AF65-F5344CB8AC3E}">
@@ -11108,6 +15426,11 @@
               <a:lumMod val="85000"/>
             </a:schemeClr>
           </a:solidFill>
+          <a:ln>
+            <a:solidFill>
+              <a:schemeClr val="tx1"/>
+            </a:solidFill>
+          </a:ln>
         </p:spPr>
         <p:txBody>
           <a:bodyPr wrap="none" rtlCol="0">
@@ -11249,57 +15572,84 @@
               <a:rPr lang="en-US" sz="1600" dirty="0">
                 <a:latin typeface="Consolas" panose="020B0609020204030204" pitchFamily="49" charset="0"/>
               </a:rPr>
-              <a:t>        double operator()(</a:t>
-            </a:r>
-            <a:r>
-              <a:rPr lang="en-US" sz="1600" dirty="0" err="1">
+              <a:t>        </a:t>
+            </a:r>
+            <a:r>
+              <a:rPr lang="en-US" sz="1600" b="1" dirty="0">
+                <a:solidFill>
+                  <a:srgbClr val="C00000"/>
+                </a:solidFill>
+                <a:latin typeface="Consolas" panose="020B0609020204030204" pitchFamily="49" charset="0"/>
+              </a:rPr>
+              <a:t>double operator()(</a:t>
+            </a:r>
+            <a:r>
+              <a:rPr lang="en-US" sz="1600" b="1" dirty="0" err="1">
+                <a:solidFill>
+                  <a:srgbClr val="C00000"/>
+                </a:solidFill>
                 <a:latin typeface="Consolas" panose="020B0609020204030204" pitchFamily="49" charset="0"/>
               </a:rPr>
               <a:t>const</a:t>
             </a:r>
             <a:r>
-              <a:rPr lang="en-US" sz="1600" dirty="0">
+              <a:rPr lang="en-US" sz="1600" b="1" dirty="0">
+                <a:solidFill>
+                  <a:srgbClr val="C00000"/>
+                </a:solidFill>
                 <a:latin typeface="Consolas" panose="020B0609020204030204" pitchFamily="49" charset="0"/>
               </a:rPr>
               <a:t> double x) </a:t>
             </a:r>
             <a:r>
-              <a:rPr lang="en-US" sz="1600" dirty="0" smtClean="0">
+              <a:rPr lang="en-US" sz="1600" b="1" dirty="0" smtClean="0">
+                <a:solidFill>
+                  <a:srgbClr val="C00000"/>
+                </a:solidFill>
                 <a:latin typeface="Consolas" panose="020B0609020204030204" pitchFamily="49" charset="0"/>
               </a:rPr>
               <a:t>{return </a:t>
             </a:r>
             <a:r>
-              <a:rPr lang="en-US" sz="1600" dirty="0">
+              <a:rPr lang="en-US" sz="1600" b="1" dirty="0">
+                <a:solidFill>
+                  <a:srgbClr val="C00000"/>
+                </a:solidFill>
                 <a:latin typeface="Consolas" panose="020B0609020204030204" pitchFamily="49" charset="0"/>
               </a:rPr>
               <a:t>(a_*x + b_)*x + c</a:t>
             </a:r>
             <a:r>
-              <a:rPr lang="en-US" sz="1600" dirty="0" smtClean="0">
+              <a:rPr lang="en-US" sz="1600" b="1" dirty="0" smtClean="0">
+                <a:solidFill>
+                  <a:srgbClr val="C00000"/>
+                </a:solidFill>
                 <a:latin typeface="Consolas" panose="020B0609020204030204" pitchFamily="49" charset="0"/>
               </a:rPr>
               <a:t>_; }</a:t>
             </a:r>
+            <a:endParaRPr lang="en-US" sz="1600" b="1" dirty="0">
+              <a:solidFill>
+                <a:srgbClr val="C00000"/>
+              </a:solidFill>
+              <a:latin typeface="Consolas" panose="020B0609020204030204" pitchFamily="49" charset="0"/>
+            </a:endParaRPr>
+          </a:p>
+          <a:p>
+            <a:r>
+              <a:rPr lang="en-US" sz="1600" dirty="0">
+                <a:latin typeface="Consolas" panose="020B0609020204030204" pitchFamily="49" charset="0"/>
+              </a:rPr>
+              <a:t>};</a:t>
+            </a:r>
+          </a:p>
+          <a:p>
             <a:endParaRPr lang="en-US" sz="1600" dirty="0">
               <a:latin typeface="Consolas" panose="020B0609020204030204" pitchFamily="49" charset="0"/>
             </a:endParaRPr>
           </a:p>
           <a:p>
             <a:r>
-              <a:rPr lang="en-US" sz="1600" dirty="0">
-                <a:latin typeface="Consolas" panose="020B0609020204030204" pitchFamily="49" charset="0"/>
-              </a:rPr>
-              <a:t>};</a:t>
-            </a:r>
-          </a:p>
-          <a:p>
-            <a:endParaRPr lang="en-US" sz="1600" dirty="0">
-              <a:latin typeface="Consolas" panose="020B0609020204030204" pitchFamily="49" charset="0"/>
-            </a:endParaRPr>
-          </a:p>
-          <a:p>
-            <a:r>
               <a:rPr lang="en-US" sz="1600" dirty="0" err="1">
                 <a:latin typeface="Consolas" panose="020B0609020204030204" pitchFamily="49" charset="0"/>
               </a:rPr>
@@ -11389,7 +15739,37 @@
               <a:rPr lang="en-US" sz="1600" dirty="0">
                 <a:latin typeface="Consolas" panose="020B0609020204030204" pitchFamily="49" charset="0"/>
               </a:rPr>
-              <a:t> &lt;&lt; x &lt;&lt; " " &lt;&lt; f1(x) &lt;&lt; " " &lt;&lt; f2(x) &lt;&lt; "\n";</a:t>
+              <a:t> &lt;&lt; x &lt;&lt; " " &lt;&lt; </a:t>
+            </a:r>
+            <a:r>
+              <a:rPr lang="en-US" sz="1600" b="1" dirty="0">
+                <a:solidFill>
+                  <a:srgbClr val="C00000"/>
+                </a:solidFill>
+                <a:latin typeface="Consolas" panose="020B0609020204030204" pitchFamily="49" charset="0"/>
+              </a:rPr>
+              <a:t>f1(x)</a:t>
+            </a:r>
+            <a:r>
+              <a:rPr lang="en-US" sz="1600" dirty="0">
+                <a:latin typeface="Consolas" panose="020B0609020204030204" pitchFamily="49" charset="0"/>
+              </a:rPr>
+              <a:t> &lt;&lt; " " &lt;&lt; </a:t>
+            </a:r>
+            <a:r>
+              <a:rPr lang="en-US" sz="1600" b="1" dirty="0">
+                <a:solidFill>
+                  <a:srgbClr val="C00000"/>
+                </a:solidFill>
+                <a:latin typeface="Consolas" panose="020B0609020204030204" pitchFamily="49" charset="0"/>
+              </a:rPr>
+              <a:t>f2(x)</a:t>
+            </a:r>
+            <a:r>
+              <a:rPr lang="en-US" sz="1600" dirty="0">
+                <a:latin typeface="Consolas" panose="020B0609020204030204" pitchFamily="49" charset="0"/>
+              </a:rPr>
+              <a:t> &lt;&lt; "\n";</a:t>
             </a:r>
           </a:p>
           <a:p>
@@ -11967,6 +16347,11 @@
               <a:lumMod val="85000"/>
             </a:schemeClr>
           </a:solidFill>
+          <a:ln>
+            <a:solidFill>
+              <a:schemeClr val="tx1"/>
+            </a:solidFill>
+          </a:ln>
         </p:spPr>
         <p:txBody>
           <a:bodyPr wrap="none" rtlCol="0">
@@ -12142,13 +16527,31 @@
               <a:rPr lang="en-US" sz="1600" dirty="0" smtClean="0">
                 <a:latin typeface="Consolas" panose="020B0609020204030204" pitchFamily="49" charset="0"/>
               </a:rPr>
-              <a:t>                 [] </a:t>
-            </a:r>
-            <a:r>
-              <a:rPr lang="en-US" sz="1600" dirty="0">
-                <a:latin typeface="Consolas" panose="020B0609020204030204" pitchFamily="49" charset="0"/>
-              </a:rPr>
-              <a:t>(double&amp; x) { x *= x; });</a:t>
+              <a:t>                 </a:t>
+            </a:r>
+            <a:r>
+              <a:rPr lang="en-US" sz="1600" b="1" dirty="0" smtClean="0">
+                <a:solidFill>
+                  <a:srgbClr val="C00000"/>
+                </a:solidFill>
+                <a:latin typeface="Consolas" panose="020B0609020204030204" pitchFamily="49" charset="0"/>
+              </a:rPr>
+              <a:t>[] </a:t>
+            </a:r>
+            <a:r>
+              <a:rPr lang="en-US" sz="1600" b="1" dirty="0">
+                <a:solidFill>
+                  <a:srgbClr val="C00000"/>
+                </a:solidFill>
+                <a:latin typeface="Consolas" panose="020B0609020204030204" pitchFamily="49" charset="0"/>
+              </a:rPr>
+              <a:t>(double&amp; x) { x *= x; }</a:t>
+            </a:r>
+            <a:r>
+              <a:rPr lang="en-US" sz="1600" dirty="0">
+                <a:latin typeface="Consolas" panose="020B0609020204030204" pitchFamily="49" charset="0"/>
+              </a:rPr>
+              <a:t>);</a:t>
             </a:r>
           </a:p>
           <a:p>

--- a/CPlusPlus/Tbb/tbb.pptx
+++ b/CPlusPlus/Tbb/tbb.pptx
@@ -11132,7 +11132,7 @@
         <p:spPr>
           <a:xfrm>
             <a:off x="1458843" y="1478243"/>
-            <a:ext cx="8937062" cy="4770537"/>
+            <a:ext cx="8937062" cy="5262979"/>
           </a:xfrm>
           <a:prstGeom prst="rect">
             <a:avLst/>
@@ -11158,14 +11158,6 @@
               <a:rPr lang="en-US" sz="1600" dirty="0">
                 <a:latin typeface="Consolas" panose="020B0609020204030204" pitchFamily="49" charset="0"/>
               </a:rPr>
-              <a:t>#include &lt;algorithm&gt;</a:t>
-            </a:r>
-          </a:p>
-          <a:p>
-            <a:r>
-              <a:rPr lang="en-US" sz="1600" dirty="0">
-                <a:latin typeface="Consolas" panose="020B0609020204030204" pitchFamily="49" charset="0"/>
-              </a:rPr>
               <a:t>#include &lt;</a:t>
             </a:r>
             <a:r>
@@ -11257,7 +11249,19 @@
               <a:rPr lang="en-US" sz="1600" dirty="0">
                 <a:latin typeface="Consolas" panose="020B0609020204030204" pitchFamily="49" charset="0"/>
               </a:rPr>
-              <a:t> main() {</a:t>
+              <a:t> </a:t>
+            </a:r>
+            <a:r>
+              <a:rPr lang="en-US" sz="1600" dirty="0" smtClean="0">
+                <a:latin typeface="Consolas" panose="020B0609020204030204" pitchFamily="49" charset="0"/>
+              </a:rPr>
+              <a:t>main() </a:t>
+            </a:r>
+            <a:r>
+              <a:rPr lang="en-US" sz="1600" dirty="0">
+                <a:latin typeface="Consolas" panose="020B0609020204030204" pitchFamily="49" charset="0"/>
+              </a:rPr>
+              <a:t>{</a:t>
             </a:r>
           </a:p>
           <a:p>
@@ -11269,6 +11273,44 @@
             </a:r>
             <a:r>
               <a:rPr lang="en-US" sz="1600" dirty="0" err="1">
+                <a:latin typeface="Consolas" panose="020B0609020204030204" pitchFamily="49" charset="0"/>
+              </a:rPr>
+              <a:t>std</a:t>
+            </a:r>
+            <a:r>
+              <a:rPr lang="en-US" sz="1600" dirty="0">
+                <a:latin typeface="Consolas" panose="020B0609020204030204" pitchFamily="49" charset="0"/>
+              </a:rPr>
+              <a:t>::</a:t>
+            </a:r>
+            <a:r>
+              <a:rPr lang="en-US" sz="1600" dirty="0" err="1">
+                <a:latin typeface="Consolas" panose="020B0609020204030204" pitchFamily="49" charset="0"/>
+              </a:rPr>
+              <a:t>size_t</a:t>
+            </a:r>
+            <a:r>
+              <a:rPr lang="en-US" sz="1600" dirty="0">
+                <a:latin typeface="Consolas" panose="020B0609020204030204" pitchFamily="49" charset="0"/>
+              </a:rPr>
+              <a:t> </a:t>
+            </a:r>
+            <a:r>
+              <a:rPr lang="en-US" sz="1600" dirty="0" err="1">
+                <a:latin typeface="Consolas" panose="020B0609020204030204" pitchFamily="49" charset="0"/>
+              </a:rPr>
+              <a:t>grain_size</a:t>
+            </a:r>
+            <a:r>
+              <a:rPr lang="en-US" sz="1600" dirty="0">
+                <a:latin typeface="Consolas" panose="020B0609020204030204" pitchFamily="49" charset="0"/>
+              </a:rPr>
+              <a:t> {1000};</a:t>
+            </a:r>
+          </a:p>
+          <a:p>
+            <a:r>
+              <a:rPr lang="en-US" sz="1600" dirty="0" err="1" smtClean="0">
                 <a:latin typeface="Consolas" panose="020B0609020204030204" pitchFamily="49" charset="0"/>
               </a:rPr>
               <a:t>std</a:t>
@@ -11358,398 +11400,627 @@
             </a:r>
           </a:p>
           <a:p>
-            <a:endParaRPr lang="en-US" sz="1600" dirty="0" smtClean="0">
+            <a:r>
+              <a:rPr lang="en-US" sz="1600" b="1" dirty="0">
+                <a:solidFill>
+                  <a:srgbClr val="C00000"/>
+                </a:solidFill>
+                <a:latin typeface="Consolas" panose="020B0609020204030204" pitchFamily="49" charset="0"/>
+              </a:rPr>
+              <a:t>    </a:t>
+            </a:r>
+            <a:r>
+              <a:rPr lang="en-US" sz="1600" b="1" dirty="0" err="1">
+                <a:solidFill>
+                  <a:srgbClr val="C00000"/>
+                </a:solidFill>
+                <a:latin typeface="Consolas" panose="020B0609020204030204" pitchFamily="49" charset="0"/>
+              </a:rPr>
+              <a:t>int</a:t>
+            </a:r>
+            <a:r>
+              <a:rPr lang="en-US" sz="1600" b="1" dirty="0">
+                <a:solidFill>
+                  <a:srgbClr val="C00000"/>
+                </a:solidFill>
+                <a:latin typeface="Consolas" panose="020B0609020204030204" pitchFamily="49" charset="0"/>
+              </a:rPr>
+              <a:t> sum = </a:t>
+            </a:r>
+            <a:r>
+              <a:rPr lang="en-US" sz="1600" b="1" dirty="0" err="1">
+                <a:solidFill>
+                  <a:srgbClr val="C00000"/>
+                </a:solidFill>
+                <a:latin typeface="Consolas" panose="020B0609020204030204" pitchFamily="49" charset="0"/>
+              </a:rPr>
+              <a:t>tbb</a:t>
+            </a:r>
+            <a:r>
+              <a:rPr lang="en-US" sz="1600" b="1" dirty="0">
+                <a:solidFill>
+                  <a:srgbClr val="C00000"/>
+                </a:solidFill>
+                <a:latin typeface="Consolas" panose="020B0609020204030204" pitchFamily="49" charset="0"/>
+              </a:rPr>
+              <a:t>::</a:t>
+            </a:r>
+            <a:r>
+              <a:rPr lang="en-US" sz="1600" b="1" dirty="0" err="1">
+                <a:solidFill>
+                  <a:srgbClr val="C00000"/>
+                </a:solidFill>
+                <a:latin typeface="Consolas" panose="020B0609020204030204" pitchFamily="49" charset="0"/>
+              </a:rPr>
+              <a:t>parallel_reduce</a:t>
+            </a:r>
+            <a:r>
+              <a:rPr lang="en-US" sz="1600" b="1" dirty="0">
+                <a:solidFill>
+                  <a:srgbClr val="C00000"/>
+                </a:solidFill>
+                <a:latin typeface="Consolas" panose="020B0609020204030204" pitchFamily="49" charset="0"/>
+              </a:rPr>
+              <a:t>(</a:t>
+            </a:r>
+          </a:p>
+          <a:p>
+            <a:r>
+              <a:rPr lang="en-US" sz="1600" b="1" dirty="0">
+                <a:solidFill>
+                  <a:srgbClr val="C00000"/>
+                </a:solidFill>
+                <a:latin typeface="Consolas" panose="020B0609020204030204" pitchFamily="49" charset="0"/>
+              </a:rPr>
+              <a:t>            </a:t>
+            </a:r>
+            <a:r>
+              <a:rPr lang="en-US" sz="1600" b="1" dirty="0" err="1">
+                <a:solidFill>
+                  <a:srgbClr val="C00000"/>
+                </a:solidFill>
+                <a:latin typeface="Consolas" panose="020B0609020204030204" pitchFamily="49" charset="0"/>
+              </a:rPr>
+              <a:t>tbb</a:t>
+            </a:r>
+            <a:r>
+              <a:rPr lang="en-US" sz="1600" b="1" dirty="0">
+                <a:solidFill>
+                  <a:srgbClr val="C00000"/>
+                </a:solidFill>
+                <a:latin typeface="Consolas" panose="020B0609020204030204" pitchFamily="49" charset="0"/>
+              </a:rPr>
+              <a:t>::</a:t>
+            </a:r>
+            <a:r>
+              <a:rPr lang="en-US" sz="1600" b="1" dirty="0" err="1">
+                <a:solidFill>
+                  <a:srgbClr val="C00000"/>
+                </a:solidFill>
+                <a:latin typeface="Consolas" panose="020B0609020204030204" pitchFamily="49" charset="0"/>
+              </a:rPr>
+              <a:t>blocked_range</a:t>
+            </a:r>
+            <a:r>
+              <a:rPr lang="en-US" sz="1600" b="1" dirty="0">
+                <a:solidFill>
+                  <a:srgbClr val="C00000"/>
+                </a:solidFill>
+                <a:latin typeface="Consolas" panose="020B0609020204030204" pitchFamily="49" charset="0"/>
+              </a:rPr>
+              <a:t>&lt;</a:t>
+            </a:r>
+            <a:r>
+              <a:rPr lang="en-US" sz="1600" b="1" dirty="0" err="1">
+                <a:solidFill>
+                  <a:srgbClr val="C00000"/>
+                </a:solidFill>
+                <a:latin typeface="Consolas" panose="020B0609020204030204" pitchFamily="49" charset="0"/>
+              </a:rPr>
+              <a:t>std</a:t>
+            </a:r>
+            <a:r>
+              <a:rPr lang="en-US" sz="1600" b="1" dirty="0">
+                <a:solidFill>
+                  <a:srgbClr val="C00000"/>
+                </a:solidFill>
+                <a:latin typeface="Consolas" panose="020B0609020204030204" pitchFamily="49" charset="0"/>
+              </a:rPr>
+              <a:t>::</a:t>
+            </a:r>
+            <a:r>
+              <a:rPr lang="en-US" sz="1600" b="1" dirty="0" err="1">
+                <a:solidFill>
+                  <a:srgbClr val="C00000"/>
+                </a:solidFill>
+                <a:latin typeface="Consolas" panose="020B0609020204030204" pitchFamily="49" charset="0"/>
+              </a:rPr>
+              <a:t>size_t</a:t>
+            </a:r>
+            <a:r>
+              <a:rPr lang="en-US" sz="1600" b="1" dirty="0">
+                <a:solidFill>
+                  <a:srgbClr val="C00000"/>
+                </a:solidFill>
+                <a:latin typeface="Consolas" panose="020B0609020204030204" pitchFamily="49" charset="0"/>
+              </a:rPr>
+              <a:t>&gt;(0ul, </a:t>
+            </a:r>
+            <a:r>
+              <a:rPr lang="en-US" sz="1600" b="1" dirty="0" err="1">
+                <a:solidFill>
+                  <a:srgbClr val="C00000"/>
+                </a:solidFill>
+                <a:latin typeface="Consolas" panose="020B0609020204030204" pitchFamily="49" charset="0"/>
+              </a:rPr>
+              <a:t>data.size</a:t>
+            </a:r>
+            <a:r>
+              <a:rPr lang="en-US" sz="1600" b="1" dirty="0">
+                <a:solidFill>
+                  <a:srgbClr val="C00000"/>
+                </a:solidFill>
+                <a:latin typeface="Consolas" panose="020B0609020204030204" pitchFamily="49" charset="0"/>
+              </a:rPr>
+              <a:t>(), </a:t>
+            </a:r>
+            <a:r>
+              <a:rPr lang="en-US" sz="1600" b="1" dirty="0" err="1">
+                <a:solidFill>
+                  <a:srgbClr val="C00000"/>
+                </a:solidFill>
+                <a:latin typeface="Consolas" panose="020B0609020204030204" pitchFamily="49" charset="0"/>
+              </a:rPr>
+              <a:t>grain_size</a:t>
+            </a:r>
+            <a:r>
+              <a:rPr lang="en-US" sz="1600" b="1" dirty="0">
+                <a:solidFill>
+                  <a:srgbClr val="C00000"/>
+                </a:solidFill>
+                <a:latin typeface="Consolas" panose="020B0609020204030204" pitchFamily="49" charset="0"/>
+              </a:rPr>
+              <a:t>), 0,</a:t>
+            </a:r>
+          </a:p>
+          <a:p>
+            <a:r>
+              <a:rPr lang="en-US" sz="1600" b="1" dirty="0">
+                <a:solidFill>
+                  <a:srgbClr val="C00000"/>
+                </a:solidFill>
+                <a:latin typeface="Consolas" panose="020B0609020204030204" pitchFamily="49" charset="0"/>
+              </a:rPr>
+              <a:t>            [&amp;data] (</a:t>
+            </a:r>
+            <a:r>
+              <a:rPr lang="en-US" sz="1600" b="1" dirty="0" err="1">
+                <a:solidFill>
+                  <a:srgbClr val="C00000"/>
+                </a:solidFill>
+                <a:latin typeface="Consolas" panose="020B0609020204030204" pitchFamily="49" charset="0"/>
+              </a:rPr>
+              <a:t>const</a:t>
+            </a:r>
+            <a:r>
+              <a:rPr lang="en-US" sz="1600" b="1" dirty="0">
+                <a:solidFill>
+                  <a:srgbClr val="C00000"/>
+                </a:solidFill>
+                <a:latin typeface="Consolas" panose="020B0609020204030204" pitchFamily="49" charset="0"/>
+              </a:rPr>
+              <a:t> </a:t>
+            </a:r>
+            <a:r>
+              <a:rPr lang="en-US" sz="1600" b="1" dirty="0" err="1">
+                <a:solidFill>
+                  <a:srgbClr val="C00000"/>
+                </a:solidFill>
+                <a:latin typeface="Consolas" panose="020B0609020204030204" pitchFamily="49" charset="0"/>
+              </a:rPr>
+              <a:t>tbb</a:t>
+            </a:r>
+            <a:r>
+              <a:rPr lang="en-US" sz="1600" b="1" dirty="0">
+                <a:solidFill>
+                  <a:srgbClr val="C00000"/>
+                </a:solidFill>
+                <a:latin typeface="Consolas" panose="020B0609020204030204" pitchFamily="49" charset="0"/>
+              </a:rPr>
+              <a:t>::</a:t>
+            </a:r>
+            <a:r>
+              <a:rPr lang="en-US" sz="1600" b="1" dirty="0" err="1">
+                <a:solidFill>
+                  <a:srgbClr val="C00000"/>
+                </a:solidFill>
+                <a:latin typeface="Consolas" panose="020B0609020204030204" pitchFamily="49" charset="0"/>
+              </a:rPr>
+              <a:t>blocked_range</a:t>
+            </a:r>
+            <a:r>
+              <a:rPr lang="en-US" sz="1600" b="1" dirty="0">
+                <a:solidFill>
+                  <a:srgbClr val="C00000"/>
+                </a:solidFill>
+                <a:latin typeface="Consolas" panose="020B0609020204030204" pitchFamily="49" charset="0"/>
+              </a:rPr>
+              <a:t>&lt;</a:t>
+            </a:r>
+            <a:r>
+              <a:rPr lang="en-US" sz="1600" b="1" dirty="0" err="1">
+                <a:solidFill>
+                  <a:srgbClr val="C00000"/>
+                </a:solidFill>
+                <a:latin typeface="Consolas" panose="020B0609020204030204" pitchFamily="49" charset="0"/>
+              </a:rPr>
+              <a:t>std</a:t>
+            </a:r>
+            <a:r>
+              <a:rPr lang="en-US" sz="1600" b="1" dirty="0">
+                <a:solidFill>
+                  <a:srgbClr val="C00000"/>
+                </a:solidFill>
+                <a:latin typeface="Consolas" panose="020B0609020204030204" pitchFamily="49" charset="0"/>
+              </a:rPr>
+              <a:t>::</a:t>
+            </a:r>
+            <a:r>
+              <a:rPr lang="en-US" sz="1600" b="1" dirty="0" err="1">
+                <a:solidFill>
+                  <a:srgbClr val="C00000"/>
+                </a:solidFill>
+                <a:latin typeface="Consolas" panose="020B0609020204030204" pitchFamily="49" charset="0"/>
+              </a:rPr>
+              <a:t>size_t</a:t>
+            </a:r>
+            <a:r>
+              <a:rPr lang="en-US" sz="1600" b="1" dirty="0">
+                <a:solidFill>
+                  <a:srgbClr val="C00000"/>
+                </a:solidFill>
+                <a:latin typeface="Consolas" panose="020B0609020204030204" pitchFamily="49" charset="0"/>
+              </a:rPr>
+              <a:t>&gt;&amp; range, </a:t>
+            </a:r>
+            <a:r>
+              <a:rPr lang="en-US" sz="1600" b="1" dirty="0" err="1">
+                <a:solidFill>
+                  <a:srgbClr val="C00000"/>
+                </a:solidFill>
+                <a:latin typeface="Consolas" panose="020B0609020204030204" pitchFamily="49" charset="0"/>
+              </a:rPr>
+              <a:t>int</a:t>
+            </a:r>
+            <a:r>
+              <a:rPr lang="en-US" sz="1600" b="1" dirty="0">
+                <a:solidFill>
+                  <a:srgbClr val="C00000"/>
+                </a:solidFill>
+                <a:latin typeface="Consolas" panose="020B0609020204030204" pitchFamily="49" charset="0"/>
+              </a:rPr>
+              <a:t> </a:t>
+            </a:r>
+            <a:r>
+              <a:rPr lang="en-US" sz="1600" b="1" dirty="0" err="1">
+                <a:solidFill>
+                  <a:srgbClr val="C00000"/>
+                </a:solidFill>
+                <a:latin typeface="Consolas" panose="020B0609020204030204" pitchFamily="49" charset="0"/>
+              </a:rPr>
+              <a:t>init</a:t>
+            </a:r>
+            <a:r>
+              <a:rPr lang="en-US" sz="1600" b="1" dirty="0">
+                <a:solidFill>
+                  <a:srgbClr val="C00000"/>
+                </a:solidFill>
+                <a:latin typeface="Consolas" panose="020B0609020204030204" pitchFamily="49" charset="0"/>
+              </a:rPr>
+              <a:t>) {</a:t>
+            </a:r>
+          </a:p>
+          <a:p>
+            <a:r>
+              <a:rPr lang="en-US" sz="1600" b="1" dirty="0">
+                <a:solidFill>
+                  <a:srgbClr val="C00000"/>
+                </a:solidFill>
+                <a:latin typeface="Consolas" panose="020B0609020204030204" pitchFamily="49" charset="0"/>
+              </a:rPr>
+              <a:t>                for (</a:t>
+            </a:r>
+            <a:r>
+              <a:rPr lang="en-US" sz="1600" b="1" dirty="0" err="1">
+                <a:solidFill>
+                  <a:srgbClr val="C00000"/>
+                </a:solidFill>
+                <a:latin typeface="Consolas" panose="020B0609020204030204" pitchFamily="49" charset="0"/>
+              </a:rPr>
+              <a:t>std</a:t>
+            </a:r>
+            <a:r>
+              <a:rPr lang="en-US" sz="1600" b="1" dirty="0">
+                <a:solidFill>
+                  <a:srgbClr val="C00000"/>
+                </a:solidFill>
+                <a:latin typeface="Consolas" panose="020B0609020204030204" pitchFamily="49" charset="0"/>
+              </a:rPr>
+              <a:t>::</a:t>
+            </a:r>
+            <a:r>
+              <a:rPr lang="en-US" sz="1600" b="1" dirty="0" err="1">
+                <a:solidFill>
+                  <a:srgbClr val="C00000"/>
+                </a:solidFill>
+                <a:latin typeface="Consolas" panose="020B0609020204030204" pitchFamily="49" charset="0"/>
+              </a:rPr>
+              <a:t>size_t</a:t>
+            </a:r>
+            <a:r>
+              <a:rPr lang="en-US" sz="1600" b="1" dirty="0">
+                <a:solidFill>
+                  <a:srgbClr val="C00000"/>
+                </a:solidFill>
+                <a:latin typeface="Consolas" panose="020B0609020204030204" pitchFamily="49" charset="0"/>
+              </a:rPr>
+              <a:t> </a:t>
+            </a:r>
+            <a:r>
+              <a:rPr lang="en-US" sz="1600" b="1" dirty="0" err="1">
+                <a:solidFill>
+                  <a:srgbClr val="C00000"/>
+                </a:solidFill>
+                <a:latin typeface="Consolas" panose="020B0609020204030204" pitchFamily="49" charset="0"/>
+              </a:rPr>
+              <a:t>i</a:t>
+            </a:r>
+            <a:r>
+              <a:rPr lang="en-US" sz="1600" b="1" dirty="0">
+                <a:solidFill>
+                  <a:srgbClr val="C00000"/>
+                </a:solidFill>
+                <a:latin typeface="Consolas" panose="020B0609020204030204" pitchFamily="49" charset="0"/>
+              </a:rPr>
+              <a:t> = </a:t>
+            </a:r>
+            <a:r>
+              <a:rPr lang="en-US" sz="1600" b="1" dirty="0" err="1">
+                <a:solidFill>
+                  <a:srgbClr val="C00000"/>
+                </a:solidFill>
+                <a:latin typeface="Consolas" panose="020B0609020204030204" pitchFamily="49" charset="0"/>
+              </a:rPr>
+              <a:t>range.begin</a:t>
+            </a:r>
+            <a:r>
+              <a:rPr lang="en-US" sz="1600" b="1" dirty="0">
+                <a:solidFill>
+                  <a:srgbClr val="C00000"/>
+                </a:solidFill>
+                <a:latin typeface="Consolas" panose="020B0609020204030204" pitchFamily="49" charset="0"/>
+              </a:rPr>
+              <a:t>(); </a:t>
+            </a:r>
+            <a:r>
+              <a:rPr lang="en-US" sz="1600" b="1" dirty="0" err="1">
+                <a:solidFill>
+                  <a:srgbClr val="C00000"/>
+                </a:solidFill>
+                <a:latin typeface="Consolas" panose="020B0609020204030204" pitchFamily="49" charset="0"/>
+              </a:rPr>
+              <a:t>i</a:t>
+            </a:r>
+            <a:r>
+              <a:rPr lang="en-US" sz="1600" b="1" dirty="0">
+                <a:solidFill>
+                  <a:srgbClr val="C00000"/>
+                </a:solidFill>
+                <a:latin typeface="Consolas" panose="020B0609020204030204" pitchFamily="49" charset="0"/>
+              </a:rPr>
+              <a:t> &lt; </a:t>
+            </a:r>
+            <a:r>
+              <a:rPr lang="en-US" sz="1600" b="1" dirty="0" err="1">
+                <a:solidFill>
+                  <a:srgbClr val="C00000"/>
+                </a:solidFill>
+                <a:latin typeface="Consolas" panose="020B0609020204030204" pitchFamily="49" charset="0"/>
+              </a:rPr>
+              <a:t>range.end</a:t>
+            </a:r>
+            <a:r>
+              <a:rPr lang="en-US" sz="1600" b="1" dirty="0">
+                <a:solidFill>
+                  <a:srgbClr val="C00000"/>
+                </a:solidFill>
+                <a:latin typeface="Consolas" panose="020B0609020204030204" pitchFamily="49" charset="0"/>
+              </a:rPr>
+              <a:t>(); ++</a:t>
+            </a:r>
+            <a:r>
+              <a:rPr lang="en-US" sz="1600" b="1" dirty="0" err="1">
+                <a:solidFill>
+                  <a:srgbClr val="C00000"/>
+                </a:solidFill>
+                <a:latin typeface="Consolas" panose="020B0609020204030204" pitchFamily="49" charset="0"/>
+              </a:rPr>
+              <a:t>i</a:t>
+            </a:r>
+            <a:r>
+              <a:rPr lang="en-US" sz="1600" b="1" dirty="0">
+                <a:solidFill>
+                  <a:srgbClr val="C00000"/>
+                </a:solidFill>
+                <a:latin typeface="Consolas" panose="020B0609020204030204" pitchFamily="49" charset="0"/>
+              </a:rPr>
+              <a:t>)</a:t>
+            </a:r>
+          </a:p>
+          <a:p>
+            <a:r>
+              <a:rPr lang="en-US" sz="1600" b="1" dirty="0">
+                <a:solidFill>
+                  <a:srgbClr val="C00000"/>
+                </a:solidFill>
+                <a:latin typeface="Consolas" panose="020B0609020204030204" pitchFamily="49" charset="0"/>
+              </a:rPr>
+              <a:t>                    </a:t>
+            </a:r>
+            <a:r>
+              <a:rPr lang="en-US" sz="1600" b="1" dirty="0" err="1">
+                <a:solidFill>
+                  <a:srgbClr val="C00000"/>
+                </a:solidFill>
+                <a:latin typeface="Consolas" panose="020B0609020204030204" pitchFamily="49" charset="0"/>
+              </a:rPr>
+              <a:t>init</a:t>
+            </a:r>
+            <a:r>
+              <a:rPr lang="en-US" sz="1600" b="1" dirty="0">
+                <a:solidFill>
+                  <a:srgbClr val="C00000"/>
+                </a:solidFill>
+                <a:latin typeface="Consolas" panose="020B0609020204030204" pitchFamily="49" charset="0"/>
+              </a:rPr>
+              <a:t> += data[</a:t>
+            </a:r>
+            <a:r>
+              <a:rPr lang="en-US" sz="1600" b="1" dirty="0" err="1">
+                <a:solidFill>
+                  <a:srgbClr val="C00000"/>
+                </a:solidFill>
+                <a:latin typeface="Consolas" panose="020B0609020204030204" pitchFamily="49" charset="0"/>
+              </a:rPr>
+              <a:t>i</a:t>
+            </a:r>
+            <a:r>
+              <a:rPr lang="en-US" sz="1600" b="1" dirty="0">
+                <a:solidFill>
+                  <a:srgbClr val="C00000"/>
+                </a:solidFill>
+                <a:latin typeface="Consolas" panose="020B0609020204030204" pitchFamily="49" charset="0"/>
+              </a:rPr>
+              <a:t>];</a:t>
+            </a:r>
+          </a:p>
+          <a:p>
+            <a:r>
+              <a:rPr lang="en-US" sz="1600" b="1" dirty="0">
+                <a:solidFill>
+                  <a:srgbClr val="C00000"/>
+                </a:solidFill>
+                <a:latin typeface="Consolas" panose="020B0609020204030204" pitchFamily="49" charset="0"/>
+              </a:rPr>
+              <a:t>                return </a:t>
+            </a:r>
+            <a:r>
+              <a:rPr lang="en-US" sz="1600" b="1" dirty="0" err="1">
+                <a:solidFill>
+                  <a:srgbClr val="C00000"/>
+                </a:solidFill>
+                <a:latin typeface="Consolas" panose="020B0609020204030204" pitchFamily="49" charset="0"/>
+              </a:rPr>
+              <a:t>init</a:t>
+            </a:r>
+            <a:r>
+              <a:rPr lang="en-US" sz="1600" b="1" dirty="0">
+                <a:solidFill>
+                  <a:srgbClr val="C00000"/>
+                </a:solidFill>
+                <a:latin typeface="Consolas" panose="020B0609020204030204" pitchFamily="49" charset="0"/>
+              </a:rPr>
+              <a:t>;</a:t>
+            </a:r>
+          </a:p>
+          <a:p>
+            <a:r>
+              <a:rPr lang="en-US" sz="1600" b="1" dirty="0">
+                <a:solidFill>
+                  <a:srgbClr val="C00000"/>
+                </a:solidFill>
+                <a:latin typeface="Consolas" panose="020B0609020204030204" pitchFamily="49" charset="0"/>
+              </a:rPr>
+              <a:t>            },</a:t>
+            </a:r>
+          </a:p>
+          <a:p>
+            <a:r>
+              <a:rPr lang="en-US" sz="1600" b="1" dirty="0">
+                <a:solidFill>
+                  <a:srgbClr val="C00000"/>
+                </a:solidFill>
+                <a:latin typeface="Consolas" panose="020B0609020204030204" pitchFamily="49" charset="0"/>
+              </a:rPr>
+              <a:t>            [] (</a:t>
+            </a:r>
+            <a:r>
+              <a:rPr lang="en-US" sz="1600" b="1" dirty="0" err="1">
+                <a:solidFill>
+                  <a:srgbClr val="C00000"/>
+                </a:solidFill>
+                <a:latin typeface="Consolas" panose="020B0609020204030204" pitchFamily="49" charset="0"/>
+              </a:rPr>
+              <a:t>int</a:t>
+            </a:r>
+            <a:r>
+              <a:rPr lang="en-US" sz="1600" b="1" dirty="0">
+                <a:solidFill>
+                  <a:srgbClr val="C00000"/>
+                </a:solidFill>
+                <a:latin typeface="Consolas" panose="020B0609020204030204" pitchFamily="49" charset="0"/>
+              </a:rPr>
+              <a:t> x, </a:t>
+            </a:r>
+            <a:r>
+              <a:rPr lang="en-US" sz="1600" b="1" dirty="0" err="1">
+                <a:solidFill>
+                  <a:srgbClr val="C00000"/>
+                </a:solidFill>
+                <a:latin typeface="Consolas" panose="020B0609020204030204" pitchFamily="49" charset="0"/>
+              </a:rPr>
+              <a:t>int</a:t>
+            </a:r>
+            <a:r>
+              <a:rPr lang="en-US" sz="1600" b="1" dirty="0">
+                <a:solidFill>
+                  <a:srgbClr val="C00000"/>
+                </a:solidFill>
+                <a:latin typeface="Consolas" panose="020B0609020204030204" pitchFamily="49" charset="0"/>
+              </a:rPr>
+              <a:t> y) { return x + y; }</a:t>
+            </a:r>
+          </a:p>
+          <a:p>
+            <a:r>
+              <a:rPr lang="en-US" sz="1600" b="1" dirty="0">
+                <a:solidFill>
+                  <a:srgbClr val="C00000"/>
+                </a:solidFill>
+                <a:latin typeface="Consolas" panose="020B0609020204030204" pitchFamily="49" charset="0"/>
+              </a:rPr>
+              <a:t>    );</a:t>
+            </a:r>
+          </a:p>
+          <a:p>
+            <a:r>
+              <a:rPr lang="en-US" sz="1600" dirty="0">
+                <a:latin typeface="Consolas" panose="020B0609020204030204" pitchFamily="49" charset="0"/>
+              </a:rPr>
+              <a:t> </a:t>
+            </a:r>
+            <a:r>
+              <a:rPr lang="en-US" sz="1600" dirty="0" smtClean="0">
+                <a:latin typeface="Consolas" panose="020B0609020204030204" pitchFamily="49" charset="0"/>
+              </a:rPr>
+              <a:t>   …</a:t>
+            </a:r>
+            <a:endParaRPr lang="en-US" sz="1600" dirty="0">
               <a:latin typeface="Consolas" panose="020B0609020204030204" pitchFamily="49" charset="0"/>
             </a:endParaRPr>
           </a:p>
           <a:p>
             <a:r>
-              <a:rPr lang="en-US" sz="1600" dirty="0" smtClean="0">
-                <a:latin typeface="Consolas" panose="020B0609020204030204" pitchFamily="49" charset="0"/>
-              </a:rPr>
-              <a:t>    </a:t>
-            </a:r>
-            <a:r>
-              <a:rPr lang="en-US" sz="1600" dirty="0" err="1" smtClean="0">
-                <a:latin typeface="Consolas" panose="020B0609020204030204" pitchFamily="49" charset="0"/>
-              </a:rPr>
-              <a:t>std</a:t>
-            </a:r>
-            <a:r>
-              <a:rPr lang="en-US" sz="1600" dirty="0">
-                <a:latin typeface="Consolas" panose="020B0609020204030204" pitchFamily="49" charset="0"/>
-              </a:rPr>
-              <a:t>::</a:t>
-            </a:r>
-            <a:r>
-              <a:rPr lang="en-US" sz="1600" dirty="0" err="1">
-                <a:latin typeface="Consolas" panose="020B0609020204030204" pitchFamily="49" charset="0"/>
-              </a:rPr>
-              <a:t>for_each</a:t>
-            </a:r>
-            <a:r>
-              <a:rPr lang="en-US" sz="1600" dirty="0">
-                <a:latin typeface="Consolas" panose="020B0609020204030204" pitchFamily="49" charset="0"/>
-              </a:rPr>
-              <a:t>(</a:t>
-            </a:r>
-            <a:r>
-              <a:rPr lang="en-US" sz="1600" dirty="0" err="1">
-                <a:latin typeface="Consolas" panose="020B0609020204030204" pitchFamily="49" charset="0"/>
-              </a:rPr>
-              <a:t>std</a:t>
-            </a:r>
-            <a:r>
-              <a:rPr lang="en-US" sz="1600" dirty="0">
-                <a:latin typeface="Consolas" panose="020B0609020204030204" pitchFamily="49" charset="0"/>
-              </a:rPr>
-              <a:t>::begin(data), </a:t>
-            </a:r>
-            <a:r>
-              <a:rPr lang="en-US" sz="1600" dirty="0" err="1">
-                <a:latin typeface="Consolas" panose="020B0609020204030204" pitchFamily="49" charset="0"/>
-              </a:rPr>
-              <a:t>std</a:t>
-            </a:r>
-            <a:r>
-              <a:rPr lang="en-US" sz="1600" dirty="0">
-                <a:latin typeface="Consolas" panose="020B0609020204030204" pitchFamily="49" charset="0"/>
-              </a:rPr>
-              <a:t>::end(data),</a:t>
-            </a:r>
-          </a:p>
-          <a:p>
-            <a:r>
-              <a:rPr lang="en-US" sz="1600" dirty="0">
-                <a:latin typeface="Consolas" panose="020B0609020204030204" pitchFamily="49" charset="0"/>
-              </a:rPr>
-              <a:t>                  [] (</a:t>
-            </a:r>
-            <a:r>
-              <a:rPr lang="en-US" sz="1600" dirty="0" err="1">
-                <a:latin typeface="Consolas" panose="020B0609020204030204" pitchFamily="49" charset="0"/>
-              </a:rPr>
-              <a:t>int</a:t>
-            </a:r>
-            <a:r>
-              <a:rPr lang="en-US" sz="1600" dirty="0">
-                <a:latin typeface="Consolas" panose="020B0609020204030204" pitchFamily="49" charset="0"/>
-              </a:rPr>
-              <a:t>&amp; </a:t>
-            </a:r>
-            <a:r>
-              <a:rPr lang="en-US" sz="1600" dirty="0" err="1">
-                <a:latin typeface="Consolas" panose="020B0609020204030204" pitchFamily="49" charset="0"/>
-              </a:rPr>
-              <a:t>i</a:t>
-            </a:r>
-            <a:r>
-              <a:rPr lang="en-US" sz="1600" dirty="0">
-                <a:latin typeface="Consolas" panose="020B0609020204030204" pitchFamily="49" charset="0"/>
-              </a:rPr>
-              <a:t>) { </a:t>
-            </a:r>
-            <a:r>
-              <a:rPr lang="en-US" sz="1600" dirty="0" err="1">
-                <a:latin typeface="Consolas" panose="020B0609020204030204" pitchFamily="49" charset="0"/>
-              </a:rPr>
-              <a:t>i</a:t>
-            </a:r>
-            <a:r>
-              <a:rPr lang="en-US" sz="1600" dirty="0">
-                <a:latin typeface="Consolas" panose="020B0609020204030204" pitchFamily="49" charset="0"/>
-              </a:rPr>
-              <a:t> = </a:t>
-            </a:r>
-            <a:r>
-              <a:rPr lang="en-US" sz="1600" dirty="0" err="1">
-                <a:latin typeface="Consolas" panose="020B0609020204030204" pitchFamily="49" charset="0"/>
-              </a:rPr>
-              <a:t>i</a:t>
-            </a:r>
-            <a:r>
-              <a:rPr lang="en-US" sz="1600" dirty="0">
-                <a:latin typeface="Consolas" panose="020B0609020204030204" pitchFamily="49" charset="0"/>
-              </a:rPr>
-              <a:t>*</a:t>
-            </a:r>
-            <a:r>
-              <a:rPr lang="en-US" sz="1600" dirty="0" err="1">
-                <a:latin typeface="Consolas" panose="020B0609020204030204" pitchFamily="49" charset="0"/>
-              </a:rPr>
-              <a:t>i</a:t>
-            </a:r>
-            <a:r>
-              <a:rPr lang="en-US" sz="1600" dirty="0">
-                <a:latin typeface="Consolas" panose="020B0609020204030204" pitchFamily="49" charset="0"/>
-              </a:rPr>
-              <a:t>; });</a:t>
-            </a:r>
-          </a:p>
-          <a:p>
-            <a:endParaRPr lang="en-US" sz="1600" dirty="0" smtClean="0">
-              <a:latin typeface="Consolas" panose="020B0609020204030204" pitchFamily="49" charset="0"/>
-            </a:endParaRPr>
-          </a:p>
-          <a:p>
-            <a:r>
-              <a:rPr lang="en-US" sz="1600" b="1" dirty="0" smtClean="0">
-                <a:solidFill>
-                  <a:srgbClr val="C00000"/>
-                </a:solidFill>
-                <a:latin typeface="Consolas" panose="020B0609020204030204" pitchFamily="49" charset="0"/>
-              </a:rPr>
-              <a:t>    </a:t>
-            </a:r>
-            <a:r>
-              <a:rPr lang="en-US" sz="1600" b="1" dirty="0" err="1" smtClean="0">
-                <a:solidFill>
-                  <a:srgbClr val="C00000"/>
-                </a:solidFill>
-                <a:latin typeface="Consolas" panose="020B0609020204030204" pitchFamily="49" charset="0"/>
-              </a:rPr>
-              <a:t>tbb</a:t>
-            </a:r>
-            <a:r>
-              <a:rPr lang="en-US" sz="1600" b="1" dirty="0">
-                <a:solidFill>
-                  <a:srgbClr val="C00000"/>
-                </a:solidFill>
-                <a:latin typeface="Consolas" panose="020B0609020204030204" pitchFamily="49" charset="0"/>
-              </a:rPr>
-              <a:t>::</a:t>
-            </a:r>
-            <a:r>
-              <a:rPr lang="en-US" sz="1600" b="1" dirty="0" err="1" smtClean="0">
-                <a:solidFill>
-                  <a:srgbClr val="C00000"/>
-                </a:solidFill>
-                <a:latin typeface="Consolas" panose="020B0609020204030204" pitchFamily="49" charset="0"/>
-              </a:rPr>
-              <a:t>parallel_for</a:t>
-            </a:r>
-            <a:r>
-              <a:rPr lang="en-US" sz="1600" b="1" dirty="0" smtClean="0">
-                <a:solidFill>
-                  <a:srgbClr val="C00000"/>
-                </a:solidFill>
-                <a:latin typeface="Consolas" panose="020B0609020204030204" pitchFamily="49" charset="0"/>
-              </a:rPr>
-              <a:t>(0ul, </a:t>
-            </a:r>
-            <a:r>
-              <a:rPr lang="en-US" sz="1600" b="1" dirty="0" err="1">
-                <a:solidFill>
-                  <a:srgbClr val="C00000"/>
-                </a:solidFill>
-                <a:latin typeface="Consolas" panose="020B0609020204030204" pitchFamily="49" charset="0"/>
-              </a:rPr>
-              <a:t>data.size</a:t>
-            </a:r>
-            <a:r>
-              <a:rPr lang="en-US" sz="1600" b="1" dirty="0">
-                <a:solidFill>
-                  <a:srgbClr val="C00000"/>
-                </a:solidFill>
-                <a:latin typeface="Consolas" panose="020B0609020204030204" pitchFamily="49" charset="0"/>
-              </a:rPr>
-              <a:t>(),</a:t>
-            </a:r>
-          </a:p>
-          <a:p>
-            <a:r>
-              <a:rPr lang="en-US" sz="1600" b="1" dirty="0">
-                <a:solidFill>
-                  <a:srgbClr val="C00000"/>
-                </a:solidFill>
-                <a:latin typeface="Consolas" panose="020B0609020204030204" pitchFamily="49" charset="0"/>
-              </a:rPr>
-              <a:t>                      [&amp;data] (</a:t>
-            </a:r>
-            <a:r>
-              <a:rPr lang="en-US" sz="1600" b="1" dirty="0" err="1">
-                <a:solidFill>
-                  <a:srgbClr val="C00000"/>
-                </a:solidFill>
-                <a:latin typeface="Consolas" panose="020B0609020204030204" pitchFamily="49" charset="0"/>
-              </a:rPr>
-              <a:t>std</a:t>
-            </a:r>
-            <a:r>
-              <a:rPr lang="en-US" sz="1600" b="1" dirty="0">
-                <a:solidFill>
-                  <a:srgbClr val="C00000"/>
-                </a:solidFill>
-                <a:latin typeface="Consolas" panose="020B0609020204030204" pitchFamily="49" charset="0"/>
-              </a:rPr>
-              <a:t>::</a:t>
-            </a:r>
-            <a:r>
-              <a:rPr lang="en-US" sz="1600" b="1" dirty="0" err="1">
-                <a:solidFill>
-                  <a:srgbClr val="C00000"/>
-                </a:solidFill>
-                <a:latin typeface="Consolas" panose="020B0609020204030204" pitchFamily="49" charset="0"/>
-              </a:rPr>
-              <a:t>size_t</a:t>
-            </a:r>
-            <a:r>
-              <a:rPr lang="en-US" sz="1600" b="1" dirty="0">
-                <a:solidFill>
-                  <a:srgbClr val="C00000"/>
-                </a:solidFill>
-                <a:latin typeface="Consolas" panose="020B0609020204030204" pitchFamily="49" charset="0"/>
-              </a:rPr>
-              <a:t> </a:t>
-            </a:r>
-            <a:r>
-              <a:rPr lang="en-US" sz="1600" b="1" dirty="0" err="1">
-                <a:solidFill>
-                  <a:srgbClr val="C00000"/>
-                </a:solidFill>
-                <a:latin typeface="Consolas" panose="020B0609020204030204" pitchFamily="49" charset="0"/>
-              </a:rPr>
-              <a:t>i</a:t>
-            </a:r>
-            <a:r>
-              <a:rPr lang="en-US" sz="1600" b="1" dirty="0">
-                <a:solidFill>
-                  <a:srgbClr val="C00000"/>
-                </a:solidFill>
-                <a:latin typeface="Consolas" panose="020B0609020204030204" pitchFamily="49" charset="0"/>
-              </a:rPr>
-              <a:t>) { data[</a:t>
-            </a:r>
-            <a:r>
-              <a:rPr lang="en-US" sz="1600" b="1" dirty="0" err="1">
-                <a:solidFill>
-                  <a:srgbClr val="C00000"/>
-                </a:solidFill>
-                <a:latin typeface="Consolas" panose="020B0609020204030204" pitchFamily="49" charset="0"/>
-              </a:rPr>
-              <a:t>i</a:t>
-            </a:r>
-            <a:r>
-              <a:rPr lang="en-US" sz="1600" b="1" dirty="0">
-                <a:solidFill>
-                  <a:srgbClr val="C00000"/>
-                </a:solidFill>
-                <a:latin typeface="Consolas" panose="020B0609020204030204" pitchFamily="49" charset="0"/>
-              </a:rPr>
-              <a:t>] = data[</a:t>
-            </a:r>
-            <a:r>
-              <a:rPr lang="en-US" sz="1600" b="1" dirty="0" err="1">
-                <a:solidFill>
-                  <a:srgbClr val="C00000"/>
-                </a:solidFill>
-                <a:latin typeface="Consolas" panose="020B0609020204030204" pitchFamily="49" charset="0"/>
-              </a:rPr>
-              <a:t>i</a:t>
-            </a:r>
-            <a:r>
-              <a:rPr lang="en-US" sz="1600" b="1" dirty="0">
-                <a:solidFill>
-                  <a:srgbClr val="C00000"/>
-                </a:solidFill>
-                <a:latin typeface="Consolas" panose="020B0609020204030204" pitchFamily="49" charset="0"/>
-              </a:rPr>
-              <a:t>]*data[</a:t>
-            </a:r>
-            <a:r>
-              <a:rPr lang="en-US" sz="1600" b="1" dirty="0" err="1">
-                <a:solidFill>
-                  <a:srgbClr val="C00000"/>
-                </a:solidFill>
-                <a:latin typeface="Consolas" panose="020B0609020204030204" pitchFamily="49" charset="0"/>
-              </a:rPr>
-              <a:t>i</a:t>
-            </a:r>
-            <a:r>
-              <a:rPr lang="en-US" sz="1600" b="1" dirty="0">
-                <a:solidFill>
-                  <a:srgbClr val="C00000"/>
-                </a:solidFill>
-                <a:latin typeface="Consolas" panose="020B0609020204030204" pitchFamily="49" charset="0"/>
-              </a:rPr>
-              <a:t>]; });</a:t>
-            </a:r>
-          </a:p>
-          <a:p>
-            <a:endParaRPr lang="en-US" sz="1600" dirty="0" smtClean="0">
-              <a:latin typeface="Consolas" panose="020B0609020204030204" pitchFamily="49" charset="0"/>
-            </a:endParaRPr>
-          </a:p>
-          <a:p>
-            <a:r>
-              <a:rPr lang="en-US" sz="1600" dirty="0" smtClean="0">
-                <a:latin typeface="Consolas" panose="020B0609020204030204" pitchFamily="49" charset="0"/>
-              </a:rPr>
-              <a:t>    </a:t>
-            </a:r>
-            <a:r>
-              <a:rPr lang="en-US" sz="1600" dirty="0" err="1" smtClean="0">
-                <a:latin typeface="Consolas" panose="020B0609020204030204" pitchFamily="49" charset="0"/>
-              </a:rPr>
-              <a:t>std</a:t>
-            </a:r>
-            <a:r>
-              <a:rPr lang="en-US" sz="1600" dirty="0">
-                <a:latin typeface="Consolas" panose="020B0609020204030204" pitchFamily="49" charset="0"/>
-              </a:rPr>
-              <a:t>::</a:t>
-            </a:r>
-            <a:r>
-              <a:rPr lang="en-US" sz="1600" dirty="0" err="1">
-                <a:latin typeface="Consolas" panose="020B0609020204030204" pitchFamily="49" charset="0"/>
-              </a:rPr>
-              <a:t>cout</a:t>
-            </a:r>
-            <a:r>
-              <a:rPr lang="en-US" sz="1600" dirty="0">
-                <a:latin typeface="Consolas" panose="020B0609020204030204" pitchFamily="49" charset="0"/>
-              </a:rPr>
-              <a:t> &lt;&lt; </a:t>
-            </a:r>
-            <a:r>
-              <a:rPr lang="en-US" sz="1600" dirty="0" err="1" smtClean="0">
-                <a:latin typeface="Consolas" panose="020B0609020204030204" pitchFamily="49" charset="0"/>
-              </a:rPr>
-              <a:t>data.sum</a:t>
-            </a:r>
-            <a:r>
-              <a:rPr lang="en-US" sz="1600" dirty="0" smtClean="0">
-                <a:latin typeface="Consolas" panose="020B0609020204030204" pitchFamily="49" charset="0"/>
-              </a:rPr>
-              <a:t>() &lt;&lt; </a:t>
-            </a:r>
-            <a:r>
-              <a:rPr lang="en-US" sz="1600" dirty="0" err="1" smtClean="0">
-                <a:latin typeface="Consolas" panose="020B0609020204030204" pitchFamily="49" charset="0"/>
-              </a:rPr>
-              <a:t>std</a:t>
-            </a:r>
-            <a:r>
-              <a:rPr lang="en-US" sz="1600" dirty="0">
-                <a:latin typeface="Consolas" panose="020B0609020204030204" pitchFamily="49" charset="0"/>
-              </a:rPr>
-              <a:t>::</a:t>
-            </a:r>
-            <a:r>
-              <a:rPr lang="en-US" sz="1600" dirty="0" err="1">
-                <a:latin typeface="Consolas" panose="020B0609020204030204" pitchFamily="49" charset="0"/>
-              </a:rPr>
-              <a:t>endl</a:t>
-            </a:r>
-            <a:r>
-              <a:rPr lang="en-US" sz="1600" dirty="0">
-                <a:latin typeface="Consolas" panose="020B0609020204030204" pitchFamily="49" charset="0"/>
-              </a:rPr>
-              <a:t>;</a:t>
-            </a:r>
-          </a:p>
-          <a:p>
-            <a:r>
               <a:rPr lang="en-US" sz="1600" dirty="0">
                 <a:latin typeface="Consolas" panose="020B0609020204030204" pitchFamily="49" charset="0"/>
               </a:rPr>
@@ -11766,63 +12037,203 @@
           </a:p>
         </p:txBody>
       </p:sp>
-      <p:sp>
-        <p:nvSpPr>
-          <p:cNvPr id="6" name="TextBox 5"/>
-          <p:cNvSpPr txBox="1"/>
+      <p:grpSp>
+        <p:nvGrpSpPr>
+          <p:cNvPr id="12" name="Group 11"/>
+          <p:cNvGrpSpPr/>
           <p:nvPr/>
-        </p:nvSpPr>
-        <p:spPr>
+        </p:nvGrpSpPr>
+        <p:grpSpPr>
           <a:xfrm>
-            <a:off x="9153914" y="3927879"/>
-            <a:ext cx="2023439" cy="923330"/>
+            <a:off x="7239699" y="2969703"/>
+            <a:ext cx="3913702" cy="889233"/>
+            <a:chOff x="7239699" y="2969703"/>
+            <a:chExt cx="3913702" cy="889233"/>
           </a:xfrm>
-          <a:prstGeom prst="rect">
-            <a:avLst/>
-          </a:prstGeom>
-        </p:spPr>
-        <p:style>
-          <a:lnRef idx="1">
-            <a:schemeClr val="accent2"/>
-          </a:lnRef>
-          <a:fillRef idx="2">
-            <a:schemeClr val="accent2"/>
-          </a:fillRef>
-          <a:effectRef idx="1">
-            <a:schemeClr val="accent2"/>
-          </a:effectRef>
-          <a:fontRef idx="minor">
-            <a:schemeClr val="dk1"/>
-          </a:fontRef>
-        </p:style>
-        <p:txBody>
-          <a:bodyPr wrap="none" rtlCol="0">
-            <a:spAutoFit/>
-          </a:bodyPr>
-          <a:lstStyle/>
-          <a:p>
-            <a:r>
-              <a:rPr lang="en-US" dirty="0" smtClean="0"/>
-              <a:t>work automatically</a:t>
-            </a:r>
-            <a:br>
-              <a:rPr lang="en-US" dirty="0" smtClean="0"/>
-            </a:br>
-            <a:r>
-              <a:rPr lang="en-US" dirty="0" smtClean="0"/>
-              <a:t>divided over thread</a:t>
-            </a:r>
-            <a:br>
-              <a:rPr lang="en-US" dirty="0" smtClean="0"/>
-            </a:br>
-            <a:r>
-              <a:rPr lang="en-US" dirty="0" smtClean="0"/>
-              <a:t>pool</a:t>
-            </a:r>
-            <a:endParaRPr lang="en-US" dirty="0"/>
-          </a:p>
-        </p:txBody>
-      </p:sp>
+        </p:grpSpPr>
+        <p:sp>
+          <p:nvSpPr>
+            <p:cNvPr id="3" name="TextBox 2"/>
+            <p:cNvSpPr txBox="1"/>
+            <p:nvPr/>
+          </p:nvSpPr>
+          <p:spPr>
+            <a:xfrm>
+              <a:off x="8388990" y="2969703"/>
+              <a:ext cx="2764411" cy="369332"/>
+            </a:xfrm>
+            <a:prstGeom prst="rect">
+              <a:avLst/>
+            </a:prstGeom>
+          </p:spPr>
+          <p:style>
+            <a:lnRef idx="1">
+              <a:schemeClr val="accent1"/>
+            </a:lnRef>
+            <a:fillRef idx="2">
+              <a:schemeClr val="accent1"/>
+            </a:fillRef>
+            <a:effectRef idx="1">
+              <a:schemeClr val="accent1"/>
+            </a:effectRef>
+            <a:fontRef idx="minor">
+              <a:schemeClr val="dk1"/>
+            </a:fontRef>
+          </p:style>
+          <p:txBody>
+            <a:bodyPr wrap="none" rtlCol="0">
+              <a:spAutoFit/>
+            </a:bodyPr>
+            <a:lstStyle/>
+            <a:p>
+              <a:r>
+                <a:rPr lang="en-US" dirty="0" smtClean="0"/>
+                <a:t>reduction of </a:t>
+              </a:r>
+              <a:r>
+                <a:rPr lang="en-US" dirty="0" err="1" smtClean="0"/>
+                <a:t>blocked_range</a:t>
+              </a:r>
+              <a:endParaRPr lang="en-US" dirty="0"/>
+            </a:p>
+          </p:txBody>
+        </p:sp>
+        <p:cxnSp>
+          <p:nvCxnSpPr>
+            <p:cNvPr id="9" name="Straight Arrow Connector 8"/>
+            <p:cNvCxnSpPr>
+              <a:stCxn id="3" idx="1"/>
+            </p:cNvCxnSpPr>
+            <p:nvPr/>
+          </p:nvCxnSpPr>
+          <p:spPr>
+            <a:xfrm flipH="1">
+              <a:off x="7239699" y="3154369"/>
+              <a:ext cx="1149291" cy="704567"/>
+            </a:xfrm>
+            <a:prstGeom prst="straightConnector1">
+              <a:avLst/>
+            </a:prstGeom>
+            <a:ln w="19050">
+              <a:tailEnd type="stealth" w="lg" len="lg"/>
+            </a:ln>
+          </p:spPr>
+          <p:style>
+            <a:lnRef idx="1">
+              <a:schemeClr val="accent1"/>
+            </a:lnRef>
+            <a:fillRef idx="0">
+              <a:schemeClr val="accent1"/>
+            </a:fillRef>
+            <a:effectRef idx="0">
+              <a:schemeClr val="accent1"/>
+            </a:effectRef>
+            <a:fontRef idx="minor">
+              <a:schemeClr val="tx1"/>
+            </a:fontRef>
+          </p:style>
+        </p:cxnSp>
+      </p:grpSp>
+      <p:grpSp>
+        <p:nvGrpSpPr>
+          <p:cNvPr id="16" name="Group 15"/>
+          <p:cNvGrpSpPr/>
+          <p:nvPr/>
+        </p:nvGrpSpPr>
+        <p:grpSpPr>
+          <a:xfrm>
+            <a:off x="7239699" y="5430459"/>
+            <a:ext cx="3913701" cy="646331"/>
+            <a:chOff x="7239699" y="5430459"/>
+            <a:chExt cx="3913701" cy="646331"/>
+          </a:xfrm>
+        </p:grpSpPr>
+        <p:sp>
+          <p:nvSpPr>
+            <p:cNvPr id="7" name="TextBox 6"/>
+            <p:cNvSpPr txBox="1"/>
+            <p:nvPr/>
+          </p:nvSpPr>
+          <p:spPr>
+            <a:xfrm>
+              <a:off x="8388989" y="5430459"/>
+              <a:ext cx="2764411" cy="646331"/>
+            </a:xfrm>
+            <a:prstGeom prst="rect">
+              <a:avLst/>
+            </a:prstGeom>
+          </p:spPr>
+          <p:style>
+            <a:lnRef idx="1">
+              <a:schemeClr val="accent1"/>
+            </a:lnRef>
+            <a:fillRef idx="2">
+              <a:schemeClr val="accent1"/>
+            </a:fillRef>
+            <a:effectRef idx="1">
+              <a:schemeClr val="accent1"/>
+            </a:effectRef>
+            <a:fontRef idx="minor">
+              <a:schemeClr val="dk1"/>
+            </a:fontRef>
+          </p:style>
+          <p:txBody>
+            <a:bodyPr wrap="square" rtlCol="0">
+              <a:spAutoFit/>
+            </a:bodyPr>
+            <a:lstStyle/>
+            <a:p>
+              <a:r>
+                <a:rPr lang="en-US" dirty="0" smtClean="0"/>
+                <a:t>reduction of </a:t>
+              </a:r>
+              <a:r>
+                <a:rPr lang="en-US" dirty="0" err="1" smtClean="0"/>
+                <a:t>blocked_range</a:t>
+              </a:r>
+              <a:r>
+                <a:rPr lang="en-US" dirty="0" smtClean="0"/>
+                <a:t> results</a:t>
+              </a:r>
+            </a:p>
+          </p:txBody>
+        </p:sp>
+        <p:cxnSp>
+          <p:nvCxnSpPr>
+            <p:cNvPr id="13" name="Straight Arrow Connector 12"/>
+            <p:cNvCxnSpPr>
+              <a:stCxn id="7" idx="1"/>
+            </p:cNvCxnSpPr>
+            <p:nvPr/>
+          </p:nvCxnSpPr>
+          <p:spPr>
+            <a:xfrm flipH="1" flipV="1">
+              <a:off x="7239699" y="5623034"/>
+              <a:ext cx="1149290" cy="130591"/>
+            </a:xfrm>
+            <a:prstGeom prst="straightConnector1">
+              <a:avLst/>
+            </a:prstGeom>
+            <a:ln w="19050">
+              <a:tailEnd type="stealth" w="lg" len="lg"/>
+            </a:ln>
+          </p:spPr>
+          <p:style>
+            <a:lnRef idx="1">
+              <a:schemeClr val="accent1"/>
+            </a:lnRef>
+            <a:fillRef idx="0">
+              <a:schemeClr val="accent1"/>
+            </a:fillRef>
+            <a:effectRef idx="0">
+              <a:schemeClr val="accent1"/>
+            </a:effectRef>
+            <a:fontRef idx="minor">
+              <a:schemeClr val="tx1"/>
+            </a:fontRef>
+          </p:style>
+        </p:cxnSp>
+      </p:grpSp>
     </p:spTree>
     <p:extLst>
       <p:ext uri="{BB962C8B-B14F-4D97-AF65-F5344CB8AC3E}">

--- a/CPlusPlus/Tbb/tbb.pptx
+++ b/CPlusPlus/Tbb/tbb.pptx
@@ -1295,7 +1295,6 @@
           </a:p>
         </c:rich>
       </c:tx>
-      <c:layout/>
       <c:overlay val="0"/>
       <c:spPr>
         <a:noFill/>
@@ -1653,7 +1652,6 @@
   </mc:AlternateContent>
   <c:chart>
     <c:title>
-      <c:layout/>
       <c:overlay val="0"/>
       <c:spPr>
         <a:noFill/>
@@ -2009,7 +2007,6 @@
   </mc:AlternateContent>
   <c:chart>
     <c:title>
-      <c:layout/>
       <c:overlay val="0"/>
       <c:spPr>
         <a:noFill/>
@@ -2391,7 +2388,6 @@
           </a:p>
         </c:rich>
       </c:tx>
-      <c:layout/>
       <c:overlay val="0"/>
       <c:spPr>
         <a:noFill/>
@@ -2747,7 +2743,6 @@
   </mc:AlternateContent>
   <c:chart>
     <c:title>
-      <c:layout/>
       <c:overlay val="0"/>
       <c:spPr>
         <a:noFill/>
@@ -3103,7 +3098,6 @@
   </mc:AlternateContent>
   <c:chart>
     <c:title>
-      <c:layout/>
       <c:overlay val="0"/>
       <c:spPr>
         <a:noFill/>
@@ -7974,7 +7968,7 @@
           <a:p>
             <a:fld id="{72A559F6-5B7D-4313-A416-AF59A4E68915}" type="datetimeFigureOut">
               <a:rPr lang="en-US" smtClean="0"/>
-              <a:t>2019-05-30</a:t>
+              <a:t>2019-06-04</a:t>
             </a:fld>
             <a:endParaRPr lang="en-US"/>
           </a:p>
@@ -8373,7 +8367,7 @@
           <a:p>
             <a:fld id="{10BAA852-CFF9-48BA-A628-AE9DB7CB9A88}" type="datetime1">
               <a:rPr lang="en-US" smtClean="0"/>
-              <a:t>2019-05-30</a:t>
+              <a:t>2019-06-04</a:t>
             </a:fld>
             <a:endParaRPr lang="en-US"/>
           </a:p>
@@ -8543,7 +8537,7 @@
           <a:p>
             <a:fld id="{6AE9B819-3E52-43A1-8A40-2B7C4C434AEB}" type="datetime1">
               <a:rPr lang="en-US" smtClean="0"/>
-              <a:t>2019-05-30</a:t>
+              <a:t>2019-06-04</a:t>
             </a:fld>
             <a:endParaRPr lang="en-US"/>
           </a:p>
@@ -8723,7 +8717,7 @@
           <a:p>
             <a:fld id="{8E838FA6-5F9F-4ECF-8918-25AD07791A8E}" type="datetime1">
               <a:rPr lang="en-US" smtClean="0"/>
-              <a:t>2019-05-30</a:t>
+              <a:t>2019-06-04</a:t>
             </a:fld>
             <a:endParaRPr lang="en-US"/>
           </a:p>
@@ -8983,7 +8977,7 @@
           <a:p>
             <a:fld id="{E8BA1A0E-364C-4183-A995-0F7F3E7596BF}" type="datetime1">
               <a:rPr lang="en-US" smtClean="0"/>
-              <a:t>2019-05-30</a:t>
+              <a:t>2019-06-04</a:t>
             </a:fld>
             <a:endParaRPr lang="en-US"/>
           </a:p>
@@ -10488,7 +10482,7 @@
           <a:p>
             <a:fld id="{4940FBB2-602E-4B42-A747-9CF7EF118304}" type="datetime1">
               <a:rPr lang="en-US" smtClean="0"/>
-              <a:t>2019-05-30</a:t>
+              <a:t>2019-06-04</a:t>
             </a:fld>
             <a:endParaRPr lang="en-US"/>
           </a:p>
@@ -12589,7 +12583,7 @@
           <a:p>
             <a:fld id="{4AB9213C-A76D-4936-9EE8-1986AC361683}" type="datetime1">
               <a:rPr lang="en-US" smtClean="0"/>
-              <a:t>2019-05-30</a:t>
+              <a:t>2019-06-04</a:t>
             </a:fld>
             <a:endParaRPr lang="en-US"/>
           </a:p>
@@ -12859,7 +12853,7 @@
           <a:p>
             <a:fld id="{14EFB339-1FD7-4DAE-BB11-806F6BD9CFA9}" type="datetime1">
               <a:rPr lang="en-US" smtClean="0"/>
-              <a:t>2019-05-30</a:t>
+              <a:t>2019-06-04</a:t>
             </a:fld>
             <a:endParaRPr lang="en-US"/>
           </a:p>
@@ -13226,7 +13220,7 @@
           <a:p>
             <a:fld id="{0E1F55F6-D9C4-4241-908D-398DED6EBAB1}" type="datetime1">
               <a:rPr lang="en-US" smtClean="0"/>
-              <a:t>2019-05-30</a:t>
+              <a:t>2019-06-04</a:t>
             </a:fld>
             <a:endParaRPr lang="en-US"/>
           </a:p>
@@ -13344,7 +13338,7 @@
           <a:p>
             <a:fld id="{92FB5E62-F774-4F65-B3A2-2213C25A5AEA}" type="datetime1">
               <a:rPr lang="en-US" smtClean="0"/>
-              <a:t>2019-05-30</a:t>
+              <a:t>2019-06-04</a:t>
             </a:fld>
             <a:endParaRPr lang="en-US"/>
           </a:p>
@@ -13439,7 +13433,7 @@
           <a:p>
             <a:fld id="{4CED0878-CF1B-49ED-AD4E-5ED3D953F768}" type="datetime1">
               <a:rPr lang="en-US" smtClean="0"/>
-              <a:t>2019-05-30</a:t>
+              <a:t>2019-06-04</a:t>
             </a:fld>
             <a:endParaRPr lang="en-US"/>
           </a:p>
@@ -13716,7 +13710,7 @@
           <a:p>
             <a:fld id="{B3D32334-80A3-4CEF-85FC-5DDF56E1E7C0}" type="datetime1">
               <a:rPr lang="en-US" smtClean="0"/>
-              <a:t>2019-05-30</a:t>
+              <a:t>2019-06-04</a:t>
             </a:fld>
             <a:endParaRPr lang="en-US"/>
           </a:p>
@@ -13969,7 +13963,7 @@
           <a:p>
             <a:fld id="{CA404258-DD8C-4FD4-A6A9-83DE392C6C3F}" type="datetime1">
               <a:rPr lang="en-US" smtClean="0"/>
-              <a:t>2019-05-30</a:t>
+              <a:t>2019-06-04</a:t>
             </a:fld>
             <a:endParaRPr lang="en-US"/>
           </a:p>
@@ -14182,7 +14176,7 @@
           <a:p>
             <a:fld id="{80333226-38AF-4D55-9F51-5A04A4858D36}" type="datetime1">
               <a:rPr lang="en-US" smtClean="0"/>
-              <a:t>2019-05-30</a:t>
+              <a:t>2019-06-04</a:t>
             </a:fld>
             <a:endParaRPr lang="en-US"/>
           </a:p>
@@ -17389,8 +17383,8 @@
             <a:chExt cx="1725922" cy="802942"/>
           </a:xfrm>
         </p:grpSpPr>
-        <mc:AlternateContent xmlns:mc="http://schemas.openxmlformats.org/markup-compatibility/2006">
-          <mc:Choice xmlns:a14="http://schemas.microsoft.com/office/drawing/2010/main" Requires="a14">
+        <mc:AlternateContent xmlns:mc="http://schemas.openxmlformats.org/markup-compatibility/2006" xmlns:a14="http://schemas.microsoft.com/office/drawing/2010/main">
+          <mc:Choice Requires="a14">
             <p:sp>
               <p:nvSpPr>
                 <p:cNvPr id="7" name="TextBox 6"/>
@@ -17504,7 +17498,7 @@
               </p:txBody>
             </p:sp>
           </mc:Choice>
-          <mc:Fallback>
+          <mc:Fallback xmlns="">
             <p:sp>
               <p:nvSpPr>
                 <p:cNvPr id="7" name="TextBox 6"/>
@@ -17543,8 +17537,8 @@
             </p:sp>
           </mc:Fallback>
         </mc:AlternateContent>
-        <mc:AlternateContent xmlns:mc="http://schemas.openxmlformats.org/markup-compatibility/2006">
-          <mc:Choice xmlns:a14="http://schemas.microsoft.com/office/drawing/2010/main" Requires="a14">
+        <mc:AlternateContent xmlns:mc="http://schemas.openxmlformats.org/markup-compatibility/2006" xmlns:a14="http://schemas.microsoft.com/office/drawing/2010/main">
+          <mc:Choice Requires="a14">
             <p:sp>
               <p:nvSpPr>
                 <p:cNvPr id="8" name="TextBox 7"/>
@@ -17672,7 +17666,7 @@
               </p:txBody>
             </p:sp>
           </mc:Choice>
-          <mc:Fallback>
+          <mc:Fallback xmlns="">
             <p:sp>
               <p:nvSpPr>
                 <p:cNvPr id="8" name="TextBox 7"/>
@@ -20746,9 +20740,6 @@
               </a:rPr>
               <a:t>   }</a:t>
             </a:r>
-            <a:endParaRPr lang="en-US" sz="1600" dirty="0" smtClean="0">
-              <a:latin typeface="Consolas" panose="020B0609020204030204" pitchFamily="49" charset="0"/>
-            </a:endParaRPr>
           </a:p>
           <a:p>
             <a:r>
@@ -21983,7 +21974,7 @@
         <p:spPr>
           <a:xfrm>
             <a:off x="1072949" y="1478243"/>
-            <a:ext cx="9610323" cy="3539430"/>
+            <a:ext cx="9946954" cy="3539430"/>
           </a:xfrm>
           <a:prstGeom prst="rect">
             <a:avLst/>
@@ -22138,22 +22129,13 @@
               <a:t>parallel_for</a:t>
             </a:r>
             <a:r>
-              <a:rPr lang="en-US" sz="1600" b="1" dirty="0" smtClean="0">
+              <a:rPr lang="en-US" sz="1600" b="1" smtClean="0">
                 <a:solidFill>
                   <a:srgbClr val="C00000"/>
                 </a:solidFill>
                 <a:latin typeface="Consolas" panose="020B0609020204030204" pitchFamily="49" charset="0"/>
               </a:rPr>
-              <a:t>(</a:t>
-            </a:r>
-            <a:r>
-              <a:rPr lang="en-US" sz="1600" b="1" dirty="0" err="1" smtClean="0">
-                <a:solidFill>
-                  <a:srgbClr val="C00000"/>
-                </a:solidFill>
-                <a:latin typeface="Consolas" panose="020B0609020204030204" pitchFamily="49" charset="0"/>
-              </a:rPr>
-              <a:t>std</a:t>
+              <a:t>(tbb</a:t>
             </a:r>
             <a:r>
               <a:rPr lang="en-US" sz="1600" b="1" dirty="0" smtClean="0">
@@ -26957,11 +26939,7 @@
             <a:pPr lvl="1"/>
             <a:r>
               <a:rPr lang="en-US" dirty="0" smtClean="0"/>
-              <a:t>optionally </a:t>
-            </a:r>
-            <a:r>
-              <a:rPr lang="en-US" dirty="0" smtClean="0"/>
-              <a:t>add new items to process </a:t>
+              <a:t>optionally add new items to process </a:t>
             </a:r>
             <a:r>
               <a:rPr lang="en-US" dirty="0"/>
@@ -32584,11 +32562,7 @@
             </a:r>
             <a:r>
               <a:rPr lang="en-BE" dirty="0" smtClean="0"/>
-              <a:t>hared </a:t>
-            </a:r>
-            <a:r>
-              <a:rPr lang="en-BE" dirty="0" smtClean="0"/>
-              <a:t>memory programming?</a:t>
+              <a:t>hared memory programming?</a:t>
             </a:r>
             <a:endParaRPr lang="en-US" dirty="0"/>
           </a:p>
@@ -35621,16 +35595,11 @@
               <a:rPr lang="en-US" dirty="0" smtClean="0"/>
               <a:t>Atomic operations</a:t>
             </a:r>
-            <a:endParaRPr lang="en-US" dirty="0" smtClean="0"/>
           </a:p>
           <a:p>
             <a:r>
               <a:rPr lang="en-US" dirty="0" smtClean="0"/>
-              <a:t>Memory </a:t>
-            </a:r>
-            <a:r>
-              <a:rPr lang="en-US" dirty="0" smtClean="0"/>
-              <a:t>allocation</a:t>
+              <a:t>Memory allocation</a:t>
             </a:r>
             <a:endParaRPr lang="en-US" dirty="0"/>
           </a:p>
@@ -36459,11 +36428,7 @@
             </a:r>
             <a:r>
               <a:rPr lang="en-US" dirty="0" smtClean="0"/>
-              <a:t>ambda </a:t>
-            </a:r>
-            <a:r>
-              <a:rPr lang="en-US" dirty="0" smtClean="0"/>
-              <a:t>functions</a:t>
+              <a:t>ambda functions</a:t>
             </a:r>
           </a:p>
           <a:p>

--- a/CPlusPlus/Tbb/tbb.pptx
+++ b/CPlusPlus/Tbb/tbb.pptx
@@ -188,7 +188,6 @@
           </a:p>
         </c:rich>
       </c:tx>
-      <c:layout/>
       <c:overlay val="0"/>
       <c:spPr>
         <a:noFill/>
@@ -649,7 +648,6 @@
     </c:plotArea>
     <c:legend>
       <c:legendPos val="b"/>
-      <c:layout/>
       <c:overlay val="0"/>
       <c:spPr>
         <a:noFill/>
@@ -746,7 +744,6 @@
           </a:p>
         </c:rich>
       </c:tx>
-      <c:layout/>
       <c:overlay val="0"/>
       <c:spPr>
         <a:noFill/>
@@ -1198,7 +1195,6 @@
     </c:plotArea>
     <c:legend>
       <c:legendPos val="b"/>
-      <c:layout/>
       <c:overlay val="0"/>
       <c:spPr>
         <a:noFill/>
@@ -7968,7 +7964,7 @@
           <a:p>
             <a:fld id="{72A559F6-5B7D-4313-A416-AF59A4E68915}" type="datetimeFigureOut">
               <a:rPr lang="en-US" smtClean="0"/>
-              <a:t>2019-06-04</a:t>
+              <a:t>2019-08-23</a:t>
             </a:fld>
             <a:endParaRPr lang="en-US"/>
           </a:p>
@@ -8367,7 +8363,7 @@
           <a:p>
             <a:fld id="{10BAA852-CFF9-48BA-A628-AE9DB7CB9A88}" type="datetime1">
               <a:rPr lang="en-US" smtClean="0"/>
-              <a:t>2019-06-04</a:t>
+              <a:t>2019-08-23</a:t>
             </a:fld>
             <a:endParaRPr lang="en-US"/>
           </a:p>
@@ -8537,7 +8533,7 @@
           <a:p>
             <a:fld id="{6AE9B819-3E52-43A1-8A40-2B7C4C434AEB}" type="datetime1">
               <a:rPr lang="en-US" smtClean="0"/>
-              <a:t>2019-06-04</a:t>
+              <a:t>2019-08-23</a:t>
             </a:fld>
             <a:endParaRPr lang="en-US"/>
           </a:p>
@@ -8717,7 +8713,7 @@
           <a:p>
             <a:fld id="{8E838FA6-5F9F-4ECF-8918-25AD07791A8E}" type="datetime1">
               <a:rPr lang="en-US" smtClean="0"/>
-              <a:t>2019-06-04</a:t>
+              <a:t>2019-08-23</a:t>
             </a:fld>
             <a:endParaRPr lang="en-US"/>
           </a:p>
@@ -8977,7 +8973,7 @@
           <a:p>
             <a:fld id="{E8BA1A0E-364C-4183-A995-0F7F3E7596BF}" type="datetime1">
               <a:rPr lang="en-US" smtClean="0"/>
-              <a:t>2019-06-04</a:t>
+              <a:t>2019-08-23</a:t>
             </a:fld>
             <a:endParaRPr lang="en-US"/>
           </a:p>
@@ -10482,7 +10478,7 @@
           <a:p>
             <a:fld id="{4940FBB2-602E-4B42-A747-9CF7EF118304}" type="datetime1">
               <a:rPr lang="en-US" smtClean="0"/>
-              <a:t>2019-06-04</a:t>
+              <a:t>2019-08-23</a:t>
             </a:fld>
             <a:endParaRPr lang="en-US"/>
           </a:p>
@@ -12583,7 +12579,7 @@
           <a:p>
             <a:fld id="{4AB9213C-A76D-4936-9EE8-1986AC361683}" type="datetime1">
               <a:rPr lang="en-US" smtClean="0"/>
-              <a:t>2019-06-04</a:t>
+              <a:t>2019-08-23</a:t>
             </a:fld>
             <a:endParaRPr lang="en-US"/>
           </a:p>
@@ -12853,7 +12849,7 @@
           <a:p>
             <a:fld id="{14EFB339-1FD7-4DAE-BB11-806F6BD9CFA9}" type="datetime1">
               <a:rPr lang="en-US" smtClean="0"/>
-              <a:t>2019-06-04</a:t>
+              <a:t>2019-08-23</a:t>
             </a:fld>
             <a:endParaRPr lang="en-US"/>
           </a:p>
@@ -13220,7 +13216,7 @@
           <a:p>
             <a:fld id="{0E1F55F6-D9C4-4241-908D-398DED6EBAB1}" type="datetime1">
               <a:rPr lang="en-US" smtClean="0"/>
-              <a:t>2019-06-04</a:t>
+              <a:t>2019-08-23</a:t>
             </a:fld>
             <a:endParaRPr lang="en-US"/>
           </a:p>
@@ -13338,7 +13334,7 @@
           <a:p>
             <a:fld id="{92FB5E62-F774-4F65-B3A2-2213C25A5AEA}" type="datetime1">
               <a:rPr lang="en-US" smtClean="0"/>
-              <a:t>2019-06-04</a:t>
+              <a:t>2019-08-23</a:t>
             </a:fld>
             <a:endParaRPr lang="en-US"/>
           </a:p>
@@ -13433,7 +13429,7 @@
           <a:p>
             <a:fld id="{4CED0878-CF1B-49ED-AD4E-5ED3D953F768}" type="datetime1">
               <a:rPr lang="en-US" smtClean="0"/>
-              <a:t>2019-06-04</a:t>
+              <a:t>2019-08-23</a:t>
             </a:fld>
             <a:endParaRPr lang="en-US"/>
           </a:p>
@@ -13710,7 +13706,7 @@
           <a:p>
             <a:fld id="{B3D32334-80A3-4CEF-85FC-5DDF56E1E7C0}" type="datetime1">
               <a:rPr lang="en-US" smtClean="0"/>
-              <a:t>2019-06-04</a:t>
+              <a:t>2019-08-23</a:t>
             </a:fld>
             <a:endParaRPr lang="en-US"/>
           </a:p>
@@ -13963,7 +13959,7 @@
           <a:p>
             <a:fld id="{CA404258-DD8C-4FD4-A6A9-83DE392C6C3F}" type="datetime1">
               <a:rPr lang="en-US" smtClean="0"/>
-              <a:t>2019-06-04</a:t>
+              <a:t>2019-08-23</a:t>
             </a:fld>
             <a:endParaRPr lang="en-US"/>
           </a:p>
@@ -14176,7 +14172,7 @@
           <a:p>
             <a:fld id="{80333226-38AF-4D55-9F51-5A04A4858D36}" type="datetime1">
               <a:rPr lang="en-US" smtClean="0"/>
-              <a:t>2019-06-04</a:t>
+              <a:t>2019-08-23</a:t>
             </a:fld>
             <a:endParaRPr lang="en-US"/>
           </a:p>
@@ -36086,7 +36082,7 @@
         <p:spPr/>
         <p:txBody>
           <a:bodyPr>
-            <a:normAutofit fontScale="92500"/>
+            <a:normAutofit fontScale="92500" lnSpcReduction="10000"/>
           </a:bodyPr>
           <a:lstStyle/>
           <a:p>
@@ -36126,14 +36122,49 @@
           <a:p>
             <a:r>
               <a:rPr lang="en-US" dirty="0" smtClean="0"/>
-              <a:t>Book:</a:t>
+              <a:t>Books:</a:t>
+            </a:r>
+            <a:endParaRPr lang="en-US" dirty="0"/>
+          </a:p>
+          <a:p>
+            <a:pPr lvl="1"/>
+            <a:r>
+              <a:rPr lang="en-US" i="1" dirty="0" smtClean="0"/>
+              <a:t>Intel </a:t>
+            </a:r>
+            <a:r>
+              <a:rPr lang="en-US" i="1" dirty="0" smtClean="0"/>
+              <a:t>Threading Building Blocks: outfitting C++ for multi-core parallelism</a:t>
+            </a:r>
+            <a:r>
+              <a:rPr lang="en-US" dirty="0" smtClean="0"/>
+              <a:t/>
             </a:r>
             <a:br>
               <a:rPr lang="en-US" dirty="0" smtClean="0"/>
             </a:br>
             <a:r>
+              <a:rPr lang="en-US" dirty="0" smtClean="0"/>
+              <a:t>James </a:t>
+            </a:r>
+            <a:r>
+              <a:rPr lang="en-US" dirty="0" err="1" smtClean="0"/>
+              <a:t>Reinders</a:t>
+            </a:r>
+            <a:r>
+              <a:rPr lang="en-US" dirty="0" smtClean="0"/>
+              <a:t>, 2010, </a:t>
+            </a:r>
+            <a:r>
+              <a:rPr lang="en-US" dirty="0" smtClean="0"/>
+              <a:t>O'Reilly</a:t>
+            </a:r>
+          </a:p>
+          <a:p>
+            <a:pPr lvl="1"/>
+            <a:r>
               <a:rPr lang="en-US" i="1" dirty="0" smtClean="0"/>
-              <a:t>Intel Threading Building Blocks: outfitting C++ for multi-core parallelism</a:t>
+              <a:t>Pro TBB: C++ parallel programming with Threading Building Blocks</a:t>
             </a:r>
             <a:r>
               <a:rPr lang="en-US" dirty="0" smtClean="0"/>
@@ -36144,7 +36175,15 @@
             </a:br>
             <a:r>
               <a:rPr lang="en-US" dirty="0" smtClean="0"/>
-              <a:t>James </a:t>
+              <a:t>Michael Voss, Rafael </a:t>
+            </a:r>
+            <a:r>
+              <a:rPr lang="en-US" dirty="0" err="1" smtClean="0"/>
+              <a:t>Asenjo</a:t>
+            </a:r>
+            <a:r>
+              <a:rPr lang="en-US" dirty="0" smtClean="0"/>
+              <a:t>, James </a:t>
             </a:r>
             <a:r>
               <a:rPr lang="en-US" dirty="0" err="1" smtClean="0"/>
@@ -36152,7 +36191,15 @@
             </a:r>
             <a:r>
               <a:rPr lang="en-US" dirty="0" smtClean="0"/>
-              <a:t>, 2010, O'Reilly</a:t>
+              <a:t>, 2019, </a:t>
+            </a:r>
+            <a:r>
+              <a:rPr lang="en-US" dirty="0" err="1" smtClean="0"/>
+              <a:t>Apress</a:t>
+            </a:r>
+            <a:r>
+              <a:rPr lang="en-US" dirty="0" smtClean="0"/>
+              <a:t> Open</a:t>
             </a:r>
             <a:endParaRPr lang="en-US" dirty="0"/>
           </a:p>
